--- a/overview/SlicerRtOverview.pptx
+++ b/overview/SlicerRtOverview.pptx
@@ -5,22 +5,25 @@
     <p:sldMasterId id="2147483648" r:id="rId1"/>
   </p:sldMasterIdLst>
   <p:notesMasterIdLst>
-    <p:notesMasterId r:id="rId15"/>
+    <p:notesMasterId r:id="rId18"/>
   </p:notesMasterIdLst>
   <p:sldIdLst>
     <p:sldId id="256" r:id="rId2"/>
     <p:sldId id="383" r:id="rId3"/>
-    <p:sldId id="379" r:id="rId4"/>
-    <p:sldId id="391" r:id="rId5"/>
-    <p:sldId id="381" r:id="rId6"/>
-    <p:sldId id="393" r:id="rId7"/>
-    <p:sldId id="394" r:id="rId8"/>
-    <p:sldId id="395" r:id="rId9"/>
-    <p:sldId id="396" r:id="rId10"/>
-    <p:sldId id="397" r:id="rId11"/>
-    <p:sldId id="398" r:id="rId12"/>
-    <p:sldId id="392" r:id="rId13"/>
+    <p:sldId id="391" r:id="rId4"/>
+    <p:sldId id="393" r:id="rId5"/>
+    <p:sldId id="400" r:id="rId6"/>
+    <p:sldId id="394" r:id="rId7"/>
+    <p:sldId id="395" r:id="rId8"/>
+    <p:sldId id="396" r:id="rId9"/>
+    <p:sldId id="397" r:id="rId10"/>
+    <p:sldId id="398" r:id="rId11"/>
+    <p:sldId id="392" r:id="rId12"/>
+    <p:sldId id="401" r:id="rId13"/>
     <p:sldId id="390" r:id="rId14"/>
+    <p:sldId id="399" r:id="rId15"/>
+    <p:sldId id="379" r:id="rId16"/>
+    <p:sldId id="381" r:id="rId17"/>
   </p:sldIdLst>
   <p:sldSz cx="9144000" cy="6858000" type="screen4x3"/>
   <p:notesSz cx="6858000" cy="9144000"/>
@@ -830,6 +833,300 @@
 </p:notes>
 </file>
 
+<file path=ppt/notesSlides/notesSlide12.xml><?xml version="1.0" encoding="utf-8"?>
+<p:notes xmlns:a="http://schemas.openxmlformats.org/drawingml/2006/main" xmlns:r="http://schemas.openxmlformats.org/officeDocument/2006/relationships" xmlns:p="http://schemas.openxmlformats.org/presentationml/2006/main">
+  <p:cSld>
+    <p:spTree>
+      <p:nvGrpSpPr>
+        <p:cNvPr id="1" name=""/>
+        <p:cNvGrpSpPr/>
+        <p:nvPr/>
+      </p:nvGrpSpPr>
+      <p:grpSpPr>
+        <a:xfrm>
+          <a:off x="0" y="0"/>
+          <a:ext cx="0" cy="0"/>
+          <a:chOff x="0" y="0"/>
+          <a:chExt cx="0" cy="0"/>
+        </a:xfrm>
+      </p:grpSpPr>
+      <p:sp>
+        <p:nvSpPr>
+          <p:cNvPr id="2" name="Slide Image Placeholder 1"/>
+          <p:cNvSpPr>
+            <a:spLocks noGrp="1" noRot="1" noChangeAspect="1"/>
+          </p:cNvSpPr>
+          <p:nvPr>
+            <p:ph type="sldImg"/>
+          </p:nvPr>
+        </p:nvSpPr>
+        <p:spPr/>
+      </p:sp>
+      <p:sp>
+        <p:nvSpPr>
+          <p:cNvPr id="3" name="Notes Placeholder 2"/>
+          <p:cNvSpPr>
+            <a:spLocks noGrp="1"/>
+          </p:cNvSpPr>
+          <p:nvPr>
+            <p:ph type="body" idx="1"/>
+          </p:nvPr>
+        </p:nvSpPr>
+        <p:spPr/>
+        <p:txBody>
+          <a:bodyPr>
+            <a:normAutofit/>
+          </a:bodyPr>
+          <a:lstStyle/>
+          <a:p>
+            <a:endParaRPr lang="en-CA" dirty="0"/>
+          </a:p>
+        </p:txBody>
+      </p:sp>
+      <p:sp>
+        <p:nvSpPr>
+          <p:cNvPr id="4" name="Slide Number Placeholder 3"/>
+          <p:cNvSpPr>
+            <a:spLocks noGrp="1"/>
+          </p:cNvSpPr>
+          <p:nvPr>
+            <p:ph type="sldNum" sz="quarter" idx="10"/>
+          </p:nvPr>
+        </p:nvSpPr>
+        <p:spPr/>
+        <p:txBody>
+          <a:bodyPr/>
+          <a:lstStyle/>
+          <a:p>
+            <a:fld id="{1F1EA7EA-3873-4A18-AC34-55CD348F4F74}" type="slidenum">
+              <a:rPr lang="en-US" smtClean="0"/>
+              <a:pPr/>
+              <a:t>14</a:t>
+            </a:fld>
+            <a:endParaRPr lang="en-US"/>
+          </a:p>
+        </p:txBody>
+      </p:sp>
+    </p:spTree>
+  </p:cSld>
+  <p:clrMapOvr>
+    <a:masterClrMapping/>
+  </p:clrMapOvr>
+</p:notes>
+</file>
+
+<file path=ppt/notesSlides/notesSlide13.xml><?xml version="1.0" encoding="utf-8"?>
+<p:notes xmlns:a="http://schemas.openxmlformats.org/drawingml/2006/main" xmlns:r="http://schemas.openxmlformats.org/officeDocument/2006/relationships" xmlns:p="http://schemas.openxmlformats.org/presentationml/2006/main">
+  <p:cSld>
+    <p:spTree>
+      <p:nvGrpSpPr>
+        <p:cNvPr id="1" name=""/>
+        <p:cNvGrpSpPr/>
+        <p:nvPr/>
+      </p:nvGrpSpPr>
+      <p:grpSpPr>
+        <a:xfrm>
+          <a:off x="0" y="0"/>
+          <a:ext cx="0" cy="0"/>
+          <a:chOff x="0" y="0"/>
+          <a:chExt cx="0" cy="0"/>
+        </a:xfrm>
+      </p:grpSpPr>
+      <p:sp>
+        <p:nvSpPr>
+          <p:cNvPr id="2" name="Slide Image Placeholder 1"/>
+          <p:cNvSpPr>
+            <a:spLocks noGrp="1" noRot="1" noChangeAspect="1"/>
+          </p:cNvSpPr>
+          <p:nvPr>
+            <p:ph type="sldImg"/>
+          </p:nvPr>
+        </p:nvSpPr>
+        <p:spPr/>
+      </p:sp>
+      <p:sp>
+        <p:nvSpPr>
+          <p:cNvPr id="3" name="Notes Placeholder 2"/>
+          <p:cNvSpPr>
+            <a:spLocks noGrp="1"/>
+          </p:cNvSpPr>
+          <p:nvPr>
+            <p:ph type="body" idx="1"/>
+          </p:nvPr>
+        </p:nvSpPr>
+        <p:spPr/>
+        <p:txBody>
+          <a:bodyPr>
+            <a:normAutofit/>
+          </a:bodyPr>
+          <a:lstStyle/>
+          <a:p>
+            <a:r>
+              <a:rPr lang="en-CA" dirty="0" smtClean="0"/>
+              <a:t>Relatively</a:t>
+            </a:r>
+            <a:r>
+              <a:rPr lang="en-CA" baseline="0" dirty="0" smtClean="0"/>
+              <a:t> new effort, but its funding is secured for a couple of years</a:t>
+            </a:r>
+            <a:endParaRPr lang="en-CA" dirty="0" smtClean="0"/>
+          </a:p>
+          <a:p>
+            <a:endParaRPr lang="en-CA" dirty="0" smtClean="0"/>
+          </a:p>
+          <a:p>
+            <a:r>
+              <a:rPr lang="en-CA" dirty="0" err="1" smtClean="0"/>
+              <a:t>SparKit</a:t>
+            </a:r>
+            <a:r>
+              <a:rPr lang="en-CA" dirty="0" smtClean="0"/>
+              <a:t>: create </a:t>
+            </a:r>
+            <a:r>
+              <a:rPr lang="en-CA" b="1" dirty="0" smtClean="0"/>
+              <a:t>hardware, software, imaging and database systems </a:t>
+            </a:r>
+            <a:r>
+              <a:rPr lang="en-CA" dirty="0" smtClean="0"/>
+              <a:t>to enable oncologists to adapt radiation to </a:t>
+            </a:r>
+            <a:r>
+              <a:rPr lang="en-CA" b="1" dirty="0" smtClean="0"/>
+              <a:t>each individual patient </a:t>
+            </a:r>
+            <a:r>
+              <a:rPr lang="en-CA" dirty="0" smtClean="0"/>
+              <a:t>and their response </a:t>
+            </a:r>
+            <a:r>
+              <a:rPr lang="en-CA" b="1" dirty="0" smtClean="0"/>
+              <a:t>during the course of therapy</a:t>
+            </a:r>
+            <a:r>
+              <a:rPr lang="en-CA" dirty="0" smtClean="0"/>
+              <a:t>. </a:t>
+            </a:r>
+          </a:p>
+          <a:p>
+            <a:endParaRPr lang="en-US" dirty="0" smtClean="0"/>
+          </a:p>
+        </p:txBody>
+      </p:sp>
+      <p:sp>
+        <p:nvSpPr>
+          <p:cNvPr id="4" name="Slide Number Placeholder 3"/>
+          <p:cNvSpPr>
+            <a:spLocks noGrp="1"/>
+          </p:cNvSpPr>
+          <p:nvPr>
+            <p:ph type="sldNum" sz="quarter" idx="10"/>
+          </p:nvPr>
+        </p:nvSpPr>
+        <p:spPr/>
+        <p:txBody>
+          <a:bodyPr/>
+          <a:lstStyle/>
+          <a:p>
+            <a:fld id="{1F1EA7EA-3873-4A18-AC34-55CD348F4F74}" type="slidenum">
+              <a:rPr lang="en-US" smtClean="0"/>
+              <a:pPr/>
+              <a:t>15</a:t>
+            </a:fld>
+            <a:endParaRPr lang="en-US"/>
+          </a:p>
+        </p:txBody>
+      </p:sp>
+    </p:spTree>
+  </p:cSld>
+  <p:clrMapOvr>
+    <a:masterClrMapping/>
+  </p:clrMapOvr>
+</p:notes>
+</file>
+
+<file path=ppt/notesSlides/notesSlide14.xml><?xml version="1.0" encoding="utf-8"?>
+<p:notes xmlns:a="http://schemas.openxmlformats.org/drawingml/2006/main" xmlns:r="http://schemas.openxmlformats.org/officeDocument/2006/relationships" xmlns:p="http://schemas.openxmlformats.org/presentationml/2006/main">
+  <p:cSld>
+    <p:spTree>
+      <p:nvGrpSpPr>
+        <p:cNvPr id="1" name=""/>
+        <p:cNvGrpSpPr/>
+        <p:nvPr/>
+      </p:nvGrpSpPr>
+      <p:grpSpPr>
+        <a:xfrm>
+          <a:off x="0" y="0"/>
+          <a:ext cx="0" cy="0"/>
+          <a:chOff x="0" y="0"/>
+          <a:chExt cx="0" cy="0"/>
+        </a:xfrm>
+      </p:grpSpPr>
+      <p:sp>
+        <p:nvSpPr>
+          <p:cNvPr id="2" name="Slide Image Placeholder 1"/>
+          <p:cNvSpPr>
+            <a:spLocks noGrp="1" noRot="1" noChangeAspect="1"/>
+          </p:cNvSpPr>
+          <p:nvPr>
+            <p:ph type="sldImg"/>
+          </p:nvPr>
+        </p:nvSpPr>
+        <p:spPr/>
+      </p:sp>
+      <p:sp>
+        <p:nvSpPr>
+          <p:cNvPr id="3" name="Notes Placeholder 2"/>
+          <p:cNvSpPr>
+            <a:spLocks noGrp="1"/>
+          </p:cNvSpPr>
+          <p:nvPr>
+            <p:ph type="body" idx="1"/>
+          </p:nvPr>
+        </p:nvSpPr>
+        <p:spPr/>
+        <p:txBody>
+          <a:bodyPr>
+            <a:normAutofit/>
+          </a:bodyPr>
+          <a:lstStyle/>
+          <a:p>
+            <a:endParaRPr lang="en-CA" dirty="0"/>
+          </a:p>
+        </p:txBody>
+      </p:sp>
+      <p:sp>
+        <p:nvSpPr>
+          <p:cNvPr id="4" name="Slide Number Placeholder 3"/>
+          <p:cNvSpPr>
+            <a:spLocks noGrp="1"/>
+          </p:cNvSpPr>
+          <p:nvPr>
+            <p:ph type="sldNum" sz="quarter" idx="10"/>
+          </p:nvPr>
+        </p:nvSpPr>
+        <p:spPr/>
+        <p:txBody>
+          <a:bodyPr/>
+          <a:lstStyle/>
+          <a:p>
+            <a:fld id="{1F1EA7EA-3873-4A18-AC34-55CD348F4F74}" type="slidenum">
+              <a:rPr lang="en-US" smtClean="0"/>
+              <a:pPr/>
+              <a:t>16</a:t>
+            </a:fld>
+            <a:endParaRPr lang="en-US"/>
+          </a:p>
+        </p:txBody>
+      </p:sp>
+    </p:spTree>
+  </p:cSld>
+  <p:clrMapOvr>
+    <a:masterClrMapping/>
+  </p:clrMapOvr>
+</p:notes>
+</file>
+
 <file path=ppt/notesSlides/notesSlide2.xml><?xml version="1.0" encoding="utf-8"?>
 <p:notes xmlns:a="http://schemas.openxmlformats.org/drawingml/2006/main" xmlns:r="http://schemas.openxmlformats.org/officeDocument/2006/relationships" xmlns:p="http://schemas.openxmlformats.org/presentationml/2006/main">
   <p:cSld>
@@ -876,55 +1173,7 @@
           </a:bodyPr>
           <a:lstStyle/>
           <a:p>
-            <a:r>
-              <a:rPr lang="en-CA" dirty="0" smtClean="0"/>
-              <a:t>Relatively</a:t>
-            </a:r>
-            <a:r>
-              <a:rPr lang="en-CA" baseline="0" dirty="0" smtClean="0"/>
-              <a:t> new effort, but its funding is secured for a couple of years</a:t>
-            </a:r>
-            <a:endParaRPr lang="en-CA" dirty="0" smtClean="0"/>
-          </a:p>
-          <a:p>
-            <a:endParaRPr lang="en-CA" dirty="0" smtClean="0"/>
-          </a:p>
-          <a:p>
-            <a:r>
-              <a:rPr lang="en-CA" dirty="0" err="1" smtClean="0"/>
-              <a:t>SparKit</a:t>
-            </a:r>
-            <a:r>
-              <a:rPr lang="en-CA" dirty="0" smtClean="0"/>
-              <a:t>: create </a:t>
-            </a:r>
-            <a:r>
-              <a:rPr lang="en-CA" b="1" dirty="0" smtClean="0"/>
-              <a:t>hardware, software, imaging and database systems </a:t>
-            </a:r>
-            <a:r>
-              <a:rPr lang="en-CA" dirty="0" smtClean="0"/>
-              <a:t>to enable oncologists to adapt radiation to </a:t>
-            </a:r>
-            <a:r>
-              <a:rPr lang="en-CA" b="1" dirty="0" smtClean="0"/>
-              <a:t>each individual patient </a:t>
-            </a:r>
-            <a:r>
-              <a:rPr lang="en-CA" dirty="0" smtClean="0"/>
-              <a:t>and their response </a:t>
-            </a:r>
-            <a:r>
-              <a:rPr lang="en-CA" b="1" dirty="0" smtClean="0"/>
-              <a:t>during the course of therapy</a:t>
-            </a:r>
-            <a:r>
-              <a:rPr lang="en-CA" dirty="0" smtClean="0"/>
-              <a:t>. </a:t>
-            </a:r>
-          </a:p>
-          <a:p>
-            <a:endParaRPr lang="en-US" dirty="0" smtClean="0"/>
+            <a:endParaRPr lang="en-CA" dirty="0"/>
           </a:p>
         </p:txBody>
       </p:sp>
@@ -6130,6 +6379,158 @@
       </p:grpSpPr>
       <p:sp>
         <p:nvSpPr>
+          <p:cNvPr id="10" name="Content Placeholder 2"/>
+          <p:cNvSpPr txBox="1">
+            <a:spLocks/>
+          </p:cNvSpPr>
+          <p:nvPr/>
+        </p:nvSpPr>
+        <p:spPr bwMode="auto">
+          <a:xfrm>
+            <a:off x="228600" y="1295400"/>
+            <a:ext cx="3276600" cy="3276600"/>
+          </a:xfrm>
+          <a:prstGeom prst="rect">
+            <a:avLst/>
+          </a:prstGeom>
+          <a:noFill/>
+          <a:ln w="9525">
+            <a:noFill/>
+            <a:miter lim="800000"/>
+            <a:headEnd/>
+            <a:tailEnd/>
+          </a:ln>
+        </p:spPr>
+        <p:txBody>
+          <a:bodyPr vert="horz" wrap="square" lIns="91440" tIns="45720" rIns="91440" bIns="45720" numCol="1" anchor="t" anchorCtr="0" compatLnSpc="1">
+            <a:prstTxWarp prst="textNoShape">
+              <a:avLst/>
+            </a:prstTxWarp>
+          </a:bodyPr>
+          <a:lstStyle/>
+          <a:p>
+            <a:pPr marL="342900" marR="0" lvl="0" indent="-342900" defTabSz="914400" rtl="0" eaLnBrk="0" fontAlgn="base" latinLnBrk="0" hangingPunct="0">
+              <a:lnSpc>
+                <a:spcPct val="100000"/>
+              </a:lnSpc>
+              <a:spcBef>
+                <a:spcPct val="20000"/>
+              </a:spcBef>
+              <a:spcAft>
+                <a:spcPct val="0"/>
+              </a:spcAft>
+              <a:buClrTx/>
+              <a:buSzTx/>
+              <a:buFont typeface="Arial" pitchFamily="34" charset="0"/>
+              <a:buChar char="•"/>
+              <a:tabLst/>
+              <a:defRPr/>
+            </a:pPr>
+            <a:r>
+              <a:rPr lang="en-CA" sz="2200" dirty="0" smtClean="0">
+                <a:latin typeface="+mn-lt"/>
+              </a:rPr>
+              <a:t>Displayed </a:t>
+            </a:r>
+            <a:r>
+              <a:rPr lang="en-CA" sz="2200" dirty="0" smtClean="0">
+                <a:latin typeface="+mn-lt"/>
+              </a:rPr>
+              <a:t>on </a:t>
+            </a:r>
+            <a:r>
+              <a:rPr lang="en-CA" sz="2200" dirty="0" smtClean="0">
+                <a:latin typeface="+mn-lt"/>
+              </a:rPr>
+              <a:t>screen; </a:t>
+            </a:r>
+            <a:r>
+              <a:rPr lang="en-CA" sz="2200" dirty="0" smtClean="0">
+                <a:latin typeface="+mn-lt"/>
+              </a:rPr>
+              <a:t>zoom, trace, etc</a:t>
+            </a:r>
+            <a:r>
+              <a:rPr lang="en-CA" sz="2200" dirty="0" smtClean="0">
+                <a:latin typeface="+mn-lt"/>
+              </a:rPr>
+              <a:t>. available</a:t>
+            </a:r>
+            <a:endParaRPr lang="en-CA" sz="2200" dirty="0" smtClean="0">
+              <a:latin typeface="+mn-lt"/>
+            </a:endParaRPr>
+          </a:p>
+          <a:p>
+            <a:pPr marL="342900" marR="0" lvl="0" indent="-342900" defTabSz="914400" rtl="0" eaLnBrk="0" fontAlgn="base" latinLnBrk="0" hangingPunct="0">
+              <a:lnSpc>
+                <a:spcPct val="100000"/>
+              </a:lnSpc>
+              <a:spcBef>
+                <a:spcPct val="20000"/>
+              </a:spcBef>
+              <a:spcAft>
+                <a:spcPct val="0"/>
+              </a:spcAft>
+              <a:buClrTx/>
+              <a:buSzTx/>
+              <a:buFont typeface="Arial" pitchFamily="34" charset="0"/>
+              <a:buChar char="•"/>
+              <a:tabLst/>
+              <a:defRPr/>
+            </a:pPr>
+            <a:r>
+              <a:rPr kumimoji="0" lang="en-CA" sz="2200" b="0" i="0" u="none" strike="noStrike" kern="1200" cap="none" spc="0" normalizeH="0" baseline="0" noProof="0" dirty="0" smtClean="0">
+                <a:ln>
+                  <a:noFill/>
+                </a:ln>
+                <a:solidFill>
+                  <a:schemeClr val="tx1"/>
+                </a:solidFill>
+                <a:effectLst/>
+                <a:uLnTx/>
+                <a:uFillTx/>
+                <a:latin typeface="+mn-lt"/>
+                <a:ea typeface="+mn-ea"/>
+                <a:cs typeface="+mn-cs"/>
+              </a:rPr>
+              <a:t>Bin values can be exported CSV</a:t>
+            </a:r>
+            <a:r>
+              <a:rPr kumimoji="0" lang="en-CA" sz="2200" b="0" i="0" u="none" strike="noStrike" kern="1200" cap="none" spc="0" normalizeH="0" noProof="0" dirty="0" smtClean="0">
+                <a:ln>
+                  <a:noFill/>
+                </a:ln>
+                <a:solidFill>
+                  <a:schemeClr val="tx1"/>
+                </a:solidFill>
+                <a:effectLst/>
+                <a:uLnTx/>
+                <a:uFillTx/>
+                <a:latin typeface="+mn-lt"/>
+                <a:ea typeface="+mn-ea"/>
+                <a:cs typeface="+mn-cs"/>
+              </a:rPr>
+              <a:t> file</a:t>
+            </a:r>
+            <a:endParaRPr kumimoji="0" lang="en-CA" sz="2200" b="0" i="0" u="none" strike="noStrike" kern="1200" cap="none" spc="0" normalizeH="0" baseline="0" noProof="0" dirty="0" smtClean="0">
+              <a:ln>
+                <a:noFill/>
+              </a:ln>
+              <a:solidFill>
+                <a:schemeClr val="tx1"/>
+              </a:solidFill>
+              <a:effectLst/>
+              <a:uLnTx/>
+              <a:uFillTx/>
+              <a:latin typeface="+mn-lt"/>
+              <a:ea typeface="+mn-ea"/>
+              <a:cs typeface="+mn-cs"/>
+            </a:endParaRPr>
+          </a:p>
+        </p:txBody>
+      </p:sp>
+      <p:sp>
+        <p:nvSpPr>
           <p:cNvPr id="11" name="Footer Placeholder 10"/>
           <p:cNvSpPr>
             <a:spLocks noGrp="1"/>
@@ -6163,97 +6564,9 @@
           </a:p>
         </p:txBody>
       </p:sp>
-      <p:sp>
-        <p:nvSpPr>
-          <p:cNvPr id="9" name="Content Placeholder 2"/>
-          <p:cNvSpPr>
-            <a:spLocks noGrp="1"/>
-          </p:cNvSpPr>
-          <p:nvPr>
-            <p:ph idx="1"/>
-          </p:nvPr>
-        </p:nvSpPr>
-        <p:spPr>
-          <a:xfrm>
-            <a:off x="152400" y="228600"/>
-            <a:ext cx="4095750" cy="3189514"/>
-          </a:xfrm>
-        </p:spPr>
-        <p:txBody>
-          <a:bodyPr/>
-          <a:lstStyle/>
-          <a:p>
-            <a:pPr marL="0" indent="0">
-              <a:buNone/>
-            </a:pPr>
-            <a:r>
-              <a:rPr lang="en-CA" sz="2200" dirty="0" smtClean="0"/>
-              <a:t>Dose metrics:</a:t>
-            </a:r>
-          </a:p>
-          <a:p>
-            <a:r>
-              <a:rPr lang="en-CA" sz="2200" dirty="0" smtClean="0"/>
-              <a:t>Total </a:t>
-            </a:r>
-            <a:r>
-              <a:rPr lang="en-CA" sz="2200" dirty="0" smtClean="0"/>
-              <a:t>volume</a:t>
-            </a:r>
-          </a:p>
-          <a:p>
-            <a:r>
-              <a:rPr lang="en-CA" sz="2200" dirty="0" smtClean="0"/>
-              <a:t>Min, max, mean dose</a:t>
-            </a:r>
-          </a:p>
-          <a:p>
-            <a:r>
-              <a:rPr lang="en-CA" sz="2200" dirty="0" smtClean="0"/>
-              <a:t>V metrics</a:t>
-            </a:r>
-            <a:r>
-              <a:rPr lang="en-CA" sz="2200" dirty="0"/>
-              <a:t>: for user-defined </a:t>
-            </a:r>
-            <a:r>
-              <a:rPr lang="en-CA" sz="2200" dirty="0" smtClean="0"/>
-              <a:t>levels, results in </a:t>
-            </a:r>
-            <a:r>
-              <a:rPr lang="en-CA" sz="2200" dirty="0" smtClean="0"/>
-              <a:t>cc and %</a:t>
-            </a:r>
-          </a:p>
-          <a:p>
-            <a:r>
-              <a:rPr lang="en-CA" sz="2200" dirty="0"/>
-              <a:t>D metrics: for user-defined </a:t>
-            </a:r>
-            <a:r>
-              <a:rPr lang="en-CA" sz="2200" dirty="0" smtClean="0"/>
-              <a:t>levels in cc </a:t>
-            </a:r>
-            <a:r>
-              <a:rPr lang="en-CA" sz="2200" dirty="0" smtClean="0"/>
-              <a:t>and %</a:t>
-            </a:r>
-          </a:p>
-          <a:p>
-            <a:endParaRPr lang="en-CA" sz="2200" dirty="0" smtClean="0"/>
-          </a:p>
-          <a:p>
-            <a:r>
-              <a:rPr lang="en-CA" sz="2200" dirty="0" smtClean="0"/>
-              <a:t>Values can be exported to CSV file</a:t>
-            </a:r>
-            <a:endParaRPr lang="en-CA" sz="2200" dirty="0" smtClean="0"/>
-          </a:p>
-        </p:txBody>
-      </p:sp>
       <p:pic>
         <p:nvPicPr>
-          <p:cNvPr id="1027" name="Picture 3" descr="C:\Users\lasso\Desktop\DoseMetrics.png"/>
+          <p:cNvPr id="1028" name="Picture 4" descr="C:\Users\lasso\Desktop\DvhPlot.png"/>
           <p:cNvPicPr>
             <a:picLocks noChangeAspect="1" noChangeArrowheads="1"/>
           </p:cNvPicPr>
@@ -6274,8 +6587,8 @@
         </p:blipFill>
         <p:spPr bwMode="auto">
           <a:xfrm>
-            <a:off x="4548810" y="228600"/>
-            <a:ext cx="4366590" cy="5870510"/>
+            <a:off x="3614057" y="1938347"/>
+            <a:ext cx="5227765" cy="4006808"/>
           </a:xfrm>
           <a:prstGeom prst="rect">
             <a:avLst/>
@@ -6292,7 +6605,49 @@
           </a:extLst>
         </p:spPr>
       </p:pic>
+      <p:sp>
+        <p:nvSpPr>
+          <p:cNvPr id="5" name="Title 1"/>
+          <p:cNvSpPr>
+            <a:spLocks noGrp="1"/>
+          </p:cNvSpPr>
+          <p:nvPr>
+            <p:ph type="title"/>
+          </p:nvPr>
+        </p:nvSpPr>
+        <p:spPr>
+          <a:xfrm>
+            <a:off x="228600" y="0"/>
+            <a:ext cx="8686800" cy="1143000"/>
+          </a:xfrm>
+        </p:spPr>
+        <p:txBody>
+          <a:bodyPr/>
+          <a:lstStyle/>
+          <a:p>
+            <a:pPr algn="l"/>
+            <a:r>
+              <a:rPr lang="en-CA" sz="3600" b="1" dirty="0" smtClean="0">
+                <a:solidFill>
+                  <a:schemeClr val="tx2"/>
+                </a:solidFill>
+              </a:rPr>
+              <a:t>DVH plot</a:t>
+            </a:r>
+            <a:endParaRPr lang="en-CA" sz="3600" b="1" dirty="0">
+              <a:solidFill>
+                <a:schemeClr val="tx2"/>
+              </a:solidFill>
+            </a:endParaRPr>
+          </a:p>
+        </p:txBody>
+      </p:sp>
     </p:spTree>
+    <p:extLst>
+      <p:ext uri="{BB962C8B-B14F-4D97-AF65-F5344CB8AC3E}">
+        <p14:creationId xmlns:p14="http://schemas.microsoft.com/office/powerpoint/2010/main" val="724388816"/>
+      </p:ext>
+    </p:extLst>
   </p:cSld>
   <p:clrMapOvr>
     <a:masterClrMapping/>
@@ -6326,183 +6681,77 @@
       </p:grpSpPr>
       <p:sp>
         <p:nvSpPr>
-          <p:cNvPr id="10" name="Content Placeholder 2"/>
-          <p:cNvSpPr txBox="1">
-            <a:spLocks/>
+          <p:cNvPr id="2" name="Title 1"/>
+          <p:cNvSpPr>
+            <a:spLocks noGrp="1"/>
           </p:cNvSpPr>
-          <p:nvPr/>
+          <p:nvPr>
+            <p:ph type="title"/>
+          </p:nvPr>
         </p:nvSpPr>
-        <p:spPr bwMode="auto">
+        <p:spPr>
           <a:xfrm>
-            <a:off x="228600" y="228600"/>
-            <a:ext cx="3276600" cy="381000"/>
+            <a:off x="457200" y="0"/>
+            <a:ext cx="8229600" cy="1143000"/>
           </a:xfrm>
-          <a:prstGeom prst="rect">
-            <a:avLst/>
-          </a:prstGeom>
-          <a:noFill/>
-          <a:ln w="9525">
-            <a:noFill/>
-            <a:miter lim="800000"/>
-            <a:headEnd/>
-            <a:tailEnd/>
-          </a:ln>
         </p:spPr>
         <p:txBody>
-          <a:bodyPr vert="horz" wrap="square" lIns="91440" tIns="45720" rIns="91440" bIns="45720" numCol="1" anchor="t" anchorCtr="0" compatLnSpc="1">
-            <a:prstTxWarp prst="textNoShape">
-              <a:avLst/>
-            </a:prstTxWarp>
-          </a:bodyPr>
+          <a:bodyPr/>
           <a:lstStyle/>
           <a:p>
-            <a:pPr marR="0" lvl="0" defTabSz="914400" rtl="0" eaLnBrk="0" fontAlgn="base" latinLnBrk="0" hangingPunct="0">
-              <a:lnSpc>
-                <a:spcPct val="100000"/>
-              </a:lnSpc>
-              <a:spcBef>
-                <a:spcPct val="20000"/>
-              </a:spcBef>
-              <a:spcAft>
-                <a:spcPct val="0"/>
-              </a:spcAft>
-              <a:buClrTx/>
-              <a:buSzTx/>
-              <a:tabLst/>
-              <a:defRPr/>
-            </a:pPr>
-            <a:r>
-              <a:rPr kumimoji="0" lang="en-CA" sz="2200" b="0" i="0" u="none" strike="noStrike" kern="1200" cap="none" spc="0" normalizeH="0" baseline="0" noProof="0" dirty="0" smtClean="0">
-                <a:ln>
-                  <a:noFill/>
-                </a:ln>
+            <a:r>
+              <a:rPr lang="en-CA" b="1" dirty="0" smtClean="0">
                 <a:solidFill>
-                  <a:schemeClr val="tx1"/>
+                  <a:schemeClr val="tx2"/>
                 </a:solidFill>
-                <a:effectLst/>
-                <a:uLnTx/>
-                <a:uFillTx/>
-                <a:latin typeface="+mn-lt"/>
-                <a:ea typeface="+mn-ea"/>
-                <a:cs typeface="+mn-cs"/>
               </a:rPr>
-              <a:t>DVH </a:t>
-            </a:r>
-            <a:r>
-              <a:rPr kumimoji="0" lang="en-CA" sz="2200" b="0" i="0" u="none" strike="noStrike" kern="1200" cap="none" spc="0" normalizeH="0" baseline="0" noProof="0" dirty="0" smtClean="0">
-                <a:ln>
-                  <a:noFill/>
-                </a:ln>
-                <a:solidFill>
-                  <a:schemeClr val="tx1"/>
-                </a:solidFill>
-                <a:effectLst/>
-                <a:uLnTx/>
-                <a:uFillTx/>
-                <a:latin typeface="+mn-lt"/>
-                <a:ea typeface="+mn-ea"/>
-                <a:cs typeface="+mn-cs"/>
-              </a:rPr>
-              <a:t>plot:</a:t>
-            </a:r>
-          </a:p>
-          <a:p>
-            <a:pPr marL="342900" marR="0" lvl="0" indent="-342900" defTabSz="914400" rtl="0" eaLnBrk="0" fontAlgn="base" latinLnBrk="0" hangingPunct="0">
-              <a:lnSpc>
-                <a:spcPct val="100000"/>
-              </a:lnSpc>
-              <a:spcBef>
-                <a:spcPct val="20000"/>
-              </a:spcBef>
-              <a:spcAft>
-                <a:spcPct val="0"/>
-              </a:spcAft>
-              <a:buClrTx/>
-              <a:buSzTx/>
-              <a:buFont typeface="Arial" pitchFamily="34" charset="0"/>
-              <a:buChar char="•"/>
-              <a:tabLst/>
-              <a:defRPr/>
-            </a:pPr>
-            <a:r>
-              <a:rPr lang="en-CA" sz="2200" dirty="0" smtClean="0">
-                <a:latin typeface="+mn-lt"/>
-              </a:rPr>
-              <a:t>Displayed on screen, zoom, trace, etc.</a:t>
-            </a:r>
-          </a:p>
-          <a:p>
-            <a:pPr marL="342900" marR="0" lvl="0" indent="-342900" defTabSz="914400" rtl="0" eaLnBrk="0" fontAlgn="base" latinLnBrk="0" hangingPunct="0">
-              <a:lnSpc>
-                <a:spcPct val="100000"/>
-              </a:lnSpc>
-              <a:spcBef>
-                <a:spcPct val="20000"/>
-              </a:spcBef>
-              <a:spcAft>
-                <a:spcPct val="0"/>
-              </a:spcAft>
-              <a:buClrTx/>
-              <a:buSzTx/>
-              <a:buFont typeface="Arial" pitchFamily="34" charset="0"/>
-              <a:buChar char="•"/>
-              <a:tabLst/>
-              <a:defRPr/>
-            </a:pPr>
-            <a:r>
-              <a:rPr kumimoji="0" lang="en-CA" sz="2200" b="0" i="0" u="none" strike="noStrike" kern="1200" cap="none" spc="0" normalizeH="0" baseline="0" noProof="0" dirty="0" smtClean="0">
-                <a:ln>
-                  <a:noFill/>
-                </a:ln>
-                <a:solidFill>
-                  <a:schemeClr val="tx1"/>
-                </a:solidFill>
-                <a:effectLst/>
-                <a:uLnTx/>
-                <a:uFillTx/>
-                <a:latin typeface="+mn-lt"/>
-                <a:ea typeface="+mn-ea"/>
-                <a:cs typeface="+mn-cs"/>
-              </a:rPr>
-              <a:t>Bin values can be exported CSV</a:t>
-            </a:r>
-            <a:r>
-              <a:rPr kumimoji="0" lang="en-CA" sz="2200" b="0" i="0" u="none" strike="noStrike" kern="1200" cap="none" spc="0" normalizeH="0" noProof="0" dirty="0" smtClean="0">
-                <a:ln>
-                  <a:noFill/>
-                </a:ln>
-                <a:solidFill>
-                  <a:schemeClr val="tx1"/>
-                </a:solidFill>
-                <a:effectLst/>
-                <a:uLnTx/>
-                <a:uFillTx/>
-                <a:latin typeface="+mn-lt"/>
-                <a:ea typeface="+mn-ea"/>
-                <a:cs typeface="+mn-cs"/>
-              </a:rPr>
-              <a:t> file</a:t>
-            </a:r>
-            <a:endParaRPr kumimoji="0" lang="en-CA" sz="2200" b="0" i="0" u="none" strike="noStrike" kern="1200" cap="none" spc="0" normalizeH="0" baseline="0" noProof="0" dirty="0" smtClean="0">
-              <a:ln>
-                <a:noFill/>
-              </a:ln>
+              <a:t>Dose accumulation module</a:t>
+            </a:r>
+            <a:endParaRPr lang="en-CA" b="1" dirty="0">
               <a:solidFill>
-                <a:schemeClr val="tx1"/>
+                <a:schemeClr val="tx2"/>
               </a:solidFill>
-              <a:effectLst/>
-              <a:uLnTx/>
-              <a:uFillTx/>
-              <a:latin typeface="+mn-lt"/>
-              <a:ea typeface="+mn-ea"/>
-              <a:cs typeface="+mn-cs"/>
             </a:endParaRPr>
           </a:p>
         </p:txBody>
       </p:sp>
       <p:sp>
         <p:nvSpPr>
-          <p:cNvPr id="11" name="Footer Placeholder 10"/>
+          <p:cNvPr id="3" name="Content Placeholder 2"/>
+          <p:cNvSpPr>
+            <a:spLocks noGrp="1"/>
+          </p:cNvSpPr>
+          <p:nvPr>
+            <p:ph idx="1"/>
+          </p:nvPr>
+        </p:nvSpPr>
+        <p:spPr>
+          <a:xfrm>
+            <a:off x="685800" y="1219200"/>
+            <a:ext cx="3886200" cy="4800600"/>
+          </a:xfrm>
+        </p:spPr>
+        <p:txBody>
+          <a:bodyPr/>
+          <a:lstStyle/>
+          <a:p>
+            <a:pPr marL="0" indent="0">
+              <a:buNone/>
+            </a:pPr>
+            <a:r>
+              <a:rPr lang="en-CA" sz="2200" dirty="0" smtClean="0"/>
+              <a:t>Computes a weighted sum of selected </a:t>
+            </a:r>
+            <a:r>
+              <a:rPr lang="en-CA" sz="2200" dirty="0" smtClean="0"/>
+              <a:t>dose volumes.</a:t>
+            </a:r>
+          </a:p>
+        </p:txBody>
+      </p:sp>
+      <p:sp>
+        <p:nvSpPr>
+          <p:cNvPr id="5" name="Footer Placeholder 10"/>
           <p:cNvSpPr>
             <a:spLocks noGrp="1"/>
           </p:cNvSpPr>
@@ -6537,13 +6786,13 @@
       </p:sp>
       <p:pic>
         <p:nvPicPr>
-          <p:cNvPr id="1028" name="Picture 4" descr="C:\Users\lasso\Desktop\DvhPlot.png"/>
+          <p:cNvPr id="3074" name="Picture 2" descr="C:\Users\lasso\Desktop\DoseAccumulation.png"/>
           <p:cNvPicPr>
             <a:picLocks noChangeAspect="1" noChangeArrowheads="1"/>
           </p:cNvPicPr>
           <p:nvPr/>
         </p:nvPicPr>
-        <p:blipFill>
+        <p:blipFill rotWithShape="1">
           <a:blip r:embed="rId3">
             <a:extLst>
               <a:ext uri="{28A0092B-C50C-407E-A947-70E740481C1C}">
@@ -6551,15 +6800,13 @@
               </a:ext>
             </a:extLst>
           </a:blip>
-          <a:srcRect/>
-          <a:stretch>
-            <a:fillRect/>
-          </a:stretch>
+          <a:srcRect r="57370"/>
+          <a:stretch/>
         </p:blipFill>
         <p:spPr bwMode="auto">
           <a:xfrm>
-            <a:off x="3061082" y="1524000"/>
-            <a:ext cx="5748083" cy="4405604"/>
+            <a:off x="5105400" y="1219199"/>
+            <a:ext cx="3134706" cy="4774893"/>
           </a:xfrm>
           <a:prstGeom prst="rect">
             <a:avLst/>
@@ -6577,11 +6824,6 @@
         </p:spPr>
       </p:pic>
     </p:spTree>
-    <p:extLst>
-      <p:ext uri="{BB962C8B-B14F-4D97-AF65-F5344CB8AC3E}">
-        <p14:creationId xmlns:p14="http://schemas.microsoft.com/office/powerpoint/2010/main" val="724388816"/>
-      </p:ext>
-    </p:extLst>
   </p:cSld>
   <p:clrMapOvr>
     <a:masterClrMapping/>
@@ -6751,7 +6993,6 @@
               <a:rPr lang="en-CA" sz="2200" dirty="0" smtClean="0"/>
               <a:t> scripts</a:t>
             </a:r>
-            <a:endParaRPr lang="en-CA" sz="2200" dirty="0" smtClean="0"/>
           </a:p>
           <a:p>
             <a:endParaRPr lang="en-CA" sz="2200" dirty="0" smtClean="0"/>
@@ -6810,6 +7051,11 @@
         </p:txBody>
       </p:sp>
     </p:spTree>
+    <p:extLst>
+      <p:ext uri="{BB962C8B-B14F-4D97-AF65-F5344CB8AC3E}">
+        <p14:creationId xmlns:p14="http://schemas.microsoft.com/office/powerpoint/2010/main" val="3973560920"/>
+      </p:ext>
+    </p:extLst>
   </p:cSld>
   <p:clrMapOvr>
     <a:masterClrMapping/>
@@ -6989,7 +7235,7 @@
 </p:sld>
 </file>
 
-<file path=ppt/slides/slide2.xml><?xml version="1.0" encoding="utf-8"?>
+<file path=ppt/slides/slide14.xml><?xml version="1.0" encoding="utf-8"?>
 <p:sld xmlns:a="http://schemas.openxmlformats.org/drawingml/2006/main" xmlns:r="http://schemas.openxmlformats.org/officeDocument/2006/relationships" xmlns:p="http://schemas.openxmlformats.org/presentationml/2006/main">
   <p:cSld>
     <p:spTree>
@@ -7027,101 +7273,18 @@
           <a:lstStyle/>
           <a:p>
             <a:r>
-              <a:rPr lang="en-CA" b="1" dirty="0" err="1" smtClean="0">
-                <a:solidFill>
-                  <a:schemeClr val="tx2"/>
-                </a:solidFill>
-              </a:rPr>
-              <a:t>SparKit</a:t>
-            </a:r>
-            <a:r>
               <a:rPr lang="en-CA" b="1" dirty="0" smtClean="0">
                 <a:solidFill>
                   <a:schemeClr val="tx2"/>
                 </a:solidFill>
               </a:rPr>
-              <a:t> project overview</a:t>
+              <a:t>Appendix</a:t>
             </a:r>
             <a:endParaRPr lang="en-CA" b="1" dirty="0">
               <a:solidFill>
                 <a:schemeClr val="tx2"/>
               </a:solidFill>
             </a:endParaRPr>
-          </a:p>
-        </p:txBody>
-      </p:sp>
-      <p:sp>
-        <p:nvSpPr>
-          <p:cNvPr id="3" name="Content Placeholder 2"/>
-          <p:cNvSpPr>
-            <a:spLocks noGrp="1"/>
-          </p:cNvSpPr>
-          <p:nvPr>
-            <p:ph idx="1"/>
-          </p:nvPr>
-        </p:nvSpPr>
-        <p:spPr>
-          <a:xfrm>
-            <a:off x="304800" y="990600"/>
-            <a:ext cx="8534400" cy="4525963"/>
-          </a:xfrm>
-        </p:spPr>
-        <p:txBody>
-          <a:bodyPr/>
-          <a:lstStyle/>
-          <a:p>
-            <a:r>
-              <a:rPr lang="en-CA" dirty="0" smtClean="0"/>
-              <a:t>Goal: provide open-source platform for translational clinical research, mainly cancer</a:t>
-            </a:r>
-          </a:p>
-          <a:p>
-            <a:r>
-              <a:rPr lang="en-CA" dirty="0" smtClean="0"/>
-              <a:t>Funding: about $700k/year (including matching funding), for 5 years, started in 2011</a:t>
-            </a:r>
-          </a:p>
-          <a:p>
-            <a:r>
-              <a:rPr lang="en-CA" dirty="0" smtClean="0"/>
-              <a:t>PI &amp; co-PI: Gabor Fichtinger (Queen’s), David Jaffray (Toronto UHN), Terry Peters (</a:t>
-            </a:r>
-            <a:r>
-              <a:rPr lang="en-CA" dirty="0" err="1" smtClean="0"/>
-              <a:t>Robarts</a:t>
-            </a:r>
-            <a:r>
-              <a:rPr lang="en-CA" dirty="0" smtClean="0"/>
-              <a:t>)</a:t>
-            </a:r>
-          </a:p>
-          <a:p>
-            <a:r>
-              <a:rPr lang="en-CA" dirty="0" smtClean="0"/>
-              <a:t>Themes:</a:t>
-            </a:r>
-          </a:p>
-          <a:p>
-            <a:pPr lvl="1"/>
-            <a:r>
-              <a:rPr lang="en-CA" b="1" dirty="0" err="1" smtClean="0"/>
-              <a:t>SlicerRT</a:t>
-            </a:r>
-            <a:r>
-              <a:rPr lang="en-CA" b="1" dirty="0" smtClean="0"/>
-              <a:t>: radiotherapy toolkit for 3D Slicer</a:t>
-            </a:r>
-          </a:p>
-          <a:p>
-            <a:pPr lvl="1"/>
-            <a:r>
-              <a:rPr lang="en-CA" dirty="0" err="1" smtClean="0"/>
-              <a:t>SlicerIGT</a:t>
-            </a:r>
-            <a:r>
-              <a:rPr lang="en-CA" dirty="0" smtClean="0"/>
-              <a:t>: Image-guided therapy with 3D Slicer</a:t>
-            </a:r>
           </a:p>
         </p:txBody>
       </p:sp>
@@ -7160,7 +7323,31 @@
           </a:p>
         </p:txBody>
       </p:sp>
+      <p:sp>
+        <p:nvSpPr>
+          <p:cNvPr id="4" name="Content Placeholder 3"/>
+          <p:cNvSpPr>
+            <a:spLocks noGrp="1"/>
+          </p:cNvSpPr>
+          <p:nvPr>
+            <p:ph idx="1"/>
+          </p:nvPr>
+        </p:nvSpPr>
+        <p:spPr/>
+        <p:txBody>
+          <a:bodyPr/>
+          <a:lstStyle/>
+          <a:p>
+            <a:endParaRPr lang="en-US" dirty="0"/>
+          </a:p>
+        </p:txBody>
+      </p:sp>
     </p:spTree>
+    <p:extLst>
+      <p:ext uri="{BB962C8B-B14F-4D97-AF65-F5344CB8AC3E}">
+        <p14:creationId xmlns:p14="http://schemas.microsoft.com/office/powerpoint/2010/main" val="2016591617"/>
+      </p:ext>
+    </p:extLst>
   </p:cSld>
   <p:clrMapOvr>
     <a:masterClrMapping/>
@@ -7175,7 +7362,7 @@
 </p:sld>
 </file>
 
-<file path=ppt/slides/slide3.xml><?xml version="1.0" encoding="utf-8"?>
+<file path=ppt/slides/slide15.xml><?xml version="1.0" encoding="utf-8"?>
 <p:sld xmlns:a="http://schemas.openxmlformats.org/drawingml/2006/main" xmlns:r="http://schemas.openxmlformats.org/officeDocument/2006/relationships" xmlns:p="http://schemas.openxmlformats.org/presentationml/2006/main">
   <p:cSld>
     <p:spTree>
@@ -7311,8 +7498,37 @@
             </a:pPr>
             <a:r>
               <a:rPr lang="en-CA" sz="2400" dirty="0" smtClean="0"/>
-              <a:t>All these related are coordinated (through teleconferences, meetings at NA-MIC project weeks, etc.), collaborative efforts.</a:t>
-            </a:r>
+              <a:t>All these related are coordinated (through teleconferences, meetings at NA-MIC project weeks, etc.), collaborative efforts</a:t>
+            </a:r>
+            <a:r>
+              <a:rPr lang="en-CA" sz="2400" dirty="0" smtClean="0"/>
+              <a:t>.</a:t>
+            </a:r>
+          </a:p>
+          <a:p>
+            <a:pPr marL="0" indent="0">
+              <a:spcBef>
+                <a:spcPts val="0"/>
+              </a:spcBef>
+              <a:buNone/>
+            </a:pPr>
+            <a:r>
+              <a:rPr lang="en-CA" sz="2400" dirty="0" err="1" smtClean="0"/>
+              <a:t>SlicerRT</a:t>
+            </a:r>
+            <a:r>
+              <a:rPr lang="en-CA" sz="2400" dirty="0" smtClean="0"/>
+              <a:t> uses </a:t>
+            </a:r>
+            <a:r>
+              <a:rPr lang="en-CA" sz="2400" dirty="0" err="1" smtClean="0"/>
+              <a:t>Plastimatch</a:t>
+            </a:r>
+            <a:r>
+              <a:rPr lang="en-CA" sz="2400" dirty="0" smtClean="0"/>
+              <a:t> internally for certain computations.</a:t>
+            </a:r>
+            <a:endParaRPr lang="en-CA" sz="2400" dirty="0" smtClean="0"/>
           </a:p>
         </p:txBody>
       </p:sp>
@@ -7352,7 +7568,7 @@
               <a:pPr>
                 <a:defRPr/>
               </a:pPr>
-              <a:t>3</a:t>
+              <a:t>15</a:t>
             </a:fld>
             <a:r>
               <a:rPr lang="en-US" dirty="0"/>
@@ -7477,203 +7693,7 @@
 </p:sld>
 </file>
 
-<file path=ppt/slides/slide4.xml><?xml version="1.0" encoding="utf-8"?>
-<p:sld xmlns:a="http://schemas.openxmlformats.org/drawingml/2006/main" xmlns:r="http://schemas.openxmlformats.org/officeDocument/2006/relationships" xmlns:p="http://schemas.openxmlformats.org/presentationml/2006/main">
-  <p:cSld>
-    <p:spTree>
-      <p:nvGrpSpPr>
-        <p:cNvPr id="1" name=""/>
-        <p:cNvGrpSpPr/>
-        <p:nvPr/>
-      </p:nvGrpSpPr>
-      <p:grpSpPr>
-        <a:xfrm>
-          <a:off x="0" y="0"/>
-          <a:ext cx="0" cy="0"/>
-          <a:chOff x="0" y="0"/>
-          <a:chExt cx="0" cy="0"/>
-        </a:xfrm>
-      </p:grpSpPr>
-      <p:sp>
-        <p:nvSpPr>
-          <p:cNvPr id="2" name="Title 1"/>
-          <p:cNvSpPr>
-            <a:spLocks noGrp="1"/>
-          </p:cNvSpPr>
-          <p:nvPr>
-            <p:ph type="title"/>
-          </p:nvPr>
-        </p:nvSpPr>
-        <p:spPr>
-          <a:xfrm>
-            <a:off x="457200" y="0"/>
-            <a:ext cx="8229600" cy="1143000"/>
-          </a:xfrm>
-        </p:spPr>
-        <p:txBody>
-          <a:bodyPr/>
-          <a:lstStyle/>
-          <a:p>
-            <a:r>
-              <a:rPr lang="en-CA" b="1" dirty="0" err="1" smtClean="0">
-                <a:solidFill>
-                  <a:schemeClr val="tx2"/>
-                </a:solidFill>
-              </a:rPr>
-              <a:t>SlicerRT</a:t>
-            </a:r>
-            <a:r>
-              <a:rPr lang="en-CA" b="1" dirty="0" smtClean="0">
-                <a:solidFill>
-                  <a:schemeClr val="tx2"/>
-                </a:solidFill>
-              </a:rPr>
-              <a:t> theme overview</a:t>
-            </a:r>
-            <a:endParaRPr lang="en-CA" b="1" dirty="0">
-              <a:solidFill>
-                <a:schemeClr val="tx2"/>
-              </a:solidFill>
-            </a:endParaRPr>
-          </a:p>
-        </p:txBody>
-      </p:sp>
-      <p:sp>
-        <p:nvSpPr>
-          <p:cNvPr id="3" name="Content Placeholder 2"/>
-          <p:cNvSpPr>
-            <a:spLocks noGrp="1"/>
-          </p:cNvSpPr>
-          <p:nvPr>
-            <p:ph idx="1"/>
-          </p:nvPr>
-        </p:nvSpPr>
-        <p:spPr>
-          <a:xfrm>
-            <a:off x="228600" y="990600"/>
-            <a:ext cx="8686800" cy="5029200"/>
-          </a:xfrm>
-        </p:spPr>
-        <p:txBody>
-          <a:bodyPr/>
-          <a:lstStyle/>
-          <a:p>
-            <a:r>
-              <a:rPr lang="en-CA" sz="2200" dirty="0" smtClean="0"/>
-              <a:t>Motivation: commercial treatment planning software are costly and closed, existing research tools &amp; applications (CERR, PLUNC, </a:t>
-            </a:r>
-            <a:r>
-              <a:rPr lang="en-CA" sz="2200" dirty="0" err="1" smtClean="0"/>
-              <a:t>dicompyler</a:t>
-            </a:r>
-            <a:r>
-              <a:rPr lang="en-CA" sz="2200" dirty="0" smtClean="0"/>
-              <a:t>, ...) are limited</a:t>
-            </a:r>
-          </a:p>
-          <a:p>
-            <a:r>
-              <a:rPr lang="en-CA" sz="2200" dirty="0" smtClean="0"/>
-              <a:t>Goal: provide a free, open-source software platform for radiotherapy (RT) research</a:t>
-            </a:r>
-          </a:p>
-          <a:p>
-            <a:r>
-              <a:rPr lang="en-CA" sz="2200" dirty="0" smtClean="0"/>
-              <a:t>Approach:</a:t>
-            </a:r>
-          </a:p>
-          <a:p>
-            <a:pPr lvl="1"/>
-            <a:r>
-              <a:rPr lang="en-CA" sz="2200" dirty="0" smtClean="0"/>
-              <a:t>Use 3DSlicer as platform</a:t>
-            </a:r>
-          </a:p>
-          <a:p>
-            <a:pPr lvl="1"/>
-            <a:r>
-              <a:rPr lang="en-CA" sz="2200" dirty="0" smtClean="0"/>
-              <a:t>Implement DICOM-RT data import: mapping RT data structures to existing 3DSlicer data types</a:t>
-            </a:r>
-          </a:p>
-          <a:p>
-            <a:pPr lvl="1"/>
-            <a:r>
-              <a:rPr lang="en-CA" sz="2200" dirty="0" smtClean="0"/>
-              <a:t>Utilize existing 3DSlicer functionalities: registration, visualization, ...</a:t>
-            </a:r>
-          </a:p>
-          <a:p>
-            <a:pPr lvl="1"/>
-            <a:r>
-              <a:rPr lang="en-CA" sz="2200" dirty="0" smtClean="0"/>
-              <a:t>Develop missing RT-specific functionalities: DVH analysis, ...</a:t>
-            </a:r>
-          </a:p>
-          <a:p>
-            <a:pPr lvl="1"/>
-            <a:r>
-              <a:rPr lang="en-CA" sz="2200" dirty="0" smtClean="0"/>
-              <a:t>Export results in DICOM-RT (for importing into treatment planning system) or for further analysis (in Matlab, ...)</a:t>
-            </a:r>
-          </a:p>
-          <a:p>
-            <a:endParaRPr lang="en-CA" sz="2200" dirty="0" smtClean="0"/>
-          </a:p>
-        </p:txBody>
-      </p:sp>
-      <p:sp>
-        <p:nvSpPr>
-          <p:cNvPr id="5" name="Footer Placeholder 10"/>
-          <p:cNvSpPr>
-            <a:spLocks noGrp="1"/>
-          </p:cNvSpPr>
-          <p:nvPr>
-            <p:ph type="ftr" sz="quarter" idx="11"/>
-          </p:nvPr>
-        </p:nvSpPr>
-        <p:spPr>
-          <a:xfrm>
-            <a:off x="1905000" y="6356350"/>
-            <a:ext cx="5257800" cy="365125"/>
-          </a:xfrm>
-        </p:spPr>
-        <p:txBody>
-          <a:bodyPr/>
-          <a:lstStyle>
-            <a:lvl1pPr>
-              <a:defRPr/>
-            </a:lvl1pPr>
-          </a:lstStyle>
-          <a:p>
-            <a:pPr>
-              <a:defRPr/>
-            </a:pPr>
-            <a:r>
-              <a:rPr lang="en-US" dirty="0" smtClean="0"/>
-              <a:t>Laboratory for Percutaneous Surgery – Copyright © Queen’s University, 2012</a:t>
-            </a:r>
-            <a:endParaRPr lang="en-US" dirty="0"/>
-          </a:p>
-        </p:txBody>
-      </p:sp>
-    </p:spTree>
-  </p:cSld>
-  <p:clrMapOvr>
-    <a:masterClrMapping/>
-  </p:clrMapOvr>
-  <p:timing>
-    <p:tnLst>
-      <p:par>
-        <p:cTn id="1" dur="indefinite" restart="never" nodeType="tmRoot"/>
-      </p:par>
-    </p:tnLst>
-  </p:timing>
-</p:sld>
-</file>
-
-<file path=ppt/slides/slide5.xml><?xml version="1.0" encoding="utf-8"?>
+<file path=ppt/slides/slide16.xml><?xml version="1.0" encoding="utf-8"?>
 <p:sld xmlns:a="http://schemas.openxmlformats.org/drawingml/2006/main" xmlns:r="http://schemas.openxmlformats.org/officeDocument/2006/relationships" xmlns:p="http://schemas.openxmlformats.org/presentationml/2006/main">
   <p:cSld>
     <p:spTree>
@@ -7726,7 +7746,7 @@
               <a:pPr>
                 <a:defRPr/>
               </a:pPr>
-              <a:t>5</a:t>
+              <a:t>16</a:t>
             </a:fld>
             <a:r>
               <a:rPr lang="en-US" dirty="0"/>
@@ -8878,16 +8898,7 @@
                           </a:solidFill>
                           <a:latin typeface="Calibri"/>
                         </a:rPr>
-                        <a:t>Not </a:t>
-                      </a:r>
-                      <a:r>
-                        <a:rPr lang="en-CA" sz="900" b="0" i="0" u="none" strike="noStrike" dirty="0" smtClean="0">
-                          <a:solidFill>
-                            <a:srgbClr val="000000"/>
-                          </a:solidFill>
-                          <a:latin typeface="Calibri"/>
-                        </a:rPr>
-                        <a:t>planned</a:t>
+                        <a:t>Not planned</a:t>
                       </a:r>
                       <a:endParaRPr lang="en-CA" sz="900" b="0" i="0" u="none" strike="noStrike" dirty="0">
                         <a:solidFill>
@@ -11035,16 +11046,7 @@
                           </a:solidFill>
                           <a:latin typeface="Calibri"/>
                         </a:rPr>
-                        <a:t>Yes </a:t>
-                      </a:r>
-                      <a:r>
-                        <a:rPr lang="en-CA" sz="900" b="0" i="0" u="none" strike="noStrike" dirty="0" smtClean="0">
-                          <a:solidFill>
-                            <a:srgbClr val="9C6500"/>
-                          </a:solidFill>
-                          <a:latin typeface="Calibri"/>
-                        </a:rPr>
-                        <a:t>(Python, VTK, </a:t>
+                        <a:t>Yes (Python, VTK, </a:t>
                       </a:r>
                       <a:r>
                         <a:rPr lang="en-CA" sz="900" b="0" i="0" u="none" strike="noStrike" dirty="0" err="1" smtClean="0">
@@ -12170,7 +12172,397 @@
 </p:sld>
 </file>
 
-<file path=ppt/slides/slide6.xml><?xml version="1.0" encoding="utf-8"?>
+<file path=ppt/slides/slide2.xml><?xml version="1.0" encoding="utf-8"?>
+<p:sld xmlns:a="http://schemas.openxmlformats.org/drawingml/2006/main" xmlns:r="http://schemas.openxmlformats.org/officeDocument/2006/relationships" xmlns:p="http://schemas.openxmlformats.org/presentationml/2006/main">
+  <p:cSld>
+    <p:spTree>
+      <p:nvGrpSpPr>
+        <p:cNvPr id="1" name=""/>
+        <p:cNvGrpSpPr/>
+        <p:nvPr/>
+      </p:nvGrpSpPr>
+      <p:grpSpPr>
+        <a:xfrm>
+          <a:off x="0" y="0"/>
+          <a:ext cx="0" cy="0"/>
+          <a:chOff x="0" y="0"/>
+          <a:chExt cx="0" cy="0"/>
+        </a:xfrm>
+      </p:grpSpPr>
+      <p:sp>
+        <p:nvSpPr>
+          <p:cNvPr id="2" name="Title 1"/>
+          <p:cNvSpPr>
+            <a:spLocks noGrp="1"/>
+          </p:cNvSpPr>
+          <p:nvPr>
+            <p:ph type="title"/>
+          </p:nvPr>
+        </p:nvSpPr>
+        <p:spPr>
+          <a:xfrm>
+            <a:off x="457200" y="0"/>
+            <a:ext cx="8229600" cy="1143000"/>
+          </a:xfrm>
+        </p:spPr>
+        <p:txBody>
+          <a:bodyPr/>
+          <a:lstStyle/>
+          <a:p>
+            <a:r>
+              <a:rPr lang="en-CA" b="1" dirty="0" err="1" smtClean="0">
+                <a:solidFill>
+                  <a:schemeClr val="tx2"/>
+                </a:solidFill>
+              </a:rPr>
+              <a:t>SparKit</a:t>
+            </a:r>
+            <a:r>
+              <a:rPr lang="en-CA" b="1" dirty="0" smtClean="0">
+                <a:solidFill>
+                  <a:schemeClr val="tx2"/>
+                </a:solidFill>
+              </a:rPr>
+              <a:t> project overview</a:t>
+            </a:r>
+            <a:endParaRPr lang="en-CA" b="1" dirty="0">
+              <a:solidFill>
+                <a:schemeClr val="tx2"/>
+              </a:solidFill>
+            </a:endParaRPr>
+          </a:p>
+        </p:txBody>
+      </p:sp>
+      <p:sp>
+        <p:nvSpPr>
+          <p:cNvPr id="3" name="Content Placeholder 2"/>
+          <p:cNvSpPr>
+            <a:spLocks noGrp="1"/>
+          </p:cNvSpPr>
+          <p:nvPr>
+            <p:ph idx="1"/>
+          </p:nvPr>
+        </p:nvSpPr>
+        <p:spPr>
+          <a:xfrm>
+            <a:off x="304800" y="990600"/>
+            <a:ext cx="8534400" cy="4525963"/>
+          </a:xfrm>
+        </p:spPr>
+        <p:txBody>
+          <a:bodyPr/>
+          <a:lstStyle/>
+          <a:p>
+            <a:r>
+              <a:rPr lang="en-CA" dirty="0" smtClean="0"/>
+              <a:t>Goal: provide open-source platform for translational clinical research, mainly cancer</a:t>
+            </a:r>
+          </a:p>
+          <a:p>
+            <a:r>
+              <a:rPr lang="en-CA" dirty="0" smtClean="0"/>
+              <a:t>Funding: about $700k/year (including matching funding), for 5 years, started in 2011</a:t>
+            </a:r>
+          </a:p>
+          <a:p>
+            <a:r>
+              <a:rPr lang="en-CA" dirty="0" smtClean="0"/>
+              <a:t>PI &amp; co-PI: Gabor Fichtinger (Queen’s), David Jaffray (Toronto UHN), Terry Peters (</a:t>
+            </a:r>
+            <a:r>
+              <a:rPr lang="en-CA" dirty="0" err="1" smtClean="0"/>
+              <a:t>Robarts</a:t>
+            </a:r>
+            <a:r>
+              <a:rPr lang="en-CA" dirty="0" smtClean="0"/>
+              <a:t>)</a:t>
+            </a:r>
+          </a:p>
+          <a:p>
+            <a:r>
+              <a:rPr lang="en-CA" dirty="0" smtClean="0"/>
+              <a:t>Themes:</a:t>
+            </a:r>
+          </a:p>
+          <a:p>
+            <a:pPr lvl="1"/>
+            <a:r>
+              <a:rPr lang="en-CA" b="1" dirty="0" err="1" smtClean="0"/>
+              <a:t>SlicerRT</a:t>
+            </a:r>
+            <a:r>
+              <a:rPr lang="en-CA" b="1" dirty="0" smtClean="0"/>
+              <a:t>: radiotherapy toolkit for 3D Slicer</a:t>
+            </a:r>
+          </a:p>
+          <a:p>
+            <a:pPr lvl="1"/>
+            <a:r>
+              <a:rPr lang="en-CA" dirty="0" err="1" smtClean="0"/>
+              <a:t>SlicerIGT</a:t>
+            </a:r>
+            <a:r>
+              <a:rPr lang="en-CA" dirty="0" smtClean="0"/>
+              <a:t>: Image-guided therapy with 3D Slicer</a:t>
+            </a:r>
+          </a:p>
+        </p:txBody>
+      </p:sp>
+      <p:sp>
+        <p:nvSpPr>
+          <p:cNvPr id="5" name="Footer Placeholder 10"/>
+          <p:cNvSpPr>
+            <a:spLocks noGrp="1"/>
+          </p:cNvSpPr>
+          <p:nvPr>
+            <p:ph type="ftr" sz="quarter" idx="11"/>
+          </p:nvPr>
+        </p:nvSpPr>
+        <p:spPr>
+          <a:xfrm>
+            <a:off x="1905000" y="6356350"/>
+            <a:ext cx="5257800" cy="365125"/>
+          </a:xfrm>
+        </p:spPr>
+        <p:txBody>
+          <a:bodyPr/>
+          <a:lstStyle>
+            <a:lvl1pPr>
+              <a:defRPr/>
+            </a:lvl1pPr>
+          </a:lstStyle>
+          <a:p>
+            <a:pPr>
+              <a:defRPr/>
+            </a:pPr>
+            <a:r>
+              <a:rPr lang="en-US" dirty="0" smtClean="0"/>
+              <a:t>Laboratory for Percutaneous Surgery – Copyright © Queen’s University, 2012</a:t>
+            </a:r>
+            <a:endParaRPr lang="en-US" dirty="0"/>
+          </a:p>
+        </p:txBody>
+      </p:sp>
+    </p:spTree>
+  </p:cSld>
+  <p:clrMapOvr>
+    <a:masterClrMapping/>
+  </p:clrMapOvr>
+  <p:timing>
+    <p:tnLst>
+      <p:par>
+        <p:cTn id="1" dur="indefinite" restart="never" nodeType="tmRoot"/>
+      </p:par>
+    </p:tnLst>
+  </p:timing>
+</p:sld>
+</file>
+
+<file path=ppt/slides/slide3.xml><?xml version="1.0" encoding="utf-8"?>
+<p:sld xmlns:a="http://schemas.openxmlformats.org/drawingml/2006/main" xmlns:r="http://schemas.openxmlformats.org/officeDocument/2006/relationships" xmlns:p="http://schemas.openxmlformats.org/presentationml/2006/main">
+  <p:cSld>
+    <p:spTree>
+      <p:nvGrpSpPr>
+        <p:cNvPr id="1" name=""/>
+        <p:cNvGrpSpPr/>
+        <p:nvPr/>
+      </p:nvGrpSpPr>
+      <p:grpSpPr>
+        <a:xfrm>
+          <a:off x="0" y="0"/>
+          <a:ext cx="0" cy="0"/>
+          <a:chOff x="0" y="0"/>
+          <a:chExt cx="0" cy="0"/>
+        </a:xfrm>
+      </p:grpSpPr>
+      <p:sp>
+        <p:nvSpPr>
+          <p:cNvPr id="2" name="Title 1"/>
+          <p:cNvSpPr>
+            <a:spLocks noGrp="1"/>
+          </p:cNvSpPr>
+          <p:nvPr>
+            <p:ph type="title"/>
+          </p:nvPr>
+        </p:nvSpPr>
+        <p:spPr>
+          <a:xfrm>
+            <a:off x="457200" y="0"/>
+            <a:ext cx="8229600" cy="1143000"/>
+          </a:xfrm>
+        </p:spPr>
+        <p:txBody>
+          <a:bodyPr/>
+          <a:lstStyle/>
+          <a:p>
+            <a:r>
+              <a:rPr lang="en-CA" b="1" dirty="0" err="1" smtClean="0">
+                <a:solidFill>
+                  <a:schemeClr val="tx2"/>
+                </a:solidFill>
+              </a:rPr>
+              <a:t>SlicerRT</a:t>
+            </a:r>
+            <a:r>
+              <a:rPr lang="en-CA" b="1" dirty="0" smtClean="0">
+                <a:solidFill>
+                  <a:schemeClr val="tx2"/>
+                </a:solidFill>
+              </a:rPr>
+              <a:t> </a:t>
+            </a:r>
+            <a:r>
+              <a:rPr lang="en-CA" b="1" dirty="0" smtClean="0">
+                <a:solidFill>
+                  <a:schemeClr val="tx2"/>
+                </a:solidFill>
+              </a:rPr>
+              <a:t>theme overview</a:t>
+            </a:r>
+            <a:endParaRPr lang="en-CA" b="1" dirty="0">
+              <a:solidFill>
+                <a:schemeClr val="tx2"/>
+              </a:solidFill>
+            </a:endParaRPr>
+          </a:p>
+        </p:txBody>
+      </p:sp>
+      <p:sp>
+        <p:nvSpPr>
+          <p:cNvPr id="3" name="Content Placeholder 2"/>
+          <p:cNvSpPr>
+            <a:spLocks noGrp="1"/>
+          </p:cNvSpPr>
+          <p:nvPr>
+            <p:ph idx="1"/>
+          </p:nvPr>
+        </p:nvSpPr>
+        <p:spPr>
+          <a:xfrm>
+            <a:off x="228600" y="990600"/>
+            <a:ext cx="8686800" cy="5029200"/>
+          </a:xfrm>
+        </p:spPr>
+        <p:txBody>
+          <a:bodyPr/>
+          <a:lstStyle/>
+          <a:p>
+            <a:r>
+              <a:rPr lang="en-CA" sz="2200" dirty="0" smtClean="0"/>
+              <a:t>Motivation: commercial treatment planning software are costly and closed, existing research tools &amp; applications (CERR, PLUNC, </a:t>
+            </a:r>
+            <a:r>
+              <a:rPr lang="en-CA" sz="2200" dirty="0" err="1" smtClean="0"/>
+              <a:t>dicompyler</a:t>
+            </a:r>
+            <a:r>
+              <a:rPr lang="en-CA" sz="2200" dirty="0" smtClean="0"/>
+              <a:t>, ...) are limited</a:t>
+            </a:r>
+          </a:p>
+          <a:p>
+            <a:r>
+              <a:rPr lang="en-CA" sz="2200" dirty="0" smtClean="0"/>
+              <a:t>Goal: provide a free, open-source software platform for radiotherapy (RT) research</a:t>
+            </a:r>
+          </a:p>
+          <a:p>
+            <a:r>
+              <a:rPr lang="en-CA" sz="2200" dirty="0" smtClean="0"/>
+              <a:t>Approach:</a:t>
+            </a:r>
+          </a:p>
+          <a:p>
+            <a:pPr lvl="1"/>
+            <a:r>
+              <a:rPr lang="en-CA" sz="2200" dirty="0" smtClean="0"/>
+              <a:t>Use 3DSlicer as platform</a:t>
+            </a:r>
+          </a:p>
+          <a:p>
+            <a:pPr lvl="1"/>
+            <a:r>
+              <a:rPr lang="en-CA" sz="2200" dirty="0" smtClean="0"/>
+              <a:t>Implement DICOM-RT data import: mapping RT data structures to existing 3DSlicer data types</a:t>
+            </a:r>
+          </a:p>
+          <a:p>
+            <a:pPr lvl="1"/>
+            <a:r>
+              <a:rPr lang="en-CA" sz="2200" dirty="0" smtClean="0"/>
+              <a:t>Utilize existing 3DSlicer functionalities: registration, visualization, ...</a:t>
+            </a:r>
+          </a:p>
+          <a:p>
+            <a:pPr lvl="1"/>
+            <a:r>
+              <a:rPr lang="en-CA" sz="2200" dirty="0" smtClean="0"/>
+              <a:t>Develop missing RT-specific functionalities: DVH analysis, ...</a:t>
+            </a:r>
+          </a:p>
+          <a:p>
+            <a:pPr lvl="1"/>
+            <a:r>
+              <a:rPr lang="en-CA" sz="2200" dirty="0" smtClean="0"/>
+              <a:t>Export results in DICOM-RT (for importing into treatment planning system) or for further analysis (in Matlab, ...)</a:t>
+            </a:r>
+          </a:p>
+          <a:p>
+            <a:endParaRPr lang="en-CA" sz="2200" dirty="0" smtClean="0"/>
+          </a:p>
+        </p:txBody>
+      </p:sp>
+      <p:sp>
+        <p:nvSpPr>
+          <p:cNvPr id="5" name="Footer Placeholder 10"/>
+          <p:cNvSpPr>
+            <a:spLocks noGrp="1"/>
+          </p:cNvSpPr>
+          <p:nvPr>
+            <p:ph type="ftr" sz="quarter" idx="11"/>
+          </p:nvPr>
+        </p:nvSpPr>
+        <p:spPr>
+          <a:xfrm>
+            <a:off x="1905000" y="6356350"/>
+            <a:ext cx="5257800" cy="365125"/>
+          </a:xfrm>
+        </p:spPr>
+        <p:txBody>
+          <a:bodyPr/>
+          <a:lstStyle>
+            <a:lvl1pPr>
+              <a:defRPr/>
+            </a:lvl1pPr>
+          </a:lstStyle>
+          <a:p>
+            <a:pPr>
+              <a:defRPr/>
+            </a:pPr>
+            <a:r>
+              <a:rPr lang="en-US" dirty="0" smtClean="0"/>
+              <a:t>Laboratory for Percutaneous Surgery – Copyright © Queen’s University, 2012</a:t>
+            </a:r>
+            <a:endParaRPr lang="en-US" dirty="0"/>
+          </a:p>
+        </p:txBody>
+      </p:sp>
+    </p:spTree>
+  </p:cSld>
+  <p:clrMapOvr>
+    <a:masterClrMapping/>
+  </p:clrMapOvr>
+  <p:timing>
+    <p:tnLst>
+      <p:par>
+        <p:cTn id="1" dur="indefinite" restart="never" nodeType="tmRoot"/>
+      </p:par>
+    </p:tnLst>
+  </p:timing>
+</p:sld>
+</file>
+
+<file path=ppt/slides/slide4.xml><?xml version="1.0" encoding="utf-8"?>
 <p:sld xmlns:a="http://schemas.openxmlformats.org/drawingml/2006/main" xmlns:r="http://schemas.openxmlformats.org/officeDocument/2006/relationships" xmlns:p="http://schemas.openxmlformats.org/presentationml/2006/main">
   <p:cSld>
     <p:spTree>
@@ -12221,7 +12613,193 @@
                   <a:schemeClr val="tx2"/>
                 </a:solidFill>
               </a:rPr>
-              <a:t> modules: DICOM-RT import</a:t>
+              <a:t> </a:t>
+            </a:r>
+            <a:r>
+              <a:rPr lang="en-CA" b="1" dirty="0" smtClean="0">
+                <a:solidFill>
+                  <a:schemeClr val="tx2"/>
+                </a:solidFill>
+              </a:rPr>
+              <a:t>extension for 3D Slicer</a:t>
+            </a:r>
+            <a:endParaRPr lang="en-CA" b="1" dirty="0">
+              <a:solidFill>
+                <a:schemeClr val="tx2"/>
+              </a:solidFill>
+            </a:endParaRPr>
+          </a:p>
+        </p:txBody>
+      </p:sp>
+      <p:sp>
+        <p:nvSpPr>
+          <p:cNvPr id="3" name="Content Placeholder 2"/>
+          <p:cNvSpPr>
+            <a:spLocks noGrp="1"/>
+          </p:cNvSpPr>
+          <p:nvPr>
+            <p:ph idx="1"/>
+          </p:nvPr>
+        </p:nvSpPr>
+        <p:spPr>
+          <a:xfrm>
+            <a:off x="228600" y="990600"/>
+            <a:ext cx="7086600" cy="5029200"/>
+          </a:xfrm>
+        </p:spPr>
+        <p:txBody>
+          <a:bodyPr/>
+          <a:lstStyle/>
+          <a:p>
+            <a:r>
+              <a:rPr lang="en-CA" sz="2200" dirty="0" smtClean="0"/>
+              <a:t>Collection of RT-specific modules</a:t>
+            </a:r>
+          </a:p>
+          <a:p>
+            <a:r>
+              <a:rPr lang="en-CA" sz="2200" dirty="0" smtClean="0"/>
+              <a:t>Distributed as a 3D Slicer extension: can be downloaded, installed, upgraded using the extension manager in Slicer</a:t>
+            </a:r>
+            <a:endParaRPr lang="en-CA" sz="2200" dirty="0" smtClean="0"/>
+          </a:p>
+        </p:txBody>
+      </p:sp>
+      <p:sp>
+        <p:nvSpPr>
+          <p:cNvPr id="7" name="Footer Placeholder 10"/>
+          <p:cNvSpPr>
+            <a:spLocks noGrp="1"/>
+          </p:cNvSpPr>
+          <p:nvPr>
+            <p:ph type="ftr" sz="quarter" idx="11"/>
+          </p:nvPr>
+        </p:nvSpPr>
+        <p:spPr>
+          <a:xfrm>
+            <a:off x="1905000" y="6356350"/>
+            <a:ext cx="5257800" cy="365125"/>
+          </a:xfrm>
+        </p:spPr>
+        <p:txBody>
+          <a:bodyPr/>
+          <a:lstStyle>
+            <a:lvl1pPr>
+              <a:defRPr/>
+            </a:lvl1pPr>
+          </a:lstStyle>
+          <a:p>
+            <a:pPr>
+              <a:defRPr/>
+            </a:pPr>
+            <a:r>
+              <a:rPr lang="en-US" dirty="0" smtClean="0"/>
+              <a:t>Laboratory for Percutaneous Surgery – Copyright © Queen’s University, 2012</a:t>
+            </a:r>
+            <a:endParaRPr lang="en-US" dirty="0"/>
+          </a:p>
+        </p:txBody>
+      </p:sp>
+      <p:pic>
+        <p:nvPicPr>
+          <p:cNvPr id="2050" name="Picture 2" descr="C:\Users\lasso\Desktop\SlicerRtExtension.png"/>
+          <p:cNvPicPr>
+            <a:picLocks noChangeAspect="1" noChangeArrowheads="1"/>
+          </p:cNvPicPr>
+          <p:nvPr/>
+        </p:nvPicPr>
+        <p:blipFill>
+          <a:blip r:embed="rId3">
+            <a:extLst>
+              <a:ext uri="{28A0092B-C50C-407E-A947-70E740481C1C}">
+                <a14:useLocalDpi xmlns:a14="http://schemas.microsoft.com/office/drawing/2010/main" val="0"/>
+              </a:ext>
+            </a:extLst>
+          </a:blip>
+          <a:srcRect/>
+          <a:stretch>
+            <a:fillRect/>
+          </a:stretch>
+        </p:blipFill>
+        <p:spPr bwMode="auto">
+          <a:xfrm>
+            <a:off x="1828800" y="2438400"/>
+            <a:ext cx="5502018" cy="3505200"/>
+          </a:xfrm>
+          <a:prstGeom prst="rect">
+            <a:avLst/>
+          </a:prstGeom>
+          <a:noFill/>
+          <a:extLst>
+            <a:ext uri="{909E8E84-426E-40DD-AFC4-6F175D3DCCD1}">
+              <a14:hiddenFill xmlns:a14="http://schemas.microsoft.com/office/drawing/2010/main">
+                <a:solidFill>
+                  <a:srgbClr val="FFFFFF"/>
+                </a:solidFill>
+              </a14:hiddenFill>
+            </a:ext>
+          </a:extLst>
+        </p:spPr>
+      </p:pic>
+    </p:spTree>
+  </p:cSld>
+  <p:clrMapOvr>
+    <a:masterClrMapping/>
+  </p:clrMapOvr>
+  <p:timing>
+    <p:tnLst>
+      <p:par>
+        <p:cTn id="1" dur="indefinite" restart="never" nodeType="tmRoot"/>
+      </p:par>
+    </p:tnLst>
+  </p:timing>
+</p:sld>
+</file>
+
+<file path=ppt/slides/slide5.xml><?xml version="1.0" encoding="utf-8"?>
+<p:sld xmlns:a="http://schemas.openxmlformats.org/drawingml/2006/main" xmlns:r="http://schemas.openxmlformats.org/officeDocument/2006/relationships" xmlns:p="http://schemas.openxmlformats.org/presentationml/2006/main">
+  <p:cSld>
+    <p:spTree>
+      <p:nvGrpSpPr>
+        <p:cNvPr id="1" name=""/>
+        <p:cNvGrpSpPr/>
+        <p:nvPr/>
+      </p:nvGrpSpPr>
+      <p:grpSpPr>
+        <a:xfrm>
+          <a:off x="0" y="0"/>
+          <a:ext cx="0" cy="0"/>
+          <a:chOff x="0" y="0"/>
+          <a:chExt cx="0" cy="0"/>
+        </a:xfrm>
+      </p:grpSpPr>
+      <p:sp>
+        <p:nvSpPr>
+          <p:cNvPr id="2" name="Title 1"/>
+          <p:cNvSpPr>
+            <a:spLocks noGrp="1"/>
+          </p:cNvSpPr>
+          <p:nvPr>
+            <p:ph type="title"/>
+          </p:nvPr>
+        </p:nvSpPr>
+        <p:spPr>
+          <a:xfrm>
+            <a:off x="228600" y="0"/>
+            <a:ext cx="8686800" cy="1143000"/>
+          </a:xfrm>
+        </p:spPr>
+        <p:txBody>
+          <a:bodyPr/>
+          <a:lstStyle/>
+          <a:p>
+            <a:r>
+              <a:rPr lang="en-CA" b="1" dirty="0" smtClean="0">
+                <a:solidFill>
+                  <a:schemeClr val="tx2"/>
+                </a:solidFill>
+              </a:rPr>
+              <a:t>DICOM-RT import module</a:t>
             </a:r>
             <a:endParaRPr lang="en-CA" b="1" dirty="0">
               <a:solidFill>
@@ -12316,11 +12894,7 @@
             <a:pPr lvl="1"/>
             <a:r>
               <a:rPr lang="en-CA" sz="1800" dirty="0" smtClean="0"/>
-              <a:t>RT </a:t>
-            </a:r>
-            <a:r>
-              <a:rPr lang="en-CA" sz="1800" dirty="0" smtClean="0"/>
-              <a:t>image -&gt; read as regular volume</a:t>
+              <a:t>RT image -&gt; read as regular volume</a:t>
             </a:r>
           </a:p>
           <a:p>
@@ -12334,11 +12908,7 @@
             <a:pPr lvl="1"/>
             <a:r>
               <a:rPr lang="en-CA" sz="1800" dirty="0" smtClean="0"/>
-              <a:t>RT plan -&gt; </a:t>
-            </a:r>
-            <a:r>
-              <a:rPr lang="en-CA" sz="1800" dirty="0" smtClean="0"/>
-              <a:t>only </a:t>
+              <a:t>RT plan -&gt; only </a:t>
             </a:r>
             <a:r>
               <a:rPr lang="en-CA" sz="1800" dirty="0" err="1" smtClean="0"/>
@@ -12348,7 +12918,6 @@
               <a:rPr lang="en-CA" sz="1800" dirty="0" smtClean="0"/>
               <a:t> positions imported</a:t>
             </a:r>
-            <a:endParaRPr lang="en-CA" sz="1800" dirty="0" smtClean="0"/>
           </a:p>
           <a:p>
             <a:r>
@@ -12465,6 +13034,11 @@
         </p:txBody>
       </p:sp>
     </p:spTree>
+    <p:extLst>
+      <p:ext uri="{BB962C8B-B14F-4D97-AF65-F5344CB8AC3E}">
+        <p14:creationId xmlns:p14="http://schemas.microsoft.com/office/powerpoint/2010/main" val="1368285831"/>
+      </p:ext>
+    </p:extLst>
   </p:cSld>
   <p:clrMapOvr>
     <a:masterClrMapping/>
@@ -12479,7 +13053,7 @@
 </p:sld>
 </file>
 
-<file path=ppt/slides/slide7.xml><?xml version="1.0" encoding="utf-8"?>
+<file path=ppt/slides/slide6.xml><?xml version="1.0" encoding="utf-8"?>
 <p:sld xmlns:a="http://schemas.openxmlformats.org/drawingml/2006/main" xmlns:r="http://schemas.openxmlformats.org/officeDocument/2006/relationships" xmlns:p="http://schemas.openxmlformats.org/presentationml/2006/main">
   <p:cSld>
     <p:spTree>
@@ -12614,7 +13188,7 @@
 </p:sld>
 </file>
 
-<file path=ppt/slides/slide8.xml><?xml version="1.0" encoding="utf-8"?>
+<file path=ppt/slides/slide7.xml><?xml version="1.0" encoding="utf-8"?>
 <p:sld xmlns:a="http://schemas.openxmlformats.org/drawingml/2006/main" xmlns:r="http://schemas.openxmlformats.org/officeDocument/2006/relationships" xmlns:p="http://schemas.openxmlformats.org/presentationml/2006/main">
   <p:cSld>
     <p:spTree>
@@ -13013,7 +13587,7 @@
 </p:sld>
 </file>
 
-<file path=ppt/slides/slide9.xml><?xml version="1.0" encoding="utf-8"?>
+<file path=ppt/slides/slide8.xml><?xml version="1.0" encoding="utf-8"?>
 <p:sld xmlns:a="http://schemas.openxmlformats.org/drawingml/2006/main" xmlns:r="http://schemas.openxmlformats.org/officeDocument/2006/relationships" xmlns:p="http://schemas.openxmlformats.org/presentationml/2006/main">
   <p:cSld>
     <p:spTree>
@@ -13051,28 +13625,12 @@
           <a:lstStyle/>
           <a:p>
             <a:r>
-              <a:rPr lang="en-CA" sz="3600" b="1" dirty="0" err="1" smtClean="0">
-                <a:solidFill>
-                  <a:schemeClr val="tx2"/>
-                </a:solidFill>
-              </a:rPr>
-              <a:t>SlicerRT</a:t>
-            </a:r>
-            <a:r>
               <a:rPr lang="en-CA" sz="3600" b="1" dirty="0" smtClean="0">
                 <a:solidFill>
                   <a:schemeClr val="tx2"/>
                 </a:solidFill>
               </a:rPr>
-              <a:t> modules: </a:t>
-            </a:r>
-            <a:r>
-              <a:rPr lang="en-CA" sz="3600" b="1" dirty="0" err="1" smtClean="0">
-                <a:solidFill>
-                  <a:schemeClr val="tx2"/>
-                </a:solidFill>
-              </a:rPr>
-              <a:t>DoseVolumeHistogram</a:t>
+              <a:t>Dose Volume Histogram module</a:t>
             </a:r>
             <a:endParaRPr lang="en-CA" sz="3600" b="1" dirty="0">
               <a:solidFill>
@@ -13158,6 +13716,235 @@
           </a:extLst>
         </p:spPr>
       </p:pic>
+    </p:spTree>
+  </p:cSld>
+  <p:clrMapOvr>
+    <a:masterClrMapping/>
+  </p:clrMapOvr>
+  <p:timing>
+    <p:tnLst>
+      <p:par>
+        <p:cTn id="1" dur="indefinite" restart="never" nodeType="tmRoot"/>
+      </p:par>
+    </p:tnLst>
+  </p:timing>
+</p:sld>
+</file>
+
+<file path=ppt/slides/slide9.xml><?xml version="1.0" encoding="utf-8"?>
+<p:sld xmlns:a="http://schemas.openxmlformats.org/drawingml/2006/main" xmlns:r="http://schemas.openxmlformats.org/officeDocument/2006/relationships" xmlns:p="http://schemas.openxmlformats.org/presentationml/2006/main">
+  <p:cSld>
+    <p:spTree>
+      <p:nvGrpSpPr>
+        <p:cNvPr id="1" name=""/>
+        <p:cNvGrpSpPr/>
+        <p:nvPr/>
+      </p:nvGrpSpPr>
+      <p:grpSpPr>
+        <a:xfrm>
+          <a:off x="0" y="0"/>
+          <a:ext cx="0" cy="0"/>
+          <a:chOff x="0" y="0"/>
+          <a:chExt cx="0" cy="0"/>
+        </a:xfrm>
+      </p:grpSpPr>
+      <p:sp>
+        <p:nvSpPr>
+          <p:cNvPr id="11" name="Footer Placeholder 10"/>
+          <p:cNvSpPr>
+            <a:spLocks noGrp="1"/>
+          </p:cNvSpPr>
+          <p:nvPr>
+            <p:ph type="ftr" sz="quarter" idx="11"/>
+          </p:nvPr>
+        </p:nvSpPr>
+        <p:spPr>
+          <a:xfrm>
+            <a:off x="1905000" y="6356350"/>
+            <a:ext cx="5257800" cy="365125"/>
+          </a:xfrm>
+        </p:spPr>
+        <p:txBody>
+          <a:bodyPr/>
+          <a:lstStyle>
+            <a:lvl1pPr>
+              <a:defRPr/>
+            </a:lvl1pPr>
+          </a:lstStyle>
+          <a:p>
+            <a:pPr>
+              <a:defRPr/>
+            </a:pPr>
+            <a:r>
+              <a:rPr lang="en-US" dirty="0" smtClean="0"/>
+              <a:t>Laboratory for Percutaneous Surgery – Copyright © Queen’s University, 2012</a:t>
+            </a:r>
+            <a:endParaRPr lang="en-US" dirty="0"/>
+          </a:p>
+        </p:txBody>
+      </p:sp>
+      <p:sp>
+        <p:nvSpPr>
+          <p:cNvPr id="9" name="Content Placeholder 2"/>
+          <p:cNvSpPr>
+            <a:spLocks noGrp="1"/>
+          </p:cNvSpPr>
+          <p:nvPr>
+            <p:ph idx="1"/>
+          </p:nvPr>
+        </p:nvSpPr>
+        <p:spPr>
+          <a:xfrm>
+            <a:off x="152400" y="1230086"/>
+            <a:ext cx="4095750" cy="3189514"/>
+          </a:xfrm>
+        </p:spPr>
+        <p:txBody>
+          <a:bodyPr/>
+          <a:lstStyle/>
+          <a:p>
+            <a:pPr marL="0" indent="0">
+              <a:buNone/>
+            </a:pPr>
+            <a:r>
+              <a:rPr lang="en-CA" sz="2200" dirty="0" smtClean="0"/>
+              <a:t>Available metrics:</a:t>
+            </a:r>
+            <a:endParaRPr lang="en-CA" sz="2200" dirty="0" smtClean="0"/>
+          </a:p>
+          <a:p>
+            <a:r>
+              <a:rPr lang="en-CA" sz="2200" dirty="0" smtClean="0"/>
+              <a:t>Total volume</a:t>
+            </a:r>
+          </a:p>
+          <a:p>
+            <a:r>
+              <a:rPr lang="en-CA" sz="2200" dirty="0" smtClean="0"/>
+              <a:t>Min, max, mean dose</a:t>
+            </a:r>
+          </a:p>
+          <a:p>
+            <a:r>
+              <a:rPr lang="en-CA" sz="2200" dirty="0" smtClean="0"/>
+              <a:t>V metrics</a:t>
+            </a:r>
+            <a:r>
+              <a:rPr lang="en-CA" sz="2200" dirty="0"/>
+              <a:t>: for user-defined </a:t>
+            </a:r>
+            <a:r>
+              <a:rPr lang="en-CA" sz="2200" dirty="0" smtClean="0"/>
+              <a:t>levels, results in cc and %</a:t>
+            </a:r>
+          </a:p>
+          <a:p>
+            <a:r>
+              <a:rPr lang="en-CA" sz="2200" dirty="0"/>
+              <a:t>D metrics: for user-defined </a:t>
+            </a:r>
+            <a:r>
+              <a:rPr lang="en-CA" sz="2200" dirty="0" smtClean="0"/>
+              <a:t>levels in cc and %</a:t>
+            </a:r>
+          </a:p>
+          <a:p>
+            <a:endParaRPr lang="en-CA" sz="2200" dirty="0" smtClean="0"/>
+          </a:p>
+          <a:p>
+            <a:pPr marL="0" indent="0">
+              <a:buNone/>
+            </a:pPr>
+            <a:r>
+              <a:rPr lang="en-CA" sz="2200" dirty="0" smtClean="0"/>
+              <a:t>Values can be exported to CSV </a:t>
+            </a:r>
+            <a:r>
+              <a:rPr lang="en-CA" sz="2200" dirty="0" smtClean="0"/>
+              <a:t>file for further analysis.</a:t>
+            </a:r>
+            <a:endParaRPr lang="en-CA" sz="2200" dirty="0" smtClean="0"/>
+          </a:p>
+        </p:txBody>
+      </p:sp>
+      <p:pic>
+        <p:nvPicPr>
+          <p:cNvPr id="1027" name="Picture 3" descr="C:\Users\lasso\Desktop\DoseMetrics.png"/>
+          <p:cNvPicPr>
+            <a:picLocks noChangeAspect="1" noChangeArrowheads="1"/>
+          </p:cNvPicPr>
+          <p:nvPr/>
+        </p:nvPicPr>
+        <p:blipFill>
+          <a:blip r:embed="rId3">
+            <a:extLst>
+              <a:ext uri="{28A0092B-C50C-407E-A947-70E740481C1C}">
+                <a14:useLocalDpi xmlns:a14="http://schemas.microsoft.com/office/drawing/2010/main" val="0"/>
+              </a:ext>
+            </a:extLst>
+          </a:blip>
+          <a:srcRect/>
+          <a:stretch>
+            <a:fillRect/>
+          </a:stretch>
+        </p:blipFill>
+        <p:spPr bwMode="auto">
+          <a:xfrm>
+            <a:off x="4548810" y="228600"/>
+            <a:ext cx="4366590" cy="5870510"/>
+          </a:xfrm>
+          <a:prstGeom prst="rect">
+            <a:avLst/>
+          </a:prstGeom>
+          <a:noFill/>
+          <a:extLst>
+            <a:ext uri="{909E8E84-426E-40DD-AFC4-6F175D3DCCD1}">
+              <a14:hiddenFill xmlns:a14="http://schemas.microsoft.com/office/drawing/2010/main">
+                <a:solidFill>
+                  <a:srgbClr val="FFFFFF"/>
+                </a:solidFill>
+              </a14:hiddenFill>
+            </a:ext>
+          </a:extLst>
+        </p:spPr>
+      </p:pic>
+      <p:sp>
+        <p:nvSpPr>
+          <p:cNvPr id="5" name="Title 1"/>
+          <p:cNvSpPr>
+            <a:spLocks noGrp="1"/>
+          </p:cNvSpPr>
+          <p:nvPr>
+            <p:ph type="title"/>
+          </p:nvPr>
+        </p:nvSpPr>
+        <p:spPr>
+          <a:xfrm>
+            <a:off x="228600" y="0"/>
+            <a:ext cx="8686800" cy="1143000"/>
+          </a:xfrm>
+        </p:spPr>
+        <p:txBody>
+          <a:bodyPr/>
+          <a:lstStyle/>
+          <a:p>
+            <a:pPr algn="l"/>
+            <a:r>
+              <a:rPr lang="en-CA" sz="3600" b="1" dirty="0" smtClean="0">
+                <a:solidFill>
+                  <a:schemeClr val="tx2"/>
+                </a:solidFill>
+              </a:rPr>
+              <a:t>Dose metrics</a:t>
+            </a:r>
+            <a:endParaRPr lang="en-CA" sz="3600" b="1" dirty="0">
+              <a:solidFill>
+                <a:schemeClr val="tx2"/>
+              </a:solidFill>
+            </a:endParaRPr>
+          </a:p>
+        </p:txBody>
+      </p:sp>
     </p:spTree>
   </p:cSld>
   <p:clrMapOvr>

--- a/overview/SlicerRtOverview.pptx
+++ b/overview/SlicerRtOverview.pptx
@@ -960,54 +960,6 @@
             <a:normAutofit/>
           </a:bodyPr>
           <a:lstStyle/>
-          <a:p>
-            <a:r>
-              <a:rPr lang="en-CA" dirty="0" smtClean="0"/>
-              <a:t>Relatively</a:t>
-            </a:r>
-            <a:r>
-              <a:rPr lang="en-CA" baseline="0" dirty="0" smtClean="0"/>
-              <a:t> new effort, but its funding is secured for a couple of years</a:t>
-            </a:r>
-            <a:endParaRPr lang="en-CA" dirty="0" smtClean="0"/>
-          </a:p>
-          <a:p>
-            <a:endParaRPr lang="en-CA" dirty="0" smtClean="0"/>
-          </a:p>
-          <a:p>
-            <a:r>
-              <a:rPr lang="en-CA" dirty="0" err="1" smtClean="0"/>
-              <a:t>SparKit</a:t>
-            </a:r>
-            <a:r>
-              <a:rPr lang="en-CA" dirty="0" smtClean="0"/>
-              <a:t>: create </a:t>
-            </a:r>
-            <a:r>
-              <a:rPr lang="en-CA" b="1" dirty="0" smtClean="0"/>
-              <a:t>hardware, software, imaging and database systems </a:t>
-            </a:r>
-            <a:r>
-              <a:rPr lang="en-CA" dirty="0" smtClean="0"/>
-              <a:t>to enable oncologists to adapt radiation to </a:t>
-            </a:r>
-            <a:r>
-              <a:rPr lang="en-CA" b="1" dirty="0" smtClean="0"/>
-              <a:t>each individual patient </a:t>
-            </a:r>
-            <a:r>
-              <a:rPr lang="en-CA" dirty="0" smtClean="0"/>
-              <a:t>and their response </a:t>
-            </a:r>
-            <a:r>
-              <a:rPr lang="en-CA" b="1" dirty="0" smtClean="0"/>
-              <a:t>during the course of therapy</a:t>
-            </a:r>
-            <a:r>
-              <a:rPr lang="en-CA" dirty="0" smtClean="0"/>
-              <a:t>. </a:t>
-            </a:r>
-          </a:p>
           <a:p>
             <a:endParaRPr lang="en-US" dirty="0" smtClean="0"/>
           </a:p>
@@ -6430,35 +6382,8 @@
               <a:rPr lang="en-CA" sz="2200" dirty="0" smtClean="0">
                 <a:latin typeface="+mn-lt"/>
               </a:rPr>
-              <a:t>Displayed </a:t>
-            </a:r>
-            <a:r>
-              <a:rPr lang="en-CA" sz="2200" dirty="0" smtClean="0">
-                <a:latin typeface="+mn-lt"/>
-              </a:rPr>
-              <a:t>on </a:t>
-            </a:r>
-            <a:r>
-              <a:rPr lang="en-CA" sz="2200" dirty="0" smtClean="0">
-                <a:latin typeface="+mn-lt"/>
-              </a:rPr>
-              <a:t>screen; </a:t>
-            </a:r>
-            <a:r>
-              <a:rPr lang="en-CA" sz="2200" dirty="0" smtClean="0">
-                <a:latin typeface="+mn-lt"/>
-              </a:rPr>
-              <a:t>zoom, trace, etc</a:t>
-            </a:r>
-            <a:r>
-              <a:rPr lang="en-CA" sz="2200" dirty="0" smtClean="0">
-                <a:latin typeface="+mn-lt"/>
-              </a:rPr>
-              <a:t>. available</a:t>
-            </a:r>
-            <a:endParaRPr lang="en-CA" sz="2200" dirty="0" smtClean="0">
-              <a:latin typeface="+mn-lt"/>
-            </a:endParaRPr>
+              <a:t>Displayed on screen; zoom, trace, etc. available</a:t>
+            </a:r>
           </a:p>
           <a:p>
             <a:pPr marL="342900" marR="0" lvl="0" indent="-342900" defTabSz="914400" rtl="0" eaLnBrk="0" fontAlgn="base" latinLnBrk="0" hangingPunct="0">
@@ -6740,11 +6665,7 @@
             </a:pPr>
             <a:r>
               <a:rPr lang="en-CA" sz="2200" dirty="0" smtClean="0"/>
-              <a:t>Computes a weighted sum of selected </a:t>
-            </a:r>
-            <a:r>
-              <a:rPr lang="en-CA" sz="2200" dirty="0" smtClean="0"/>
-              <a:t>dose volumes.</a:t>
+              <a:t>Computes a weighted sum of selected dose volumes.</a:t>
             </a:r>
           </a:p>
         </p:txBody>
@@ -7232,6 +7153,13 @@
   <p:clrMapOvr>
     <a:masterClrMapping/>
   </p:clrMapOvr>
+  <p:timing>
+    <p:tnLst>
+      <p:par>
+        <p:cTn id="1" dur="indefinite" restart="never" nodeType="tmRoot"/>
+      </p:par>
+    </p:tnLst>
+  </p:timing>
 </p:sld>
 </file>
 
@@ -7319,25 +7247,6 @@
               <a:rPr lang="en-US" dirty="0" smtClean="0"/>
               <a:t>Laboratory for Percutaneous Surgery – Copyright © Queen’s University, 2012</a:t>
             </a:r>
-            <a:endParaRPr lang="en-US" dirty="0"/>
-          </a:p>
-        </p:txBody>
-      </p:sp>
-      <p:sp>
-        <p:nvSpPr>
-          <p:cNvPr id="4" name="Content Placeholder 3"/>
-          <p:cNvSpPr>
-            <a:spLocks noGrp="1"/>
-          </p:cNvSpPr>
-          <p:nvPr>
-            <p:ph idx="1"/>
-          </p:nvPr>
-        </p:nvSpPr>
-        <p:spPr/>
-        <p:txBody>
-          <a:bodyPr/>
-          <a:lstStyle/>
-          <a:p>
             <a:endParaRPr lang="en-US" dirty="0"/>
           </a:p>
         </p:txBody>
@@ -7498,11 +7407,7 @@
             </a:pPr>
             <a:r>
               <a:rPr lang="en-CA" sz="2400" dirty="0" smtClean="0"/>
-              <a:t>All these related are coordinated (through teleconferences, meetings at NA-MIC project weeks, etc.), collaborative efforts</a:t>
-            </a:r>
-            <a:r>
-              <a:rPr lang="en-CA" sz="2400" dirty="0" smtClean="0"/>
-              <a:t>.</a:t>
+              <a:t>All these related are coordinated (through teleconferences, meetings at NA-MIC project weeks, etc.), collaborative efforts.</a:t>
             </a:r>
           </a:p>
           <a:p>
@@ -7528,7 +7433,6 @@
               <a:rPr lang="en-CA" sz="2400" dirty="0" smtClean="0"/>
               <a:t> internally for certain computations.</a:t>
             </a:r>
-            <a:endParaRPr lang="en-CA" sz="2400" dirty="0" smtClean="0"/>
           </a:p>
         </p:txBody>
       </p:sp>
@@ -7799,23 +7703,23 @@
           <p:nvPr>
             <p:extLst>
               <p:ext uri="{D42A27DB-BD31-4B8C-83A1-F6EECF244321}">
-                <p14:modId xmlns:p14="http://schemas.microsoft.com/office/powerpoint/2010/main" val="833848485"/>
+                <p14:modId xmlns:p14="http://schemas.microsoft.com/office/powerpoint/2010/main" val="3308343046"/>
               </p:ext>
             </p:extLst>
           </p:nvPr>
         </p:nvGraphicFramePr>
         <p:xfrm>
-          <a:off x="762000" y="381000"/>
-          <a:ext cx="7924800" cy="5677061"/>
+          <a:off x="457200" y="386898"/>
+          <a:ext cx="8382000" cy="5785302"/>
         </p:xfrm>
         <a:graphic>
           <a:graphicData uri="http://schemas.openxmlformats.org/drawingml/2006/table">
             <a:tbl>
               <a:tblPr/>
               <a:tblGrid>
-                <a:gridCol w="4756011"/>
-                <a:gridCol w="1719958"/>
-                <a:gridCol w="1448831"/>
+                <a:gridCol w="5277556"/>
+                <a:gridCol w="1572027"/>
+                <a:gridCol w="1532417"/>
               </a:tblGrid>
               <a:tr h="121617">
                 <a:tc>
@@ -7961,8 +7865,14 @@
                     <a:lnT>
                       <a:noFill/>
                     </a:lnT>
-                    <a:lnB>
-                      <a:noFill/>
+                    <a:lnB w="12700" cap="flat" cmpd="sng" algn="ctr">
+                      <a:solidFill>
+                        <a:schemeClr val="tx1"/>
+                      </a:solidFill>
+                      <a:prstDash val="solid"/>
+                      <a:round/>
+                      <a:headEnd type="none" w="med" len="med"/>
+                      <a:tailEnd type="none" w="med" len="med"/>
                     </a:lnB>
                   </a:tcPr>
                 </a:tc>
@@ -8000,8 +7910,14 @@
                     <a:lnT>
                       <a:noFill/>
                     </a:lnT>
-                    <a:lnB>
-                      <a:noFill/>
+                    <a:lnB w="12700" cap="flat" cmpd="sng" algn="ctr">
+                      <a:solidFill>
+                        <a:schemeClr val="tx1"/>
+                      </a:solidFill>
+                      <a:prstDash val="solid"/>
+                      <a:round/>
+                      <a:headEnd type="none" w="med" len="med"/>
+                      <a:tailEnd type="none" w="med" len="med"/>
                     </a:lnB>
                   </a:tcPr>
                 </a:tc>
@@ -8029,97 +7945,14 @@
                     <a:lnT>
                       <a:noFill/>
                     </a:lnT>
-                    <a:lnB>
-                      <a:noFill/>
-                    </a:lnB>
-                  </a:tcPr>
-                </a:tc>
-              </a:tr>
-              <a:tr h="121617">
-                <a:tc>
-                  <a:txBody>
-                    <a:bodyPr/>
-                    <a:lstStyle/>
-                    <a:p>
-                      <a:pPr algn="l" fontAlgn="b"/>
-                      <a:endParaRPr lang="en-CA" sz="900" b="0" i="0" u="none" strike="noStrike">
-                        <a:solidFill>
-                          <a:srgbClr val="000000"/>
-                        </a:solidFill>
-                        <a:latin typeface="Calibri"/>
-                      </a:endParaRPr>
-                    </a:p>
-                  </a:txBody>
-                  <a:tcPr marL="5153" marR="5153" marT="5153" marB="0" anchor="b">
-                    <a:lnL>
-                      <a:noFill/>
-                    </a:lnL>
-                    <a:lnR>
-                      <a:noFill/>
-                    </a:lnR>
-                    <a:lnT>
-                      <a:noFill/>
-                    </a:lnT>
-                    <a:lnB>
-                      <a:noFill/>
-                    </a:lnB>
-                  </a:tcPr>
-                </a:tc>
-                <a:tc>
-                  <a:txBody>
-                    <a:bodyPr/>
-                    <a:lstStyle/>
-                    <a:p>
-                      <a:pPr algn="l" fontAlgn="b"/>
-                      <a:endParaRPr lang="en-CA" sz="900" b="0" i="0" u="none" strike="noStrike">
-                        <a:solidFill>
-                          <a:srgbClr val="000000"/>
-                        </a:solidFill>
-                        <a:latin typeface="Calibri"/>
-                      </a:endParaRPr>
-                    </a:p>
-                  </a:txBody>
-                  <a:tcPr marL="5153" marR="5153" marT="5153" marB="0" anchor="b">
-                    <a:lnL>
-                      <a:noFill/>
-                    </a:lnL>
-                    <a:lnR>
-                      <a:noFill/>
-                    </a:lnR>
-                    <a:lnT>
-                      <a:noFill/>
-                    </a:lnT>
-                    <a:lnB>
-                      <a:noFill/>
-                    </a:lnB>
-                  </a:tcPr>
-                </a:tc>
-                <a:tc>
-                  <a:txBody>
-                    <a:bodyPr/>
-                    <a:lstStyle/>
-                    <a:p>
-                      <a:pPr algn="l" fontAlgn="b"/>
-                      <a:endParaRPr lang="en-CA" sz="900" b="0" i="0" u="none" strike="noStrike">
-                        <a:solidFill>
-                          <a:srgbClr val="000000"/>
-                        </a:solidFill>
-                        <a:latin typeface="Calibri"/>
-                      </a:endParaRPr>
-                    </a:p>
-                  </a:txBody>
-                  <a:tcPr marL="5153" marR="5153" marT="5153" marB="0" anchor="b">
-                    <a:lnL>
-                      <a:noFill/>
-                    </a:lnL>
-                    <a:lnR>
-                      <a:noFill/>
-                    </a:lnR>
-                    <a:lnT>
-                      <a:noFill/>
-                    </a:lnT>
-                    <a:lnB>
-                      <a:noFill/>
+                    <a:lnB w="12700" cap="flat" cmpd="sng" algn="ctr">
+                      <a:solidFill>
+                        <a:schemeClr val="tx1"/>
+                      </a:solidFill>
+                      <a:prstDash val="solid"/>
+                      <a:round/>
+                      <a:headEnd type="none" w="med" len="med"/>
+                      <a:tailEnd type="none" w="med" len="med"/>
                     </a:lnB>
                   </a:tcPr>
                 </a:tc>
@@ -8143,17 +7976,41 @@
                     </a:p>
                   </a:txBody>
                   <a:tcPr marL="5153" marR="5153" marT="5153" marB="0" anchor="b">
-                    <a:lnL>
-                      <a:noFill/>
+                    <a:lnL w="12700" cap="flat" cmpd="sng" algn="ctr">
+                      <a:solidFill>
+                        <a:schemeClr val="tx1"/>
+                      </a:solidFill>
+                      <a:prstDash val="solid"/>
+                      <a:round/>
+                      <a:headEnd type="none" w="med" len="med"/>
+                      <a:tailEnd type="none" w="med" len="med"/>
                     </a:lnL>
-                    <a:lnR>
-                      <a:noFill/>
+                    <a:lnR w="12700" cap="flat" cmpd="sng" algn="ctr">
+                      <a:solidFill>
+                        <a:schemeClr val="tx1"/>
+                      </a:solidFill>
+                      <a:prstDash val="solid"/>
+                      <a:round/>
+                      <a:headEnd type="none" w="med" len="med"/>
+                      <a:tailEnd type="none" w="med" len="med"/>
                     </a:lnR>
-                    <a:lnT>
-                      <a:noFill/>
+                    <a:lnT w="12700" cap="flat" cmpd="sng" algn="ctr">
+                      <a:solidFill>
+                        <a:schemeClr val="tx1"/>
+                      </a:solidFill>
+                      <a:prstDash val="solid"/>
+                      <a:round/>
+                      <a:headEnd type="none" w="med" len="med"/>
+                      <a:tailEnd type="none" w="med" len="med"/>
                     </a:lnT>
-                    <a:lnB>
-                      <a:noFill/>
+                    <a:lnB w="12700" cap="flat" cmpd="sng" algn="ctr">
+                      <a:solidFill>
+                        <a:schemeClr val="tx1"/>
+                      </a:solidFill>
+                      <a:prstDash val="solid"/>
+                      <a:round/>
+                      <a:headEnd type="none" w="med" len="med"/>
+                      <a:tailEnd type="none" w="med" len="med"/>
                     </a:lnB>
                   </a:tcPr>
                 </a:tc>
@@ -8181,17 +8038,41 @@
                     </a:p>
                   </a:txBody>
                   <a:tcPr marL="5153" marR="5153" marT="5153" marB="0" anchor="b">
-                    <a:lnL>
-                      <a:noFill/>
+                    <a:lnL w="12700" cap="flat" cmpd="sng" algn="ctr">
+                      <a:solidFill>
+                        <a:schemeClr val="tx1"/>
+                      </a:solidFill>
+                      <a:prstDash val="solid"/>
+                      <a:round/>
+                      <a:headEnd type="none" w="med" len="med"/>
+                      <a:tailEnd type="none" w="med" len="med"/>
                     </a:lnL>
-                    <a:lnR>
-                      <a:noFill/>
+                    <a:lnR w="12700" cap="flat" cmpd="sng" algn="ctr">
+                      <a:solidFill>
+                        <a:schemeClr val="tx1"/>
+                      </a:solidFill>
+                      <a:prstDash val="solid"/>
+                      <a:round/>
+                      <a:headEnd type="none" w="med" len="med"/>
+                      <a:tailEnd type="none" w="med" len="med"/>
                     </a:lnR>
-                    <a:lnT>
-                      <a:noFill/>
+                    <a:lnT w="12700" cap="flat" cmpd="sng" algn="ctr">
+                      <a:solidFill>
+                        <a:schemeClr val="tx1"/>
+                      </a:solidFill>
+                      <a:prstDash val="solid"/>
+                      <a:round/>
+                      <a:headEnd type="none" w="med" len="med"/>
+                      <a:tailEnd type="none" w="med" len="med"/>
                     </a:lnT>
-                    <a:lnB>
-                      <a:noFill/>
+                    <a:lnB w="12700" cap="flat" cmpd="sng" algn="ctr">
+                      <a:solidFill>
+                        <a:schemeClr val="tx1"/>
+                      </a:solidFill>
+                      <a:prstDash val="solid"/>
+                      <a:round/>
+                      <a:headEnd type="none" w="med" len="med"/>
+                      <a:tailEnd type="none" w="med" len="med"/>
                     </a:lnB>
                     <a:solidFill>
                       <a:srgbClr val="C6EFCE"/>
@@ -8222,17 +8103,41 @@
                     </a:p>
                   </a:txBody>
                   <a:tcPr marL="5153" marR="5153" marT="5153" marB="0" anchor="b">
-                    <a:lnL>
-                      <a:noFill/>
+                    <a:lnL w="12700" cap="flat" cmpd="sng" algn="ctr">
+                      <a:solidFill>
+                        <a:schemeClr val="tx1"/>
+                      </a:solidFill>
+                      <a:prstDash val="solid"/>
+                      <a:round/>
+                      <a:headEnd type="none" w="med" len="med"/>
+                      <a:tailEnd type="none" w="med" len="med"/>
                     </a:lnL>
-                    <a:lnR>
-                      <a:noFill/>
+                    <a:lnR w="12700" cap="flat" cmpd="sng" algn="ctr">
+                      <a:solidFill>
+                        <a:schemeClr val="tx1"/>
+                      </a:solidFill>
+                      <a:prstDash val="solid"/>
+                      <a:round/>
+                      <a:headEnd type="none" w="med" len="med"/>
+                      <a:tailEnd type="none" w="med" len="med"/>
                     </a:lnR>
-                    <a:lnT>
-                      <a:noFill/>
+                    <a:lnT w="12700" cap="flat" cmpd="sng" algn="ctr">
+                      <a:solidFill>
+                        <a:schemeClr val="tx1"/>
+                      </a:solidFill>
+                      <a:prstDash val="solid"/>
+                      <a:round/>
+                      <a:headEnd type="none" w="med" len="med"/>
+                      <a:tailEnd type="none" w="med" len="med"/>
                     </a:lnT>
-                    <a:lnB>
-                      <a:noFill/>
+                    <a:lnB w="12700" cap="flat" cmpd="sng" algn="ctr">
+                      <a:solidFill>
+                        <a:schemeClr val="tx1"/>
+                      </a:solidFill>
+                      <a:prstDash val="solid"/>
+                      <a:round/>
+                      <a:headEnd type="none" w="med" len="med"/>
+                      <a:tailEnd type="none" w="med" len="med"/>
                     </a:lnB>
                     <a:solidFill>
                       <a:srgbClr val="C6EFCE"/>
@@ -8259,17 +8164,41 @@
                     </a:p>
                   </a:txBody>
                   <a:tcPr marL="5153" marR="5153" marT="5153" marB="0" anchor="b">
-                    <a:lnL>
-                      <a:noFill/>
+                    <a:lnL w="12700" cap="flat" cmpd="sng" algn="ctr">
+                      <a:solidFill>
+                        <a:schemeClr val="tx1"/>
+                      </a:solidFill>
+                      <a:prstDash val="solid"/>
+                      <a:round/>
+                      <a:headEnd type="none" w="med" len="med"/>
+                      <a:tailEnd type="none" w="med" len="med"/>
                     </a:lnL>
-                    <a:lnR>
-                      <a:noFill/>
+                    <a:lnR w="12700" cap="flat" cmpd="sng" algn="ctr">
+                      <a:solidFill>
+                        <a:schemeClr val="tx1"/>
+                      </a:solidFill>
+                      <a:prstDash val="solid"/>
+                      <a:round/>
+                      <a:headEnd type="none" w="med" len="med"/>
+                      <a:tailEnd type="none" w="med" len="med"/>
                     </a:lnR>
-                    <a:lnT>
-                      <a:noFill/>
+                    <a:lnT w="12700" cap="flat" cmpd="sng" algn="ctr">
+                      <a:solidFill>
+                        <a:schemeClr val="tx1"/>
+                      </a:solidFill>
+                      <a:prstDash val="solid"/>
+                      <a:round/>
+                      <a:headEnd type="none" w="med" len="med"/>
+                      <a:tailEnd type="none" w="med" len="med"/>
                     </a:lnT>
-                    <a:lnB>
-                      <a:noFill/>
+                    <a:lnB w="12700" cap="flat" cmpd="sng" algn="ctr">
+                      <a:solidFill>
+                        <a:schemeClr val="tx1"/>
+                      </a:solidFill>
+                      <a:prstDash val="solid"/>
+                      <a:round/>
+                      <a:headEnd type="none" w="med" len="med"/>
+                      <a:tailEnd type="none" w="med" len="med"/>
                     </a:lnB>
                   </a:tcPr>
                 </a:tc>
@@ -8297,17 +8226,41 @@
                     </a:p>
                   </a:txBody>
                   <a:tcPr marL="5153" marR="5153" marT="5153" marB="0" anchor="b">
-                    <a:lnL>
-                      <a:noFill/>
+                    <a:lnL w="12700" cap="flat" cmpd="sng" algn="ctr">
+                      <a:solidFill>
+                        <a:schemeClr val="tx1"/>
+                      </a:solidFill>
+                      <a:prstDash val="solid"/>
+                      <a:round/>
+                      <a:headEnd type="none" w="med" len="med"/>
+                      <a:tailEnd type="none" w="med" len="med"/>
                     </a:lnL>
-                    <a:lnR>
-                      <a:noFill/>
+                    <a:lnR w="12700" cap="flat" cmpd="sng" algn="ctr">
+                      <a:solidFill>
+                        <a:schemeClr val="tx1"/>
+                      </a:solidFill>
+                      <a:prstDash val="solid"/>
+                      <a:round/>
+                      <a:headEnd type="none" w="med" len="med"/>
+                      <a:tailEnd type="none" w="med" len="med"/>
                     </a:lnR>
-                    <a:lnT>
-                      <a:noFill/>
+                    <a:lnT w="12700" cap="flat" cmpd="sng" algn="ctr">
+                      <a:solidFill>
+                        <a:schemeClr val="tx1"/>
+                      </a:solidFill>
+                      <a:prstDash val="solid"/>
+                      <a:round/>
+                      <a:headEnd type="none" w="med" len="med"/>
+                      <a:tailEnd type="none" w="med" len="med"/>
                     </a:lnT>
-                    <a:lnB>
-                      <a:noFill/>
+                    <a:lnB w="12700" cap="flat" cmpd="sng" algn="ctr">
+                      <a:solidFill>
+                        <a:schemeClr val="tx1"/>
+                      </a:solidFill>
+                      <a:prstDash val="solid"/>
+                      <a:round/>
+                      <a:headEnd type="none" w="med" len="med"/>
+                      <a:tailEnd type="none" w="med" len="med"/>
                     </a:lnB>
                     <a:solidFill>
                       <a:srgbClr val="C6EFCE"/>
@@ -8338,17 +8291,41 @@
                     </a:p>
                   </a:txBody>
                   <a:tcPr marL="5153" marR="5153" marT="5153" marB="0" anchor="b">
-                    <a:lnL>
-                      <a:noFill/>
+                    <a:lnL w="12700" cap="flat" cmpd="sng" algn="ctr">
+                      <a:solidFill>
+                        <a:schemeClr val="tx1"/>
+                      </a:solidFill>
+                      <a:prstDash val="solid"/>
+                      <a:round/>
+                      <a:headEnd type="none" w="med" len="med"/>
+                      <a:tailEnd type="none" w="med" len="med"/>
                     </a:lnL>
-                    <a:lnR>
-                      <a:noFill/>
+                    <a:lnR w="12700" cap="flat" cmpd="sng" algn="ctr">
+                      <a:solidFill>
+                        <a:schemeClr val="tx1"/>
+                      </a:solidFill>
+                      <a:prstDash val="solid"/>
+                      <a:round/>
+                      <a:headEnd type="none" w="med" len="med"/>
+                      <a:tailEnd type="none" w="med" len="med"/>
                     </a:lnR>
-                    <a:lnT>
-                      <a:noFill/>
+                    <a:lnT w="12700" cap="flat" cmpd="sng" algn="ctr">
+                      <a:solidFill>
+                        <a:schemeClr val="tx1"/>
+                      </a:solidFill>
+                      <a:prstDash val="solid"/>
+                      <a:round/>
+                      <a:headEnd type="none" w="med" len="med"/>
+                      <a:tailEnd type="none" w="med" len="med"/>
                     </a:lnT>
-                    <a:lnB>
-                      <a:noFill/>
+                    <a:lnB w="12700" cap="flat" cmpd="sng" algn="ctr">
+                      <a:solidFill>
+                        <a:schemeClr val="tx1"/>
+                      </a:solidFill>
+                      <a:prstDash val="solid"/>
+                      <a:round/>
+                      <a:headEnd type="none" w="med" len="med"/>
+                      <a:tailEnd type="none" w="med" len="med"/>
                     </a:lnB>
                     <a:solidFill>
                       <a:srgbClr val="C6EFCE"/>
@@ -8375,17 +8352,41 @@
                     </a:p>
                   </a:txBody>
                   <a:tcPr marL="5153" marR="5153" marT="5153" marB="0" anchor="b">
-                    <a:lnL>
-                      <a:noFill/>
+                    <a:lnL w="12700" cap="flat" cmpd="sng" algn="ctr">
+                      <a:solidFill>
+                        <a:schemeClr val="tx1"/>
+                      </a:solidFill>
+                      <a:prstDash val="solid"/>
+                      <a:round/>
+                      <a:headEnd type="none" w="med" len="med"/>
+                      <a:tailEnd type="none" w="med" len="med"/>
                     </a:lnL>
-                    <a:lnR>
-                      <a:noFill/>
+                    <a:lnR w="12700" cap="flat" cmpd="sng" algn="ctr">
+                      <a:solidFill>
+                        <a:schemeClr val="tx1"/>
+                      </a:solidFill>
+                      <a:prstDash val="solid"/>
+                      <a:round/>
+                      <a:headEnd type="none" w="med" len="med"/>
+                      <a:tailEnd type="none" w="med" len="med"/>
                     </a:lnR>
-                    <a:lnT>
-                      <a:noFill/>
+                    <a:lnT w="12700" cap="flat" cmpd="sng" algn="ctr">
+                      <a:solidFill>
+                        <a:schemeClr val="tx1"/>
+                      </a:solidFill>
+                      <a:prstDash val="solid"/>
+                      <a:round/>
+                      <a:headEnd type="none" w="med" len="med"/>
+                      <a:tailEnd type="none" w="med" len="med"/>
                     </a:lnT>
-                    <a:lnB>
-                      <a:noFill/>
+                    <a:lnB w="12700" cap="flat" cmpd="sng" algn="ctr">
+                      <a:solidFill>
+                        <a:schemeClr val="tx1"/>
+                      </a:solidFill>
+                      <a:prstDash val="solid"/>
+                      <a:round/>
+                      <a:headEnd type="none" w="med" len="med"/>
+                      <a:tailEnd type="none" w="med" len="med"/>
                     </a:lnB>
                   </a:tcPr>
                 </a:tc>
@@ -8413,17 +8414,41 @@
                     </a:p>
                   </a:txBody>
                   <a:tcPr marL="5153" marR="5153" marT="5153" marB="0" anchor="b">
-                    <a:lnL>
-                      <a:noFill/>
+                    <a:lnL w="12700" cap="flat" cmpd="sng" algn="ctr">
+                      <a:solidFill>
+                        <a:schemeClr val="tx1"/>
+                      </a:solidFill>
+                      <a:prstDash val="solid"/>
+                      <a:round/>
+                      <a:headEnd type="none" w="med" len="med"/>
+                      <a:tailEnd type="none" w="med" len="med"/>
                     </a:lnL>
-                    <a:lnR>
-                      <a:noFill/>
+                    <a:lnR w="12700" cap="flat" cmpd="sng" algn="ctr">
+                      <a:solidFill>
+                        <a:schemeClr val="tx1"/>
+                      </a:solidFill>
+                      <a:prstDash val="solid"/>
+                      <a:round/>
+                      <a:headEnd type="none" w="med" len="med"/>
+                      <a:tailEnd type="none" w="med" len="med"/>
                     </a:lnR>
-                    <a:lnT>
-                      <a:noFill/>
+                    <a:lnT w="12700" cap="flat" cmpd="sng" algn="ctr">
+                      <a:solidFill>
+                        <a:schemeClr val="tx1"/>
+                      </a:solidFill>
+                      <a:prstDash val="solid"/>
+                      <a:round/>
+                      <a:headEnd type="none" w="med" len="med"/>
+                      <a:tailEnd type="none" w="med" len="med"/>
                     </a:lnT>
-                    <a:lnB>
-                      <a:noFill/>
+                    <a:lnB w="12700" cap="flat" cmpd="sng" algn="ctr">
+                      <a:solidFill>
+                        <a:schemeClr val="tx1"/>
+                      </a:solidFill>
+                      <a:prstDash val="solid"/>
+                      <a:round/>
+                      <a:headEnd type="none" w="med" len="med"/>
+                      <a:tailEnd type="none" w="med" len="med"/>
                     </a:lnB>
                     <a:solidFill>
                       <a:srgbClr val="C6EFCE"/>
@@ -8454,17 +8479,41 @@
                     </a:p>
                   </a:txBody>
                   <a:tcPr marL="5153" marR="5153" marT="5153" marB="0" anchor="b">
-                    <a:lnL>
-                      <a:noFill/>
+                    <a:lnL w="12700" cap="flat" cmpd="sng" algn="ctr">
+                      <a:solidFill>
+                        <a:schemeClr val="tx1"/>
+                      </a:solidFill>
+                      <a:prstDash val="solid"/>
+                      <a:round/>
+                      <a:headEnd type="none" w="med" len="med"/>
+                      <a:tailEnd type="none" w="med" len="med"/>
                     </a:lnL>
-                    <a:lnR>
-                      <a:noFill/>
+                    <a:lnR w="12700" cap="flat" cmpd="sng" algn="ctr">
+                      <a:solidFill>
+                        <a:schemeClr val="tx1"/>
+                      </a:solidFill>
+                      <a:prstDash val="solid"/>
+                      <a:round/>
+                      <a:headEnd type="none" w="med" len="med"/>
+                      <a:tailEnd type="none" w="med" len="med"/>
                     </a:lnR>
-                    <a:lnT>
-                      <a:noFill/>
+                    <a:lnT w="12700" cap="flat" cmpd="sng" algn="ctr">
+                      <a:solidFill>
+                        <a:schemeClr val="tx1"/>
+                      </a:solidFill>
+                      <a:prstDash val="solid"/>
+                      <a:round/>
+                      <a:headEnd type="none" w="med" len="med"/>
+                      <a:tailEnd type="none" w="med" len="med"/>
                     </a:lnT>
-                    <a:lnB>
-                      <a:noFill/>
+                    <a:lnB w="12700" cap="flat" cmpd="sng" algn="ctr">
+                      <a:solidFill>
+                        <a:schemeClr val="tx1"/>
+                      </a:solidFill>
+                      <a:prstDash val="solid"/>
+                      <a:round/>
+                      <a:headEnd type="none" w="med" len="med"/>
+                      <a:tailEnd type="none" w="med" len="med"/>
                     </a:lnB>
                     <a:solidFill>
                       <a:srgbClr val="C6EFCE"/>
@@ -8491,17 +8540,41 @@
                     </a:p>
                   </a:txBody>
                   <a:tcPr marL="5153" marR="5153" marT="5153" marB="0" anchor="b">
-                    <a:lnL>
-                      <a:noFill/>
+                    <a:lnL w="12700" cap="flat" cmpd="sng" algn="ctr">
+                      <a:solidFill>
+                        <a:schemeClr val="tx1"/>
+                      </a:solidFill>
+                      <a:prstDash val="solid"/>
+                      <a:round/>
+                      <a:headEnd type="none" w="med" len="med"/>
+                      <a:tailEnd type="none" w="med" len="med"/>
                     </a:lnL>
-                    <a:lnR>
-                      <a:noFill/>
+                    <a:lnR w="12700" cap="flat" cmpd="sng" algn="ctr">
+                      <a:solidFill>
+                        <a:schemeClr val="tx1"/>
+                      </a:solidFill>
+                      <a:prstDash val="solid"/>
+                      <a:round/>
+                      <a:headEnd type="none" w="med" len="med"/>
+                      <a:tailEnd type="none" w="med" len="med"/>
                     </a:lnR>
-                    <a:lnT>
-                      <a:noFill/>
+                    <a:lnT w="12700" cap="flat" cmpd="sng" algn="ctr">
+                      <a:solidFill>
+                        <a:schemeClr val="tx1"/>
+                      </a:solidFill>
+                      <a:prstDash val="solid"/>
+                      <a:round/>
+                      <a:headEnd type="none" w="med" len="med"/>
+                      <a:tailEnd type="none" w="med" len="med"/>
                     </a:lnT>
-                    <a:lnB>
-                      <a:noFill/>
+                    <a:lnB w="12700" cap="flat" cmpd="sng" algn="ctr">
+                      <a:solidFill>
+                        <a:schemeClr val="tx1"/>
+                      </a:solidFill>
+                      <a:prstDash val="solid"/>
+                      <a:round/>
+                      <a:headEnd type="none" w="med" len="med"/>
+                      <a:tailEnd type="none" w="med" len="med"/>
                     </a:lnB>
                   </a:tcPr>
                 </a:tc>
@@ -8529,17 +8602,41 @@
                     </a:p>
                   </a:txBody>
                   <a:tcPr marL="5153" marR="5153" marT="5153" marB="0" anchor="b">
-                    <a:lnL>
-                      <a:noFill/>
+                    <a:lnL w="12700" cap="flat" cmpd="sng" algn="ctr">
+                      <a:solidFill>
+                        <a:schemeClr val="tx1"/>
+                      </a:solidFill>
+                      <a:prstDash val="solid"/>
+                      <a:round/>
+                      <a:headEnd type="none" w="med" len="med"/>
+                      <a:tailEnd type="none" w="med" len="med"/>
                     </a:lnL>
-                    <a:lnR>
-                      <a:noFill/>
+                    <a:lnR w="12700" cap="flat" cmpd="sng" algn="ctr">
+                      <a:solidFill>
+                        <a:schemeClr val="tx1"/>
+                      </a:solidFill>
+                      <a:prstDash val="solid"/>
+                      <a:round/>
+                      <a:headEnd type="none" w="med" len="med"/>
+                      <a:tailEnd type="none" w="med" len="med"/>
                     </a:lnR>
-                    <a:lnT>
-                      <a:noFill/>
+                    <a:lnT w="12700" cap="flat" cmpd="sng" algn="ctr">
+                      <a:solidFill>
+                        <a:schemeClr val="tx1"/>
+                      </a:solidFill>
+                      <a:prstDash val="solid"/>
+                      <a:round/>
+                      <a:headEnd type="none" w="med" len="med"/>
+                      <a:tailEnd type="none" w="med" len="med"/>
                     </a:lnT>
-                    <a:lnB>
-                      <a:noFill/>
+                    <a:lnB w="12700" cap="flat" cmpd="sng" algn="ctr">
+                      <a:solidFill>
+                        <a:schemeClr val="tx1"/>
+                      </a:solidFill>
+                      <a:prstDash val="solid"/>
+                      <a:round/>
+                      <a:headEnd type="none" w="med" len="med"/>
+                      <a:tailEnd type="none" w="med" len="med"/>
                     </a:lnB>
                     <a:solidFill>
                       <a:srgbClr val="C6EFCE"/>
@@ -8570,17 +8667,41 @@
                     </a:p>
                   </a:txBody>
                   <a:tcPr marL="5153" marR="5153" marT="5153" marB="0" anchor="b">
-                    <a:lnL>
-                      <a:noFill/>
+                    <a:lnL w="12700" cap="flat" cmpd="sng" algn="ctr">
+                      <a:solidFill>
+                        <a:schemeClr val="tx1"/>
+                      </a:solidFill>
+                      <a:prstDash val="solid"/>
+                      <a:round/>
+                      <a:headEnd type="none" w="med" len="med"/>
+                      <a:tailEnd type="none" w="med" len="med"/>
                     </a:lnL>
-                    <a:lnR>
-                      <a:noFill/>
+                    <a:lnR w="12700" cap="flat" cmpd="sng" algn="ctr">
+                      <a:solidFill>
+                        <a:schemeClr val="tx1"/>
+                      </a:solidFill>
+                      <a:prstDash val="solid"/>
+                      <a:round/>
+                      <a:headEnd type="none" w="med" len="med"/>
+                      <a:tailEnd type="none" w="med" len="med"/>
                     </a:lnR>
-                    <a:lnT>
-                      <a:noFill/>
+                    <a:lnT w="12700" cap="flat" cmpd="sng" algn="ctr">
+                      <a:solidFill>
+                        <a:schemeClr val="tx1"/>
+                      </a:solidFill>
+                      <a:prstDash val="solid"/>
+                      <a:round/>
+                      <a:headEnd type="none" w="med" len="med"/>
+                      <a:tailEnd type="none" w="med" len="med"/>
                     </a:lnT>
-                    <a:lnB>
-                      <a:noFill/>
+                    <a:lnB w="12700" cap="flat" cmpd="sng" algn="ctr">
+                      <a:solidFill>
+                        <a:schemeClr val="tx1"/>
+                      </a:solidFill>
+                      <a:prstDash val="solid"/>
+                      <a:round/>
+                      <a:headEnd type="none" w="med" len="med"/>
+                      <a:tailEnd type="none" w="med" len="med"/>
                     </a:lnB>
                     <a:solidFill>
                       <a:srgbClr val="C6EFCE"/>
@@ -8607,17 +8728,41 @@
                     </a:p>
                   </a:txBody>
                   <a:tcPr marL="5153" marR="5153" marT="5153" marB="0" anchor="b">
-                    <a:lnL>
-                      <a:noFill/>
+                    <a:lnL w="12700" cap="flat" cmpd="sng" algn="ctr">
+                      <a:solidFill>
+                        <a:schemeClr val="tx1"/>
+                      </a:solidFill>
+                      <a:prstDash val="solid"/>
+                      <a:round/>
+                      <a:headEnd type="none" w="med" len="med"/>
+                      <a:tailEnd type="none" w="med" len="med"/>
                     </a:lnL>
-                    <a:lnR>
-                      <a:noFill/>
+                    <a:lnR w="12700" cap="flat" cmpd="sng" algn="ctr">
+                      <a:solidFill>
+                        <a:schemeClr val="tx1"/>
+                      </a:solidFill>
+                      <a:prstDash val="solid"/>
+                      <a:round/>
+                      <a:headEnd type="none" w="med" len="med"/>
+                      <a:tailEnd type="none" w="med" len="med"/>
                     </a:lnR>
-                    <a:lnT>
-                      <a:noFill/>
+                    <a:lnT w="12700" cap="flat" cmpd="sng" algn="ctr">
+                      <a:solidFill>
+                        <a:schemeClr val="tx1"/>
+                      </a:solidFill>
+                      <a:prstDash val="solid"/>
+                      <a:round/>
+                      <a:headEnd type="none" w="med" len="med"/>
+                      <a:tailEnd type="none" w="med" len="med"/>
                     </a:lnT>
-                    <a:lnB>
-                      <a:noFill/>
+                    <a:lnB w="12700" cap="flat" cmpd="sng" algn="ctr">
+                      <a:solidFill>
+                        <a:schemeClr val="tx1"/>
+                      </a:solidFill>
+                      <a:prstDash val="solid"/>
+                      <a:round/>
+                      <a:headEnd type="none" w="med" len="med"/>
+                      <a:tailEnd type="none" w="med" len="med"/>
                     </a:lnB>
                   </a:tcPr>
                 </a:tc>
@@ -8645,17 +8790,41 @@
                     </a:p>
                   </a:txBody>
                   <a:tcPr marL="5153" marR="5153" marT="5153" marB="0" anchor="b">
-                    <a:lnL>
-                      <a:noFill/>
+                    <a:lnL w="12700" cap="flat" cmpd="sng" algn="ctr">
+                      <a:solidFill>
+                        <a:schemeClr val="tx1"/>
+                      </a:solidFill>
+                      <a:prstDash val="solid"/>
+                      <a:round/>
+                      <a:headEnd type="none" w="med" len="med"/>
+                      <a:tailEnd type="none" w="med" len="med"/>
                     </a:lnL>
-                    <a:lnR>
-                      <a:noFill/>
+                    <a:lnR w="12700" cap="flat" cmpd="sng" algn="ctr">
+                      <a:solidFill>
+                        <a:schemeClr val="tx1"/>
+                      </a:solidFill>
+                      <a:prstDash val="solid"/>
+                      <a:round/>
+                      <a:headEnd type="none" w="med" len="med"/>
+                      <a:tailEnd type="none" w="med" len="med"/>
                     </a:lnR>
-                    <a:lnT>
-                      <a:noFill/>
+                    <a:lnT w="12700" cap="flat" cmpd="sng" algn="ctr">
+                      <a:solidFill>
+                        <a:schemeClr val="tx1"/>
+                      </a:solidFill>
+                      <a:prstDash val="solid"/>
+                      <a:round/>
+                      <a:headEnd type="none" w="med" len="med"/>
+                      <a:tailEnd type="none" w="med" len="med"/>
                     </a:lnT>
-                    <a:lnB>
-                      <a:noFill/>
+                    <a:lnB w="12700" cap="flat" cmpd="sng" algn="ctr">
+                      <a:solidFill>
+                        <a:schemeClr val="tx1"/>
+                      </a:solidFill>
+                      <a:prstDash val="solid"/>
+                      <a:round/>
+                      <a:headEnd type="none" w="med" len="med"/>
+                      <a:tailEnd type="none" w="med" len="med"/>
                     </a:lnB>
                     <a:solidFill>
                       <a:srgbClr val="C6EFCE"/>
@@ -8686,17 +8855,41 @@
                     </a:p>
                   </a:txBody>
                   <a:tcPr marL="5153" marR="5153" marT="5153" marB="0" anchor="b">
-                    <a:lnL>
-                      <a:noFill/>
+                    <a:lnL w="12700" cap="flat" cmpd="sng" algn="ctr">
+                      <a:solidFill>
+                        <a:schemeClr val="tx1"/>
+                      </a:solidFill>
+                      <a:prstDash val="solid"/>
+                      <a:round/>
+                      <a:headEnd type="none" w="med" len="med"/>
+                      <a:tailEnd type="none" w="med" len="med"/>
                     </a:lnL>
-                    <a:lnR>
-                      <a:noFill/>
+                    <a:lnR w="12700" cap="flat" cmpd="sng" algn="ctr">
+                      <a:solidFill>
+                        <a:schemeClr val="tx1"/>
+                      </a:solidFill>
+                      <a:prstDash val="solid"/>
+                      <a:round/>
+                      <a:headEnd type="none" w="med" len="med"/>
+                      <a:tailEnd type="none" w="med" len="med"/>
                     </a:lnR>
-                    <a:lnT>
-                      <a:noFill/>
+                    <a:lnT w="12700" cap="flat" cmpd="sng" algn="ctr">
+                      <a:solidFill>
+                        <a:schemeClr val="tx1"/>
+                      </a:solidFill>
+                      <a:prstDash val="solid"/>
+                      <a:round/>
+                      <a:headEnd type="none" w="med" len="med"/>
+                      <a:tailEnd type="none" w="med" len="med"/>
                     </a:lnT>
-                    <a:lnB>
-                      <a:noFill/>
+                    <a:lnB w="12700" cap="flat" cmpd="sng" algn="ctr">
+                      <a:solidFill>
+                        <a:schemeClr val="tx1"/>
+                      </a:solidFill>
+                      <a:prstDash val="solid"/>
+                      <a:round/>
+                      <a:headEnd type="none" w="med" len="med"/>
+                      <a:tailEnd type="none" w="med" len="med"/>
                     </a:lnB>
                     <a:solidFill>
                       <a:srgbClr val="C6EFCE"/>
@@ -8723,17 +8916,41 @@
                     </a:p>
                   </a:txBody>
                   <a:tcPr marL="5153" marR="5153" marT="5153" marB="0" anchor="b">
-                    <a:lnL>
-                      <a:noFill/>
+                    <a:lnL w="12700" cap="flat" cmpd="sng" algn="ctr">
+                      <a:solidFill>
+                        <a:schemeClr val="tx1"/>
+                      </a:solidFill>
+                      <a:prstDash val="solid"/>
+                      <a:round/>
+                      <a:headEnd type="none" w="med" len="med"/>
+                      <a:tailEnd type="none" w="med" len="med"/>
                     </a:lnL>
-                    <a:lnR>
-                      <a:noFill/>
+                    <a:lnR w="12700" cap="flat" cmpd="sng" algn="ctr">
+                      <a:solidFill>
+                        <a:schemeClr val="tx1"/>
+                      </a:solidFill>
+                      <a:prstDash val="solid"/>
+                      <a:round/>
+                      <a:headEnd type="none" w="med" len="med"/>
+                      <a:tailEnd type="none" w="med" len="med"/>
                     </a:lnR>
-                    <a:lnT>
-                      <a:noFill/>
+                    <a:lnT w="12700" cap="flat" cmpd="sng" algn="ctr">
+                      <a:solidFill>
+                        <a:schemeClr val="tx1"/>
+                      </a:solidFill>
+                      <a:prstDash val="solid"/>
+                      <a:round/>
+                      <a:headEnd type="none" w="med" len="med"/>
+                      <a:tailEnd type="none" w="med" len="med"/>
                     </a:lnT>
-                    <a:lnB>
-                      <a:noFill/>
+                    <a:lnB w="12700" cap="flat" cmpd="sng" algn="ctr">
+                      <a:solidFill>
+                        <a:schemeClr val="tx1"/>
+                      </a:solidFill>
+                      <a:prstDash val="solid"/>
+                      <a:round/>
+                      <a:headEnd type="none" w="med" len="med"/>
+                      <a:tailEnd type="none" w="med" len="med"/>
                     </a:lnB>
                   </a:tcPr>
                 </a:tc>
@@ -8761,17 +8978,41 @@
                     </a:p>
                   </a:txBody>
                   <a:tcPr marL="5153" marR="5153" marT="5153" marB="0" anchor="b">
-                    <a:lnL>
-                      <a:noFill/>
+                    <a:lnL w="12700" cap="flat" cmpd="sng" algn="ctr">
+                      <a:solidFill>
+                        <a:schemeClr val="tx1"/>
+                      </a:solidFill>
+                      <a:prstDash val="solid"/>
+                      <a:round/>
+                      <a:headEnd type="none" w="med" len="med"/>
+                      <a:tailEnd type="none" w="med" len="med"/>
                     </a:lnL>
-                    <a:lnR>
-                      <a:noFill/>
+                    <a:lnR w="12700" cap="flat" cmpd="sng" algn="ctr">
+                      <a:solidFill>
+                        <a:schemeClr val="tx1"/>
+                      </a:solidFill>
+                      <a:prstDash val="solid"/>
+                      <a:round/>
+                      <a:headEnd type="none" w="med" len="med"/>
+                      <a:tailEnd type="none" w="med" len="med"/>
                     </a:lnR>
-                    <a:lnT>
-                      <a:noFill/>
+                    <a:lnT w="12700" cap="flat" cmpd="sng" algn="ctr">
+                      <a:solidFill>
+                        <a:schemeClr val="tx1"/>
+                      </a:solidFill>
+                      <a:prstDash val="solid"/>
+                      <a:round/>
+                      <a:headEnd type="none" w="med" len="med"/>
+                      <a:tailEnd type="none" w="med" len="med"/>
                     </a:lnT>
-                    <a:lnB>
-                      <a:noFill/>
+                    <a:lnB w="12700" cap="flat" cmpd="sng" algn="ctr">
+                      <a:solidFill>
+                        <a:schemeClr val="tx1"/>
+                      </a:solidFill>
+                      <a:prstDash val="solid"/>
+                      <a:round/>
+                      <a:headEnd type="none" w="med" len="med"/>
+                      <a:tailEnd type="none" w="med" len="med"/>
                     </a:lnB>
                     <a:solidFill>
                       <a:srgbClr val="C6EFCE"/>
@@ -8785,29 +9026,97 @@
                     <a:p>
                       <a:pPr algn="l" fontAlgn="b"/>
                       <a:r>
-                        <a:rPr lang="en-CA" sz="900" b="0" i="0" u="none" strike="noStrike" dirty="0">
+                        <a:rPr lang="en-CA" sz="900" b="0" i="0" u="none" strike="noStrike" dirty="0" smtClean="0">
                           <a:solidFill>
                             <a:srgbClr val="000000"/>
                           </a:solidFill>
                           <a:latin typeface="Calibri"/>
                         </a:rPr>
-                        <a:t>WIP</a:t>
+                        <a:t>Yes, export not yet available</a:t>
                       </a:r>
+                      <a:br>
+                        <a:rPr lang="en-CA" sz="900" b="0" i="0" u="none" strike="noStrike" dirty="0" smtClean="0">
+                          <a:solidFill>
+                            <a:srgbClr val="000000"/>
+                          </a:solidFill>
+                          <a:latin typeface="Calibri"/>
+                        </a:rPr>
+                      </a:br>
+                      <a:r>
+                        <a:rPr lang="en-CA" sz="900" b="0" i="0" u="none" strike="noStrike" dirty="0" smtClean="0">
+                          <a:solidFill>
+                            <a:srgbClr val="000000"/>
+                          </a:solidFill>
+                          <a:latin typeface="Calibri"/>
+                        </a:rPr>
+                        <a:t>(using </a:t>
+                      </a:r>
+                      <a:r>
+                        <a:rPr lang="en-CA" sz="900" b="0" i="0" u="none" strike="noStrike" dirty="0" err="1" smtClean="0">
+                          <a:solidFill>
+                            <a:srgbClr val="000000"/>
+                          </a:solidFill>
+                          <a:latin typeface="Calibri"/>
+                        </a:rPr>
+                        <a:t>SlicerRT</a:t>
+                      </a:r>
+                      <a:r>
+                        <a:rPr lang="en-CA" sz="900" b="0" i="0" u="none" strike="noStrike" dirty="0" smtClean="0">
+                          <a:solidFill>
+                            <a:srgbClr val="000000"/>
+                          </a:solidFill>
+                          <a:latin typeface="Calibri"/>
+                        </a:rPr>
+                        <a:t>)</a:t>
+                      </a:r>
+                      <a:endParaRPr lang="en-CA" sz="900" b="0" i="0" u="none" strike="noStrike" dirty="0">
+                        <a:solidFill>
+                          <a:srgbClr val="000000"/>
+                        </a:solidFill>
+                        <a:latin typeface="Calibri"/>
+                      </a:endParaRPr>
                     </a:p>
                   </a:txBody>
                   <a:tcPr marL="5153" marR="5153" marT="5153" marB="0" anchor="b">
-                    <a:lnL>
-                      <a:noFill/>
+                    <a:lnL w="12700" cap="flat" cmpd="sng" algn="ctr">
+                      <a:solidFill>
+                        <a:schemeClr val="tx1"/>
+                      </a:solidFill>
+                      <a:prstDash val="solid"/>
+                      <a:round/>
+                      <a:headEnd type="none" w="med" len="med"/>
+                      <a:tailEnd type="none" w="med" len="med"/>
                     </a:lnL>
-                    <a:lnR>
-                      <a:noFill/>
+                    <a:lnR w="12700" cap="flat" cmpd="sng" algn="ctr">
+                      <a:solidFill>
+                        <a:schemeClr val="tx1"/>
+                      </a:solidFill>
+                      <a:prstDash val="solid"/>
+                      <a:round/>
+                      <a:headEnd type="none" w="med" len="med"/>
+                      <a:tailEnd type="none" w="med" len="med"/>
                     </a:lnR>
-                    <a:lnT>
-                      <a:noFill/>
+                    <a:lnT w="12700" cap="flat" cmpd="sng" algn="ctr">
+                      <a:solidFill>
+                        <a:schemeClr val="tx1"/>
+                      </a:solidFill>
+                      <a:prstDash val="solid"/>
+                      <a:round/>
+                      <a:headEnd type="none" w="med" len="med"/>
+                      <a:tailEnd type="none" w="med" len="med"/>
                     </a:lnT>
-                    <a:lnB>
-                      <a:noFill/>
+                    <a:lnB w="12700" cap="flat" cmpd="sng" algn="ctr">
+                      <a:solidFill>
+                        <a:schemeClr val="tx1"/>
+                      </a:solidFill>
+                      <a:prstDash val="solid"/>
+                      <a:round/>
+                      <a:headEnd type="none" w="med" len="med"/>
+                      <a:tailEnd type="none" w="med" len="med"/>
                     </a:lnB>
+                    <a:solidFill>
+                      <a:srgbClr val="DBF5E0"/>
+                    </a:solidFill>
                   </a:tcPr>
                 </a:tc>
               </a:tr>
@@ -8830,17 +9139,41 @@
                     </a:p>
                   </a:txBody>
                   <a:tcPr marL="5153" marR="5153" marT="5153" marB="0" anchor="b">
-                    <a:lnL>
-                      <a:noFill/>
+                    <a:lnL w="12700" cap="flat" cmpd="sng" algn="ctr">
+                      <a:solidFill>
+                        <a:schemeClr val="tx1"/>
+                      </a:solidFill>
+                      <a:prstDash val="solid"/>
+                      <a:round/>
+                      <a:headEnd type="none" w="med" len="med"/>
+                      <a:tailEnd type="none" w="med" len="med"/>
                     </a:lnL>
-                    <a:lnR>
-                      <a:noFill/>
+                    <a:lnR w="12700" cap="flat" cmpd="sng" algn="ctr">
+                      <a:solidFill>
+                        <a:schemeClr val="tx1"/>
+                      </a:solidFill>
+                      <a:prstDash val="solid"/>
+                      <a:round/>
+                      <a:headEnd type="none" w="med" len="med"/>
+                      <a:tailEnd type="none" w="med" len="med"/>
                     </a:lnR>
-                    <a:lnT>
-                      <a:noFill/>
+                    <a:lnT w="12700" cap="flat" cmpd="sng" algn="ctr">
+                      <a:solidFill>
+                        <a:schemeClr val="tx1"/>
+                      </a:solidFill>
+                      <a:prstDash val="solid"/>
+                      <a:round/>
+                      <a:headEnd type="none" w="med" len="med"/>
+                      <a:tailEnd type="none" w="med" len="med"/>
                     </a:lnT>
-                    <a:lnB>
-                      <a:noFill/>
+                    <a:lnB w="12700" cap="flat" cmpd="sng" algn="ctr">
+                      <a:solidFill>
+                        <a:schemeClr val="tx1"/>
+                      </a:solidFill>
+                      <a:prstDash val="solid"/>
+                      <a:round/>
+                      <a:headEnd type="none" w="med" len="med"/>
+                      <a:tailEnd type="none" w="med" len="med"/>
                     </a:lnB>
                   </a:tcPr>
                 </a:tc>
@@ -8868,17 +9201,41 @@
                     </a:p>
                   </a:txBody>
                   <a:tcPr marL="5153" marR="5153" marT="5153" marB="0" anchor="b">
-                    <a:lnL>
-                      <a:noFill/>
+                    <a:lnL w="12700" cap="flat" cmpd="sng" algn="ctr">
+                      <a:solidFill>
+                        <a:schemeClr val="tx1"/>
+                      </a:solidFill>
+                      <a:prstDash val="solid"/>
+                      <a:round/>
+                      <a:headEnd type="none" w="med" len="med"/>
+                      <a:tailEnd type="none" w="med" len="med"/>
                     </a:lnL>
-                    <a:lnR>
-                      <a:noFill/>
+                    <a:lnR w="12700" cap="flat" cmpd="sng" algn="ctr">
+                      <a:solidFill>
+                        <a:schemeClr val="tx1"/>
+                      </a:solidFill>
+                      <a:prstDash val="solid"/>
+                      <a:round/>
+                      <a:headEnd type="none" w="med" len="med"/>
+                      <a:tailEnd type="none" w="med" len="med"/>
                     </a:lnR>
-                    <a:lnT>
-                      <a:noFill/>
+                    <a:lnT w="12700" cap="flat" cmpd="sng" algn="ctr">
+                      <a:solidFill>
+                        <a:schemeClr val="tx1"/>
+                      </a:solidFill>
+                      <a:prstDash val="solid"/>
+                      <a:round/>
+                      <a:headEnd type="none" w="med" len="med"/>
+                      <a:tailEnd type="none" w="med" len="med"/>
                     </a:lnT>
-                    <a:lnB>
-                      <a:noFill/>
+                    <a:lnB w="12700" cap="flat" cmpd="sng" algn="ctr">
+                      <a:solidFill>
+                        <a:schemeClr val="tx1"/>
+                      </a:solidFill>
+                      <a:prstDash val="solid"/>
+                      <a:round/>
+                      <a:headEnd type="none" w="med" len="med"/>
+                      <a:tailEnd type="none" w="med" len="med"/>
                     </a:lnB>
                     <a:solidFill>
                       <a:srgbClr val="C6EFCE"/>
@@ -8896,30 +9253,54 @@
                           <a:solidFill>
                             <a:srgbClr val="000000"/>
                           </a:solidFill>
-                          <a:latin typeface="Calibri"/>
+                          <a:latin typeface="+mn-lt"/>
                         </a:rPr>
-                        <a:t>Not planned</a:t>
+                        <a:t>Not available yet</a:t>
                       </a:r>
                       <a:endParaRPr lang="en-CA" sz="900" b="0" i="0" u="none" strike="noStrike" dirty="0">
                         <a:solidFill>
                           <a:srgbClr val="000000"/>
                         </a:solidFill>
-                        <a:latin typeface="Calibri"/>
+                        <a:latin typeface="+mn-lt"/>
                       </a:endParaRPr>
                     </a:p>
                   </a:txBody>
                   <a:tcPr marL="5153" marR="5153" marT="5153" marB="0" anchor="b">
-                    <a:lnL>
-                      <a:noFill/>
+                    <a:lnL w="12700" cap="flat" cmpd="sng" algn="ctr">
+                      <a:solidFill>
+                        <a:schemeClr val="tx1"/>
+                      </a:solidFill>
+                      <a:prstDash val="solid"/>
+                      <a:round/>
+                      <a:headEnd type="none" w="med" len="med"/>
+                      <a:tailEnd type="none" w="med" len="med"/>
                     </a:lnL>
-                    <a:lnR>
-                      <a:noFill/>
+                    <a:lnR w="12700" cap="flat" cmpd="sng" algn="ctr">
+                      <a:solidFill>
+                        <a:schemeClr val="tx1"/>
+                      </a:solidFill>
+                      <a:prstDash val="solid"/>
+                      <a:round/>
+                      <a:headEnd type="none" w="med" len="med"/>
+                      <a:tailEnd type="none" w="med" len="med"/>
                     </a:lnR>
-                    <a:lnT>
-                      <a:noFill/>
+                    <a:lnT w="12700" cap="flat" cmpd="sng" algn="ctr">
+                      <a:solidFill>
+                        <a:schemeClr val="tx1"/>
+                      </a:solidFill>
+                      <a:prstDash val="solid"/>
+                      <a:round/>
+                      <a:headEnd type="none" w="med" len="med"/>
+                      <a:tailEnd type="none" w="med" len="med"/>
                     </a:lnT>
-                    <a:lnB>
-                      <a:noFill/>
+                    <a:lnB w="12700" cap="flat" cmpd="sng" algn="ctr">
+                      <a:solidFill>
+                        <a:schemeClr val="tx1"/>
+                      </a:solidFill>
+                      <a:prstDash val="solid"/>
+                      <a:round/>
+                      <a:headEnd type="none" w="med" len="med"/>
+                      <a:tailEnd type="none" w="med" len="med"/>
                     </a:lnB>
                   </a:tcPr>
                 </a:tc>
@@ -8943,17 +9324,41 @@
                     </a:p>
                   </a:txBody>
                   <a:tcPr marL="5153" marR="5153" marT="5153" marB="0" anchor="b">
-                    <a:lnL>
-                      <a:noFill/>
+                    <a:lnL w="12700" cap="flat" cmpd="sng" algn="ctr">
+                      <a:solidFill>
+                        <a:schemeClr val="tx1"/>
+                      </a:solidFill>
+                      <a:prstDash val="solid"/>
+                      <a:round/>
+                      <a:headEnd type="none" w="med" len="med"/>
+                      <a:tailEnd type="none" w="med" len="med"/>
                     </a:lnL>
-                    <a:lnR>
-                      <a:noFill/>
+                    <a:lnR w="12700" cap="flat" cmpd="sng" algn="ctr">
+                      <a:solidFill>
+                        <a:schemeClr val="tx1"/>
+                      </a:solidFill>
+                      <a:prstDash val="solid"/>
+                      <a:round/>
+                      <a:headEnd type="none" w="med" len="med"/>
+                      <a:tailEnd type="none" w="med" len="med"/>
                     </a:lnR>
-                    <a:lnT>
-                      <a:noFill/>
+                    <a:lnT w="12700" cap="flat" cmpd="sng" algn="ctr">
+                      <a:solidFill>
+                        <a:schemeClr val="tx1"/>
+                      </a:solidFill>
+                      <a:prstDash val="solid"/>
+                      <a:round/>
+                      <a:headEnd type="none" w="med" len="med"/>
+                      <a:tailEnd type="none" w="med" len="med"/>
                     </a:lnT>
-                    <a:lnB>
-                      <a:noFill/>
+                    <a:lnB w="12700" cap="flat" cmpd="sng" algn="ctr">
+                      <a:solidFill>
+                        <a:schemeClr val="tx1"/>
+                      </a:solidFill>
+                      <a:prstDash val="solid"/>
+                      <a:round/>
+                      <a:headEnd type="none" w="med" len="med"/>
+                      <a:tailEnd type="none" w="med" len="med"/>
                     </a:lnB>
                   </a:tcPr>
                 </a:tc>
@@ -8981,17 +9386,41 @@
                     </a:p>
                   </a:txBody>
                   <a:tcPr marL="5153" marR="5153" marT="5153" marB="0" anchor="b">
-                    <a:lnL>
-                      <a:noFill/>
+                    <a:lnL w="12700" cap="flat" cmpd="sng" algn="ctr">
+                      <a:solidFill>
+                        <a:schemeClr val="tx1"/>
+                      </a:solidFill>
+                      <a:prstDash val="solid"/>
+                      <a:round/>
+                      <a:headEnd type="none" w="med" len="med"/>
+                      <a:tailEnd type="none" w="med" len="med"/>
                     </a:lnL>
-                    <a:lnR>
-                      <a:noFill/>
+                    <a:lnR w="12700" cap="flat" cmpd="sng" algn="ctr">
+                      <a:solidFill>
+                        <a:schemeClr val="tx1"/>
+                      </a:solidFill>
+                      <a:prstDash val="solid"/>
+                      <a:round/>
+                      <a:headEnd type="none" w="med" len="med"/>
+                      <a:tailEnd type="none" w="med" len="med"/>
                     </a:lnR>
-                    <a:lnT>
-                      <a:noFill/>
+                    <a:lnT w="12700" cap="flat" cmpd="sng" algn="ctr">
+                      <a:solidFill>
+                        <a:schemeClr val="tx1"/>
+                      </a:solidFill>
+                      <a:prstDash val="solid"/>
+                      <a:round/>
+                      <a:headEnd type="none" w="med" len="med"/>
+                      <a:tailEnd type="none" w="med" len="med"/>
                     </a:lnT>
-                    <a:lnB>
-                      <a:noFill/>
+                    <a:lnB w="12700" cap="flat" cmpd="sng" algn="ctr">
+                      <a:solidFill>
+                        <a:schemeClr val="tx1"/>
+                      </a:solidFill>
+                      <a:prstDash val="solid"/>
+                      <a:round/>
+                      <a:headEnd type="none" w="med" len="med"/>
+                      <a:tailEnd type="none" w="med" len="med"/>
                     </a:lnB>
                     <a:solidFill>
                       <a:srgbClr val="C6EFCE"/>
@@ -9022,17 +9451,41 @@
                     </a:p>
                   </a:txBody>
                   <a:tcPr marL="5153" marR="5153" marT="5153" marB="0" anchor="b">
-                    <a:lnL>
-                      <a:noFill/>
+                    <a:lnL w="12700" cap="flat" cmpd="sng" algn="ctr">
+                      <a:solidFill>
+                        <a:schemeClr val="tx1"/>
+                      </a:solidFill>
+                      <a:prstDash val="solid"/>
+                      <a:round/>
+                      <a:headEnd type="none" w="med" len="med"/>
+                      <a:tailEnd type="none" w="med" len="med"/>
                     </a:lnL>
-                    <a:lnR>
-                      <a:noFill/>
+                    <a:lnR w="12700" cap="flat" cmpd="sng" algn="ctr">
+                      <a:solidFill>
+                        <a:schemeClr val="tx1"/>
+                      </a:solidFill>
+                      <a:prstDash val="solid"/>
+                      <a:round/>
+                      <a:headEnd type="none" w="med" len="med"/>
+                      <a:tailEnd type="none" w="med" len="med"/>
                     </a:lnR>
-                    <a:lnT>
-                      <a:noFill/>
+                    <a:lnT w="12700" cap="flat" cmpd="sng" algn="ctr">
+                      <a:solidFill>
+                        <a:schemeClr val="tx1"/>
+                      </a:solidFill>
+                      <a:prstDash val="solid"/>
+                      <a:round/>
+                      <a:headEnd type="none" w="med" len="med"/>
+                      <a:tailEnd type="none" w="med" len="med"/>
                     </a:lnT>
-                    <a:lnB>
-                      <a:noFill/>
+                    <a:lnB w="12700" cap="flat" cmpd="sng" algn="ctr">
+                      <a:solidFill>
+                        <a:schemeClr val="tx1"/>
+                      </a:solidFill>
+                      <a:prstDash val="solid"/>
+                      <a:round/>
+                      <a:headEnd type="none" w="med" len="med"/>
+                      <a:tailEnd type="none" w="med" len="med"/>
                     </a:lnB>
                     <a:solidFill>
                       <a:srgbClr val="C6EFCE"/>
@@ -9059,17 +9512,41 @@
                     </a:p>
                   </a:txBody>
                   <a:tcPr marL="5153" marR="5153" marT="5153" marB="0" anchor="b">
-                    <a:lnL>
-                      <a:noFill/>
+                    <a:lnL w="12700" cap="flat" cmpd="sng" algn="ctr">
+                      <a:solidFill>
+                        <a:schemeClr val="tx1"/>
+                      </a:solidFill>
+                      <a:prstDash val="solid"/>
+                      <a:round/>
+                      <a:headEnd type="none" w="med" len="med"/>
+                      <a:tailEnd type="none" w="med" len="med"/>
                     </a:lnL>
-                    <a:lnR>
-                      <a:noFill/>
+                    <a:lnR w="12700" cap="flat" cmpd="sng" algn="ctr">
+                      <a:solidFill>
+                        <a:schemeClr val="tx1"/>
+                      </a:solidFill>
+                      <a:prstDash val="solid"/>
+                      <a:round/>
+                      <a:headEnd type="none" w="med" len="med"/>
+                      <a:tailEnd type="none" w="med" len="med"/>
                     </a:lnR>
-                    <a:lnT>
-                      <a:noFill/>
+                    <a:lnT w="12700" cap="flat" cmpd="sng" algn="ctr">
+                      <a:solidFill>
+                        <a:schemeClr val="tx1"/>
+                      </a:solidFill>
+                      <a:prstDash val="solid"/>
+                      <a:round/>
+                      <a:headEnd type="none" w="med" len="med"/>
+                      <a:tailEnd type="none" w="med" len="med"/>
                     </a:lnT>
-                    <a:lnB>
-                      <a:noFill/>
+                    <a:lnB w="12700" cap="flat" cmpd="sng" algn="ctr">
+                      <a:solidFill>
+                        <a:schemeClr val="tx1"/>
+                      </a:solidFill>
+                      <a:prstDash val="solid"/>
+                      <a:round/>
+                      <a:headEnd type="none" w="med" len="med"/>
+                      <a:tailEnd type="none" w="med" len="med"/>
                     </a:lnB>
                   </a:tcPr>
                 </a:tc>
@@ -9097,17 +9574,41 @@
                     </a:p>
                   </a:txBody>
                   <a:tcPr marL="5153" marR="5153" marT="5153" marB="0" anchor="b">
-                    <a:lnL>
-                      <a:noFill/>
+                    <a:lnL w="12700" cap="flat" cmpd="sng" algn="ctr">
+                      <a:solidFill>
+                        <a:schemeClr val="tx1"/>
+                      </a:solidFill>
+                      <a:prstDash val="solid"/>
+                      <a:round/>
+                      <a:headEnd type="none" w="med" len="med"/>
+                      <a:tailEnd type="none" w="med" len="med"/>
                     </a:lnL>
-                    <a:lnR>
-                      <a:noFill/>
+                    <a:lnR w="12700" cap="flat" cmpd="sng" algn="ctr">
+                      <a:solidFill>
+                        <a:schemeClr val="tx1"/>
+                      </a:solidFill>
+                      <a:prstDash val="solid"/>
+                      <a:round/>
+                      <a:headEnd type="none" w="med" len="med"/>
+                      <a:tailEnd type="none" w="med" len="med"/>
                     </a:lnR>
-                    <a:lnT>
-                      <a:noFill/>
+                    <a:lnT w="12700" cap="flat" cmpd="sng" algn="ctr">
+                      <a:solidFill>
+                        <a:schemeClr val="tx1"/>
+                      </a:solidFill>
+                      <a:prstDash val="solid"/>
+                      <a:round/>
+                      <a:headEnd type="none" w="med" len="med"/>
+                      <a:tailEnd type="none" w="med" len="med"/>
                     </a:lnT>
-                    <a:lnB>
-                      <a:noFill/>
+                    <a:lnB w="12700" cap="flat" cmpd="sng" algn="ctr">
+                      <a:solidFill>
+                        <a:schemeClr val="tx1"/>
+                      </a:solidFill>
+                      <a:prstDash val="solid"/>
+                      <a:round/>
+                      <a:headEnd type="none" w="med" len="med"/>
+                      <a:tailEnd type="none" w="med" len="med"/>
                     </a:lnB>
                     <a:solidFill>
                       <a:srgbClr val="C6EFCE"/>
@@ -9127,7 +9628,7 @@
                           </a:solidFill>
                           <a:latin typeface="+mn-lt"/>
                         </a:rPr>
-                        <a:t>Yes (on-line documentation)</a:t>
+                        <a:t>Yes</a:t>
                       </a:r>
                       <a:endParaRPr lang="en-CA" sz="900" b="0" i="0" u="none" strike="noStrike" dirty="0">
                         <a:solidFill>
@@ -9138,17 +9639,41 @@
                     </a:p>
                   </a:txBody>
                   <a:tcPr marL="5153" marR="5153" marT="5153" marB="0" anchor="b">
-                    <a:lnL>
-                      <a:noFill/>
+                    <a:lnL w="12700" cap="flat" cmpd="sng" algn="ctr">
+                      <a:solidFill>
+                        <a:schemeClr val="tx1"/>
+                      </a:solidFill>
+                      <a:prstDash val="solid"/>
+                      <a:round/>
+                      <a:headEnd type="none" w="med" len="med"/>
+                      <a:tailEnd type="none" w="med" len="med"/>
                     </a:lnL>
-                    <a:lnR>
-                      <a:noFill/>
+                    <a:lnR w="12700" cap="flat" cmpd="sng" algn="ctr">
+                      <a:solidFill>
+                        <a:schemeClr val="tx1"/>
+                      </a:solidFill>
+                      <a:prstDash val="solid"/>
+                      <a:round/>
+                      <a:headEnd type="none" w="med" len="med"/>
+                      <a:tailEnd type="none" w="med" len="med"/>
                     </a:lnR>
-                    <a:lnT>
-                      <a:noFill/>
+                    <a:lnT w="12700" cap="flat" cmpd="sng" algn="ctr">
+                      <a:solidFill>
+                        <a:schemeClr val="tx1"/>
+                      </a:solidFill>
+                      <a:prstDash val="solid"/>
+                      <a:round/>
+                      <a:headEnd type="none" w="med" len="med"/>
+                      <a:tailEnd type="none" w="med" len="med"/>
                     </a:lnT>
-                    <a:lnB>
-                      <a:noFill/>
+                    <a:lnB w="12700" cap="flat" cmpd="sng" algn="ctr">
+                      <a:solidFill>
+                        <a:schemeClr val="tx1"/>
+                      </a:solidFill>
+                      <a:prstDash val="solid"/>
+                      <a:round/>
+                      <a:headEnd type="none" w="med" len="med"/>
+                      <a:tailEnd type="none" w="med" len="med"/>
                     </a:lnB>
                     <a:solidFill>
                       <a:srgbClr val="C6EFCE"/>
@@ -9193,17 +9718,41 @@
                     </a:p>
                   </a:txBody>
                   <a:tcPr marL="5153" marR="5153" marT="5153" marB="0" anchor="b">
-                    <a:lnL>
-                      <a:noFill/>
+                    <a:lnL w="12700" cap="flat" cmpd="sng" algn="ctr">
+                      <a:solidFill>
+                        <a:schemeClr val="tx1"/>
+                      </a:solidFill>
+                      <a:prstDash val="solid"/>
+                      <a:round/>
+                      <a:headEnd type="none" w="med" len="med"/>
+                      <a:tailEnd type="none" w="med" len="med"/>
                     </a:lnL>
-                    <a:lnR>
-                      <a:noFill/>
+                    <a:lnR w="12700" cap="flat" cmpd="sng" algn="ctr">
+                      <a:solidFill>
+                        <a:schemeClr val="tx1"/>
+                      </a:solidFill>
+                      <a:prstDash val="solid"/>
+                      <a:round/>
+                      <a:headEnd type="none" w="med" len="med"/>
+                      <a:tailEnd type="none" w="med" len="med"/>
                     </a:lnR>
-                    <a:lnT>
-                      <a:noFill/>
+                    <a:lnT w="12700" cap="flat" cmpd="sng" algn="ctr">
+                      <a:solidFill>
+                        <a:schemeClr val="tx1"/>
+                      </a:solidFill>
+                      <a:prstDash val="solid"/>
+                      <a:round/>
+                      <a:headEnd type="none" w="med" len="med"/>
+                      <a:tailEnd type="none" w="med" len="med"/>
                     </a:lnT>
-                    <a:lnB>
-                      <a:noFill/>
+                    <a:lnB w="12700" cap="flat" cmpd="sng" algn="ctr">
+                      <a:solidFill>
+                        <a:schemeClr val="tx1"/>
+                      </a:solidFill>
+                      <a:prstDash val="solid"/>
+                      <a:round/>
+                      <a:headEnd type="none" w="med" len="med"/>
+                      <a:tailEnd type="none" w="med" len="med"/>
                     </a:lnB>
                   </a:tcPr>
                 </a:tc>
@@ -9231,17 +9780,41 @@
                     </a:p>
                   </a:txBody>
                   <a:tcPr marL="5153" marR="5153" marT="5153" marB="0" anchor="b">
-                    <a:lnL>
-                      <a:noFill/>
+                    <a:lnL w="12700" cap="flat" cmpd="sng" algn="ctr">
+                      <a:solidFill>
+                        <a:schemeClr val="tx1"/>
+                      </a:solidFill>
+                      <a:prstDash val="solid"/>
+                      <a:round/>
+                      <a:headEnd type="none" w="med" len="med"/>
+                      <a:tailEnd type="none" w="med" len="med"/>
                     </a:lnL>
-                    <a:lnR>
-                      <a:noFill/>
+                    <a:lnR w="12700" cap="flat" cmpd="sng" algn="ctr">
+                      <a:solidFill>
+                        <a:schemeClr val="tx1"/>
+                      </a:solidFill>
+                      <a:prstDash val="solid"/>
+                      <a:round/>
+                      <a:headEnd type="none" w="med" len="med"/>
+                      <a:tailEnd type="none" w="med" len="med"/>
                     </a:lnR>
-                    <a:lnT>
-                      <a:noFill/>
+                    <a:lnT w="12700" cap="flat" cmpd="sng" algn="ctr">
+                      <a:solidFill>
+                        <a:schemeClr val="tx1"/>
+                      </a:solidFill>
+                      <a:prstDash val="solid"/>
+                      <a:round/>
+                      <a:headEnd type="none" w="med" len="med"/>
+                      <a:tailEnd type="none" w="med" len="med"/>
                     </a:lnT>
-                    <a:lnB>
-                      <a:noFill/>
+                    <a:lnB w="12700" cap="flat" cmpd="sng" algn="ctr">
+                      <a:solidFill>
+                        <a:schemeClr val="tx1"/>
+                      </a:solidFill>
+                      <a:prstDash val="solid"/>
+                      <a:round/>
+                      <a:headEnd type="none" w="med" len="med"/>
+                      <a:tailEnd type="none" w="med" len="med"/>
                     </a:lnB>
                     <a:solidFill>
                       <a:srgbClr val="C6EFCE"/>
@@ -9272,17 +9845,41 @@
                     </a:p>
                   </a:txBody>
                   <a:tcPr marL="5153" marR="5153" marT="5153" marB="0" anchor="b">
-                    <a:lnL>
-                      <a:noFill/>
+                    <a:lnL w="12700" cap="flat" cmpd="sng" algn="ctr">
+                      <a:solidFill>
+                        <a:schemeClr val="tx1"/>
+                      </a:solidFill>
+                      <a:prstDash val="solid"/>
+                      <a:round/>
+                      <a:headEnd type="none" w="med" len="med"/>
+                      <a:tailEnd type="none" w="med" len="med"/>
                     </a:lnL>
-                    <a:lnR>
-                      <a:noFill/>
+                    <a:lnR w="12700" cap="flat" cmpd="sng" algn="ctr">
+                      <a:solidFill>
+                        <a:schemeClr val="tx1"/>
+                      </a:solidFill>
+                      <a:prstDash val="solid"/>
+                      <a:round/>
+                      <a:headEnd type="none" w="med" len="med"/>
+                      <a:tailEnd type="none" w="med" len="med"/>
                     </a:lnR>
-                    <a:lnT>
-                      <a:noFill/>
+                    <a:lnT w="12700" cap="flat" cmpd="sng" algn="ctr">
+                      <a:solidFill>
+                        <a:schemeClr val="tx1"/>
+                      </a:solidFill>
+                      <a:prstDash val="solid"/>
+                      <a:round/>
+                      <a:headEnd type="none" w="med" len="med"/>
+                      <a:tailEnd type="none" w="med" len="med"/>
                     </a:lnT>
-                    <a:lnB>
-                      <a:noFill/>
+                    <a:lnB w="12700" cap="flat" cmpd="sng" algn="ctr">
+                      <a:solidFill>
+                        <a:schemeClr val="tx1"/>
+                      </a:solidFill>
+                      <a:prstDash val="solid"/>
+                      <a:round/>
+                      <a:headEnd type="none" w="med" len="med"/>
+                      <a:tailEnd type="none" w="med" len="med"/>
                     </a:lnB>
                     <a:solidFill>
                       <a:srgbClr val="C6EFCE"/>
@@ -9327,17 +9924,41 @@
                     </a:p>
                   </a:txBody>
                   <a:tcPr marL="5153" marR="5153" marT="5153" marB="0" anchor="b">
-                    <a:lnL>
-                      <a:noFill/>
+                    <a:lnL w="12700" cap="flat" cmpd="sng" algn="ctr">
+                      <a:solidFill>
+                        <a:schemeClr val="tx1"/>
+                      </a:solidFill>
+                      <a:prstDash val="solid"/>
+                      <a:round/>
+                      <a:headEnd type="none" w="med" len="med"/>
+                      <a:tailEnd type="none" w="med" len="med"/>
                     </a:lnL>
-                    <a:lnR>
-                      <a:noFill/>
+                    <a:lnR w="12700" cap="flat" cmpd="sng" algn="ctr">
+                      <a:solidFill>
+                        <a:schemeClr val="tx1"/>
+                      </a:solidFill>
+                      <a:prstDash val="solid"/>
+                      <a:round/>
+                      <a:headEnd type="none" w="med" len="med"/>
+                      <a:tailEnd type="none" w="med" len="med"/>
                     </a:lnR>
-                    <a:lnT>
-                      <a:noFill/>
+                    <a:lnT w="12700" cap="flat" cmpd="sng" algn="ctr">
+                      <a:solidFill>
+                        <a:schemeClr val="tx1"/>
+                      </a:solidFill>
+                      <a:prstDash val="solid"/>
+                      <a:round/>
+                      <a:headEnd type="none" w="med" len="med"/>
+                      <a:tailEnd type="none" w="med" len="med"/>
                     </a:lnT>
-                    <a:lnB>
-                      <a:noFill/>
+                    <a:lnB w="12700" cap="flat" cmpd="sng" algn="ctr">
+                      <a:solidFill>
+                        <a:schemeClr val="tx1"/>
+                      </a:solidFill>
+                      <a:prstDash val="solid"/>
+                      <a:round/>
+                      <a:headEnd type="none" w="med" len="med"/>
+                      <a:tailEnd type="none" w="med" len="med"/>
                     </a:lnB>
                   </a:tcPr>
                 </a:tc>
@@ -9365,17 +9986,41 @@
                     </a:p>
                   </a:txBody>
                   <a:tcPr marL="5153" marR="5153" marT="5153" marB="0" anchor="b">
-                    <a:lnL>
-                      <a:noFill/>
+                    <a:lnL w="12700" cap="flat" cmpd="sng" algn="ctr">
+                      <a:solidFill>
+                        <a:schemeClr val="tx1"/>
+                      </a:solidFill>
+                      <a:prstDash val="solid"/>
+                      <a:round/>
+                      <a:headEnd type="none" w="med" len="med"/>
+                      <a:tailEnd type="none" w="med" len="med"/>
                     </a:lnL>
-                    <a:lnR>
-                      <a:noFill/>
+                    <a:lnR w="12700" cap="flat" cmpd="sng" algn="ctr">
+                      <a:solidFill>
+                        <a:schemeClr val="tx1"/>
+                      </a:solidFill>
+                      <a:prstDash val="solid"/>
+                      <a:round/>
+                      <a:headEnd type="none" w="med" len="med"/>
+                      <a:tailEnd type="none" w="med" len="med"/>
                     </a:lnR>
-                    <a:lnT>
-                      <a:noFill/>
+                    <a:lnT w="12700" cap="flat" cmpd="sng" algn="ctr">
+                      <a:solidFill>
+                        <a:schemeClr val="tx1"/>
+                      </a:solidFill>
+                      <a:prstDash val="solid"/>
+                      <a:round/>
+                      <a:headEnd type="none" w="med" len="med"/>
+                      <a:tailEnd type="none" w="med" len="med"/>
                     </a:lnT>
-                    <a:lnB>
-                      <a:noFill/>
+                    <a:lnB w="12700" cap="flat" cmpd="sng" algn="ctr">
+                      <a:solidFill>
+                        <a:schemeClr val="tx1"/>
+                      </a:solidFill>
+                      <a:prstDash val="solid"/>
+                      <a:round/>
+                      <a:headEnd type="none" w="med" len="med"/>
+                      <a:tailEnd type="none" w="med" len="med"/>
                     </a:lnB>
                     <a:solidFill>
                       <a:srgbClr val="C6EFCE"/>
@@ -9406,17 +10051,41 @@
                     </a:p>
                   </a:txBody>
                   <a:tcPr marL="5153" marR="5153" marT="5153" marB="0" anchor="b">
-                    <a:lnL>
-                      <a:noFill/>
+                    <a:lnL w="12700" cap="flat" cmpd="sng" algn="ctr">
+                      <a:solidFill>
+                        <a:schemeClr val="tx1"/>
+                      </a:solidFill>
+                      <a:prstDash val="solid"/>
+                      <a:round/>
+                      <a:headEnd type="none" w="med" len="med"/>
+                      <a:tailEnd type="none" w="med" len="med"/>
                     </a:lnL>
-                    <a:lnR>
-                      <a:noFill/>
+                    <a:lnR w="12700" cap="flat" cmpd="sng" algn="ctr">
+                      <a:solidFill>
+                        <a:schemeClr val="tx1"/>
+                      </a:solidFill>
+                      <a:prstDash val="solid"/>
+                      <a:round/>
+                      <a:headEnd type="none" w="med" len="med"/>
+                      <a:tailEnd type="none" w="med" len="med"/>
                     </a:lnR>
-                    <a:lnT>
-                      <a:noFill/>
+                    <a:lnT w="12700" cap="flat" cmpd="sng" algn="ctr">
+                      <a:solidFill>
+                        <a:schemeClr val="tx1"/>
+                      </a:solidFill>
+                      <a:prstDash val="solid"/>
+                      <a:round/>
+                      <a:headEnd type="none" w="med" len="med"/>
+                      <a:tailEnd type="none" w="med" len="med"/>
                     </a:lnT>
-                    <a:lnB>
-                      <a:noFill/>
+                    <a:lnB w="12700" cap="flat" cmpd="sng" algn="ctr">
+                      <a:solidFill>
+                        <a:schemeClr val="tx1"/>
+                      </a:solidFill>
+                      <a:prstDash val="solid"/>
+                      <a:round/>
+                      <a:headEnd type="none" w="med" len="med"/>
+                      <a:tailEnd type="none" w="med" len="med"/>
                     </a:lnB>
                     <a:solidFill>
                       <a:srgbClr val="C6EFCE"/>
@@ -9443,17 +10112,41 @@
                     </a:p>
                   </a:txBody>
                   <a:tcPr marL="5153" marR="5153" marT="5153" marB="0" anchor="b">
-                    <a:lnL>
-                      <a:noFill/>
+                    <a:lnL w="12700" cap="flat" cmpd="sng" algn="ctr">
+                      <a:solidFill>
+                        <a:schemeClr val="tx1"/>
+                      </a:solidFill>
+                      <a:prstDash val="solid"/>
+                      <a:round/>
+                      <a:headEnd type="none" w="med" len="med"/>
+                      <a:tailEnd type="none" w="med" len="med"/>
                     </a:lnL>
-                    <a:lnR>
-                      <a:noFill/>
+                    <a:lnR w="12700" cap="flat" cmpd="sng" algn="ctr">
+                      <a:solidFill>
+                        <a:schemeClr val="tx1"/>
+                      </a:solidFill>
+                      <a:prstDash val="solid"/>
+                      <a:round/>
+                      <a:headEnd type="none" w="med" len="med"/>
+                      <a:tailEnd type="none" w="med" len="med"/>
                     </a:lnR>
-                    <a:lnT>
-                      <a:noFill/>
+                    <a:lnT w="12700" cap="flat" cmpd="sng" algn="ctr">
+                      <a:solidFill>
+                        <a:schemeClr val="tx1"/>
+                      </a:solidFill>
+                      <a:prstDash val="solid"/>
+                      <a:round/>
+                      <a:headEnd type="none" w="med" len="med"/>
+                      <a:tailEnd type="none" w="med" len="med"/>
                     </a:lnT>
-                    <a:lnB>
-                      <a:noFill/>
+                    <a:lnB w="12700" cap="flat" cmpd="sng" algn="ctr">
+                      <a:solidFill>
+                        <a:schemeClr val="tx1"/>
+                      </a:solidFill>
+                      <a:prstDash val="solid"/>
+                      <a:round/>
+                      <a:headEnd type="none" w="med" len="med"/>
+                      <a:tailEnd type="none" w="med" len="med"/>
                     </a:lnB>
                   </a:tcPr>
                 </a:tc>
@@ -9481,17 +10174,41 @@
                     </a:p>
                   </a:txBody>
                   <a:tcPr marL="5153" marR="5153" marT="5153" marB="0" anchor="b">
-                    <a:lnL>
-                      <a:noFill/>
+                    <a:lnL w="12700" cap="flat" cmpd="sng" algn="ctr">
+                      <a:solidFill>
+                        <a:schemeClr val="tx1"/>
+                      </a:solidFill>
+                      <a:prstDash val="solid"/>
+                      <a:round/>
+                      <a:headEnd type="none" w="med" len="med"/>
+                      <a:tailEnd type="none" w="med" len="med"/>
                     </a:lnL>
-                    <a:lnR>
-                      <a:noFill/>
+                    <a:lnR w="12700" cap="flat" cmpd="sng" algn="ctr">
+                      <a:solidFill>
+                        <a:schemeClr val="tx1"/>
+                      </a:solidFill>
+                      <a:prstDash val="solid"/>
+                      <a:round/>
+                      <a:headEnd type="none" w="med" len="med"/>
+                      <a:tailEnd type="none" w="med" len="med"/>
                     </a:lnR>
-                    <a:lnT>
-                      <a:noFill/>
+                    <a:lnT w="12700" cap="flat" cmpd="sng" algn="ctr">
+                      <a:solidFill>
+                        <a:schemeClr val="tx1"/>
+                      </a:solidFill>
+                      <a:prstDash val="solid"/>
+                      <a:round/>
+                      <a:headEnd type="none" w="med" len="med"/>
+                      <a:tailEnd type="none" w="med" len="med"/>
                     </a:lnT>
-                    <a:lnB>
-                      <a:noFill/>
+                    <a:lnB w="12700" cap="flat" cmpd="sng" algn="ctr">
+                      <a:solidFill>
+                        <a:schemeClr val="tx1"/>
+                      </a:solidFill>
+                      <a:prstDash val="solid"/>
+                      <a:round/>
+                      <a:headEnd type="none" w="med" len="med"/>
+                      <a:tailEnd type="none" w="med" len="med"/>
                     </a:lnB>
                     <a:solidFill>
                       <a:srgbClr val="C6EFCE"/>
@@ -9511,7 +10228,16 @@
                           </a:solidFill>
                           <a:latin typeface="+mn-lt"/>
                         </a:rPr>
-                        <a:t>Not available yet</a:t>
+                        <a:t>Not available </a:t>
+                      </a:r>
+                      <a:r>
+                        <a:rPr lang="en-CA" sz="900" b="0" i="0" u="none" strike="noStrike" dirty="0" smtClean="0">
+                          <a:solidFill>
+                            <a:srgbClr val="000000"/>
+                          </a:solidFill>
+                          <a:latin typeface="+mn-lt"/>
+                        </a:rPr>
+                        <a:t>yet</a:t>
                       </a:r>
                       <a:endParaRPr lang="en-CA" sz="900" b="0" i="0" u="none" strike="noStrike" dirty="0">
                         <a:solidFill>
@@ -9522,17 +10248,41 @@
                     </a:p>
                   </a:txBody>
                   <a:tcPr marL="5153" marR="5153" marT="5153" marB="0" anchor="b">
-                    <a:lnL>
-                      <a:noFill/>
+                    <a:lnL w="12700" cap="flat" cmpd="sng" algn="ctr">
+                      <a:solidFill>
+                        <a:schemeClr val="tx1"/>
+                      </a:solidFill>
+                      <a:prstDash val="solid"/>
+                      <a:round/>
+                      <a:headEnd type="none" w="med" len="med"/>
+                      <a:tailEnd type="none" w="med" len="med"/>
                     </a:lnL>
-                    <a:lnR>
-                      <a:noFill/>
+                    <a:lnR w="12700" cap="flat" cmpd="sng" algn="ctr">
+                      <a:solidFill>
+                        <a:schemeClr val="tx1"/>
+                      </a:solidFill>
+                      <a:prstDash val="solid"/>
+                      <a:round/>
+                      <a:headEnd type="none" w="med" len="med"/>
+                      <a:tailEnd type="none" w="med" len="med"/>
                     </a:lnR>
-                    <a:lnT>
-                      <a:noFill/>
+                    <a:lnT w="12700" cap="flat" cmpd="sng" algn="ctr">
+                      <a:solidFill>
+                        <a:schemeClr val="tx1"/>
+                      </a:solidFill>
+                      <a:prstDash val="solid"/>
+                      <a:round/>
+                      <a:headEnd type="none" w="med" len="med"/>
+                      <a:tailEnd type="none" w="med" len="med"/>
                     </a:lnT>
-                    <a:lnB>
-                      <a:noFill/>
+                    <a:lnB w="12700" cap="flat" cmpd="sng" algn="ctr">
+                      <a:solidFill>
+                        <a:schemeClr val="tx1"/>
+                      </a:solidFill>
+                      <a:prstDash val="solid"/>
+                      <a:round/>
+                      <a:headEnd type="none" w="med" len="med"/>
+                      <a:tailEnd type="none" w="med" len="med"/>
                     </a:lnB>
                   </a:tcPr>
                 </a:tc>
@@ -9556,17 +10306,41 @@
                     </a:p>
                   </a:txBody>
                   <a:tcPr marL="5153" marR="5153" marT="5153" marB="0" anchor="b">
-                    <a:lnL>
-                      <a:noFill/>
+                    <a:lnL w="12700" cap="flat" cmpd="sng" algn="ctr">
+                      <a:solidFill>
+                        <a:schemeClr val="tx1"/>
+                      </a:solidFill>
+                      <a:prstDash val="solid"/>
+                      <a:round/>
+                      <a:headEnd type="none" w="med" len="med"/>
+                      <a:tailEnd type="none" w="med" len="med"/>
                     </a:lnL>
-                    <a:lnR>
-                      <a:noFill/>
+                    <a:lnR w="12700" cap="flat" cmpd="sng" algn="ctr">
+                      <a:solidFill>
+                        <a:schemeClr val="tx1"/>
+                      </a:solidFill>
+                      <a:prstDash val="solid"/>
+                      <a:round/>
+                      <a:headEnd type="none" w="med" len="med"/>
+                      <a:tailEnd type="none" w="med" len="med"/>
                     </a:lnR>
-                    <a:lnT>
-                      <a:noFill/>
+                    <a:lnT w="12700" cap="flat" cmpd="sng" algn="ctr">
+                      <a:solidFill>
+                        <a:schemeClr val="tx1"/>
+                      </a:solidFill>
+                      <a:prstDash val="solid"/>
+                      <a:round/>
+                      <a:headEnd type="none" w="med" len="med"/>
+                      <a:tailEnd type="none" w="med" len="med"/>
                     </a:lnT>
-                    <a:lnB>
-                      <a:noFill/>
+                    <a:lnB w="12700" cap="flat" cmpd="sng" algn="ctr">
+                      <a:solidFill>
+                        <a:schemeClr val="tx1"/>
+                      </a:solidFill>
+                      <a:prstDash val="solid"/>
+                      <a:round/>
+                      <a:headEnd type="none" w="med" len="med"/>
+                      <a:tailEnd type="none" w="med" len="med"/>
                     </a:lnB>
                   </a:tcPr>
                 </a:tc>
@@ -9594,17 +10368,41 @@
                     </a:p>
                   </a:txBody>
                   <a:tcPr marL="5153" marR="5153" marT="5153" marB="0" anchor="b">
-                    <a:lnL>
-                      <a:noFill/>
+                    <a:lnL w="12700" cap="flat" cmpd="sng" algn="ctr">
+                      <a:solidFill>
+                        <a:schemeClr val="tx1"/>
+                      </a:solidFill>
+                      <a:prstDash val="solid"/>
+                      <a:round/>
+                      <a:headEnd type="none" w="med" len="med"/>
+                      <a:tailEnd type="none" w="med" len="med"/>
                     </a:lnL>
-                    <a:lnR>
-                      <a:noFill/>
+                    <a:lnR w="12700" cap="flat" cmpd="sng" algn="ctr">
+                      <a:solidFill>
+                        <a:schemeClr val="tx1"/>
+                      </a:solidFill>
+                      <a:prstDash val="solid"/>
+                      <a:round/>
+                      <a:headEnd type="none" w="med" len="med"/>
+                      <a:tailEnd type="none" w="med" len="med"/>
                     </a:lnR>
-                    <a:lnT>
-                      <a:noFill/>
+                    <a:lnT w="12700" cap="flat" cmpd="sng" algn="ctr">
+                      <a:solidFill>
+                        <a:schemeClr val="tx1"/>
+                      </a:solidFill>
+                      <a:prstDash val="solid"/>
+                      <a:round/>
+                      <a:headEnd type="none" w="med" len="med"/>
+                      <a:tailEnd type="none" w="med" len="med"/>
                     </a:lnT>
-                    <a:lnB>
-                      <a:noFill/>
+                    <a:lnB w="12700" cap="flat" cmpd="sng" algn="ctr">
+                      <a:solidFill>
+                        <a:schemeClr val="tx1"/>
+                      </a:solidFill>
+                      <a:prstDash val="solid"/>
+                      <a:round/>
+                      <a:headEnd type="none" w="med" len="med"/>
+                      <a:tailEnd type="none" w="med" len="med"/>
                     </a:lnB>
                     <a:solidFill>
                       <a:srgbClr val="C6EFCE"/>
@@ -9624,7 +10422,16 @@
                           </a:solidFill>
                           <a:latin typeface="+mn-lt"/>
                         </a:rPr>
-                        <a:t>Not available yet</a:t>
+                        <a:t>Not available </a:t>
+                      </a:r>
+                      <a:r>
+                        <a:rPr lang="en-CA" sz="900" b="0" i="0" u="none" strike="noStrike" dirty="0" smtClean="0">
+                          <a:solidFill>
+                            <a:srgbClr val="000000"/>
+                          </a:solidFill>
+                          <a:latin typeface="+mn-lt"/>
+                        </a:rPr>
+                        <a:t>yet</a:t>
                       </a:r>
                       <a:endParaRPr lang="en-CA" sz="900" b="0" i="0" u="none" strike="noStrike" dirty="0">
                         <a:solidFill>
@@ -9635,17 +10442,41 @@
                     </a:p>
                   </a:txBody>
                   <a:tcPr marL="5153" marR="5153" marT="5153" marB="0" anchor="b">
-                    <a:lnL>
-                      <a:noFill/>
+                    <a:lnL w="12700" cap="flat" cmpd="sng" algn="ctr">
+                      <a:solidFill>
+                        <a:schemeClr val="tx1"/>
+                      </a:solidFill>
+                      <a:prstDash val="solid"/>
+                      <a:round/>
+                      <a:headEnd type="none" w="med" len="med"/>
+                      <a:tailEnd type="none" w="med" len="med"/>
                     </a:lnL>
-                    <a:lnR>
-                      <a:noFill/>
+                    <a:lnR w="12700" cap="flat" cmpd="sng" algn="ctr">
+                      <a:solidFill>
+                        <a:schemeClr val="tx1"/>
+                      </a:solidFill>
+                      <a:prstDash val="solid"/>
+                      <a:round/>
+                      <a:headEnd type="none" w="med" len="med"/>
+                      <a:tailEnd type="none" w="med" len="med"/>
                     </a:lnR>
-                    <a:lnT>
-                      <a:noFill/>
+                    <a:lnT w="12700" cap="flat" cmpd="sng" algn="ctr">
+                      <a:solidFill>
+                        <a:schemeClr val="tx1"/>
+                      </a:solidFill>
+                      <a:prstDash val="solid"/>
+                      <a:round/>
+                      <a:headEnd type="none" w="med" len="med"/>
+                      <a:tailEnd type="none" w="med" len="med"/>
                     </a:lnT>
-                    <a:lnB>
-                      <a:noFill/>
+                    <a:lnB w="12700" cap="flat" cmpd="sng" algn="ctr">
+                      <a:solidFill>
+                        <a:schemeClr val="tx1"/>
+                      </a:solidFill>
+                      <a:prstDash val="solid"/>
+                      <a:round/>
+                      <a:headEnd type="none" w="med" len="med"/>
+                      <a:tailEnd type="none" w="med" len="med"/>
                     </a:lnB>
                   </a:tcPr>
                 </a:tc>
@@ -9669,17 +10500,41 @@
                     </a:p>
                   </a:txBody>
                   <a:tcPr marL="5153" marR="5153" marT="5153" marB="0" anchor="b">
-                    <a:lnL>
-                      <a:noFill/>
+                    <a:lnL w="12700" cap="flat" cmpd="sng" algn="ctr">
+                      <a:solidFill>
+                        <a:schemeClr val="tx1"/>
+                      </a:solidFill>
+                      <a:prstDash val="solid"/>
+                      <a:round/>
+                      <a:headEnd type="none" w="med" len="med"/>
+                      <a:tailEnd type="none" w="med" len="med"/>
                     </a:lnL>
-                    <a:lnR>
-                      <a:noFill/>
+                    <a:lnR w="12700" cap="flat" cmpd="sng" algn="ctr">
+                      <a:solidFill>
+                        <a:schemeClr val="tx1"/>
+                      </a:solidFill>
+                      <a:prstDash val="solid"/>
+                      <a:round/>
+                      <a:headEnd type="none" w="med" len="med"/>
+                      <a:tailEnd type="none" w="med" len="med"/>
                     </a:lnR>
-                    <a:lnT>
-                      <a:noFill/>
+                    <a:lnT w="12700" cap="flat" cmpd="sng" algn="ctr">
+                      <a:solidFill>
+                        <a:schemeClr val="tx1"/>
+                      </a:solidFill>
+                      <a:prstDash val="solid"/>
+                      <a:round/>
+                      <a:headEnd type="none" w="med" len="med"/>
+                      <a:tailEnd type="none" w="med" len="med"/>
                     </a:lnT>
-                    <a:lnB>
-                      <a:noFill/>
+                    <a:lnB w="12700" cap="flat" cmpd="sng" algn="ctr">
+                      <a:solidFill>
+                        <a:schemeClr val="tx1"/>
+                      </a:solidFill>
+                      <a:prstDash val="solid"/>
+                      <a:round/>
+                      <a:headEnd type="none" w="med" len="med"/>
+                      <a:tailEnd type="none" w="med" len="med"/>
                     </a:lnB>
                   </a:tcPr>
                 </a:tc>
@@ -9707,17 +10562,41 @@
                     </a:p>
                   </a:txBody>
                   <a:tcPr marL="5153" marR="5153" marT="5153" marB="0" anchor="b">
-                    <a:lnL>
-                      <a:noFill/>
+                    <a:lnL w="12700" cap="flat" cmpd="sng" algn="ctr">
+                      <a:solidFill>
+                        <a:schemeClr val="tx1"/>
+                      </a:solidFill>
+                      <a:prstDash val="solid"/>
+                      <a:round/>
+                      <a:headEnd type="none" w="med" len="med"/>
+                      <a:tailEnd type="none" w="med" len="med"/>
                     </a:lnL>
-                    <a:lnR>
-                      <a:noFill/>
+                    <a:lnR w="12700" cap="flat" cmpd="sng" algn="ctr">
+                      <a:solidFill>
+                        <a:schemeClr val="tx1"/>
+                      </a:solidFill>
+                      <a:prstDash val="solid"/>
+                      <a:round/>
+                      <a:headEnd type="none" w="med" len="med"/>
+                      <a:tailEnd type="none" w="med" len="med"/>
                     </a:lnR>
-                    <a:lnT>
-                      <a:noFill/>
+                    <a:lnT w="12700" cap="flat" cmpd="sng" algn="ctr">
+                      <a:solidFill>
+                        <a:schemeClr val="tx1"/>
+                      </a:solidFill>
+                      <a:prstDash val="solid"/>
+                      <a:round/>
+                      <a:headEnd type="none" w="med" len="med"/>
+                      <a:tailEnd type="none" w="med" len="med"/>
                     </a:lnT>
-                    <a:lnB>
-                      <a:noFill/>
+                    <a:lnB w="12700" cap="flat" cmpd="sng" algn="ctr">
+                      <a:solidFill>
+                        <a:schemeClr val="tx1"/>
+                      </a:solidFill>
+                      <a:prstDash val="solid"/>
+                      <a:round/>
+                      <a:headEnd type="none" w="med" len="med"/>
+                      <a:tailEnd type="none" w="med" len="med"/>
                     </a:lnB>
                     <a:solidFill>
                       <a:srgbClr val="C6EFCE"/>
@@ -9748,17 +10627,41 @@
                     </a:p>
                   </a:txBody>
                   <a:tcPr marL="5153" marR="5153" marT="5153" marB="0" anchor="b">
-                    <a:lnL>
-                      <a:noFill/>
+                    <a:lnL w="12700" cap="flat" cmpd="sng" algn="ctr">
+                      <a:solidFill>
+                        <a:schemeClr val="tx1"/>
+                      </a:solidFill>
+                      <a:prstDash val="solid"/>
+                      <a:round/>
+                      <a:headEnd type="none" w="med" len="med"/>
+                      <a:tailEnd type="none" w="med" len="med"/>
                     </a:lnL>
-                    <a:lnR>
-                      <a:noFill/>
+                    <a:lnR w="12700" cap="flat" cmpd="sng" algn="ctr">
+                      <a:solidFill>
+                        <a:schemeClr val="tx1"/>
+                      </a:solidFill>
+                      <a:prstDash val="solid"/>
+                      <a:round/>
+                      <a:headEnd type="none" w="med" len="med"/>
+                      <a:tailEnd type="none" w="med" len="med"/>
                     </a:lnR>
-                    <a:lnT>
-                      <a:noFill/>
+                    <a:lnT w="12700" cap="flat" cmpd="sng" algn="ctr">
+                      <a:solidFill>
+                        <a:schemeClr val="tx1"/>
+                      </a:solidFill>
+                      <a:prstDash val="solid"/>
+                      <a:round/>
+                      <a:headEnd type="none" w="med" len="med"/>
+                      <a:tailEnd type="none" w="med" len="med"/>
                     </a:lnT>
-                    <a:lnB>
-                      <a:noFill/>
+                    <a:lnB w="12700" cap="flat" cmpd="sng" algn="ctr">
+                      <a:solidFill>
+                        <a:schemeClr val="tx1"/>
+                      </a:solidFill>
+                      <a:prstDash val="solid"/>
+                      <a:round/>
+                      <a:headEnd type="none" w="med" len="med"/>
+                      <a:tailEnd type="none" w="med" len="med"/>
                     </a:lnB>
                     <a:solidFill>
                       <a:srgbClr val="C6EFCE"/>
@@ -9785,17 +10688,41 @@
                     </a:p>
                   </a:txBody>
                   <a:tcPr marL="5153" marR="5153" marT="5153" marB="0" anchor="b">
-                    <a:lnL>
-                      <a:noFill/>
+                    <a:lnL w="12700" cap="flat" cmpd="sng" algn="ctr">
+                      <a:solidFill>
+                        <a:schemeClr val="tx1"/>
+                      </a:solidFill>
+                      <a:prstDash val="solid"/>
+                      <a:round/>
+                      <a:headEnd type="none" w="med" len="med"/>
+                      <a:tailEnd type="none" w="med" len="med"/>
                     </a:lnL>
-                    <a:lnR>
-                      <a:noFill/>
+                    <a:lnR w="12700" cap="flat" cmpd="sng" algn="ctr">
+                      <a:solidFill>
+                        <a:schemeClr val="tx1"/>
+                      </a:solidFill>
+                      <a:prstDash val="solid"/>
+                      <a:round/>
+                      <a:headEnd type="none" w="med" len="med"/>
+                      <a:tailEnd type="none" w="med" len="med"/>
                     </a:lnR>
-                    <a:lnT>
-                      <a:noFill/>
+                    <a:lnT w="12700" cap="flat" cmpd="sng" algn="ctr">
+                      <a:solidFill>
+                        <a:schemeClr val="tx1"/>
+                      </a:solidFill>
+                      <a:prstDash val="solid"/>
+                      <a:round/>
+                      <a:headEnd type="none" w="med" len="med"/>
+                      <a:tailEnd type="none" w="med" len="med"/>
                     </a:lnT>
-                    <a:lnB>
-                      <a:noFill/>
+                    <a:lnB w="12700" cap="flat" cmpd="sng" algn="ctr">
+                      <a:solidFill>
+                        <a:schemeClr val="tx1"/>
+                      </a:solidFill>
+                      <a:prstDash val="solid"/>
+                      <a:round/>
+                      <a:headEnd type="none" w="med" len="med"/>
+                      <a:tailEnd type="none" w="med" len="med"/>
                     </a:lnB>
                   </a:tcPr>
                 </a:tc>
@@ -9823,17 +10750,41 @@
                     </a:p>
                   </a:txBody>
                   <a:tcPr marL="5153" marR="5153" marT="5153" marB="0" anchor="b">
-                    <a:lnL>
-                      <a:noFill/>
+                    <a:lnL w="12700" cap="flat" cmpd="sng" algn="ctr">
+                      <a:solidFill>
+                        <a:schemeClr val="tx1"/>
+                      </a:solidFill>
+                      <a:prstDash val="solid"/>
+                      <a:round/>
+                      <a:headEnd type="none" w="med" len="med"/>
+                      <a:tailEnd type="none" w="med" len="med"/>
                     </a:lnL>
-                    <a:lnR>
-                      <a:noFill/>
+                    <a:lnR w="12700" cap="flat" cmpd="sng" algn="ctr">
+                      <a:solidFill>
+                        <a:schemeClr val="tx1"/>
+                      </a:solidFill>
+                      <a:prstDash val="solid"/>
+                      <a:round/>
+                      <a:headEnd type="none" w="med" len="med"/>
+                      <a:tailEnd type="none" w="med" len="med"/>
                     </a:lnR>
-                    <a:lnT>
-                      <a:noFill/>
+                    <a:lnT w="12700" cap="flat" cmpd="sng" algn="ctr">
+                      <a:solidFill>
+                        <a:schemeClr val="tx1"/>
+                      </a:solidFill>
+                      <a:prstDash val="solid"/>
+                      <a:round/>
+                      <a:headEnd type="none" w="med" len="med"/>
+                      <a:tailEnd type="none" w="med" len="med"/>
                     </a:lnT>
-                    <a:lnB>
-                      <a:noFill/>
+                    <a:lnB w="12700" cap="flat" cmpd="sng" algn="ctr">
+                      <a:solidFill>
+                        <a:schemeClr val="tx1"/>
+                      </a:solidFill>
+                      <a:prstDash val="solid"/>
+                      <a:round/>
+                      <a:headEnd type="none" w="med" len="med"/>
+                      <a:tailEnd type="none" w="med" len="med"/>
                     </a:lnB>
                     <a:solidFill>
                       <a:srgbClr val="C6EFCE"/>
@@ -9864,17 +10815,41 @@
                     </a:p>
                   </a:txBody>
                   <a:tcPr marL="5153" marR="5153" marT="5153" marB="0" anchor="b">
-                    <a:lnL>
-                      <a:noFill/>
+                    <a:lnL w="12700" cap="flat" cmpd="sng" algn="ctr">
+                      <a:solidFill>
+                        <a:schemeClr val="tx1"/>
+                      </a:solidFill>
+                      <a:prstDash val="solid"/>
+                      <a:round/>
+                      <a:headEnd type="none" w="med" len="med"/>
+                      <a:tailEnd type="none" w="med" len="med"/>
                     </a:lnL>
-                    <a:lnR>
-                      <a:noFill/>
+                    <a:lnR w="12700" cap="flat" cmpd="sng" algn="ctr">
+                      <a:solidFill>
+                        <a:schemeClr val="tx1"/>
+                      </a:solidFill>
+                      <a:prstDash val="solid"/>
+                      <a:round/>
+                      <a:headEnd type="none" w="med" len="med"/>
+                      <a:tailEnd type="none" w="med" len="med"/>
                     </a:lnR>
-                    <a:lnT>
-                      <a:noFill/>
+                    <a:lnT w="12700" cap="flat" cmpd="sng" algn="ctr">
+                      <a:solidFill>
+                        <a:schemeClr val="tx1"/>
+                      </a:solidFill>
+                      <a:prstDash val="solid"/>
+                      <a:round/>
+                      <a:headEnd type="none" w="med" len="med"/>
+                      <a:tailEnd type="none" w="med" len="med"/>
                     </a:lnT>
-                    <a:lnB>
-                      <a:noFill/>
+                    <a:lnB w="12700" cap="flat" cmpd="sng" algn="ctr">
+                      <a:solidFill>
+                        <a:schemeClr val="tx1"/>
+                      </a:solidFill>
+                      <a:prstDash val="solid"/>
+                      <a:round/>
+                      <a:headEnd type="none" w="med" len="med"/>
+                      <a:tailEnd type="none" w="med" len="med"/>
                     </a:lnB>
                     <a:solidFill>
                       <a:srgbClr val="C6EFCE"/>
@@ -9946,17 +10921,41 @@
                     </a:p>
                   </a:txBody>
                   <a:tcPr marL="5153" marR="5153" marT="5153" marB="0" anchor="b">
-                    <a:lnL>
-                      <a:noFill/>
+                    <a:lnL w="12700" cap="flat" cmpd="sng" algn="ctr">
+                      <a:solidFill>
+                        <a:schemeClr val="tx1"/>
+                      </a:solidFill>
+                      <a:prstDash val="solid"/>
+                      <a:round/>
+                      <a:headEnd type="none" w="med" len="med"/>
+                      <a:tailEnd type="none" w="med" len="med"/>
                     </a:lnL>
-                    <a:lnR>
-                      <a:noFill/>
+                    <a:lnR w="12700" cap="flat" cmpd="sng" algn="ctr">
+                      <a:solidFill>
+                        <a:schemeClr val="tx1"/>
+                      </a:solidFill>
+                      <a:prstDash val="solid"/>
+                      <a:round/>
+                      <a:headEnd type="none" w="med" len="med"/>
+                      <a:tailEnd type="none" w="med" len="med"/>
                     </a:lnR>
-                    <a:lnT>
-                      <a:noFill/>
+                    <a:lnT w="12700" cap="flat" cmpd="sng" algn="ctr">
+                      <a:solidFill>
+                        <a:schemeClr val="tx1"/>
+                      </a:solidFill>
+                      <a:prstDash val="solid"/>
+                      <a:round/>
+                      <a:headEnd type="none" w="med" len="med"/>
+                      <a:tailEnd type="none" w="med" len="med"/>
                     </a:lnT>
-                    <a:lnB>
-                      <a:noFill/>
+                    <a:lnB w="12700" cap="flat" cmpd="sng" algn="ctr">
+                      <a:solidFill>
+                        <a:schemeClr val="tx1"/>
+                      </a:solidFill>
+                      <a:prstDash val="solid"/>
+                      <a:round/>
+                      <a:headEnd type="none" w="med" len="med"/>
+                      <a:tailEnd type="none" w="med" len="med"/>
                     </a:lnB>
                   </a:tcPr>
                 </a:tc>
@@ -9984,17 +10983,685 @@
                     </a:p>
                   </a:txBody>
                   <a:tcPr marL="5153" marR="5153" marT="5153" marB="0" anchor="b">
-                    <a:lnL>
-                      <a:noFill/>
+                    <a:lnL w="12700" cap="flat" cmpd="sng" algn="ctr">
+                      <a:solidFill>
+                        <a:schemeClr val="tx1"/>
+                      </a:solidFill>
+                      <a:prstDash val="solid"/>
+                      <a:round/>
+                      <a:headEnd type="none" w="med" len="med"/>
+                      <a:tailEnd type="none" w="med" len="med"/>
                     </a:lnL>
-                    <a:lnR>
-                      <a:noFill/>
+                    <a:lnR w="12700" cap="flat" cmpd="sng" algn="ctr">
+                      <a:solidFill>
+                        <a:schemeClr val="tx1"/>
+                      </a:solidFill>
+                      <a:prstDash val="solid"/>
+                      <a:round/>
+                      <a:headEnd type="none" w="med" len="med"/>
+                      <a:tailEnd type="none" w="med" len="med"/>
                     </a:lnR>
-                    <a:lnT>
-                      <a:noFill/>
+                    <a:lnT w="12700" cap="flat" cmpd="sng" algn="ctr">
+                      <a:solidFill>
+                        <a:schemeClr val="tx1"/>
+                      </a:solidFill>
+                      <a:prstDash val="solid"/>
+                      <a:round/>
+                      <a:headEnd type="none" w="med" len="med"/>
+                      <a:tailEnd type="none" w="med" len="med"/>
                     </a:lnT>
-                    <a:lnB>
-                      <a:noFill/>
+                    <a:lnB w="12700" cap="flat" cmpd="sng" algn="ctr">
+                      <a:solidFill>
+                        <a:schemeClr val="tx1"/>
+                      </a:solidFill>
+                      <a:prstDash val="solid"/>
+                      <a:round/>
+                      <a:headEnd type="none" w="med" len="med"/>
+                      <a:tailEnd type="none" w="med" len="med"/>
+                    </a:lnB>
+                    <a:solidFill>
+                      <a:srgbClr val="C6EFCE"/>
+                    </a:solidFill>
+                  </a:tcPr>
+                </a:tc>
+                <a:tc>
+                  <a:txBody>
+                    <a:bodyPr/>
+                    <a:lstStyle/>
+                    <a:p>
+                      <a:pPr algn="l" fontAlgn="b"/>
+                      <a:r>
+                        <a:rPr lang="en-CA" sz="900" b="0" i="0" u="none" strike="noStrike" dirty="0" smtClean="0">
+                          <a:solidFill>
+                            <a:srgbClr val="006100"/>
+                          </a:solidFill>
+                          <a:latin typeface="Calibri"/>
+                        </a:rPr>
+                        <a:t>Yes (more convenient</a:t>
+                      </a:r>
+                      <a:r>
+                        <a:rPr lang="en-CA" sz="900" b="0" i="0" u="none" strike="noStrike" baseline="0" dirty="0" smtClean="0">
+                          <a:solidFill>
+                            <a:srgbClr val="006100"/>
+                          </a:solidFill>
+                          <a:latin typeface="Calibri"/>
+                        </a:rPr>
+                        <a:t> user interface WIP using </a:t>
+                      </a:r>
+                      <a:r>
+                        <a:rPr lang="en-CA" sz="900" b="0" i="0" u="none" strike="noStrike" baseline="0" dirty="0" err="1" smtClean="0">
+                          <a:solidFill>
+                            <a:srgbClr val="006100"/>
+                          </a:solidFill>
+                          <a:latin typeface="Calibri"/>
+                        </a:rPr>
+                        <a:t>SlicerRT</a:t>
+                      </a:r>
+                      <a:r>
+                        <a:rPr lang="en-CA" sz="900" b="0" i="0" u="none" strike="noStrike" baseline="0" dirty="0" smtClean="0">
+                          <a:solidFill>
+                            <a:srgbClr val="006100"/>
+                          </a:solidFill>
+                          <a:latin typeface="Calibri"/>
+                        </a:rPr>
+                        <a:t>)</a:t>
+                      </a:r>
+                      <a:endParaRPr lang="en-CA" sz="900" b="0" i="0" u="none" strike="noStrike" dirty="0">
+                        <a:solidFill>
+                          <a:srgbClr val="006100"/>
+                        </a:solidFill>
+                        <a:latin typeface="Calibri"/>
+                      </a:endParaRPr>
+                    </a:p>
+                  </a:txBody>
+                  <a:tcPr marL="5153" marR="5153" marT="5153" marB="0" anchor="b">
+                    <a:lnL w="12700" cap="flat" cmpd="sng" algn="ctr">
+                      <a:solidFill>
+                        <a:schemeClr val="tx1"/>
+                      </a:solidFill>
+                      <a:prstDash val="solid"/>
+                      <a:round/>
+                      <a:headEnd type="none" w="med" len="med"/>
+                      <a:tailEnd type="none" w="med" len="med"/>
+                    </a:lnL>
+                    <a:lnR w="12700" cap="flat" cmpd="sng" algn="ctr">
+                      <a:solidFill>
+                        <a:schemeClr val="tx1"/>
+                      </a:solidFill>
+                      <a:prstDash val="solid"/>
+                      <a:round/>
+                      <a:headEnd type="none" w="med" len="med"/>
+                      <a:tailEnd type="none" w="med" len="med"/>
+                    </a:lnR>
+                    <a:lnT w="12700" cap="flat" cmpd="sng" algn="ctr">
+                      <a:solidFill>
+                        <a:schemeClr val="tx1"/>
+                      </a:solidFill>
+                      <a:prstDash val="solid"/>
+                      <a:round/>
+                      <a:headEnd type="none" w="med" len="med"/>
+                      <a:tailEnd type="none" w="med" len="med"/>
+                    </a:lnT>
+                    <a:lnB w="12700" cap="flat" cmpd="sng" algn="ctr">
+                      <a:solidFill>
+                        <a:schemeClr val="tx1"/>
+                      </a:solidFill>
+                      <a:prstDash val="solid"/>
+                      <a:round/>
+                      <a:headEnd type="none" w="med" len="med"/>
+                      <a:tailEnd type="none" w="med" len="med"/>
+                    </a:lnB>
+                    <a:solidFill>
+                      <a:srgbClr val="C6EFCE"/>
+                    </a:solidFill>
+                  </a:tcPr>
+                </a:tc>
+              </a:tr>
+              <a:tr h="121617">
+                <a:tc>
+                  <a:txBody>
+                    <a:bodyPr/>
+                    <a:lstStyle/>
+                    <a:p>
+                      <a:pPr algn="l" fontAlgn="b"/>
+                      <a:r>
+                        <a:rPr lang="en-CA" sz="900" b="0" i="0" u="none" strike="noStrike" dirty="0">
+                          <a:solidFill>
+                            <a:srgbClr val="000000"/>
+                          </a:solidFill>
+                          <a:latin typeface="Calibri"/>
+                        </a:rPr>
+                        <a:t>Dose-volume and Dose-surface histogram analysis. </a:t>
+                      </a:r>
+                    </a:p>
+                  </a:txBody>
+                  <a:tcPr marL="5153" marR="5153" marT="5153" marB="0" anchor="b">
+                    <a:lnL w="12700" cap="flat" cmpd="sng" algn="ctr">
+                      <a:solidFill>
+                        <a:schemeClr val="tx1"/>
+                      </a:solidFill>
+                      <a:prstDash val="solid"/>
+                      <a:round/>
+                      <a:headEnd type="none" w="med" len="med"/>
+                      <a:tailEnd type="none" w="med" len="med"/>
+                    </a:lnL>
+                    <a:lnR w="12700" cap="flat" cmpd="sng" algn="ctr">
+                      <a:solidFill>
+                        <a:schemeClr val="tx1"/>
+                      </a:solidFill>
+                      <a:prstDash val="solid"/>
+                      <a:round/>
+                      <a:headEnd type="none" w="med" len="med"/>
+                      <a:tailEnd type="none" w="med" len="med"/>
+                    </a:lnR>
+                    <a:lnT w="12700" cap="flat" cmpd="sng" algn="ctr">
+                      <a:solidFill>
+                        <a:schemeClr val="tx1"/>
+                      </a:solidFill>
+                      <a:prstDash val="solid"/>
+                      <a:round/>
+                      <a:headEnd type="none" w="med" len="med"/>
+                      <a:tailEnd type="none" w="med" len="med"/>
+                    </a:lnT>
+                    <a:lnB w="12700" cap="flat" cmpd="sng" algn="ctr">
+                      <a:solidFill>
+                        <a:schemeClr val="tx1"/>
+                      </a:solidFill>
+                      <a:prstDash val="solid"/>
+                      <a:round/>
+                      <a:headEnd type="none" w="med" len="med"/>
+                      <a:tailEnd type="none" w="med" len="med"/>
+                    </a:lnB>
+                  </a:tcPr>
+                </a:tc>
+                <a:tc>
+                  <a:txBody>
+                    <a:bodyPr/>
+                    <a:lstStyle/>
+                    <a:p>
+                      <a:pPr algn="l" fontAlgn="b"/>
+                      <a:r>
+                        <a:rPr lang="en-CA" sz="900" b="0" i="0" u="none" strike="noStrike" dirty="0" smtClean="0">
+                          <a:solidFill>
+                            <a:srgbClr val="006100"/>
+                          </a:solidFill>
+                          <a:latin typeface="Calibri"/>
+                        </a:rPr>
+                        <a:t>Yes</a:t>
+                      </a:r>
+                      <a:endParaRPr lang="en-CA" sz="900" b="0" i="0" u="none" strike="noStrike" dirty="0">
+                        <a:solidFill>
+                          <a:srgbClr val="006100"/>
+                        </a:solidFill>
+                        <a:latin typeface="Calibri"/>
+                      </a:endParaRPr>
+                    </a:p>
+                  </a:txBody>
+                  <a:tcPr marL="5153" marR="5153" marT="5153" marB="0" anchor="b">
+                    <a:lnL w="12700" cap="flat" cmpd="sng" algn="ctr">
+                      <a:solidFill>
+                        <a:schemeClr val="tx1"/>
+                      </a:solidFill>
+                      <a:prstDash val="solid"/>
+                      <a:round/>
+                      <a:headEnd type="none" w="med" len="med"/>
+                      <a:tailEnd type="none" w="med" len="med"/>
+                    </a:lnL>
+                    <a:lnR w="12700" cap="flat" cmpd="sng" algn="ctr">
+                      <a:solidFill>
+                        <a:schemeClr val="tx1"/>
+                      </a:solidFill>
+                      <a:prstDash val="solid"/>
+                      <a:round/>
+                      <a:headEnd type="none" w="med" len="med"/>
+                      <a:tailEnd type="none" w="med" len="med"/>
+                    </a:lnR>
+                    <a:lnT w="12700" cap="flat" cmpd="sng" algn="ctr">
+                      <a:solidFill>
+                        <a:schemeClr val="tx1"/>
+                      </a:solidFill>
+                      <a:prstDash val="solid"/>
+                      <a:round/>
+                      <a:headEnd type="none" w="med" len="med"/>
+                      <a:tailEnd type="none" w="med" len="med"/>
+                    </a:lnT>
+                    <a:lnB w="12700" cap="flat" cmpd="sng" algn="ctr">
+                      <a:solidFill>
+                        <a:schemeClr val="tx1"/>
+                      </a:solidFill>
+                      <a:prstDash val="solid"/>
+                      <a:round/>
+                      <a:headEnd type="none" w="med" len="med"/>
+                      <a:tailEnd type="none" w="med" len="med"/>
+                    </a:lnB>
+                    <a:solidFill>
+                      <a:srgbClr val="C6EFCE"/>
+                    </a:solidFill>
+                  </a:tcPr>
+                </a:tc>
+                <a:tc>
+                  <a:txBody>
+                    <a:bodyPr/>
+                    <a:lstStyle/>
+                    <a:p>
+                      <a:pPr algn="l" fontAlgn="b"/>
+                      <a:r>
+                        <a:rPr lang="en-CA" sz="900" b="0" i="0" u="none" strike="noStrike" dirty="0" smtClean="0">
+                          <a:solidFill>
+                            <a:srgbClr val="000000"/>
+                          </a:solidFill>
+                          <a:latin typeface="Calibri"/>
+                        </a:rPr>
+                        <a:t>Yes, DSH </a:t>
+                      </a:r>
+                      <a:r>
+                        <a:rPr lang="en-CA" sz="900" b="0" i="0" u="none" strike="noStrike" dirty="0" smtClean="0">
+                          <a:solidFill>
+                            <a:srgbClr val="000000"/>
+                          </a:solidFill>
+                          <a:latin typeface="Calibri"/>
+                        </a:rPr>
+                        <a:t>not </a:t>
+                      </a:r>
+                      <a:r>
+                        <a:rPr lang="en-CA" sz="900" b="0" i="0" u="none" strike="noStrike" dirty="0" smtClean="0">
+                          <a:solidFill>
+                            <a:srgbClr val="000000"/>
+                          </a:solidFill>
+                          <a:latin typeface="Calibri"/>
+                        </a:rPr>
+                        <a:t>yet  available</a:t>
+                      </a:r>
+                      <a:br>
+                        <a:rPr lang="en-CA" sz="900" b="0" i="0" u="none" strike="noStrike" dirty="0" smtClean="0">
+                          <a:solidFill>
+                            <a:srgbClr val="000000"/>
+                          </a:solidFill>
+                          <a:latin typeface="Calibri"/>
+                        </a:rPr>
+                      </a:br>
+                      <a:r>
+                        <a:rPr lang="en-CA" sz="900" b="0" i="0" u="none" strike="noStrike" dirty="0" smtClean="0">
+                          <a:solidFill>
+                            <a:srgbClr val="000000"/>
+                          </a:solidFill>
+                          <a:latin typeface="Calibri"/>
+                        </a:rPr>
+                        <a:t>(using </a:t>
+                      </a:r>
+                      <a:r>
+                        <a:rPr lang="en-CA" sz="900" b="0" i="0" u="none" strike="noStrike" dirty="0" err="1" smtClean="0">
+                          <a:solidFill>
+                            <a:srgbClr val="000000"/>
+                          </a:solidFill>
+                          <a:latin typeface="Calibri"/>
+                        </a:rPr>
+                        <a:t>SlicerRT</a:t>
+                      </a:r>
+                      <a:r>
+                        <a:rPr lang="en-CA" sz="900" b="0" i="0" u="none" strike="noStrike" dirty="0" smtClean="0">
+                          <a:solidFill>
+                            <a:srgbClr val="000000"/>
+                          </a:solidFill>
+                          <a:latin typeface="Calibri"/>
+                        </a:rPr>
+                        <a:t>)</a:t>
+                      </a:r>
+                      <a:endParaRPr lang="en-CA" sz="900" b="0" i="0" u="none" strike="noStrike" dirty="0">
+                        <a:solidFill>
+                          <a:srgbClr val="000000"/>
+                        </a:solidFill>
+                        <a:latin typeface="Calibri"/>
+                      </a:endParaRPr>
+                    </a:p>
+                  </a:txBody>
+                  <a:tcPr marL="5153" marR="5153" marT="5153" marB="0" anchor="b">
+                    <a:lnL w="12700" cap="flat" cmpd="sng" algn="ctr">
+                      <a:solidFill>
+                        <a:schemeClr val="tx1"/>
+                      </a:solidFill>
+                      <a:prstDash val="solid"/>
+                      <a:round/>
+                      <a:headEnd type="none" w="med" len="med"/>
+                      <a:tailEnd type="none" w="med" len="med"/>
+                    </a:lnL>
+                    <a:lnR w="12700" cap="flat" cmpd="sng" algn="ctr">
+                      <a:solidFill>
+                        <a:schemeClr val="tx1"/>
+                      </a:solidFill>
+                      <a:prstDash val="solid"/>
+                      <a:round/>
+                      <a:headEnd type="none" w="med" len="med"/>
+                      <a:tailEnd type="none" w="med" len="med"/>
+                    </a:lnR>
+                    <a:lnT w="12700" cap="flat" cmpd="sng" algn="ctr">
+                      <a:solidFill>
+                        <a:schemeClr val="tx1"/>
+                      </a:solidFill>
+                      <a:prstDash val="solid"/>
+                      <a:round/>
+                      <a:headEnd type="none" w="med" len="med"/>
+                      <a:tailEnd type="none" w="med" len="med"/>
+                    </a:lnT>
+                    <a:lnB w="12700" cap="flat" cmpd="sng" algn="ctr">
+                      <a:solidFill>
+                        <a:schemeClr val="tx1"/>
+                      </a:solidFill>
+                      <a:prstDash val="solid"/>
+                      <a:round/>
+                      <a:headEnd type="none" w="med" len="med"/>
+                      <a:tailEnd type="none" w="med" len="med"/>
+                    </a:lnB>
+                    <a:solidFill>
+                      <a:srgbClr val="DBF5E0"/>
+                    </a:solidFill>
+                  </a:tcPr>
+                </a:tc>
+              </a:tr>
+              <a:tr h="121617">
+                <a:tc>
+                  <a:txBody>
+                    <a:bodyPr/>
+                    <a:lstStyle/>
+                    <a:p>
+                      <a:pPr algn="l" fontAlgn="b"/>
+                      <a:r>
+                        <a:rPr lang="en-CA" sz="900" b="0" i="0" u="none" strike="noStrike" dirty="0">
+                          <a:solidFill>
+                            <a:srgbClr val="000000"/>
+                          </a:solidFill>
+                          <a:latin typeface="Calibri"/>
+                        </a:rPr>
+                        <a:t>Intensity Volume Histogram</a:t>
+                      </a:r>
+                    </a:p>
+                  </a:txBody>
+                  <a:tcPr marL="5153" marR="5153" marT="5153" marB="0" anchor="b">
+                    <a:lnL w="12700" cap="flat" cmpd="sng" algn="ctr">
+                      <a:solidFill>
+                        <a:schemeClr val="tx1"/>
+                      </a:solidFill>
+                      <a:prstDash val="solid"/>
+                      <a:round/>
+                      <a:headEnd type="none" w="med" len="med"/>
+                      <a:tailEnd type="none" w="med" len="med"/>
+                    </a:lnL>
+                    <a:lnR w="12700" cap="flat" cmpd="sng" algn="ctr">
+                      <a:solidFill>
+                        <a:schemeClr val="tx1"/>
+                      </a:solidFill>
+                      <a:prstDash val="solid"/>
+                      <a:round/>
+                      <a:headEnd type="none" w="med" len="med"/>
+                      <a:tailEnd type="none" w="med" len="med"/>
+                    </a:lnR>
+                    <a:lnT w="12700" cap="flat" cmpd="sng" algn="ctr">
+                      <a:solidFill>
+                        <a:schemeClr val="tx1"/>
+                      </a:solidFill>
+                      <a:prstDash val="solid"/>
+                      <a:round/>
+                      <a:headEnd type="none" w="med" len="med"/>
+                      <a:tailEnd type="none" w="med" len="med"/>
+                    </a:lnT>
+                    <a:lnB w="12700" cap="flat" cmpd="sng" algn="ctr">
+                      <a:solidFill>
+                        <a:schemeClr val="tx1"/>
+                      </a:solidFill>
+                      <a:prstDash val="solid"/>
+                      <a:round/>
+                      <a:headEnd type="none" w="med" len="med"/>
+                      <a:tailEnd type="none" w="med" len="med"/>
+                    </a:lnB>
+                  </a:tcPr>
+                </a:tc>
+                <a:tc>
+                  <a:txBody>
+                    <a:bodyPr/>
+                    <a:lstStyle/>
+                    <a:p>
+                      <a:pPr algn="l" fontAlgn="b"/>
+                      <a:r>
+                        <a:rPr lang="en-CA" sz="900" b="0" i="0" u="none" strike="noStrike" dirty="0" smtClean="0">
+                          <a:solidFill>
+                            <a:srgbClr val="006100"/>
+                          </a:solidFill>
+                          <a:latin typeface="Calibri"/>
+                        </a:rPr>
+                        <a:t>Yes</a:t>
+                      </a:r>
+                      <a:endParaRPr lang="en-CA" sz="900" b="0" i="0" u="none" strike="noStrike" dirty="0">
+                        <a:solidFill>
+                          <a:srgbClr val="006100"/>
+                        </a:solidFill>
+                        <a:latin typeface="Calibri"/>
+                      </a:endParaRPr>
+                    </a:p>
+                  </a:txBody>
+                  <a:tcPr marL="5153" marR="5153" marT="5153" marB="0" anchor="b">
+                    <a:lnL w="12700" cap="flat" cmpd="sng" algn="ctr">
+                      <a:solidFill>
+                        <a:schemeClr val="tx1"/>
+                      </a:solidFill>
+                      <a:prstDash val="solid"/>
+                      <a:round/>
+                      <a:headEnd type="none" w="med" len="med"/>
+                      <a:tailEnd type="none" w="med" len="med"/>
+                    </a:lnL>
+                    <a:lnR w="12700" cap="flat" cmpd="sng" algn="ctr">
+                      <a:solidFill>
+                        <a:schemeClr val="tx1"/>
+                      </a:solidFill>
+                      <a:prstDash val="solid"/>
+                      <a:round/>
+                      <a:headEnd type="none" w="med" len="med"/>
+                      <a:tailEnd type="none" w="med" len="med"/>
+                    </a:lnR>
+                    <a:lnT w="12700" cap="flat" cmpd="sng" algn="ctr">
+                      <a:solidFill>
+                        <a:schemeClr val="tx1"/>
+                      </a:solidFill>
+                      <a:prstDash val="solid"/>
+                      <a:round/>
+                      <a:headEnd type="none" w="med" len="med"/>
+                      <a:tailEnd type="none" w="med" len="med"/>
+                    </a:lnT>
+                    <a:lnB w="12700" cap="flat" cmpd="sng" algn="ctr">
+                      <a:solidFill>
+                        <a:schemeClr val="tx1"/>
+                      </a:solidFill>
+                      <a:prstDash val="solid"/>
+                      <a:round/>
+                      <a:headEnd type="none" w="med" len="med"/>
+                      <a:tailEnd type="none" w="med" len="med"/>
+                    </a:lnB>
+                    <a:solidFill>
+                      <a:srgbClr val="C6EFCE"/>
+                    </a:solidFill>
+                  </a:tcPr>
+                </a:tc>
+                <a:tc>
+                  <a:txBody>
+                    <a:bodyPr/>
+                    <a:lstStyle/>
+                    <a:p>
+                      <a:pPr algn="l" fontAlgn="b"/>
+                      <a:r>
+                        <a:rPr lang="en-CA" sz="900" b="0" i="0" u="none" strike="noStrike" dirty="0" smtClean="0">
+                          <a:solidFill>
+                            <a:srgbClr val="006100"/>
+                          </a:solidFill>
+                          <a:latin typeface="+mn-lt"/>
+                        </a:rPr>
+                        <a:t>Yes</a:t>
+                      </a:r>
+                      <a:endParaRPr lang="en-CA" sz="900" b="0" i="0" u="none" strike="noStrike" dirty="0">
+                        <a:solidFill>
+                          <a:srgbClr val="000000"/>
+                        </a:solidFill>
+                        <a:latin typeface="Calibri"/>
+                      </a:endParaRPr>
+                    </a:p>
+                  </a:txBody>
+                  <a:tcPr marL="5153" marR="5153" marT="5153" marB="0" anchor="b">
+                    <a:lnL w="12700" cap="flat" cmpd="sng" algn="ctr">
+                      <a:solidFill>
+                        <a:schemeClr val="tx1"/>
+                      </a:solidFill>
+                      <a:prstDash val="solid"/>
+                      <a:round/>
+                      <a:headEnd type="none" w="med" len="med"/>
+                      <a:tailEnd type="none" w="med" len="med"/>
+                    </a:lnL>
+                    <a:lnR w="12700" cap="flat" cmpd="sng" algn="ctr">
+                      <a:solidFill>
+                        <a:schemeClr val="tx1"/>
+                      </a:solidFill>
+                      <a:prstDash val="solid"/>
+                      <a:round/>
+                      <a:headEnd type="none" w="med" len="med"/>
+                      <a:tailEnd type="none" w="med" len="med"/>
+                    </a:lnR>
+                    <a:lnT w="12700" cap="flat" cmpd="sng" algn="ctr">
+                      <a:solidFill>
+                        <a:schemeClr val="tx1"/>
+                      </a:solidFill>
+                      <a:prstDash val="solid"/>
+                      <a:round/>
+                      <a:headEnd type="none" w="med" len="med"/>
+                      <a:tailEnd type="none" w="med" len="med"/>
+                    </a:lnT>
+                    <a:lnB w="12700" cap="flat" cmpd="sng" algn="ctr">
+                      <a:solidFill>
+                        <a:schemeClr val="tx1"/>
+                      </a:solidFill>
+                      <a:prstDash val="solid"/>
+                      <a:round/>
+                      <a:headEnd type="none" w="med" len="med"/>
+                      <a:tailEnd type="none" w="med" len="med"/>
+                    </a:lnB>
+                    <a:solidFill>
+                      <a:srgbClr val="C6EFCE"/>
+                    </a:solidFill>
+                  </a:tcPr>
+                </a:tc>
+              </a:tr>
+              <a:tr h="121617">
+                <a:tc>
+                  <a:txBody>
+                    <a:bodyPr/>
+                    <a:lstStyle/>
+                    <a:p>
+                      <a:pPr algn="l" fontAlgn="b"/>
+                      <a:r>
+                        <a:rPr lang="en-CA" sz="900" b="0" i="0" u="none" strike="noStrike" dirty="0">
+                          <a:solidFill>
+                            <a:srgbClr val="000000"/>
+                          </a:solidFill>
+                          <a:latin typeface="Calibri"/>
+                        </a:rPr>
+                        <a:t>Contouring/re-contouring tools. </a:t>
+                      </a:r>
+                    </a:p>
+                  </a:txBody>
+                  <a:tcPr marL="5153" marR="5153" marT="5153" marB="0" anchor="b">
+                    <a:lnL w="12700" cap="flat" cmpd="sng" algn="ctr">
+                      <a:solidFill>
+                        <a:schemeClr val="tx1"/>
+                      </a:solidFill>
+                      <a:prstDash val="solid"/>
+                      <a:round/>
+                      <a:headEnd type="none" w="med" len="med"/>
+                      <a:tailEnd type="none" w="med" len="med"/>
+                    </a:lnL>
+                    <a:lnR w="12700" cap="flat" cmpd="sng" algn="ctr">
+                      <a:solidFill>
+                        <a:schemeClr val="tx1"/>
+                      </a:solidFill>
+                      <a:prstDash val="solid"/>
+                      <a:round/>
+                      <a:headEnd type="none" w="med" len="med"/>
+                      <a:tailEnd type="none" w="med" len="med"/>
+                    </a:lnR>
+                    <a:lnT w="12700" cap="flat" cmpd="sng" algn="ctr">
+                      <a:solidFill>
+                        <a:schemeClr val="tx1"/>
+                      </a:solidFill>
+                      <a:prstDash val="solid"/>
+                      <a:round/>
+                      <a:headEnd type="none" w="med" len="med"/>
+                      <a:tailEnd type="none" w="med" len="med"/>
+                    </a:lnT>
+                    <a:lnB w="12700" cap="flat" cmpd="sng" algn="ctr">
+                      <a:solidFill>
+                        <a:schemeClr val="tx1"/>
+                      </a:solidFill>
+                      <a:prstDash val="solid"/>
+                      <a:round/>
+                      <a:headEnd type="none" w="med" len="med"/>
+                      <a:tailEnd type="none" w="med" len="med"/>
+                    </a:lnB>
+                  </a:tcPr>
+                </a:tc>
+                <a:tc>
+                  <a:txBody>
+                    <a:bodyPr/>
+                    <a:lstStyle/>
+                    <a:p>
+                      <a:pPr algn="l" fontAlgn="b"/>
+                      <a:r>
+                        <a:rPr lang="en-CA" sz="900" b="0" i="0" u="none" strike="noStrike" dirty="0" smtClean="0">
+                          <a:solidFill>
+                            <a:srgbClr val="006100"/>
+                          </a:solidFill>
+                          <a:latin typeface="Calibri"/>
+                        </a:rPr>
+                        <a:t>Yes</a:t>
+                      </a:r>
+                      <a:endParaRPr lang="en-CA" sz="900" b="0" i="0" u="none" strike="noStrike" dirty="0">
+                        <a:solidFill>
+                          <a:srgbClr val="006100"/>
+                        </a:solidFill>
+                        <a:latin typeface="Calibri"/>
+                      </a:endParaRPr>
+                    </a:p>
+                  </a:txBody>
+                  <a:tcPr marL="5153" marR="5153" marT="5153" marB="0" anchor="b">
+                    <a:lnL w="12700" cap="flat" cmpd="sng" algn="ctr">
+                      <a:solidFill>
+                        <a:schemeClr val="tx1"/>
+                      </a:solidFill>
+                      <a:prstDash val="solid"/>
+                      <a:round/>
+                      <a:headEnd type="none" w="med" len="med"/>
+                      <a:tailEnd type="none" w="med" len="med"/>
+                    </a:lnL>
+                    <a:lnR w="12700" cap="flat" cmpd="sng" algn="ctr">
+                      <a:solidFill>
+                        <a:schemeClr val="tx1"/>
+                      </a:solidFill>
+                      <a:prstDash val="solid"/>
+                      <a:round/>
+                      <a:headEnd type="none" w="med" len="med"/>
+                      <a:tailEnd type="none" w="med" len="med"/>
+                    </a:lnR>
+                    <a:lnT w="12700" cap="flat" cmpd="sng" algn="ctr">
+                      <a:solidFill>
+                        <a:schemeClr val="tx1"/>
+                      </a:solidFill>
+                      <a:prstDash val="solid"/>
+                      <a:round/>
+                      <a:headEnd type="none" w="med" len="med"/>
+                      <a:tailEnd type="none" w="med" len="med"/>
+                    </a:lnT>
+                    <a:lnB w="12700" cap="flat" cmpd="sng" algn="ctr">
+                      <a:solidFill>
+                        <a:schemeClr val="tx1"/>
+                      </a:solidFill>
+                      <a:prstDash val="solid"/>
+                      <a:round/>
+                      <a:headEnd type="none" w="med" len="med"/>
+                      <a:tailEnd type="none" w="med" len="med"/>
                     </a:lnB>
                     <a:solidFill>
                       <a:srgbClr val="C6EFCE"/>
@@ -10025,17 +11692,41 @@
                     </a:p>
                   </a:txBody>
                   <a:tcPr marL="5153" marR="5153" marT="5153" marB="0" anchor="b">
-                    <a:lnL>
-                      <a:noFill/>
+                    <a:lnL w="12700" cap="flat" cmpd="sng" algn="ctr">
+                      <a:solidFill>
+                        <a:schemeClr val="tx1"/>
+                      </a:solidFill>
+                      <a:prstDash val="solid"/>
+                      <a:round/>
+                      <a:headEnd type="none" w="med" len="med"/>
+                      <a:tailEnd type="none" w="med" len="med"/>
                     </a:lnL>
-                    <a:lnR>
-                      <a:noFill/>
+                    <a:lnR w="12700" cap="flat" cmpd="sng" algn="ctr">
+                      <a:solidFill>
+                        <a:schemeClr val="tx1"/>
+                      </a:solidFill>
+                      <a:prstDash val="solid"/>
+                      <a:round/>
+                      <a:headEnd type="none" w="med" len="med"/>
+                      <a:tailEnd type="none" w="med" len="med"/>
                     </a:lnR>
-                    <a:lnT>
-                      <a:noFill/>
+                    <a:lnT w="12700" cap="flat" cmpd="sng" algn="ctr">
+                      <a:solidFill>
+                        <a:schemeClr val="tx1"/>
+                      </a:solidFill>
+                      <a:prstDash val="solid"/>
+                      <a:round/>
+                      <a:headEnd type="none" w="med" len="med"/>
+                      <a:tailEnd type="none" w="med" len="med"/>
                     </a:lnT>
-                    <a:lnB>
-                      <a:noFill/>
+                    <a:lnB w="12700" cap="flat" cmpd="sng" algn="ctr">
+                      <a:solidFill>
+                        <a:schemeClr val="tx1"/>
+                      </a:solidFill>
+                      <a:prstDash val="solid"/>
+                      <a:round/>
+                      <a:headEnd type="none" w="med" len="med"/>
+                      <a:tailEnd type="none" w="med" len="med"/>
                     </a:lnB>
                     <a:solidFill>
                       <a:srgbClr val="C6EFCE"/>
@@ -10057,22 +11748,46 @@
                           </a:solidFill>
                           <a:latin typeface="Calibri"/>
                         </a:rPr>
-                        <a:t>Dose-volume and Dose-surface histogram analysis. </a:t>
+                        <a:t>3-D viewing of contours and dose, opaque or transparent. </a:t>
                       </a:r>
                     </a:p>
                   </a:txBody>
                   <a:tcPr marL="5153" marR="5153" marT="5153" marB="0" anchor="b">
-                    <a:lnL>
-                      <a:noFill/>
+                    <a:lnL w="12700" cap="flat" cmpd="sng" algn="ctr">
+                      <a:solidFill>
+                        <a:schemeClr val="tx1"/>
+                      </a:solidFill>
+                      <a:prstDash val="solid"/>
+                      <a:round/>
+                      <a:headEnd type="none" w="med" len="med"/>
+                      <a:tailEnd type="none" w="med" len="med"/>
                     </a:lnL>
-                    <a:lnR>
-                      <a:noFill/>
+                    <a:lnR w="12700" cap="flat" cmpd="sng" algn="ctr">
+                      <a:solidFill>
+                        <a:schemeClr val="tx1"/>
+                      </a:solidFill>
+                      <a:prstDash val="solid"/>
+                      <a:round/>
+                      <a:headEnd type="none" w="med" len="med"/>
+                      <a:tailEnd type="none" w="med" len="med"/>
                     </a:lnR>
-                    <a:lnT>
-                      <a:noFill/>
+                    <a:lnT w="12700" cap="flat" cmpd="sng" algn="ctr">
+                      <a:solidFill>
+                        <a:schemeClr val="tx1"/>
+                      </a:solidFill>
+                      <a:prstDash val="solid"/>
+                      <a:round/>
+                      <a:headEnd type="none" w="med" len="med"/>
+                      <a:tailEnd type="none" w="med" len="med"/>
                     </a:lnT>
-                    <a:lnB>
-                      <a:noFill/>
+                    <a:lnB w="12700" cap="flat" cmpd="sng" algn="ctr">
+                      <a:solidFill>
+                        <a:schemeClr val="tx1"/>
+                      </a:solidFill>
+                      <a:prstDash val="solid"/>
+                      <a:round/>
+                      <a:headEnd type="none" w="med" len="med"/>
+                      <a:tailEnd type="none" w="med" len="med"/>
                     </a:lnB>
                   </a:tcPr>
                 </a:tc>
@@ -10100,246 +11815,41 @@
                     </a:p>
                   </a:txBody>
                   <a:tcPr marL="5153" marR="5153" marT="5153" marB="0" anchor="b">
-                    <a:lnL>
-                      <a:noFill/>
+                    <a:lnL w="12700" cap="flat" cmpd="sng" algn="ctr">
+                      <a:solidFill>
+                        <a:schemeClr val="tx1"/>
+                      </a:solidFill>
+                      <a:prstDash val="solid"/>
+                      <a:round/>
+                      <a:headEnd type="none" w="med" len="med"/>
+                      <a:tailEnd type="none" w="med" len="med"/>
                     </a:lnL>
-                    <a:lnR>
-                      <a:noFill/>
+                    <a:lnR w="12700" cap="flat" cmpd="sng" algn="ctr">
+                      <a:solidFill>
+                        <a:schemeClr val="tx1"/>
+                      </a:solidFill>
+                      <a:prstDash val="solid"/>
+                      <a:round/>
+                      <a:headEnd type="none" w="med" len="med"/>
+                      <a:tailEnd type="none" w="med" len="med"/>
                     </a:lnR>
-                    <a:lnT>
-                      <a:noFill/>
+                    <a:lnT w="12700" cap="flat" cmpd="sng" algn="ctr">
+                      <a:solidFill>
+                        <a:schemeClr val="tx1"/>
+                      </a:solidFill>
+                      <a:prstDash val="solid"/>
+                      <a:round/>
+                      <a:headEnd type="none" w="med" len="med"/>
+                      <a:tailEnd type="none" w="med" len="med"/>
                     </a:lnT>
-                    <a:lnB>
-                      <a:noFill/>
-                    </a:lnB>
-                    <a:solidFill>
-                      <a:srgbClr val="C6EFCE"/>
-                    </a:solidFill>
-                  </a:tcPr>
-                </a:tc>
-                <a:tc>
-                  <a:txBody>
-                    <a:bodyPr/>
-                    <a:lstStyle/>
-                    <a:p>
-                      <a:pPr algn="l" fontAlgn="b"/>
-                      <a:r>
-                        <a:rPr lang="en-CA" sz="900" b="0" i="0" u="none" strike="noStrike" dirty="0" smtClean="0">
-                          <a:solidFill>
-                            <a:srgbClr val="000000"/>
-                          </a:solidFill>
-                          <a:latin typeface="Calibri"/>
-                        </a:rPr>
-                        <a:t>DVH ready, DSH not yet</a:t>
-                      </a:r>
-                      <a:endParaRPr lang="en-CA" sz="900" b="0" i="0" u="none" strike="noStrike" dirty="0">
-                        <a:solidFill>
-                          <a:srgbClr val="000000"/>
-                        </a:solidFill>
-                        <a:latin typeface="Calibri"/>
-                      </a:endParaRPr>
-                    </a:p>
-                  </a:txBody>
-                  <a:tcPr marL="5153" marR="5153" marT="5153" marB="0" anchor="b">
-                    <a:lnL>
-                      <a:noFill/>
-                    </a:lnL>
-                    <a:lnR>
-                      <a:noFill/>
-                    </a:lnR>
-                    <a:lnT>
-                      <a:noFill/>
-                    </a:lnT>
-                    <a:lnB>
-                      <a:noFill/>
-                    </a:lnB>
-                  </a:tcPr>
-                </a:tc>
-              </a:tr>
-              <a:tr h="121617">
-                <a:tc>
-                  <a:txBody>
-                    <a:bodyPr/>
-                    <a:lstStyle/>
-                    <a:p>
-                      <a:pPr algn="l" fontAlgn="b"/>
-                      <a:r>
-                        <a:rPr lang="en-CA" sz="900" b="0" i="0" u="none" strike="noStrike" dirty="0">
-                          <a:solidFill>
-                            <a:srgbClr val="000000"/>
-                          </a:solidFill>
-                          <a:latin typeface="Calibri"/>
-                        </a:rPr>
-                        <a:t>Intensity Volume Histogram</a:t>
-                      </a:r>
-                    </a:p>
-                  </a:txBody>
-                  <a:tcPr marL="5153" marR="5153" marT="5153" marB="0" anchor="b">
-                    <a:lnL>
-                      <a:noFill/>
-                    </a:lnL>
-                    <a:lnR>
-                      <a:noFill/>
-                    </a:lnR>
-                    <a:lnT>
-                      <a:noFill/>
-                    </a:lnT>
-                    <a:lnB>
-                      <a:noFill/>
-                    </a:lnB>
-                  </a:tcPr>
-                </a:tc>
-                <a:tc>
-                  <a:txBody>
-                    <a:bodyPr/>
-                    <a:lstStyle/>
-                    <a:p>
-                      <a:pPr algn="l" fontAlgn="b"/>
-                      <a:r>
-                        <a:rPr lang="en-CA" sz="900" b="0" i="0" u="none" strike="noStrike" dirty="0" smtClean="0">
-                          <a:solidFill>
-                            <a:srgbClr val="006100"/>
-                          </a:solidFill>
-                          <a:latin typeface="Calibri"/>
-                        </a:rPr>
-                        <a:t>Yes</a:t>
-                      </a:r>
-                      <a:endParaRPr lang="en-CA" sz="900" b="0" i="0" u="none" strike="noStrike" dirty="0">
-                        <a:solidFill>
-                          <a:srgbClr val="006100"/>
-                        </a:solidFill>
-                        <a:latin typeface="Calibri"/>
-                      </a:endParaRPr>
-                    </a:p>
-                  </a:txBody>
-                  <a:tcPr marL="5153" marR="5153" marT="5153" marB="0" anchor="b">
-                    <a:lnL>
-                      <a:noFill/>
-                    </a:lnL>
-                    <a:lnR>
-                      <a:noFill/>
-                    </a:lnR>
-                    <a:lnT>
-                      <a:noFill/>
-                    </a:lnT>
-                    <a:lnB>
-                      <a:noFill/>
-                    </a:lnB>
-                    <a:solidFill>
-                      <a:srgbClr val="C6EFCE"/>
-                    </a:solidFill>
-                  </a:tcPr>
-                </a:tc>
-                <a:tc>
-                  <a:txBody>
-                    <a:bodyPr/>
-                    <a:lstStyle/>
-                    <a:p>
-                      <a:pPr algn="l" fontAlgn="b"/>
-                      <a:r>
-                        <a:rPr lang="en-CA" sz="900" b="0" i="0" u="none" strike="noStrike" dirty="0" smtClean="0">
-                          <a:solidFill>
-                            <a:srgbClr val="006100"/>
-                          </a:solidFill>
-                          <a:latin typeface="+mn-lt"/>
-                        </a:rPr>
-                        <a:t>Yes</a:t>
-                      </a:r>
-                      <a:endParaRPr lang="en-CA" sz="900" b="0" i="0" u="none" strike="noStrike" dirty="0">
-                        <a:solidFill>
-                          <a:srgbClr val="000000"/>
-                        </a:solidFill>
-                        <a:latin typeface="Calibri"/>
-                      </a:endParaRPr>
-                    </a:p>
-                  </a:txBody>
-                  <a:tcPr marL="5153" marR="5153" marT="5153" marB="0" anchor="b">
-                    <a:lnL>
-                      <a:noFill/>
-                    </a:lnL>
-                    <a:lnR>
-                      <a:noFill/>
-                    </a:lnR>
-                    <a:lnT>
-                      <a:noFill/>
-                    </a:lnT>
-                    <a:lnB>
-                      <a:noFill/>
-                    </a:lnB>
-                    <a:solidFill>
-                      <a:srgbClr val="C6EFCE"/>
-                    </a:solidFill>
-                  </a:tcPr>
-                </a:tc>
-              </a:tr>
-              <a:tr h="121617">
-                <a:tc>
-                  <a:txBody>
-                    <a:bodyPr/>
-                    <a:lstStyle/>
-                    <a:p>
-                      <a:pPr algn="l" fontAlgn="b"/>
-                      <a:r>
-                        <a:rPr lang="en-CA" sz="900" b="0" i="0" u="none" strike="noStrike" dirty="0">
-                          <a:solidFill>
-                            <a:srgbClr val="000000"/>
-                          </a:solidFill>
-                          <a:latin typeface="Calibri"/>
-                        </a:rPr>
-                        <a:t>Contouring/re-contouring tools. </a:t>
-                      </a:r>
-                    </a:p>
-                  </a:txBody>
-                  <a:tcPr marL="5153" marR="5153" marT="5153" marB="0" anchor="b">
-                    <a:lnL>
-                      <a:noFill/>
-                    </a:lnL>
-                    <a:lnR>
-                      <a:noFill/>
-                    </a:lnR>
-                    <a:lnT>
-                      <a:noFill/>
-                    </a:lnT>
-                    <a:lnB>
-                      <a:noFill/>
-                    </a:lnB>
-                  </a:tcPr>
-                </a:tc>
-                <a:tc>
-                  <a:txBody>
-                    <a:bodyPr/>
-                    <a:lstStyle/>
-                    <a:p>
-                      <a:pPr algn="l" fontAlgn="b"/>
-                      <a:r>
-                        <a:rPr lang="en-CA" sz="900" b="0" i="0" u="none" strike="noStrike" dirty="0" smtClean="0">
-                          <a:solidFill>
-                            <a:srgbClr val="006100"/>
-                          </a:solidFill>
-                          <a:latin typeface="Calibri"/>
-                        </a:rPr>
-                        <a:t>Yes</a:t>
-                      </a:r>
-                      <a:endParaRPr lang="en-CA" sz="900" b="0" i="0" u="none" strike="noStrike" dirty="0">
-                        <a:solidFill>
-                          <a:srgbClr val="006100"/>
-                        </a:solidFill>
-                        <a:latin typeface="Calibri"/>
-                      </a:endParaRPr>
-                    </a:p>
-                  </a:txBody>
-                  <a:tcPr marL="5153" marR="5153" marT="5153" marB="0" anchor="b">
-                    <a:lnL>
-                      <a:noFill/>
-                    </a:lnL>
-                    <a:lnR>
-                      <a:noFill/>
-                    </a:lnR>
-                    <a:lnT>
-                      <a:noFill/>
-                    </a:lnT>
-                    <a:lnB>
-                      <a:noFill/>
+                    <a:lnB w="12700" cap="flat" cmpd="sng" algn="ctr">
+                      <a:solidFill>
+                        <a:schemeClr val="tx1"/>
+                      </a:solidFill>
+                      <a:prstDash val="solid"/>
+                      <a:round/>
+                      <a:headEnd type="none" w="med" len="med"/>
+                      <a:tailEnd type="none" w="med" len="med"/>
                     </a:lnB>
                     <a:solidFill>
                       <a:srgbClr val="C6EFCE"/>
@@ -10370,17 +11880,41 @@
                     </a:p>
                   </a:txBody>
                   <a:tcPr marL="5153" marR="5153" marT="5153" marB="0" anchor="b">
-                    <a:lnL>
-                      <a:noFill/>
+                    <a:lnL w="12700" cap="flat" cmpd="sng" algn="ctr">
+                      <a:solidFill>
+                        <a:schemeClr val="tx1"/>
+                      </a:solidFill>
+                      <a:prstDash val="solid"/>
+                      <a:round/>
+                      <a:headEnd type="none" w="med" len="med"/>
+                      <a:tailEnd type="none" w="med" len="med"/>
                     </a:lnL>
-                    <a:lnR>
-                      <a:noFill/>
+                    <a:lnR w="12700" cap="flat" cmpd="sng" algn="ctr">
+                      <a:solidFill>
+                        <a:schemeClr val="tx1"/>
+                      </a:solidFill>
+                      <a:prstDash val="solid"/>
+                      <a:round/>
+                      <a:headEnd type="none" w="med" len="med"/>
+                      <a:tailEnd type="none" w="med" len="med"/>
                     </a:lnR>
-                    <a:lnT>
-                      <a:noFill/>
+                    <a:lnT w="12700" cap="flat" cmpd="sng" algn="ctr">
+                      <a:solidFill>
+                        <a:schemeClr val="tx1"/>
+                      </a:solidFill>
+                      <a:prstDash val="solid"/>
+                      <a:round/>
+                      <a:headEnd type="none" w="med" len="med"/>
+                      <a:tailEnd type="none" w="med" len="med"/>
                     </a:lnT>
-                    <a:lnB>
-                      <a:noFill/>
+                    <a:lnB w="12700" cap="flat" cmpd="sng" algn="ctr">
+                      <a:solidFill>
+                        <a:schemeClr val="tx1"/>
+                      </a:solidFill>
+                      <a:prstDash val="solid"/>
+                      <a:round/>
+                      <a:headEnd type="none" w="med" len="med"/>
+                      <a:tailEnd type="none" w="med" len="med"/>
                     </a:lnB>
                     <a:solidFill>
                       <a:srgbClr val="C6EFCE"/>
@@ -10402,22 +11936,46 @@
                           </a:solidFill>
                           <a:latin typeface="Calibri"/>
                         </a:rPr>
-                        <a:t>3-D viewing of contours and dose, opaque or transparent. </a:t>
+                        <a:t>Thumbnail CT navigation tool. </a:t>
                       </a:r>
                     </a:p>
                   </a:txBody>
                   <a:tcPr marL="5153" marR="5153" marT="5153" marB="0" anchor="b">
-                    <a:lnL>
-                      <a:noFill/>
+                    <a:lnL w="12700" cap="flat" cmpd="sng" algn="ctr">
+                      <a:solidFill>
+                        <a:schemeClr val="tx1"/>
+                      </a:solidFill>
+                      <a:prstDash val="solid"/>
+                      <a:round/>
+                      <a:headEnd type="none" w="med" len="med"/>
+                      <a:tailEnd type="none" w="med" len="med"/>
                     </a:lnL>
-                    <a:lnR>
-                      <a:noFill/>
+                    <a:lnR w="12700" cap="flat" cmpd="sng" algn="ctr">
+                      <a:solidFill>
+                        <a:schemeClr val="tx1"/>
+                      </a:solidFill>
+                      <a:prstDash val="solid"/>
+                      <a:round/>
+                      <a:headEnd type="none" w="med" len="med"/>
+                      <a:tailEnd type="none" w="med" len="med"/>
                     </a:lnR>
-                    <a:lnT>
-                      <a:noFill/>
+                    <a:lnT w="12700" cap="flat" cmpd="sng" algn="ctr">
+                      <a:solidFill>
+                        <a:schemeClr val="tx1"/>
+                      </a:solidFill>
+                      <a:prstDash val="solid"/>
+                      <a:round/>
+                      <a:headEnd type="none" w="med" len="med"/>
+                      <a:tailEnd type="none" w="med" len="med"/>
                     </a:lnT>
-                    <a:lnB>
-                      <a:noFill/>
+                    <a:lnB w="12700" cap="flat" cmpd="sng" algn="ctr">
+                      <a:solidFill>
+                        <a:schemeClr val="tx1"/>
+                      </a:solidFill>
+                      <a:prstDash val="solid"/>
+                      <a:round/>
+                      <a:headEnd type="none" w="med" len="med"/>
+                      <a:tailEnd type="none" w="med" len="med"/>
                     </a:lnB>
                   </a:tcPr>
                 </a:tc>
@@ -10445,17 +12003,41 @@
                     </a:p>
                   </a:txBody>
                   <a:tcPr marL="5153" marR="5153" marT="5153" marB="0" anchor="b">
-                    <a:lnL>
-                      <a:noFill/>
+                    <a:lnL w="12700" cap="flat" cmpd="sng" algn="ctr">
+                      <a:solidFill>
+                        <a:schemeClr val="tx1"/>
+                      </a:solidFill>
+                      <a:prstDash val="solid"/>
+                      <a:round/>
+                      <a:headEnd type="none" w="med" len="med"/>
+                      <a:tailEnd type="none" w="med" len="med"/>
                     </a:lnL>
-                    <a:lnR>
-                      <a:noFill/>
+                    <a:lnR w="12700" cap="flat" cmpd="sng" algn="ctr">
+                      <a:solidFill>
+                        <a:schemeClr val="tx1"/>
+                      </a:solidFill>
+                      <a:prstDash val="solid"/>
+                      <a:round/>
+                      <a:headEnd type="none" w="med" len="med"/>
+                      <a:tailEnd type="none" w="med" len="med"/>
                     </a:lnR>
-                    <a:lnT>
-                      <a:noFill/>
+                    <a:lnT w="12700" cap="flat" cmpd="sng" algn="ctr">
+                      <a:solidFill>
+                        <a:schemeClr val="tx1"/>
+                      </a:solidFill>
+                      <a:prstDash val="solid"/>
+                      <a:round/>
+                      <a:headEnd type="none" w="med" len="med"/>
+                      <a:tailEnd type="none" w="med" len="med"/>
                     </a:lnT>
-                    <a:lnB>
-                      <a:noFill/>
+                    <a:lnB w="12700" cap="flat" cmpd="sng" algn="ctr">
+                      <a:solidFill>
+                        <a:schemeClr val="tx1"/>
+                      </a:solidFill>
+                      <a:prstDash val="solid"/>
+                      <a:round/>
+                      <a:headEnd type="none" w="med" len="med"/>
+                      <a:tailEnd type="none" w="med" len="med"/>
                     </a:lnB>
                     <a:solidFill>
                       <a:srgbClr val="C6EFCE"/>
@@ -10486,17 +12068,41 @@
                     </a:p>
                   </a:txBody>
                   <a:tcPr marL="5153" marR="5153" marT="5153" marB="0" anchor="b">
-                    <a:lnL>
-                      <a:noFill/>
+                    <a:lnL w="12700" cap="flat" cmpd="sng" algn="ctr">
+                      <a:solidFill>
+                        <a:schemeClr val="tx1"/>
+                      </a:solidFill>
+                      <a:prstDash val="solid"/>
+                      <a:round/>
+                      <a:headEnd type="none" w="med" len="med"/>
+                      <a:tailEnd type="none" w="med" len="med"/>
                     </a:lnL>
-                    <a:lnR>
-                      <a:noFill/>
+                    <a:lnR w="12700" cap="flat" cmpd="sng" algn="ctr">
+                      <a:solidFill>
+                        <a:schemeClr val="tx1"/>
+                      </a:solidFill>
+                      <a:prstDash val="solid"/>
+                      <a:round/>
+                      <a:headEnd type="none" w="med" len="med"/>
+                      <a:tailEnd type="none" w="med" len="med"/>
                     </a:lnR>
-                    <a:lnT>
-                      <a:noFill/>
+                    <a:lnT w="12700" cap="flat" cmpd="sng" algn="ctr">
+                      <a:solidFill>
+                        <a:schemeClr val="tx1"/>
+                      </a:solidFill>
+                      <a:prstDash val="solid"/>
+                      <a:round/>
+                      <a:headEnd type="none" w="med" len="med"/>
+                      <a:tailEnd type="none" w="med" len="med"/>
                     </a:lnT>
-                    <a:lnB>
-                      <a:noFill/>
+                    <a:lnB w="12700" cap="flat" cmpd="sng" algn="ctr">
+                      <a:solidFill>
+                        <a:schemeClr val="tx1"/>
+                      </a:solidFill>
+                      <a:prstDash val="solid"/>
+                      <a:round/>
+                      <a:headEnd type="none" w="med" len="med"/>
+                      <a:tailEnd type="none" w="med" len="med"/>
                     </a:lnB>
                     <a:solidFill>
                       <a:srgbClr val="C6EFCE"/>
@@ -10518,22 +12124,46 @@
                           </a:solidFill>
                           <a:latin typeface="Calibri"/>
                         </a:rPr>
-                        <a:t>Thumbnail CT navigation tool. </a:t>
+                        <a:t>Dose-projection displays.</a:t>
                       </a:r>
                     </a:p>
                   </a:txBody>
                   <a:tcPr marL="5153" marR="5153" marT="5153" marB="0" anchor="b">
-                    <a:lnL>
-                      <a:noFill/>
+                    <a:lnL w="12700" cap="flat" cmpd="sng" algn="ctr">
+                      <a:solidFill>
+                        <a:schemeClr val="tx1"/>
+                      </a:solidFill>
+                      <a:prstDash val="solid"/>
+                      <a:round/>
+                      <a:headEnd type="none" w="med" len="med"/>
+                      <a:tailEnd type="none" w="med" len="med"/>
                     </a:lnL>
-                    <a:lnR>
-                      <a:noFill/>
+                    <a:lnR w="12700" cap="flat" cmpd="sng" algn="ctr">
+                      <a:solidFill>
+                        <a:schemeClr val="tx1"/>
+                      </a:solidFill>
+                      <a:prstDash val="solid"/>
+                      <a:round/>
+                      <a:headEnd type="none" w="med" len="med"/>
+                      <a:tailEnd type="none" w="med" len="med"/>
                     </a:lnR>
-                    <a:lnT>
-                      <a:noFill/>
+                    <a:lnT w="12700" cap="flat" cmpd="sng" algn="ctr">
+                      <a:solidFill>
+                        <a:schemeClr val="tx1"/>
+                      </a:solidFill>
+                      <a:prstDash val="solid"/>
+                      <a:round/>
+                      <a:headEnd type="none" w="med" len="med"/>
+                      <a:tailEnd type="none" w="med" len="med"/>
                     </a:lnT>
-                    <a:lnB>
-                      <a:noFill/>
+                    <a:lnB w="12700" cap="flat" cmpd="sng" algn="ctr">
+                      <a:solidFill>
+                        <a:schemeClr val="tx1"/>
+                      </a:solidFill>
+                      <a:prstDash val="solid"/>
+                      <a:round/>
+                      <a:headEnd type="none" w="med" len="med"/>
+                      <a:tailEnd type="none" w="med" len="med"/>
                     </a:lnB>
                   </a:tcPr>
                 </a:tc>
@@ -10561,17 +12191,2294 @@
                     </a:p>
                   </a:txBody>
                   <a:tcPr marL="5153" marR="5153" marT="5153" marB="0" anchor="b">
-                    <a:lnL>
-                      <a:noFill/>
+                    <a:lnL w="12700" cap="flat" cmpd="sng" algn="ctr">
+                      <a:solidFill>
+                        <a:schemeClr val="tx1"/>
+                      </a:solidFill>
+                      <a:prstDash val="solid"/>
+                      <a:round/>
+                      <a:headEnd type="none" w="med" len="med"/>
+                      <a:tailEnd type="none" w="med" len="med"/>
                     </a:lnL>
-                    <a:lnR>
-                      <a:noFill/>
+                    <a:lnR w="12700" cap="flat" cmpd="sng" algn="ctr">
+                      <a:solidFill>
+                        <a:schemeClr val="tx1"/>
+                      </a:solidFill>
+                      <a:prstDash val="solid"/>
+                      <a:round/>
+                      <a:headEnd type="none" w="med" len="med"/>
+                      <a:tailEnd type="none" w="med" len="med"/>
                     </a:lnR>
-                    <a:lnT>
-                      <a:noFill/>
+                    <a:lnT w="12700" cap="flat" cmpd="sng" algn="ctr">
+                      <a:solidFill>
+                        <a:schemeClr val="tx1"/>
+                      </a:solidFill>
+                      <a:prstDash val="solid"/>
+                      <a:round/>
+                      <a:headEnd type="none" w="med" len="med"/>
+                      <a:tailEnd type="none" w="med" len="med"/>
                     </a:lnT>
-                    <a:lnB>
-                      <a:noFill/>
+                    <a:lnB w="12700" cap="flat" cmpd="sng" algn="ctr">
+                      <a:solidFill>
+                        <a:schemeClr val="tx1"/>
+                      </a:solidFill>
+                      <a:prstDash val="solid"/>
+                      <a:round/>
+                      <a:headEnd type="none" w="med" len="med"/>
+                      <a:tailEnd type="none" w="med" len="med"/>
+                    </a:lnB>
+                    <a:solidFill>
+                      <a:srgbClr val="C6EFCE"/>
+                    </a:solidFill>
+                  </a:tcPr>
+                </a:tc>
+                <a:tc>
+                  <a:txBody>
+                    <a:bodyPr/>
+                    <a:lstStyle/>
+                    <a:p>
+                      <a:pPr algn="l" fontAlgn="b"/>
+                      <a:r>
+                        <a:rPr lang="en-CA" sz="900" b="0" i="0" u="none" strike="noStrike" dirty="0" smtClean="0">
+                          <a:solidFill>
+                            <a:srgbClr val="000000"/>
+                          </a:solidFill>
+                          <a:latin typeface="+mn-lt"/>
+                        </a:rPr>
+                        <a:t>Not available yet</a:t>
+                      </a:r>
+                      <a:endParaRPr lang="en-CA" sz="900" b="0" i="0" u="none" strike="noStrike" dirty="0">
+                        <a:solidFill>
+                          <a:srgbClr val="000000"/>
+                        </a:solidFill>
+                        <a:latin typeface="Calibri"/>
+                      </a:endParaRPr>
+                    </a:p>
+                  </a:txBody>
+                  <a:tcPr marL="5153" marR="5153" marT="5153" marB="0" anchor="b">
+                    <a:lnL w="12700" cap="flat" cmpd="sng" algn="ctr">
+                      <a:solidFill>
+                        <a:schemeClr val="tx1"/>
+                      </a:solidFill>
+                      <a:prstDash val="solid"/>
+                      <a:round/>
+                      <a:headEnd type="none" w="med" len="med"/>
+                      <a:tailEnd type="none" w="med" len="med"/>
+                    </a:lnL>
+                    <a:lnR w="12700" cap="flat" cmpd="sng" algn="ctr">
+                      <a:solidFill>
+                        <a:schemeClr val="tx1"/>
+                      </a:solidFill>
+                      <a:prstDash val="solid"/>
+                      <a:round/>
+                      <a:headEnd type="none" w="med" len="med"/>
+                      <a:tailEnd type="none" w="med" len="med"/>
+                    </a:lnR>
+                    <a:lnT w="12700" cap="flat" cmpd="sng" algn="ctr">
+                      <a:solidFill>
+                        <a:schemeClr val="tx1"/>
+                      </a:solidFill>
+                      <a:prstDash val="solid"/>
+                      <a:round/>
+                      <a:headEnd type="none" w="med" len="med"/>
+                      <a:tailEnd type="none" w="med" len="med"/>
+                    </a:lnT>
+                    <a:lnB w="12700" cap="flat" cmpd="sng" algn="ctr">
+                      <a:solidFill>
+                        <a:schemeClr val="tx1"/>
+                      </a:solidFill>
+                      <a:prstDash val="solid"/>
+                      <a:round/>
+                      <a:headEnd type="none" w="med" len="med"/>
+                      <a:tailEnd type="none" w="med" len="med"/>
+                    </a:lnB>
+                  </a:tcPr>
+                </a:tc>
+              </a:tr>
+              <a:tr h="121617">
+                <a:tc>
+                  <a:txBody>
+                    <a:bodyPr/>
+                    <a:lstStyle/>
+                    <a:p>
+                      <a:pPr algn="l" fontAlgn="b"/>
+                      <a:r>
+                        <a:rPr lang="en-CA" sz="900" b="0" i="0" u="none" strike="noStrike" dirty="0">
+                          <a:solidFill>
+                            <a:srgbClr val="000000"/>
+                          </a:solidFill>
+                          <a:latin typeface="Calibri"/>
+                        </a:rPr>
+                        <a:t>Dose-distance plots.</a:t>
+                      </a:r>
+                    </a:p>
+                  </a:txBody>
+                  <a:tcPr marL="5153" marR="5153" marT="5153" marB="0" anchor="b">
+                    <a:lnL w="12700" cap="flat" cmpd="sng" algn="ctr">
+                      <a:solidFill>
+                        <a:schemeClr val="tx1"/>
+                      </a:solidFill>
+                      <a:prstDash val="solid"/>
+                      <a:round/>
+                      <a:headEnd type="none" w="med" len="med"/>
+                      <a:tailEnd type="none" w="med" len="med"/>
+                    </a:lnL>
+                    <a:lnR w="12700" cap="flat" cmpd="sng" algn="ctr">
+                      <a:solidFill>
+                        <a:schemeClr val="tx1"/>
+                      </a:solidFill>
+                      <a:prstDash val="solid"/>
+                      <a:round/>
+                      <a:headEnd type="none" w="med" len="med"/>
+                      <a:tailEnd type="none" w="med" len="med"/>
+                    </a:lnR>
+                    <a:lnT w="12700" cap="flat" cmpd="sng" algn="ctr">
+                      <a:solidFill>
+                        <a:schemeClr val="tx1"/>
+                      </a:solidFill>
+                      <a:prstDash val="solid"/>
+                      <a:round/>
+                      <a:headEnd type="none" w="med" len="med"/>
+                      <a:tailEnd type="none" w="med" len="med"/>
+                    </a:lnT>
+                    <a:lnB w="12700" cap="flat" cmpd="sng" algn="ctr">
+                      <a:solidFill>
+                        <a:schemeClr val="tx1"/>
+                      </a:solidFill>
+                      <a:prstDash val="solid"/>
+                      <a:round/>
+                      <a:headEnd type="none" w="med" len="med"/>
+                      <a:tailEnd type="none" w="med" len="med"/>
+                    </a:lnB>
+                  </a:tcPr>
+                </a:tc>
+                <a:tc>
+                  <a:txBody>
+                    <a:bodyPr/>
+                    <a:lstStyle/>
+                    <a:p>
+                      <a:pPr algn="l" fontAlgn="b"/>
+                      <a:r>
+                        <a:rPr lang="en-CA" sz="900" b="0" i="0" u="none" strike="noStrike" dirty="0" smtClean="0">
+                          <a:solidFill>
+                            <a:srgbClr val="006100"/>
+                          </a:solidFill>
+                          <a:latin typeface="Calibri"/>
+                        </a:rPr>
+                        <a:t>Yes</a:t>
+                      </a:r>
+                      <a:endParaRPr lang="en-CA" sz="900" b="0" i="0" u="none" strike="noStrike" dirty="0">
+                        <a:solidFill>
+                          <a:srgbClr val="006100"/>
+                        </a:solidFill>
+                        <a:latin typeface="Calibri"/>
+                      </a:endParaRPr>
+                    </a:p>
+                  </a:txBody>
+                  <a:tcPr marL="5153" marR="5153" marT="5153" marB="0" anchor="b">
+                    <a:lnL w="12700" cap="flat" cmpd="sng" algn="ctr">
+                      <a:solidFill>
+                        <a:schemeClr val="tx1"/>
+                      </a:solidFill>
+                      <a:prstDash val="solid"/>
+                      <a:round/>
+                      <a:headEnd type="none" w="med" len="med"/>
+                      <a:tailEnd type="none" w="med" len="med"/>
+                    </a:lnL>
+                    <a:lnR w="12700" cap="flat" cmpd="sng" algn="ctr">
+                      <a:solidFill>
+                        <a:schemeClr val="tx1"/>
+                      </a:solidFill>
+                      <a:prstDash val="solid"/>
+                      <a:round/>
+                      <a:headEnd type="none" w="med" len="med"/>
+                      <a:tailEnd type="none" w="med" len="med"/>
+                    </a:lnR>
+                    <a:lnT w="12700" cap="flat" cmpd="sng" algn="ctr">
+                      <a:solidFill>
+                        <a:schemeClr val="tx1"/>
+                      </a:solidFill>
+                      <a:prstDash val="solid"/>
+                      <a:round/>
+                      <a:headEnd type="none" w="med" len="med"/>
+                      <a:tailEnd type="none" w="med" len="med"/>
+                    </a:lnT>
+                    <a:lnB w="12700" cap="flat" cmpd="sng" algn="ctr">
+                      <a:solidFill>
+                        <a:schemeClr val="tx1"/>
+                      </a:solidFill>
+                      <a:prstDash val="solid"/>
+                      <a:round/>
+                      <a:headEnd type="none" w="med" len="med"/>
+                      <a:tailEnd type="none" w="med" len="med"/>
+                    </a:lnB>
+                    <a:solidFill>
+                      <a:srgbClr val="C6EFCE"/>
+                    </a:solidFill>
+                  </a:tcPr>
+                </a:tc>
+                <a:tc>
+                  <a:txBody>
+                    <a:bodyPr/>
+                    <a:lstStyle/>
+                    <a:p>
+                      <a:pPr algn="l" fontAlgn="b"/>
+                      <a:r>
+                        <a:rPr lang="en-CA" sz="900" b="0" i="0" u="none" strike="noStrike" dirty="0" smtClean="0">
+                          <a:solidFill>
+                            <a:srgbClr val="000000"/>
+                          </a:solidFill>
+                          <a:latin typeface="+mn-lt"/>
+                        </a:rPr>
+                        <a:t>Not available yet</a:t>
+                      </a:r>
+                      <a:endParaRPr lang="en-CA" sz="900" b="0" i="0" u="none" strike="noStrike" dirty="0">
+                        <a:solidFill>
+                          <a:srgbClr val="000000"/>
+                        </a:solidFill>
+                        <a:latin typeface="Calibri"/>
+                      </a:endParaRPr>
+                    </a:p>
+                  </a:txBody>
+                  <a:tcPr marL="5153" marR="5153" marT="5153" marB="0" anchor="b">
+                    <a:lnL w="12700" cap="flat" cmpd="sng" algn="ctr">
+                      <a:solidFill>
+                        <a:schemeClr val="tx1"/>
+                      </a:solidFill>
+                      <a:prstDash val="solid"/>
+                      <a:round/>
+                      <a:headEnd type="none" w="med" len="med"/>
+                      <a:tailEnd type="none" w="med" len="med"/>
+                    </a:lnL>
+                    <a:lnR w="12700" cap="flat" cmpd="sng" algn="ctr">
+                      <a:solidFill>
+                        <a:schemeClr val="tx1"/>
+                      </a:solidFill>
+                      <a:prstDash val="solid"/>
+                      <a:round/>
+                      <a:headEnd type="none" w="med" len="med"/>
+                      <a:tailEnd type="none" w="med" len="med"/>
+                    </a:lnR>
+                    <a:lnT w="12700" cap="flat" cmpd="sng" algn="ctr">
+                      <a:solidFill>
+                        <a:schemeClr val="tx1"/>
+                      </a:solidFill>
+                      <a:prstDash val="solid"/>
+                      <a:round/>
+                      <a:headEnd type="none" w="med" len="med"/>
+                      <a:tailEnd type="none" w="med" len="med"/>
+                    </a:lnT>
+                    <a:lnB w="12700" cap="flat" cmpd="sng" algn="ctr">
+                      <a:solidFill>
+                        <a:schemeClr val="tx1"/>
+                      </a:solidFill>
+                      <a:prstDash val="solid"/>
+                      <a:round/>
+                      <a:headEnd type="none" w="med" len="med"/>
+                      <a:tailEnd type="none" w="med" len="med"/>
+                    </a:lnB>
+                  </a:tcPr>
+                </a:tc>
+              </a:tr>
+              <a:tr h="121617">
+                <a:tc>
+                  <a:txBody>
+                    <a:bodyPr/>
+                    <a:lstStyle/>
+                    <a:p>
+                      <a:pPr algn="l" fontAlgn="b"/>
+                      <a:r>
+                        <a:rPr lang="en-CA" sz="900" b="0" i="0" u="none" strike="noStrike" dirty="0">
+                          <a:solidFill>
+                            <a:srgbClr val="000000"/>
+                          </a:solidFill>
+                          <a:latin typeface="Calibri"/>
+                        </a:rPr>
+                        <a:t>Dose metric comparison and subtraction tools. </a:t>
+                      </a:r>
+                    </a:p>
+                  </a:txBody>
+                  <a:tcPr marL="5153" marR="5153" marT="5153" marB="0" anchor="b">
+                    <a:lnL w="12700" cap="flat" cmpd="sng" algn="ctr">
+                      <a:solidFill>
+                        <a:schemeClr val="tx1"/>
+                      </a:solidFill>
+                      <a:prstDash val="solid"/>
+                      <a:round/>
+                      <a:headEnd type="none" w="med" len="med"/>
+                      <a:tailEnd type="none" w="med" len="med"/>
+                    </a:lnL>
+                    <a:lnR w="12700" cap="flat" cmpd="sng" algn="ctr">
+                      <a:solidFill>
+                        <a:schemeClr val="tx1"/>
+                      </a:solidFill>
+                      <a:prstDash val="solid"/>
+                      <a:round/>
+                      <a:headEnd type="none" w="med" len="med"/>
+                      <a:tailEnd type="none" w="med" len="med"/>
+                    </a:lnR>
+                    <a:lnT w="12700" cap="flat" cmpd="sng" algn="ctr">
+                      <a:solidFill>
+                        <a:schemeClr val="tx1"/>
+                      </a:solidFill>
+                      <a:prstDash val="solid"/>
+                      <a:round/>
+                      <a:headEnd type="none" w="med" len="med"/>
+                      <a:tailEnd type="none" w="med" len="med"/>
+                    </a:lnT>
+                    <a:lnB w="12700" cap="flat" cmpd="sng" algn="ctr">
+                      <a:solidFill>
+                        <a:schemeClr val="tx1"/>
+                      </a:solidFill>
+                      <a:prstDash val="solid"/>
+                      <a:round/>
+                      <a:headEnd type="none" w="med" len="med"/>
+                      <a:tailEnd type="none" w="med" len="med"/>
+                    </a:lnB>
+                  </a:tcPr>
+                </a:tc>
+                <a:tc>
+                  <a:txBody>
+                    <a:bodyPr/>
+                    <a:lstStyle/>
+                    <a:p>
+                      <a:pPr algn="l" fontAlgn="b"/>
+                      <a:r>
+                        <a:rPr lang="en-CA" sz="900" b="0" i="0" u="none" strike="noStrike" dirty="0" smtClean="0">
+                          <a:solidFill>
+                            <a:srgbClr val="006100"/>
+                          </a:solidFill>
+                          <a:latin typeface="Calibri"/>
+                        </a:rPr>
+                        <a:t>Yes</a:t>
+                      </a:r>
+                      <a:endParaRPr lang="en-CA" sz="900" b="0" i="0" u="none" strike="noStrike" dirty="0">
+                        <a:solidFill>
+                          <a:srgbClr val="006100"/>
+                        </a:solidFill>
+                        <a:latin typeface="Calibri"/>
+                      </a:endParaRPr>
+                    </a:p>
+                  </a:txBody>
+                  <a:tcPr marL="5153" marR="5153" marT="5153" marB="0" anchor="b">
+                    <a:lnL w="12700" cap="flat" cmpd="sng" algn="ctr">
+                      <a:solidFill>
+                        <a:schemeClr val="tx1"/>
+                      </a:solidFill>
+                      <a:prstDash val="solid"/>
+                      <a:round/>
+                      <a:headEnd type="none" w="med" len="med"/>
+                      <a:tailEnd type="none" w="med" len="med"/>
+                    </a:lnL>
+                    <a:lnR w="12700" cap="flat" cmpd="sng" algn="ctr">
+                      <a:solidFill>
+                        <a:schemeClr val="tx1"/>
+                      </a:solidFill>
+                      <a:prstDash val="solid"/>
+                      <a:round/>
+                      <a:headEnd type="none" w="med" len="med"/>
+                      <a:tailEnd type="none" w="med" len="med"/>
+                    </a:lnR>
+                    <a:lnT w="12700" cap="flat" cmpd="sng" algn="ctr">
+                      <a:solidFill>
+                        <a:schemeClr val="tx1"/>
+                      </a:solidFill>
+                      <a:prstDash val="solid"/>
+                      <a:round/>
+                      <a:headEnd type="none" w="med" len="med"/>
+                      <a:tailEnd type="none" w="med" len="med"/>
+                    </a:lnT>
+                    <a:lnB w="12700" cap="flat" cmpd="sng" algn="ctr">
+                      <a:solidFill>
+                        <a:schemeClr val="tx1"/>
+                      </a:solidFill>
+                      <a:prstDash val="solid"/>
+                      <a:round/>
+                      <a:headEnd type="none" w="med" len="med"/>
+                      <a:tailEnd type="none" w="med" len="med"/>
+                    </a:lnB>
+                    <a:solidFill>
+                      <a:srgbClr val="C6EFCE"/>
+                    </a:solidFill>
+                  </a:tcPr>
+                </a:tc>
+                <a:tc>
+                  <a:txBody>
+                    <a:bodyPr/>
+                    <a:lstStyle/>
+                    <a:p>
+                      <a:pPr algn="l" fontAlgn="b"/>
+                      <a:r>
+                        <a:rPr lang="en-CA" sz="900" b="0" i="0" u="none" strike="noStrike" dirty="0" smtClean="0">
+                          <a:solidFill>
+                            <a:srgbClr val="000000"/>
+                          </a:solidFill>
+                          <a:latin typeface="+mn-lt"/>
+                        </a:rPr>
+                        <a:t>WIP (using </a:t>
+                      </a:r>
+                      <a:r>
+                        <a:rPr lang="en-CA" sz="900" b="0" i="0" u="none" strike="noStrike" dirty="0" err="1" smtClean="0">
+                          <a:solidFill>
+                            <a:srgbClr val="000000"/>
+                          </a:solidFill>
+                          <a:latin typeface="+mn-lt"/>
+                        </a:rPr>
+                        <a:t>SlicerRT</a:t>
+                      </a:r>
+                      <a:r>
+                        <a:rPr lang="en-CA" sz="900" b="0" i="0" u="none" strike="noStrike" dirty="0" smtClean="0">
+                          <a:solidFill>
+                            <a:srgbClr val="000000"/>
+                          </a:solidFill>
+                          <a:latin typeface="+mn-lt"/>
+                        </a:rPr>
+                        <a:t>)</a:t>
+                      </a:r>
+                      <a:endParaRPr lang="en-CA" sz="900" b="0" i="0" u="none" strike="noStrike" dirty="0">
+                        <a:solidFill>
+                          <a:srgbClr val="000000"/>
+                        </a:solidFill>
+                        <a:latin typeface="Calibri"/>
+                      </a:endParaRPr>
+                    </a:p>
+                  </a:txBody>
+                  <a:tcPr marL="5153" marR="5153" marT="5153" marB="0" anchor="b">
+                    <a:lnL w="12700" cap="flat" cmpd="sng" algn="ctr">
+                      <a:solidFill>
+                        <a:schemeClr val="tx1"/>
+                      </a:solidFill>
+                      <a:prstDash val="solid"/>
+                      <a:round/>
+                      <a:headEnd type="none" w="med" len="med"/>
+                      <a:tailEnd type="none" w="med" len="med"/>
+                    </a:lnL>
+                    <a:lnR w="12700" cap="flat" cmpd="sng" algn="ctr">
+                      <a:solidFill>
+                        <a:schemeClr val="tx1"/>
+                      </a:solidFill>
+                      <a:prstDash val="solid"/>
+                      <a:round/>
+                      <a:headEnd type="none" w="med" len="med"/>
+                      <a:tailEnd type="none" w="med" len="med"/>
+                    </a:lnR>
+                    <a:lnT w="12700" cap="flat" cmpd="sng" algn="ctr">
+                      <a:solidFill>
+                        <a:schemeClr val="tx1"/>
+                      </a:solidFill>
+                      <a:prstDash val="solid"/>
+                      <a:round/>
+                      <a:headEnd type="none" w="med" len="med"/>
+                      <a:tailEnd type="none" w="med" len="med"/>
+                    </a:lnT>
+                    <a:lnB w="12700" cap="flat" cmpd="sng" algn="ctr">
+                      <a:solidFill>
+                        <a:schemeClr val="tx1"/>
+                      </a:solidFill>
+                      <a:prstDash val="solid"/>
+                      <a:round/>
+                      <a:headEnd type="none" w="med" len="med"/>
+                      <a:tailEnd type="none" w="med" len="med"/>
+                    </a:lnB>
+                    <a:solidFill>
+                      <a:srgbClr val="DBF5E0"/>
+                    </a:solidFill>
+                  </a:tcPr>
+                </a:tc>
+              </a:tr>
+              <a:tr h="121617">
+                <a:tc>
+                  <a:txBody>
+                    <a:bodyPr/>
+                    <a:lstStyle/>
+                    <a:p>
+                      <a:pPr algn="l" fontAlgn="b"/>
+                      <a:r>
+                        <a:rPr lang="en-CA" sz="900" b="0" i="0" u="none" strike="noStrike" dirty="0">
+                          <a:solidFill>
+                            <a:srgbClr val="000000"/>
+                          </a:solidFill>
+                          <a:latin typeface="Calibri"/>
+                        </a:rPr>
+                        <a:t>Easy programmable access to all data.</a:t>
+                      </a:r>
+                    </a:p>
+                  </a:txBody>
+                  <a:tcPr marL="5153" marR="5153" marT="5153" marB="0" anchor="b">
+                    <a:lnL w="12700" cap="flat" cmpd="sng" algn="ctr">
+                      <a:solidFill>
+                        <a:schemeClr val="tx1"/>
+                      </a:solidFill>
+                      <a:prstDash val="solid"/>
+                      <a:round/>
+                      <a:headEnd type="none" w="med" len="med"/>
+                      <a:tailEnd type="none" w="med" len="med"/>
+                    </a:lnL>
+                    <a:lnR w="12700" cap="flat" cmpd="sng" algn="ctr">
+                      <a:solidFill>
+                        <a:schemeClr val="tx1"/>
+                      </a:solidFill>
+                      <a:prstDash val="solid"/>
+                      <a:round/>
+                      <a:headEnd type="none" w="med" len="med"/>
+                      <a:tailEnd type="none" w="med" len="med"/>
+                    </a:lnR>
+                    <a:lnT w="12700" cap="flat" cmpd="sng" algn="ctr">
+                      <a:solidFill>
+                        <a:schemeClr val="tx1"/>
+                      </a:solidFill>
+                      <a:prstDash val="solid"/>
+                      <a:round/>
+                      <a:headEnd type="none" w="med" len="med"/>
+                      <a:tailEnd type="none" w="med" len="med"/>
+                    </a:lnT>
+                    <a:lnB w="12700" cap="flat" cmpd="sng" algn="ctr">
+                      <a:solidFill>
+                        <a:schemeClr val="tx1"/>
+                      </a:solidFill>
+                      <a:prstDash val="solid"/>
+                      <a:round/>
+                      <a:headEnd type="none" w="med" len="med"/>
+                      <a:tailEnd type="none" w="med" len="med"/>
+                    </a:lnB>
+                  </a:tcPr>
+                </a:tc>
+                <a:tc>
+                  <a:txBody>
+                    <a:bodyPr/>
+                    <a:lstStyle/>
+                    <a:p>
+                      <a:pPr algn="l" fontAlgn="b"/>
+                      <a:r>
+                        <a:rPr lang="en-CA" sz="900" b="0" i="0" u="none" strike="noStrike" dirty="0" smtClean="0">
+                          <a:solidFill>
+                            <a:srgbClr val="006100"/>
+                          </a:solidFill>
+                          <a:latin typeface="Calibri"/>
+                        </a:rPr>
+                        <a:t>Yes</a:t>
+                      </a:r>
+                      <a:endParaRPr lang="en-CA" sz="900" b="0" i="0" u="none" strike="noStrike" dirty="0">
+                        <a:solidFill>
+                          <a:srgbClr val="006100"/>
+                        </a:solidFill>
+                        <a:latin typeface="Calibri"/>
+                      </a:endParaRPr>
+                    </a:p>
+                  </a:txBody>
+                  <a:tcPr marL="5153" marR="5153" marT="5153" marB="0" anchor="b">
+                    <a:lnL w="12700" cap="flat" cmpd="sng" algn="ctr">
+                      <a:solidFill>
+                        <a:schemeClr val="tx1"/>
+                      </a:solidFill>
+                      <a:prstDash val="solid"/>
+                      <a:round/>
+                      <a:headEnd type="none" w="med" len="med"/>
+                      <a:tailEnd type="none" w="med" len="med"/>
+                    </a:lnL>
+                    <a:lnR w="12700" cap="flat" cmpd="sng" algn="ctr">
+                      <a:solidFill>
+                        <a:schemeClr val="tx1"/>
+                      </a:solidFill>
+                      <a:prstDash val="solid"/>
+                      <a:round/>
+                      <a:headEnd type="none" w="med" len="med"/>
+                      <a:tailEnd type="none" w="med" len="med"/>
+                    </a:lnR>
+                    <a:lnT w="12700" cap="flat" cmpd="sng" algn="ctr">
+                      <a:solidFill>
+                        <a:schemeClr val="tx1"/>
+                      </a:solidFill>
+                      <a:prstDash val="solid"/>
+                      <a:round/>
+                      <a:headEnd type="none" w="med" len="med"/>
+                      <a:tailEnd type="none" w="med" len="med"/>
+                    </a:lnT>
+                    <a:lnB w="12700" cap="flat" cmpd="sng" algn="ctr">
+                      <a:solidFill>
+                        <a:schemeClr val="tx1"/>
+                      </a:solidFill>
+                      <a:prstDash val="solid"/>
+                      <a:round/>
+                      <a:headEnd type="none" w="med" len="med"/>
+                      <a:tailEnd type="none" w="med" len="med"/>
+                    </a:lnB>
+                    <a:solidFill>
+                      <a:srgbClr val="C6EFCE"/>
+                    </a:solidFill>
+                  </a:tcPr>
+                </a:tc>
+                <a:tc>
+                  <a:txBody>
+                    <a:bodyPr/>
+                    <a:lstStyle/>
+                    <a:p>
+                      <a:pPr algn="l" fontAlgn="b"/>
+                      <a:r>
+                        <a:rPr lang="en-CA" sz="900" b="0" i="0" u="none" strike="noStrike" dirty="0" smtClean="0">
+                          <a:solidFill>
+                            <a:srgbClr val="006100"/>
+                          </a:solidFill>
+                          <a:latin typeface="Calibri"/>
+                        </a:rPr>
+                        <a:t>Yes (Python, VTK, </a:t>
+                      </a:r>
+                      <a:r>
+                        <a:rPr lang="en-CA" sz="900" b="0" i="0" u="none" strike="noStrike" dirty="0" err="1" smtClean="0">
+                          <a:solidFill>
+                            <a:srgbClr val="006100"/>
+                          </a:solidFill>
+                          <a:latin typeface="Calibri"/>
+                        </a:rPr>
+                        <a:t>SimpleITK</a:t>
+                      </a:r>
+                      <a:r>
+                        <a:rPr lang="en-CA" sz="900" b="0" i="0" u="none" strike="noStrike" dirty="0" smtClean="0">
+                          <a:solidFill>
+                            <a:srgbClr val="006100"/>
+                          </a:solidFill>
+                          <a:latin typeface="Calibri"/>
+                        </a:rPr>
+                        <a:t>)</a:t>
+                      </a:r>
+                      <a:endParaRPr lang="en-CA" sz="900" b="0" i="0" u="none" strike="noStrike" dirty="0">
+                        <a:solidFill>
+                          <a:srgbClr val="006100"/>
+                        </a:solidFill>
+                        <a:latin typeface="Calibri"/>
+                      </a:endParaRPr>
+                    </a:p>
+                  </a:txBody>
+                  <a:tcPr marL="5153" marR="5153" marT="5153" marB="0" anchor="b">
+                    <a:lnL w="12700" cap="flat" cmpd="sng" algn="ctr">
+                      <a:solidFill>
+                        <a:schemeClr val="tx1"/>
+                      </a:solidFill>
+                      <a:prstDash val="solid"/>
+                      <a:round/>
+                      <a:headEnd type="none" w="med" len="med"/>
+                      <a:tailEnd type="none" w="med" len="med"/>
+                    </a:lnL>
+                    <a:lnR w="12700" cap="flat" cmpd="sng" algn="ctr">
+                      <a:solidFill>
+                        <a:schemeClr val="tx1"/>
+                      </a:solidFill>
+                      <a:prstDash val="solid"/>
+                      <a:round/>
+                      <a:headEnd type="none" w="med" len="med"/>
+                      <a:tailEnd type="none" w="med" len="med"/>
+                    </a:lnR>
+                    <a:lnT w="12700" cap="flat" cmpd="sng" algn="ctr">
+                      <a:solidFill>
+                        <a:schemeClr val="tx1"/>
+                      </a:solidFill>
+                      <a:prstDash val="solid"/>
+                      <a:round/>
+                      <a:headEnd type="none" w="med" len="med"/>
+                      <a:tailEnd type="none" w="med" len="med"/>
+                    </a:lnT>
+                    <a:lnB w="12700" cap="flat" cmpd="sng" algn="ctr">
+                      <a:solidFill>
+                        <a:schemeClr val="tx1"/>
+                      </a:solidFill>
+                      <a:prstDash val="solid"/>
+                      <a:round/>
+                      <a:headEnd type="none" w="med" len="med"/>
+                      <a:tailEnd type="none" w="med" len="med"/>
+                    </a:lnB>
+                    <a:solidFill>
+                      <a:srgbClr val="C6EFCE"/>
+                    </a:solidFill>
+                  </a:tcPr>
+                </a:tc>
+              </a:tr>
+              <a:tr h="69076">
+                <a:tc>
+                  <a:txBody>
+                    <a:bodyPr/>
+                    <a:lstStyle/>
+                    <a:p>
+                      <a:pPr algn="l" fontAlgn="b"/>
+                      <a:endParaRPr lang="en-CA" sz="600" b="0" i="0" u="none" strike="noStrike" dirty="0">
+                        <a:solidFill>
+                          <a:srgbClr val="000000"/>
+                        </a:solidFill>
+                        <a:latin typeface="Calibri"/>
+                      </a:endParaRPr>
+                    </a:p>
+                  </a:txBody>
+                  <a:tcPr marL="5153" marR="5153" marT="5153" marB="0" anchor="b">
+                    <a:lnL w="12700" cap="flat" cmpd="sng" algn="ctr">
+                      <a:solidFill>
+                        <a:schemeClr val="tx1"/>
+                      </a:solidFill>
+                      <a:prstDash val="solid"/>
+                      <a:round/>
+                      <a:headEnd type="none" w="med" len="med"/>
+                      <a:tailEnd type="none" w="med" len="med"/>
+                    </a:lnL>
+                    <a:lnR w="12700" cap="flat" cmpd="sng" algn="ctr">
+                      <a:solidFill>
+                        <a:schemeClr val="tx1"/>
+                      </a:solidFill>
+                      <a:prstDash val="solid"/>
+                      <a:round/>
+                      <a:headEnd type="none" w="med" len="med"/>
+                      <a:tailEnd type="none" w="med" len="med"/>
+                    </a:lnR>
+                    <a:lnT w="12700" cap="flat" cmpd="sng" algn="ctr">
+                      <a:solidFill>
+                        <a:schemeClr val="tx1"/>
+                      </a:solidFill>
+                      <a:prstDash val="solid"/>
+                      <a:round/>
+                      <a:headEnd type="none" w="med" len="med"/>
+                      <a:tailEnd type="none" w="med" len="med"/>
+                    </a:lnT>
+                    <a:lnB w="12700" cap="flat" cmpd="sng" algn="ctr">
+                      <a:solidFill>
+                        <a:schemeClr val="tx1"/>
+                      </a:solidFill>
+                      <a:prstDash val="solid"/>
+                      <a:round/>
+                      <a:headEnd type="none" w="med" len="med"/>
+                      <a:tailEnd type="none" w="med" len="med"/>
+                    </a:lnB>
+                  </a:tcPr>
+                </a:tc>
+                <a:tc>
+                  <a:txBody>
+                    <a:bodyPr/>
+                    <a:lstStyle/>
+                    <a:p>
+                      <a:pPr algn="l" fontAlgn="b"/>
+                      <a:endParaRPr lang="en-CA" sz="600" b="0" i="0" u="none" strike="noStrike" dirty="0">
+                        <a:solidFill>
+                          <a:srgbClr val="000000"/>
+                        </a:solidFill>
+                        <a:latin typeface="Calibri"/>
+                      </a:endParaRPr>
+                    </a:p>
+                  </a:txBody>
+                  <a:tcPr marL="5153" marR="5153" marT="5153" marB="0" anchor="b">
+                    <a:lnL w="12700" cap="flat" cmpd="sng" algn="ctr">
+                      <a:solidFill>
+                        <a:schemeClr val="tx1"/>
+                      </a:solidFill>
+                      <a:prstDash val="solid"/>
+                      <a:round/>
+                      <a:headEnd type="none" w="med" len="med"/>
+                      <a:tailEnd type="none" w="med" len="med"/>
+                    </a:lnL>
+                    <a:lnR w="12700" cap="flat" cmpd="sng" algn="ctr">
+                      <a:solidFill>
+                        <a:schemeClr val="tx1"/>
+                      </a:solidFill>
+                      <a:prstDash val="solid"/>
+                      <a:round/>
+                      <a:headEnd type="none" w="med" len="med"/>
+                      <a:tailEnd type="none" w="med" len="med"/>
+                    </a:lnR>
+                    <a:lnT w="12700" cap="flat" cmpd="sng" algn="ctr">
+                      <a:solidFill>
+                        <a:schemeClr val="tx1"/>
+                      </a:solidFill>
+                      <a:prstDash val="solid"/>
+                      <a:round/>
+                      <a:headEnd type="none" w="med" len="med"/>
+                      <a:tailEnd type="none" w="med" len="med"/>
+                    </a:lnT>
+                    <a:lnB w="12700" cap="flat" cmpd="sng" algn="ctr">
+                      <a:solidFill>
+                        <a:schemeClr val="tx1"/>
+                      </a:solidFill>
+                      <a:prstDash val="solid"/>
+                      <a:round/>
+                      <a:headEnd type="none" w="med" len="med"/>
+                      <a:tailEnd type="none" w="med" len="med"/>
+                    </a:lnB>
+                  </a:tcPr>
+                </a:tc>
+                <a:tc>
+                  <a:txBody>
+                    <a:bodyPr/>
+                    <a:lstStyle/>
+                    <a:p>
+                      <a:pPr algn="l" fontAlgn="b"/>
+                      <a:endParaRPr lang="en-CA" sz="600" b="0" i="0" u="none" strike="noStrike" dirty="0">
+                        <a:solidFill>
+                          <a:srgbClr val="000000"/>
+                        </a:solidFill>
+                        <a:latin typeface="Calibri"/>
+                      </a:endParaRPr>
+                    </a:p>
+                  </a:txBody>
+                  <a:tcPr marL="5153" marR="5153" marT="5153" marB="0" anchor="b">
+                    <a:lnL w="12700" cap="flat" cmpd="sng" algn="ctr">
+                      <a:solidFill>
+                        <a:schemeClr val="tx1"/>
+                      </a:solidFill>
+                      <a:prstDash val="solid"/>
+                      <a:round/>
+                      <a:headEnd type="none" w="med" len="med"/>
+                      <a:tailEnd type="none" w="med" len="med"/>
+                    </a:lnL>
+                    <a:lnR w="12700" cap="flat" cmpd="sng" algn="ctr">
+                      <a:solidFill>
+                        <a:schemeClr val="tx1"/>
+                      </a:solidFill>
+                      <a:prstDash val="solid"/>
+                      <a:round/>
+                      <a:headEnd type="none" w="med" len="med"/>
+                      <a:tailEnd type="none" w="med" len="med"/>
+                    </a:lnR>
+                    <a:lnT w="12700" cap="flat" cmpd="sng" algn="ctr">
+                      <a:solidFill>
+                        <a:schemeClr val="tx1"/>
+                      </a:solidFill>
+                      <a:prstDash val="solid"/>
+                      <a:round/>
+                      <a:headEnd type="none" w="med" len="med"/>
+                      <a:tailEnd type="none" w="med" len="med"/>
+                    </a:lnT>
+                    <a:lnB w="12700" cap="flat" cmpd="sng" algn="ctr">
+                      <a:solidFill>
+                        <a:schemeClr val="tx1"/>
+                      </a:solidFill>
+                      <a:prstDash val="solid"/>
+                      <a:round/>
+                      <a:headEnd type="none" w="med" len="med"/>
+                      <a:tailEnd type="none" w="med" len="med"/>
+                    </a:lnB>
+                  </a:tcPr>
+                </a:tc>
+              </a:tr>
+              <a:tr h="121617">
+                <a:tc>
+                  <a:txBody>
+                    <a:bodyPr/>
+                    <a:lstStyle/>
+                    <a:p>
+                      <a:pPr algn="l" fontAlgn="b"/>
+                      <a:r>
+                        <a:rPr lang="en-CA" sz="900" b="0" i="0" u="none" strike="noStrike" dirty="0">
+                          <a:solidFill>
+                            <a:srgbClr val="000000"/>
+                          </a:solidFill>
+                          <a:latin typeface="Calibri"/>
+                        </a:rPr>
+                        <a:t>Registration (deformable, non-deformable)</a:t>
+                      </a:r>
+                    </a:p>
+                  </a:txBody>
+                  <a:tcPr marL="5153" marR="5153" marT="5153" marB="0" anchor="b">
+                    <a:lnL w="12700" cap="flat" cmpd="sng" algn="ctr">
+                      <a:solidFill>
+                        <a:schemeClr val="tx1"/>
+                      </a:solidFill>
+                      <a:prstDash val="solid"/>
+                      <a:round/>
+                      <a:headEnd type="none" w="med" len="med"/>
+                      <a:tailEnd type="none" w="med" len="med"/>
+                    </a:lnL>
+                    <a:lnR w="12700" cap="flat" cmpd="sng" algn="ctr">
+                      <a:solidFill>
+                        <a:schemeClr val="tx1"/>
+                      </a:solidFill>
+                      <a:prstDash val="solid"/>
+                      <a:round/>
+                      <a:headEnd type="none" w="med" len="med"/>
+                      <a:tailEnd type="none" w="med" len="med"/>
+                    </a:lnR>
+                    <a:lnT w="12700" cap="flat" cmpd="sng" algn="ctr">
+                      <a:solidFill>
+                        <a:schemeClr val="tx1"/>
+                      </a:solidFill>
+                      <a:prstDash val="solid"/>
+                      <a:round/>
+                      <a:headEnd type="none" w="med" len="med"/>
+                      <a:tailEnd type="none" w="med" len="med"/>
+                    </a:lnT>
+                    <a:lnB w="12700" cap="flat" cmpd="sng" algn="ctr">
+                      <a:solidFill>
+                        <a:schemeClr val="tx1"/>
+                      </a:solidFill>
+                      <a:prstDash val="solid"/>
+                      <a:round/>
+                      <a:headEnd type="none" w="med" len="med"/>
+                      <a:tailEnd type="none" w="med" len="med"/>
+                    </a:lnB>
+                  </a:tcPr>
+                </a:tc>
+                <a:tc>
+                  <a:txBody>
+                    <a:bodyPr/>
+                    <a:lstStyle/>
+                    <a:p>
+                      <a:pPr algn="l" fontAlgn="b"/>
+                      <a:r>
+                        <a:rPr lang="en-CA" sz="900" b="0" i="0" u="none" strike="noStrike" dirty="0" smtClean="0">
+                          <a:solidFill>
+                            <a:srgbClr val="9C0006"/>
+                          </a:solidFill>
+                          <a:latin typeface="Calibri"/>
+                        </a:rPr>
+                        <a:t>No</a:t>
+                      </a:r>
+                      <a:endParaRPr lang="en-CA" sz="900" b="0" i="0" u="none" strike="noStrike" dirty="0">
+                        <a:solidFill>
+                          <a:srgbClr val="9C0006"/>
+                        </a:solidFill>
+                        <a:latin typeface="Calibri"/>
+                      </a:endParaRPr>
+                    </a:p>
+                  </a:txBody>
+                  <a:tcPr marL="5153" marR="5153" marT="5153" marB="0" anchor="b">
+                    <a:lnL w="12700" cap="flat" cmpd="sng" algn="ctr">
+                      <a:solidFill>
+                        <a:schemeClr val="tx1"/>
+                      </a:solidFill>
+                      <a:prstDash val="solid"/>
+                      <a:round/>
+                      <a:headEnd type="none" w="med" len="med"/>
+                      <a:tailEnd type="none" w="med" len="med"/>
+                    </a:lnL>
+                    <a:lnR w="12700" cap="flat" cmpd="sng" algn="ctr">
+                      <a:solidFill>
+                        <a:schemeClr val="tx1"/>
+                      </a:solidFill>
+                      <a:prstDash val="solid"/>
+                      <a:round/>
+                      <a:headEnd type="none" w="med" len="med"/>
+                      <a:tailEnd type="none" w="med" len="med"/>
+                    </a:lnR>
+                    <a:lnT w="12700" cap="flat" cmpd="sng" algn="ctr">
+                      <a:solidFill>
+                        <a:schemeClr val="tx1"/>
+                      </a:solidFill>
+                      <a:prstDash val="solid"/>
+                      <a:round/>
+                      <a:headEnd type="none" w="med" len="med"/>
+                      <a:tailEnd type="none" w="med" len="med"/>
+                    </a:lnT>
+                    <a:lnB w="12700" cap="flat" cmpd="sng" algn="ctr">
+                      <a:solidFill>
+                        <a:schemeClr val="tx1"/>
+                      </a:solidFill>
+                      <a:prstDash val="solid"/>
+                      <a:round/>
+                      <a:headEnd type="none" w="med" len="med"/>
+                      <a:tailEnd type="none" w="med" len="med"/>
+                    </a:lnB>
+                    <a:solidFill>
+                      <a:srgbClr val="FFC7CE"/>
+                    </a:solidFill>
+                  </a:tcPr>
+                </a:tc>
+                <a:tc>
+                  <a:txBody>
+                    <a:bodyPr/>
+                    <a:lstStyle/>
+                    <a:p>
+                      <a:pPr algn="l" fontAlgn="b"/>
+                      <a:r>
+                        <a:rPr lang="en-CA" sz="900" b="0" i="0" u="none" strike="noStrike" dirty="0" smtClean="0">
+                          <a:solidFill>
+                            <a:srgbClr val="006100"/>
+                          </a:solidFill>
+                          <a:latin typeface="Calibri"/>
+                        </a:rPr>
+                        <a:t>Yes</a:t>
+                      </a:r>
+                      <a:endParaRPr lang="en-CA" sz="900" b="0" i="0" u="none" strike="noStrike" dirty="0">
+                        <a:solidFill>
+                          <a:srgbClr val="006100"/>
+                        </a:solidFill>
+                        <a:latin typeface="Calibri"/>
+                      </a:endParaRPr>
+                    </a:p>
+                  </a:txBody>
+                  <a:tcPr marL="5153" marR="5153" marT="5153" marB="0" anchor="b">
+                    <a:lnL w="12700" cap="flat" cmpd="sng" algn="ctr">
+                      <a:solidFill>
+                        <a:schemeClr val="tx1"/>
+                      </a:solidFill>
+                      <a:prstDash val="solid"/>
+                      <a:round/>
+                      <a:headEnd type="none" w="med" len="med"/>
+                      <a:tailEnd type="none" w="med" len="med"/>
+                    </a:lnL>
+                    <a:lnR w="12700" cap="flat" cmpd="sng" algn="ctr">
+                      <a:solidFill>
+                        <a:schemeClr val="tx1"/>
+                      </a:solidFill>
+                      <a:prstDash val="solid"/>
+                      <a:round/>
+                      <a:headEnd type="none" w="med" len="med"/>
+                      <a:tailEnd type="none" w="med" len="med"/>
+                    </a:lnR>
+                    <a:lnT w="12700" cap="flat" cmpd="sng" algn="ctr">
+                      <a:solidFill>
+                        <a:schemeClr val="tx1"/>
+                      </a:solidFill>
+                      <a:prstDash val="solid"/>
+                      <a:round/>
+                      <a:headEnd type="none" w="med" len="med"/>
+                      <a:tailEnd type="none" w="med" len="med"/>
+                    </a:lnT>
+                    <a:lnB w="12700" cap="flat" cmpd="sng" algn="ctr">
+                      <a:solidFill>
+                        <a:schemeClr val="tx1"/>
+                      </a:solidFill>
+                      <a:prstDash val="solid"/>
+                      <a:round/>
+                      <a:headEnd type="none" w="med" len="med"/>
+                      <a:tailEnd type="none" w="med" len="med"/>
+                    </a:lnB>
+                    <a:solidFill>
+                      <a:srgbClr val="C6EFCE"/>
+                    </a:solidFill>
+                  </a:tcPr>
+                </a:tc>
+              </a:tr>
+              <a:tr h="121617">
+                <a:tc>
+                  <a:txBody>
+                    <a:bodyPr/>
+                    <a:lstStyle/>
+                    <a:p>
+                      <a:pPr algn="l" fontAlgn="b"/>
+                      <a:r>
+                        <a:rPr lang="en-CA" sz="900" b="0" i="0" u="none" strike="noStrike" dirty="0">
+                          <a:solidFill>
+                            <a:srgbClr val="000000"/>
+                          </a:solidFill>
+                          <a:latin typeface="Calibri"/>
+                        </a:rPr>
+                        <a:t>Efficient memory management</a:t>
+                      </a:r>
+                    </a:p>
+                  </a:txBody>
+                  <a:tcPr marL="5153" marR="5153" marT="5153" marB="0" anchor="b">
+                    <a:lnL w="12700" cap="flat" cmpd="sng" algn="ctr">
+                      <a:solidFill>
+                        <a:schemeClr val="tx1"/>
+                      </a:solidFill>
+                      <a:prstDash val="solid"/>
+                      <a:round/>
+                      <a:headEnd type="none" w="med" len="med"/>
+                      <a:tailEnd type="none" w="med" len="med"/>
+                    </a:lnL>
+                    <a:lnR w="12700" cap="flat" cmpd="sng" algn="ctr">
+                      <a:solidFill>
+                        <a:schemeClr val="tx1"/>
+                      </a:solidFill>
+                      <a:prstDash val="solid"/>
+                      <a:round/>
+                      <a:headEnd type="none" w="med" len="med"/>
+                      <a:tailEnd type="none" w="med" len="med"/>
+                    </a:lnR>
+                    <a:lnT w="12700" cap="flat" cmpd="sng" algn="ctr">
+                      <a:solidFill>
+                        <a:schemeClr val="tx1"/>
+                      </a:solidFill>
+                      <a:prstDash val="solid"/>
+                      <a:round/>
+                      <a:headEnd type="none" w="med" len="med"/>
+                      <a:tailEnd type="none" w="med" len="med"/>
+                    </a:lnT>
+                    <a:lnB w="12700" cap="flat" cmpd="sng" algn="ctr">
+                      <a:solidFill>
+                        <a:schemeClr val="tx1"/>
+                      </a:solidFill>
+                      <a:prstDash val="solid"/>
+                      <a:round/>
+                      <a:headEnd type="none" w="med" len="med"/>
+                      <a:tailEnd type="none" w="med" len="med"/>
+                    </a:lnB>
+                  </a:tcPr>
+                </a:tc>
+                <a:tc>
+                  <a:txBody>
+                    <a:bodyPr/>
+                    <a:lstStyle/>
+                    <a:p>
+                      <a:pPr algn="l" fontAlgn="b"/>
+                      <a:r>
+                        <a:rPr lang="en-CA" sz="900" b="0" i="0" u="none" strike="noStrike" dirty="0" smtClean="0">
+                          <a:solidFill>
+                            <a:srgbClr val="9C0006"/>
+                          </a:solidFill>
+                          <a:latin typeface="Calibri"/>
+                        </a:rPr>
+                        <a:t>No</a:t>
+                      </a:r>
+                      <a:endParaRPr lang="en-CA" sz="900" b="0" i="0" u="none" strike="noStrike" dirty="0">
+                        <a:solidFill>
+                          <a:srgbClr val="9C0006"/>
+                        </a:solidFill>
+                        <a:latin typeface="Calibri"/>
+                      </a:endParaRPr>
+                    </a:p>
+                  </a:txBody>
+                  <a:tcPr marL="5153" marR="5153" marT="5153" marB="0" anchor="b">
+                    <a:lnL w="12700" cap="flat" cmpd="sng" algn="ctr">
+                      <a:solidFill>
+                        <a:schemeClr val="tx1"/>
+                      </a:solidFill>
+                      <a:prstDash val="solid"/>
+                      <a:round/>
+                      <a:headEnd type="none" w="med" len="med"/>
+                      <a:tailEnd type="none" w="med" len="med"/>
+                    </a:lnL>
+                    <a:lnR w="12700" cap="flat" cmpd="sng" algn="ctr">
+                      <a:solidFill>
+                        <a:schemeClr val="tx1"/>
+                      </a:solidFill>
+                      <a:prstDash val="solid"/>
+                      <a:round/>
+                      <a:headEnd type="none" w="med" len="med"/>
+                      <a:tailEnd type="none" w="med" len="med"/>
+                    </a:lnR>
+                    <a:lnT w="12700" cap="flat" cmpd="sng" algn="ctr">
+                      <a:solidFill>
+                        <a:schemeClr val="tx1"/>
+                      </a:solidFill>
+                      <a:prstDash val="solid"/>
+                      <a:round/>
+                      <a:headEnd type="none" w="med" len="med"/>
+                      <a:tailEnd type="none" w="med" len="med"/>
+                    </a:lnT>
+                    <a:lnB w="12700" cap="flat" cmpd="sng" algn="ctr">
+                      <a:solidFill>
+                        <a:schemeClr val="tx1"/>
+                      </a:solidFill>
+                      <a:prstDash val="solid"/>
+                      <a:round/>
+                      <a:headEnd type="none" w="med" len="med"/>
+                      <a:tailEnd type="none" w="med" len="med"/>
+                    </a:lnB>
+                    <a:solidFill>
+                      <a:srgbClr val="FFC7CE"/>
+                    </a:solidFill>
+                  </a:tcPr>
+                </a:tc>
+                <a:tc>
+                  <a:txBody>
+                    <a:bodyPr/>
+                    <a:lstStyle/>
+                    <a:p>
+                      <a:pPr algn="l" fontAlgn="b"/>
+                      <a:r>
+                        <a:rPr lang="en-CA" sz="900" b="0" i="0" u="none" strike="noStrike" dirty="0" smtClean="0">
+                          <a:solidFill>
+                            <a:srgbClr val="006100"/>
+                          </a:solidFill>
+                          <a:latin typeface="Calibri"/>
+                        </a:rPr>
+                        <a:t>Yes</a:t>
+                      </a:r>
+                      <a:endParaRPr lang="en-CA" sz="900" b="0" i="0" u="none" strike="noStrike" dirty="0">
+                        <a:solidFill>
+                          <a:srgbClr val="006100"/>
+                        </a:solidFill>
+                        <a:latin typeface="Calibri"/>
+                      </a:endParaRPr>
+                    </a:p>
+                  </a:txBody>
+                  <a:tcPr marL="5153" marR="5153" marT="5153" marB="0" anchor="b">
+                    <a:lnL w="12700" cap="flat" cmpd="sng" algn="ctr">
+                      <a:solidFill>
+                        <a:schemeClr val="tx1"/>
+                      </a:solidFill>
+                      <a:prstDash val="solid"/>
+                      <a:round/>
+                      <a:headEnd type="none" w="med" len="med"/>
+                      <a:tailEnd type="none" w="med" len="med"/>
+                    </a:lnL>
+                    <a:lnR w="12700" cap="flat" cmpd="sng" algn="ctr">
+                      <a:solidFill>
+                        <a:schemeClr val="tx1"/>
+                      </a:solidFill>
+                      <a:prstDash val="solid"/>
+                      <a:round/>
+                      <a:headEnd type="none" w="med" len="med"/>
+                      <a:tailEnd type="none" w="med" len="med"/>
+                    </a:lnR>
+                    <a:lnT w="12700" cap="flat" cmpd="sng" algn="ctr">
+                      <a:solidFill>
+                        <a:schemeClr val="tx1"/>
+                      </a:solidFill>
+                      <a:prstDash val="solid"/>
+                      <a:round/>
+                      <a:headEnd type="none" w="med" len="med"/>
+                      <a:tailEnd type="none" w="med" len="med"/>
+                    </a:lnT>
+                    <a:lnB w="12700" cap="flat" cmpd="sng" algn="ctr">
+                      <a:solidFill>
+                        <a:schemeClr val="tx1"/>
+                      </a:solidFill>
+                      <a:prstDash val="solid"/>
+                      <a:round/>
+                      <a:headEnd type="none" w="med" len="med"/>
+                      <a:tailEnd type="none" w="med" len="med"/>
+                    </a:lnB>
+                    <a:solidFill>
+                      <a:srgbClr val="C6EFCE"/>
+                    </a:solidFill>
+                  </a:tcPr>
+                </a:tc>
+              </a:tr>
+              <a:tr h="121617">
+                <a:tc>
+                  <a:txBody>
+                    <a:bodyPr/>
+                    <a:lstStyle/>
+                    <a:p>
+                      <a:pPr algn="l" fontAlgn="b"/>
+                      <a:r>
+                        <a:rPr lang="en-CA" sz="900" b="0" i="0" u="none" strike="noStrike" dirty="0">
+                          <a:solidFill>
+                            <a:srgbClr val="000000"/>
+                          </a:solidFill>
+                          <a:latin typeface="Calibri"/>
+                        </a:rPr>
+                        <a:t>Optimized computation &amp; visualization performance</a:t>
+                      </a:r>
+                    </a:p>
+                  </a:txBody>
+                  <a:tcPr marL="5153" marR="5153" marT="5153" marB="0" anchor="b">
+                    <a:lnL w="12700" cap="flat" cmpd="sng" algn="ctr">
+                      <a:solidFill>
+                        <a:schemeClr val="tx1"/>
+                      </a:solidFill>
+                      <a:prstDash val="solid"/>
+                      <a:round/>
+                      <a:headEnd type="none" w="med" len="med"/>
+                      <a:tailEnd type="none" w="med" len="med"/>
+                    </a:lnL>
+                    <a:lnR w="12700" cap="flat" cmpd="sng" algn="ctr">
+                      <a:solidFill>
+                        <a:schemeClr val="tx1"/>
+                      </a:solidFill>
+                      <a:prstDash val="solid"/>
+                      <a:round/>
+                      <a:headEnd type="none" w="med" len="med"/>
+                      <a:tailEnd type="none" w="med" len="med"/>
+                    </a:lnR>
+                    <a:lnT w="12700" cap="flat" cmpd="sng" algn="ctr">
+                      <a:solidFill>
+                        <a:schemeClr val="tx1"/>
+                      </a:solidFill>
+                      <a:prstDash val="solid"/>
+                      <a:round/>
+                      <a:headEnd type="none" w="med" len="med"/>
+                      <a:tailEnd type="none" w="med" len="med"/>
+                    </a:lnT>
+                    <a:lnB w="12700" cap="flat" cmpd="sng" algn="ctr">
+                      <a:solidFill>
+                        <a:schemeClr val="tx1"/>
+                      </a:solidFill>
+                      <a:prstDash val="solid"/>
+                      <a:round/>
+                      <a:headEnd type="none" w="med" len="med"/>
+                      <a:tailEnd type="none" w="med" len="med"/>
+                    </a:lnB>
+                  </a:tcPr>
+                </a:tc>
+                <a:tc>
+                  <a:txBody>
+                    <a:bodyPr/>
+                    <a:lstStyle/>
+                    <a:p>
+                      <a:pPr algn="l" fontAlgn="b"/>
+                      <a:r>
+                        <a:rPr lang="en-CA" sz="900" b="0" i="0" u="none" strike="noStrike" dirty="0" smtClean="0">
+                          <a:solidFill>
+                            <a:srgbClr val="9C0006"/>
+                          </a:solidFill>
+                          <a:latin typeface="Calibri"/>
+                        </a:rPr>
+                        <a:t>No</a:t>
+                      </a:r>
+                      <a:endParaRPr lang="en-CA" sz="900" b="0" i="0" u="none" strike="noStrike" dirty="0">
+                        <a:solidFill>
+                          <a:srgbClr val="9C0006"/>
+                        </a:solidFill>
+                        <a:latin typeface="Calibri"/>
+                      </a:endParaRPr>
+                    </a:p>
+                  </a:txBody>
+                  <a:tcPr marL="5153" marR="5153" marT="5153" marB="0" anchor="b">
+                    <a:lnL w="12700" cap="flat" cmpd="sng" algn="ctr">
+                      <a:solidFill>
+                        <a:schemeClr val="tx1"/>
+                      </a:solidFill>
+                      <a:prstDash val="solid"/>
+                      <a:round/>
+                      <a:headEnd type="none" w="med" len="med"/>
+                      <a:tailEnd type="none" w="med" len="med"/>
+                    </a:lnL>
+                    <a:lnR w="12700" cap="flat" cmpd="sng" algn="ctr">
+                      <a:solidFill>
+                        <a:schemeClr val="tx1"/>
+                      </a:solidFill>
+                      <a:prstDash val="solid"/>
+                      <a:round/>
+                      <a:headEnd type="none" w="med" len="med"/>
+                      <a:tailEnd type="none" w="med" len="med"/>
+                    </a:lnR>
+                    <a:lnT w="12700" cap="flat" cmpd="sng" algn="ctr">
+                      <a:solidFill>
+                        <a:schemeClr val="tx1"/>
+                      </a:solidFill>
+                      <a:prstDash val="solid"/>
+                      <a:round/>
+                      <a:headEnd type="none" w="med" len="med"/>
+                      <a:tailEnd type="none" w="med" len="med"/>
+                    </a:lnT>
+                    <a:lnB w="12700" cap="flat" cmpd="sng" algn="ctr">
+                      <a:solidFill>
+                        <a:schemeClr val="tx1"/>
+                      </a:solidFill>
+                      <a:prstDash val="solid"/>
+                      <a:round/>
+                      <a:headEnd type="none" w="med" len="med"/>
+                      <a:tailEnd type="none" w="med" len="med"/>
+                    </a:lnB>
+                    <a:solidFill>
+                      <a:srgbClr val="FFC7CE"/>
+                    </a:solidFill>
+                  </a:tcPr>
+                </a:tc>
+                <a:tc>
+                  <a:txBody>
+                    <a:bodyPr/>
+                    <a:lstStyle/>
+                    <a:p>
+                      <a:pPr algn="l" fontAlgn="b"/>
+                      <a:r>
+                        <a:rPr lang="en-CA" sz="900" b="0" i="0" u="none" strike="noStrike" dirty="0" smtClean="0">
+                          <a:solidFill>
+                            <a:srgbClr val="006100"/>
+                          </a:solidFill>
+                          <a:latin typeface="Calibri"/>
+                        </a:rPr>
+                        <a:t>Yes</a:t>
+                      </a:r>
+                      <a:endParaRPr lang="en-CA" sz="900" b="0" i="0" u="none" strike="noStrike" dirty="0">
+                        <a:solidFill>
+                          <a:srgbClr val="006100"/>
+                        </a:solidFill>
+                        <a:latin typeface="Calibri"/>
+                      </a:endParaRPr>
+                    </a:p>
+                  </a:txBody>
+                  <a:tcPr marL="5153" marR="5153" marT="5153" marB="0" anchor="b">
+                    <a:lnL w="12700" cap="flat" cmpd="sng" algn="ctr">
+                      <a:solidFill>
+                        <a:schemeClr val="tx1"/>
+                      </a:solidFill>
+                      <a:prstDash val="solid"/>
+                      <a:round/>
+                      <a:headEnd type="none" w="med" len="med"/>
+                      <a:tailEnd type="none" w="med" len="med"/>
+                    </a:lnL>
+                    <a:lnR w="12700" cap="flat" cmpd="sng" algn="ctr">
+                      <a:solidFill>
+                        <a:schemeClr val="tx1"/>
+                      </a:solidFill>
+                      <a:prstDash val="solid"/>
+                      <a:round/>
+                      <a:headEnd type="none" w="med" len="med"/>
+                      <a:tailEnd type="none" w="med" len="med"/>
+                    </a:lnR>
+                    <a:lnT w="12700" cap="flat" cmpd="sng" algn="ctr">
+                      <a:solidFill>
+                        <a:schemeClr val="tx1"/>
+                      </a:solidFill>
+                      <a:prstDash val="solid"/>
+                      <a:round/>
+                      <a:headEnd type="none" w="med" len="med"/>
+                      <a:tailEnd type="none" w="med" len="med"/>
+                    </a:lnT>
+                    <a:lnB w="12700" cap="flat" cmpd="sng" algn="ctr">
+                      <a:solidFill>
+                        <a:schemeClr val="tx1"/>
+                      </a:solidFill>
+                      <a:prstDash val="solid"/>
+                      <a:round/>
+                      <a:headEnd type="none" w="med" len="med"/>
+                      <a:tailEnd type="none" w="med" len="med"/>
+                    </a:lnB>
+                    <a:solidFill>
+                      <a:srgbClr val="C6EFCE"/>
+                    </a:solidFill>
+                  </a:tcPr>
+                </a:tc>
+              </a:tr>
+              <a:tr h="121617">
+                <a:tc>
+                  <a:txBody>
+                    <a:bodyPr/>
+                    <a:lstStyle/>
+                    <a:p>
+                      <a:pPr algn="l" fontAlgn="b"/>
+                      <a:r>
+                        <a:rPr lang="en-CA" sz="900" b="0" i="0" u="none" strike="noStrike" dirty="0">
+                          <a:solidFill>
+                            <a:srgbClr val="000000"/>
+                          </a:solidFill>
+                          <a:latin typeface="Calibri"/>
+                        </a:rPr>
+                        <a:t>Free, open-source</a:t>
+                      </a:r>
+                    </a:p>
+                  </a:txBody>
+                  <a:tcPr marL="5153" marR="5153" marT="5153" marB="0" anchor="b">
+                    <a:lnL w="12700" cap="flat" cmpd="sng" algn="ctr">
+                      <a:solidFill>
+                        <a:schemeClr val="tx1"/>
+                      </a:solidFill>
+                      <a:prstDash val="solid"/>
+                      <a:round/>
+                      <a:headEnd type="none" w="med" len="med"/>
+                      <a:tailEnd type="none" w="med" len="med"/>
+                    </a:lnL>
+                    <a:lnR w="12700" cap="flat" cmpd="sng" algn="ctr">
+                      <a:solidFill>
+                        <a:schemeClr val="tx1"/>
+                      </a:solidFill>
+                      <a:prstDash val="solid"/>
+                      <a:round/>
+                      <a:headEnd type="none" w="med" len="med"/>
+                      <a:tailEnd type="none" w="med" len="med"/>
+                    </a:lnR>
+                    <a:lnT w="12700" cap="flat" cmpd="sng" algn="ctr">
+                      <a:solidFill>
+                        <a:schemeClr val="tx1"/>
+                      </a:solidFill>
+                      <a:prstDash val="solid"/>
+                      <a:round/>
+                      <a:headEnd type="none" w="med" len="med"/>
+                      <a:tailEnd type="none" w="med" len="med"/>
+                    </a:lnT>
+                    <a:lnB w="12700" cap="flat" cmpd="sng" algn="ctr">
+                      <a:solidFill>
+                        <a:schemeClr val="tx1"/>
+                      </a:solidFill>
+                      <a:prstDash val="solid"/>
+                      <a:round/>
+                      <a:headEnd type="none" w="med" len="med"/>
+                      <a:tailEnd type="none" w="med" len="med"/>
+                    </a:lnB>
+                  </a:tcPr>
+                </a:tc>
+                <a:tc>
+                  <a:txBody>
+                    <a:bodyPr/>
+                    <a:lstStyle/>
+                    <a:p>
+                      <a:pPr algn="l" fontAlgn="b"/>
+                      <a:r>
+                        <a:rPr lang="en-CA" sz="900" b="0" i="0" u="none" strike="noStrike" dirty="0">
+                          <a:solidFill>
+                            <a:srgbClr val="9C6500"/>
+                          </a:solidFill>
+                          <a:latin typeface="Calibri"/>
+                        </a:rPr>
+                        <a:t>yes (except Matlab)</a:t>
+                      </a:r>
+                    </a:p>
+                  </a:txBody>
+                  <a:tcPr marL="5153" marR="5153" marT="5153" marB="0" anchor="b">
+                    <a:lnL w="12700" cap="flat" cmpd="sng" algn="ctr">
+                      <a:solidFill>
+                        <a:schemeClr val="tx1"/>
+                      </a:solidFill>
+                      <a:prstDash val="solid"/>
+                      <a:round/>
+                      <a:headEnd type="none" w="med" len="med"/>
+                      <a:tailEnd type="none" w="med" len="med"/>
+                    </a:lnL>
+                    <a:lnR w="12700" cap="flat" cmpd="sng" algn="ctr">
+                      <a:solidFill>
+                        <a:schemeClr val="tx1"/>
+                      </a:solidFill>
+                      <a:prstDash val="solid"/>
+                      <a:round/>
+                      <a:headEnd type="none" w="med" len="med"/>
+                      <a:tailEnd type="none" w="med" len="med"/>
+                    </a:lnR>
+                    <a:lnT w="12700" cap="flat" cmpd="sng" algn="ctr">
+                      <a:solidFill>
+                        <a:schemeClr val="tx1"/>
+                      </a:solidFill>
+                      <a:prstDash val="solid"/>
+                      <a:round/>
+                      <a:headEnd type="none" w="med" len="med"/>
+                      <a:tailEnd type="none" w="med" len="med"/>
+                    </a:lnT>
+                    <a:lnB w="12700" cap="flat" cmpd="sng" algn="ctr">
+                      <a:solidFill>
+                        <a:schemeClr val="tx1"/>
+                      </a:solidFill>
+                      <a:prstDash val="solid"/>
+                      <a:round/>
+                      <a:headEnd type="none" w="med" len="med"/>
+                      <a:tailEnd type="none" w="med" len="med"/>
+                    </a:lnB>
+                    <a:solidFill>
+                      <a:srgbClr val="FFEB9C"/>
+                    </a:solidFill>
+                  </a:tcPr>
+                </a:tc>
+                <a:tc>
+                  <a:txBody>
+                    <a:bodyPr/>
+                    <a:lstStyle/>
+                    <a:p>
+                      <a:pPr algn="l" fontAlgn="b"/>
+                      <a:r>
+                        <a:rPr lang="en-CA" sz="900" b="0" i="0" u="none" strike="noStrike" dirty="0" smtClean="0">
+                          <a:solidFill>
+                            <a:srgbClr val="006100"/>
+                          </a:solidFill>
+                          <a:latin typeface="Calibri"/>
+                        </a:rPr>
+                        <a:t>Yes</a:t>
+                      </a:r>
+                      <a:endParaRPr lang="en-CA" sz="900" b="0" i="0" u="none" strike="noStrike" dirty="0">
+                        <a:solidFill>
+                          <a:srgbClr val="006100"/>
+                        </a:solidFill>
+                        <a:latin typeface="Calibri"/>
+                      </a:endParaRPr>
+                    </a:p>
+                  </a:txBody>
+                  <a:tcPr marL="5153" marR="5153" marT="5153" marB="0" anchor="b">
+                    <a:lnL w="12700" cap="flat" cmpd="sng" algn="ctr">
+                      <a:solidFill>
+                        <a:schemeClr val="tx1"/>
+                      </a:solidFill>
+                      <a:prstDash val="solid"/>
+                      <a:round/>
+                      <a:headEnd type="none" w="med" len="med"/>
+                      <a:tailEnd type="none" w="med" len="med"/>
+                    </a:lnL>
+                    <a:lnR w="12700" cap="flat" cmpd="sng" algn="ctr">
+                      <a:solidFill>
+                        <a:schemeClr val="tx1"/>
+                      </a:solidFill>
+                      <a:prstDash val="solid"/>
+                      <a:round/>
+                      <a:headEnd type="none" w="med" len="med"/>
+                      <a:tailEnd type="none" w="med" len="med"/>
+                    </a:lnR>
+                    <a:lnT w="12700" cap="flat" cmpd="sng" algn="ctr">
+                      <a:solidFill>
+                        <a:schemeClr val="tx1"/>
+                      </a:solidFill>
+                      <a:prstDash val="solid"/>
+                      <a:round/>
+                      <a:headEnd type="none" w="med" len="med"/>
+                      <a:tailEnd type="none" w="med" len="med"/>
+                    </a:lnT>
+                    <a:lnB w="12700" cap="flat" cmpd="sng" algn="ctr">
+                      <a:solidFill>
+                        <a:schemeClr val="tx1"/>
+                      </a:solidFill>
+                      <a:prstDash val="solid"/>
+                      <a:round/>
+                      <a:headEnd type="none" w="med" len="med"/>
+                      <a:tailEnd type="none" w="med" len="med"/>
+                    </a:lnB>
+                    <a:solidFill>
+                      <a:srgbClr val="C6EFCE"/>
+                    </a:solidFill>
+                  </a:tcPr>
+                </a:tc>
+              </a:tr>
+              <a:tr h="121617">
+                <a:tc>
+                  <a:txBody>
+                    <a:bodyPr/>
+                    <a:lstStyle/>
+                    <a:p>
+                      <a:pPr algn="l" fontAlgn="b"/>
+                      <a:r>
+                        <a:rPr lang="en-CA" sz="900" b="0" i="0" u="none" strike="noStrike" dirty="0">
+                          <a:solidFill>
+                            <a:srgbClr val="000000"/>
+                          </a:solidFill>
+                          <a:latin typeface="Calibri"/>
+                        </a:rPr>
+                        <a:t>DICOM listener</a:t>
+                      </a:r>
+                    </a:p>
+                  </a:txBody>
+                  <a:tcPr marL="5153" marR="5153" marT="5153" marB="0" anchor="b">
+                    <a:lnL w="12700" cap="flat" cmpd="sng" algn="ctr">
+                      <a:solidFill>
+                        <a:schemeClr val="tx1"/>
+                      </a:solidFill>
+                      <a:prstDash val="solid"/>
+                      <a:round/>
+                      <a:headEnd type="none" w="med" len="med"/>
+                      <a:tailEnd type="none" w="med" len="med"/>
+                    </a:lnL>
+                    <a:lnR w="12700" cap="flat" cmpd="sng" algn="ctr">
+                      <a:solidFill>
+                        <a:schemeClr val="tx1"/>
+                      </a:solidFill>
+                      <a:prstDash val="solid"/>
+                      <a:round/>
+                      <a:headEnd type="none" w="med" len="med"/>
+                      <a:tailEnd type="none" w="med" len="med"/>
+                    </a:lnR>
+                    <a:lnT w="12700" cap="flat" cmpd="sng" algn="ctr">
+                      <a:solidFill>
+                        <a:schemeClr val="tx1"/>
+                      </a:solidFill>
+                      <a:prstDash val="solid"/>
+                      <a:round/>
+                      <a:headEnd type="none" w="med" len="med"/>
+                      <a:tailEnd type="none" w="med" len="med"/>
+                    </a:lnT>
+                    <a:lnB w="12700" cap="flat" cmpd="sng" algn="ctr">
+                      <a:solidFill>
+                        <a:schemeClr val="tx1"/>
+                      </a:solidFill>
+                      <a:prstDash val="solid"/>
+                      <a:round/>
+                      <a:headEnd type="none" w="med" len="med"/>
+                      <a:tailEnd type="none" w="med" len="med"/>
+                    </a:lnB>
+                  </a:tcPr>
+                </a:tc>
+                <a:tc>
+                  <a:txBody>
+                    <a:bodyPr/>
+                    <a:lstStyle/>
+                    <a:p>
+                      <a:pPr algn="l" fontAlgn="b"/>
+                      <a:r>
+                        <a:rPr lang="en-CA" sz="900" b="0" i="0" u="none" strike="noStrike" dirty="0" smtClean="0">
+                          <a:solidFill>
+                            <a:srgbClr val="9C0006"/>
+                          </a:solidFill>
+                          <a:latin typeface="Calibri"/>
+                        </a:rPr>
+                        <a:t>No</a:t>
+                      </a:r>
+                      <a:endParaRPr lang="en-CA" sz="900" b="0" i="0" u="none" strike="noStrike" dirty="0">
+                        <a:solidFill>
+                          <a:srgbClr val="9C0006"/>
+                        </a:solidFill>
+                        <a:latin typeface="Calibri"/>
+                      </a:endParaRPr>
+                    </a:p>
+                  </a:txBody>
+                  <a:tcPr marL="5153" marR="5153" marT="5153" marB="0" anchor="b">
+                    <a:lnL w="12700" cap="flat" cmpd="sng" algn="ctr">
+                      <a:solidFill>
+                        <a:schemeClr val="tx1"/>
+                      </a:solidFill>
+                      <a:prstDash val="solid"/>
+                      <a:round/>
+                      <a:headEnd type="none" w="med" len="med"/>
+                      <a:tailEnd type="none" w="med" len="med"/>
+                    </a:lnL>
+                    <a:lnR w="12700" cap="flat" cmpd="sng" algn="ctr">
+                      <a:solidFill>
+                        <a:schemeClr val="tx1"/>
+                      </a:solidFill>
+                      <a:prstDash val="solid"/>
+                      <a:round/>
+                      <a:headEnd type="none" w="med" len="med"/>
+                      <a:tailEnd type="none" w="med" len="med"/>
+                    </a:lnR>
+                    <a:lnT w="12700" cap="flat" cmpd="sng" algn="ctr">
+                      <a:solidFill>
+                        <a:schemeClr val="tx1"/>
+                      </a:solidFill>
+                      <a:prstDash val="solid"/>
+                      <a:round/>
+                      <a:headEnd type="none" w="med" len="med"/>
+                      <a:tailEnd type="none" w="med" len="med"/>
+                    </a:lnT>
+                    <a:lnB w="12700" cap="flat" cmpd="sng" algn="ctr">
+                      <a:solidFill>
+                        <a:schemeClr val="tx1"/>
+                      </a:solidFill>
+                      <a:prstDash val="solid"/>
+                      <a:round/>
+                      <a:headEnd type="none" w="med" len="med"/>
+                      <a:tailEnd type="none" w="med" len="med"/>
+                    </a:lnB>
+                    <a:solidFill>
+                      <a:srgbClr val="FFC7CE"/>
+                    </a:solidFill>
+                  </a:tcPr>
+                </a:tc>
+                <a:tc>
+                  <a:txBody>
+                    <a:bodyPr/>
+                    <a:lstStyle/>
+                    <a:p>
+                      <a:pPr algn="l" fontAlgn="b"/>
+                      <a:r>
+                        <a:rPr lang="en-CA" sz="900" b="0" i="0" u="none" strike="noStrike" dirty="0" smtClean="0">
+                          <a:solidFill>
+                            <a:srgbClr val="006100"/>
+                          </a:solidFill>
+                          <a:latin typeface="Calibri"/>
+                        </a:rPr>
+                        <a:t>Yes</a:t>
+                      </a:r>
+                      <a:endParaRPr lang="en-CA" sz="900" b="0" i="0" u="none" strike="noStrike" dirty="0">
+                        <a:solidFill>
+                          <a:srgbClr val="006100"/>
+                        </a:solidFill>
+                        <a:latin typeface="Calibri"/>
+                      </a:endParaRPr>
+                    </a:p>
+                  </a:txBody>
+                  <a:tcPr marL="5153" marR="5153" marT="5153" marB="0" anchor="b">
+                    <a:lnL w="12700" cap="flat" cmpd="sng" algn="ctr">
+                      <a:solidFill>
+                        <a:schemeClr val="tx1"/>
+                      </a:solidFill>
+                      <a:prstDash val="solid"/>
+                      <a:round/>
+                      <a:headEnd type="none" w="med" len="med"/>
+                      <a:tailEnd type="none" w="med" len="med"/>
+                    </a:lnL>
+                    <a:lnR w="12700" cap="flat" cmpd="sng" algn="ctr">
+                      <a:solidFill>
+                        <a:schemeClr val="tx1"/>
+                      </a:solidFill>
+                      <a:prstDash val="solid"/>
+                      <a:round/>
+                      <a:headEnd type="none" w="med" len="med"/>
+                      <a:tailEnd type="none" w="med" len="med"/>
+                    </a:lnR>
+                    <a:lnT w="12700" cap="flat" cmpd="sng" algn="ctr">
+                      <a:solidFill>
+                        <a:schemeClr val="tx1"/>
+                      </a:solidFill>
+                      <a:prstDash val="solid"/>
+                      <a:round/>
+                      <a:headEnd type="none" w="med" len="med"/>
+                      <a:tailEnd type="none" w="med" len="med"/>
+                    </a:lnT>
+                    <a:lnB w="12700" cap="flat" cmpd="sng" algn="ctr">
+                      <a:solidFill>
+                        <a:schemeClr val="tx1"/>
+                      </a:solidFill>
+                      <a:prstDash val="solid"/>
+                      <a:round/>
+                      <a:headEnd type="none" w="med" len="med"/>
+                      <a:tailEnd type="none" w="med" len="med"/>
+                    </a:lnB>
+                    <a:solidFill>
+                      <a:srgbClr val="C6EFCE"/>
+                    </a:solidFill>
+                  </a:tcPr>
+                </a:tc>
+              </a:tr>
+              <a:tr h="121617">
+                <a:tc>
+                  <a:txBody>
+                    <a:bodyPr/>
+                    <a:lstStyle/>
+                    <a:p>
+                      <a:pPr algn="l" fontAlgn="b"/>
+                      <a:r>
+                        <a:rPr lang="en-CA" sz="900" b="0" i="0" u="none" strike="noStrike" dirty="0">
+                          <a:solidFill>
+                            <a:srgbClr val="000000"/>
+                          </a:solidFill>
+                          <a:latin typeface="Calibri"/>
+                        </a:rPr>
+                        <a:t>Large user and developer community</a:t>
+                      </a:r>
+                    </a:p>
+                  </a:txBody>
+                  <a:tcPr marL="5153" marR="5153" marT="5153" marB="0" anchor="b">
+                    <a:lnL w="12700" cap="flat" cmpd="sng" algn="ctr">
+                      <a:solidFill>
+                        <a:schemeClr val="tx1"/>
+                      </a:solidFill>
+                      <a:prstDash val="solid"/>
+                      <a:round/>
+                      <a:headEnd type="none" w="med" len="med"/>
+                      <a:tailEnd type="none" w="med" len="med"/>
+                    </a:lnL>
+                    <a:lnR w="12700" cap="flat" cmpd="sng" algn="ctr">
+                      <a:solidFill>
+                        <a:schemeClr val="tx1"/>
+                      </a:solidFill>
+                      <a:prstDash val="solid"/>
+                      <a:round/>
+                      <a:headEnd type="none" w="med" len="med"/>
+                      <a:tailEnd type="none" w="med" len="med"/>
+                    </a:lnR>
+                    <a:lnT w="12700" cap="flat" cmpd="sng" algn="ctr">
+                      <a:solidFill>
+                        <a:schemeClr val="tx1"/>
+                      </a:solidFill>
+                      <a:prstDash val="solid"/>
+                      <a:round/>
+                      <a:headEnd type="none" w="med" len="med"/>
+                      <a:tailEnd type="none" w="med" len="med"/>
+                    </a:lnT>
+                    <a:lnB w="12700" cap="flat" cmpd="sng" algn="ctr">
+                      <a:solidFill>
+                        <a:schemeClr val="tx1"/>
+                      </a:solidFill>
+                      <a:prstDash val="solid"/>
+                      <a:round/>
+                      <a:headEnd type="none" w="med" len="med"/>
+                      <a:tailEnd type="none" w="med" len="med"/>
+                    </a:lnB>
+                  </a:tcPr>
+                </a:tc>
+                <a:tc>
+                  <a:txBody>
+                    <a:bodyPr/>
+                    <a:lstStyle/>
+                    <a:p>
+                      <a:pPr algn="l" fontAlgn="b"/>
+                      <a:r>
+                        <a:rPr lang="en-CA" sz="900" b="0" i="0" u="none" strike="noStrike" dirty="0" smtClean="0">
+                          <a:solidFill>
+                            <a:srgbClr val="9C0006"/>
+                          </a:solidFill>
+                          <a:latin typeface="Calibri"/>
+                        </a:rPr>
+                        <a:t>No</a:t>
+                      </a:r>
+                      <a:endParaRPr lang="en-CA" sz="900" b="0" i="0" u="none" strike="noStrike" dirty="0">
+                        <a:solidFill>
+                          <a:srgbClr val="9C0006"/>
+                        </a:solidFill>
+                        <a:latin typeface="Calibri"/>
+                      </a:endParaRPr>
+                    </a:p>
+                  </a:txBody>
+                  <a:tcPr marL="5153" marR="5153" marT="5153" marB="0" anchor="b">
+                    <a:lnL w="12700" cap="flat" cmpd="sng" algn="ctr">
+                      <a:solidFill>
+                        <a:schemeClr val="tx1"/>
+                      </a:solidFill>
+                      <a:prstDash val="solid"/>
+                      <a:round/>
+                      <a:headEnd type="none" w="med" len="med"/>
+                      <a:tailEnd type="none" w="med" len="med"/>
+                    </a:lnL>
+                    <a:lnR w="12700" cap="flat" cmpd="sng" algn="ctr">
+                      <a:solidFill>
+                        <a:schemeClr val="tx1"/>
+                      </a:solidFill>
+                      <a:prstDash val="solid"/>
+                      <a:round/>
+                      <a:headEnd type="none" w="med" len="med"/>
+                      <a:tailEnd type="none" w="med" len="med"/>
+                    </a:lnR>
+                    <a:lnT w="12700" cap="flat" cmpd="sng" algn="ctr">
+                      <a:solidFill>
+                        <a:schemeClr val="tx1"/>
+                      </a:solidFill>
+                      <a:prstDash val="solid"/>
+                      <a:round/>
+                      <a:headEnd type="none" w="med" len="med"/>
+                      <a:tailEnd type="none" w="med" len="med"/>
+                    </a:lnT>
+                    <a:lnB w="12700" cap="flat" cmpd="sng" algn="ctr">
+                      <a:solidFill>
+                        <a:schemeClr val="tx1"/>
+                      </a:solidFill>
+                      <a:prstDash val="solid"/>
+                      <a:round/>
+                      <a:headEnd type="none" w="med" len="med"/>
+                      <a:tailEnd type="none" w="med" len="med"/>
+                    </a:lnB>
+                    <a:solidFill>
+                      <a:srgbClr val="FFC7CE"/>
+                    </a:solidFill>
+                  </a:tcPr>
+                </a:tc>
+                <a:tc>
+                  <a:txBody>
+                    <a:bodyPr/>
+                    <a:lstStyle/>
+                    <a:p>
+                      <a:pPr algn="l" fontAlgn="b"/>
+                      <a:r>
+                        <a:rPr lang="en-CA" sz="900" b="0" i="0" u="none" strike="noStrike" dirty="0" smtClean="0">
+                          <a:solidFill>
+                            <a:srgbClr val="006100"/>
+                          </a:solidFill>
+                          <a:latin typeface="Calibri"/>
+                        </a:rPr>
+                        <a:t>Yes</a:t>
+                      </a:r>
+                      <a:endParaRPr lang="en-CA" sz="900" b="0" i="0" u="none" strike="noStrike" dirty="0">
+                        <a:solidFill>
+                          <a:srgbClr val="006100"/>
+                        </a:solidFill>
+                        <a:latin typeface="Calibri"/>
+                      </a:endParaRPr>
+                    </a:p>
+                  </a:txBody>
+                  <a:tcPr marL="5153" marR="5153" marT="5153" marB="0" anchor="b">
+                    <a:lnL w="12700" cap="flat" cmpd="sng" algn="ctr">
+                      <a:solidFill>
+                        <a:schemeClr val="tx1"/>
+                      </a:solidFill>
+                      <a:prstDash val="solid"/>
+                      <a:round/>
+                      <a:headEnd type="none" w="med" len="med"/>
+                      <a:tailEnd type="none" w="med" len="med"/>
+                    </a:lnL>
+                    <a:lnR w="12700" cap="flat" cmpd="sng" algn="ctr">
+                      <a:solidFill>
+                        <a:schemeClr val="tx1"/>
+                      </a:solidFill>
+                      <a:prstDash val="solid"/>
+                      <a:round/>
+                      <a:headEnd type="none" w="med" len="med"/>
+                      <a:tailEnd type="none" w="med" len="med"/>
+                    </a:lnR>
+                    <a:lnT w="12700" cap="flat" cmpd="sng" algn="ctr">
+                      <a:solidFill>
+                        <a:schemeClr val="tx1"/>
+                      </a:solidFill>
+                      <a:prstDash val="solid"/>
+                      <a:round/>
+                      <a:headEnd type="none" w="med" len="med"/>
+                      <a:tailEnd type="none" w="med" len="med"/>
+                    </a:lnT>
+                    <a:lnB w="12700" cap="flat" cmpd="sng" algn="ctr">
+                      <a:solidFill>
+                        <a:schemeClr val="tx1"/>
+                      </a:solidFill>
+                      <a:prstDash val="solid"/>
+                      <a:round/>
+                      <a:headEnd type="none" w="med" len="med"/>
+                      <a:tailEnd type="none" w="med" len="med"/>
+                    </a:lnB>
+                    <a:solidFill>
+                      <a:srgbClr val="C6EFCE"/>
+                    </a:solidFill>
+                  </a:tcPr>
+                </a:tc>
+              </a:tr>
+              <a:tr h="121617">
+                <a:tc>
+                  <a:txBody>
+                    <a:bodyPr/>
+                    <a:lstStyle/>
+                    <a:p>
+                      <a:pPr algn="l" fontAlgn="b"/>
+                      <a:r>
+                        <a:rPr lang="en-CA" sz="900" b="0" i="0" u="none" strike="noStrike" dirty="0">
+                          <a:solidFill>
+                            <a:srgbClr val="000000"/>
+                          </a:solidFill>
+                          <a:latin typeface="Calibri"/>
+                        </a:rPr>
+                        <a:t>Annotations (points, ruler, ROI)</a:t>
+                      </a:r>
+                    </a:p>
+                  </a:txBody>
+                  <a:tcPr marL="5153" marR="5153" marT="5153" marB="0" anchor="b">
+                    <a:lnL w="12700" cap="flat" cmpd="sng" algn="ctr">
+                      <a:solidFill>
+                        <a:schemeClr val="tx1"/>
+                      </a:solidFill>
+                      <a:prstDash val="solid"/>
+                      <a:round/>
+                      <a:headEnd type="none" w="med" len="med"/>
+                      <a:tailEnd type="none" w="med" len="med"/>
+                    </a:lnL>
+                    <a:lnR w="12700" cap="flat" cmpd="sng" algn="ctr">
+                      <a:solidFill>
+                        <a:schemeClr val="tx1"/>
+                      </a:solidFill>
+                      <a:prstDash val="solid"/>
+                      <a:round/>
+                      <a:headEnd type="none" w="med" len="med"/>
+                      <a:tailEnd type="none" w="med" len="med"/>
+                    </a:lnR>
+                    <a:lnT w="12700" cap="flat" cmpd="sng" algn="ctr">
+                      <a:solidFill>
+                        <a:schemeClr val="tx1"/>
+                      </a:solidFill>
+                      <a:prstDash val="solid"/>
+                      <a:round/>
+                      <a:headEnd type="none" w="med" len="med"/>
+                      <a:tailEnd type="none" w="med" len="med"/>
+                    </a:lnT>
+                    <a:lnB w="12700" cap="flat" cmpd="sng" algn="ctr">
+                      <a:solidFill>
+                        <a:schemeClr val="tx1"/>
+                      </a:solidFill>
+                      <a:prstDash val="solid"/>
+                      <a:round/>
+                      <a:headEnd type="none" w="med" len="med"/>
+                      <a:tailEnd type="none" w="med" len="med"/>
+                    </a:lnB>
+                  </a:tcPr>
+                </a:tc>
+                <a:tc>
+                  <a:txBody>
+                    <a:bodyPr/>
+                    <a:lstStyle/>
+                    <a:p>
+                      <a:pPr algn="l" fontAlgn="b"/>
+                      <a:r>
+                        <a:rPr lang="en-CA" sz="900" b="0" i="0" u="none" strike="noStrike" dirty="0" smtClean="0">
+                          <a:solidFill>
+                            <a:srgbClr val="9C0006"/>
+                          </a:solidFill>
+                          <a:latin typeface="Calibri"/>
+                        </a:rPr>
+                        <a:t>No</a:t>
+                      </a:r>
+                      <a:endParaRPr lang="en-CA" sz="900" b="0" i="0" u="none" strike="noStrike" dirty="0">
+                        <a:solidFill>
+                          <a:srgbClr val="9C0006"/>
+                        </a:solidFill>
+                        <a:latin typeface="Calibri"/>
+                      </a:endParaRPr>
+                    </a:p>
+                  </a:txBody>
+                  <a:tcPr marL="5153" marR="5153" marT="5153" marB="0" anchor="b">
+                    <a:lnL w="12700" cap="flat" cmpd="sng" algn="ctr">
+                      <a:solidFill>
+                        <a:schemeClr val="tx1"/>
+                      </a:solidFill>
+                      <a:prstDash val="solid"/>
+                      <a:round/>
+                      <a:headEnd type="none" w="med" len="med"/>
+                      <a:tailEnd type="none" w="med" len="med"/>
+                    </a:lnL>
+                    <a:lnR w="12700" cap="flat" cmpd="sng" algn="ctr">
+                      <a:solidFill>
+                        <a:schemeClr val="tx1"/>
+                      </a:solidFill>
+                      <a:prstDash val="solid"/>
+                      <a:round/>
+                      <a:headEnd type="none" w="med" len="med"/>
+                      <a:tailEnd type="none" w="med" len="med"/>
+                    </a:lnR>
+                    <a:lnT w="12700" cap="flat" cmpd="sng" algn="ctr">
+                      <a:solidFill>
+                        <a:schemeClr val="tx1"/>
+                      </a:solidFill>
+                      <a:prstDash val="solid"/>
+                      <a:round/>
+                      <a:headEnd type="none" w="med" len="med"/>
+                      <a:tailEnd type="none" w="med" len="med"/>
+                    </a:lnT>
+                    <a:lnB w="12700" cap="flat" cmpd="sng" algn="ctr">
+                      <a:solidFill>
+                        <a:schemeClr val="tx1"/>
+                      </a:solidFill>
+                      <a:prstDash val="solid"/>
+                      <a:round/>
+                      <a:headEnd type="none" w="med" len="med"/>
+                      <a:tailEnd type="none" w="med" len="med"/>
+                    </a:lnB>
+                    <a:solidFill>
+                      <a:srgbClr val="FFC7CE"/>
+                    </a:solidFill>
+                  </a:tcPr>
+                </a:tc>
+                <a:tc>
+                  <a:txBody>
+                    <a:bodyPr/>
+                    <a:lstStyle/>
+                    <a:p>
+                      <a:pPr algn="l" fontAlgn="b"/>
+                      <a:r>
+                        <a:rPr lang="en-CA" sz="900" b="0" i="0" u="none" strike="noStrike" dirty="0" smtClean="0">
+                          <a:solidFill>
+                            <a:srgbClr val="006100"/>
+                          </a:solidFill>
+                          <a:latin typeface="Calibri"/>
+                        </a:rPr>
+                        <a:t>Yes</a:t>
+                      </a:r>
+                      <a:endParaRPr lang="en-CA" sz="900" b="0" i="0" u="none" strike="noStrike" dirty="0">
+                        <a:solidFill>
+                          <a:srgbClr val="006100"/>
+                        </a:solidFill>
+                        <a:latin typeface="Calibri"/>
+                      </a:endParaRPr>
+                    </a:p>
+                  </a:txBody>
+                  <a:tcPr marL="5153" marR="5153" marT="5153" marB="0" anchor="b">
+                    <a:lnL w="12700" cap="flat" cmpd="sng" algn="ctr">
+                      <a:solidFill>
+                        <a:schemeClr val="tx1"/>
+                      </a:solidFill>
+                      <a:prstDash val="solid"/>
+                      <a:round/>
+                      <a:headEnd type="none" w="med" len="med"/>
+                      <a:tailEnd type="none" w="med" len="med"/>
+                    </a:lnL>
+                    <a:lnR w="12700" cap="flat" cmpd="sng" algn="ctr">
+                      <a:solidFill>
+                        <a:schemeClr val="tx1"/>
+                      </a:solidFill>
+                      <a:prstDash val="solid"/>
+                      <a:round/>
+                      <a:headEnd type="none" w="med" len="med"/>
+                      <a:tailEnd type="none" w="med" len="med"/>
+                    </a:lnR>
+                    <a:lnT w="12700" cap="flat" cmpd="sng" algn="ctr">
+                      <a:solidFill>
+                        <a:schemeClr val="tx1"/>
+                      </a:solidFill>
+                      <a:prstDash val="solid"/>
+                      <a:round/>
+                      <a:headEnd type="none" w="med" len="med"/>
+                      <a:tailEnd type="none" w="med" len="med"/>
+                    </a:lnT>
+                    <a:lnB w="12700" cap="flat" cmpd="sng" algn="ctr">
+                      <a:solidFill>
+                        <a:schemeClr val="tx1"/>
+                      </a:solidFill>
+                      <a:prstDash val="solid"/>
+                      <a:round/>
+                      <a:headEnd type="none" w="med" len="med"/>
+                      <a:tailEnd type="none" w="med" len="med"/>
+                    </a:lnB>
+                    <a:solidFill>
+                      <a:srgbClr val="C6EFCE"/>
+                    </a:solidFill>
+                  </a:tcPr>
+                </a:tc>
+              </a:tr>
+              <a:tr h="121617">
+                <a:tc>
+                  <a:txBody>
+                    <a:bodyPr/>
+                    <a:lstStyle/>
+                    <a:p>
+                      <a:pPr algn="l" fontAlgn="b"/>
+                      <a:r>
+                        <a:rPr lang="en-CA" sz="900" b="0" i="0" u="none" strike="noStrike" dirty="0">
+                          <a:solidFill>
+                            <a:srgbClr val="000000"/>
+                          </a:solidFill>
+                          <a:latin typeface="Calibri"/>
+                        </a:rPr>
+                        <a:t>Multiple OS support (Windows, Linux, Mac)</a:t>
+                      </a:r>
+                    </a:p>
+                  </a:txBody>
+                  <a:tcPr marL="5153" marR="5153" marT="5153" marB="0" anchor="b">
+                    <a:lnL w="12700" cap="flat" cmpd="sng" algn="ctr">
+                      <a:solidFill>
+                        <a:schemeClr val="tx1"/>
+                      </a:solidFill>
+                      <a:prstDash val="solid"/>
+                      <a:round/>
+                      <a:headEnd type="none" w="med" len="med"/>
+                      <a:tailEnd type="none" w="med" len="med"/>
+                    </a:lnL>
+                    <a:lnR w="12700" cap="flat" cmpd="sng" algn="ctr">
+                      <a:solidFill>
+                        <a:schemeClr val="tx1"/>
+                      </a:solidFill>
+                      <a:prstDash val="solid"/>
+                      <a:round/>
+                      <a:headEnd type="none" w="med" len="med"/>
+                      <a:tailEnd type="none" w="med" len="med"/>
+                    </a:lnR>
+                    <a:lnT w="12700" cap="flat" cmpd="sng" algn="ctr">
+                      <a:solidFill>
+                        <a:schemeClr val="tx1"/>
+                      </a:solidFill>
+                      <a:prstDash val="solid"/>
+                      <a:round/>
+                      <a:headEnd type="none" w="med" len="med"/>
+                      <a:tailEnd type="none" w="med" len="med"/>
+                    </a:lnT>
+                    <a:lnB w="12700" cap="flat" cmpd="sng" algn="ctr">
+                      <a:solidFill>
+                        <a:schemeClr val="tx1"/>
+                      </a:solidFill>
+                      <a:prstDash val="solid"/>
+                      <a:round/>
+                      <a:headEnd type="none" w="med" len="med"/>
+                      <a:tailEnd type="none" w="med" len="med"/>
+                    </a:lnB>
+                  </a:tcPr>
+                </a:tc>
+                <a:tc>
+                  <a:txBody>
+                    <a:bodyPr/>
+                    <a:lstStyle/>
+                    <a:p>
+                      <a:pPr algn="l" fontAlgn="b"/>
+                      <a:r>
+                        <a:rPr lang="en-CA" sz="900" b="0" i="0" u="none" strike="noStrike" dirty="0" smtClean="0">
+                          <a:solidFill>
+                            <a:srgbClr val="006100"/>
+                          </a:solidFill>
+                          <a:latin typeface="Calibri"/>
+                        </a:rPr>
+                        <a:t>Yes</a:t>
+                      </a:r>
+                      <a:endParaRPr lang="en-CA" sz="900" b="0" i="0" u="none" strike="noStrike" dirty="0">
+                        <a:solidFill>
+                          <a:srgbClr val="006100"/>
+                        </a:solidFill>
+                        <a:latin typeface="Calibri"/>
+                      </a:endParaRPr>
+                    </a:p>
+                  </a:txBody>
+                  <a:tcPr marL="5153" marR="5153" marT="5153" marB="0" anchor="b">
+                    <a:lnL w="12700" cap="flat" cmpd="sng" algn="ctr">
+                      <a:solidFill>
+                        <a:schemeClr val="tx1"/>
+                      </a:solidFill>
+                      <a:prstDash val="solid"/>
+                      <a:round/>
+                      <a:headEnd type="none" w="med" len="med"/>
+                      <a:tailEnd type="none" w="med" len="med"/>
+                    </a:lnL>
+                    <a:lnR w="12700" cap="flat" cmpd="sng" algn="ctr">
+                      <a:solidFill>
+                        <a:schemeClr val="tx1"/>
+                      </a:solidFill>
+                      <a:prstDash val="solid"/>
+                      <a:round/>
+                      <a:headEnd type="none" w="med" len="med"/>
+                      <a:tailEnd type="none" w="med" len="med"/>
+                    </a:lnR>
+                    <a:lnT w="12700" cap="flat" cmpd="sng" algn="ctr">
+                      <a:solidFill>
+                        <a:schemeClr val="tx1"/>
+                      </a:solidFill>
+                      <a:prstDash val="solid"/>
+                      <a:round/>
+                      <a:headEnd type="none" w="med" len="med"/>
+                      <a:tailEnd type="none" w="med" len="med"/>
+                    </a:lnT>
+                    <a:lnB w="12700" cap="flat" cmpd="sng" algn="ctr">
+                      <a:solidFill>
+                        <a:schemeClr val="tx1"/>
+                      </a:solidFill>
+                      <a:prstDash val="solid"/>
+                      <a:round/>
+                      <a:headEnd type="none" w="med" len="med"/>
+                      <a:tailEnd type="none" w="med" len="med"/>
                     </a:lnB>
                     <a:solidFill>
                       <a:srgbClr val="C6EFCE"/>
@@ -10602,1501 +14509,41 @@
                     </a:p>
                   </a:txBody>
                   <a:tcPr marL="5153" marR="5153" marT="5153" marB="0" anchor="b">
-                    <a:lnL>
-                      <a:noFill/>
+                    <a:lnL w="12700" cap="flat" cmpd="sng" algn="ctr">
+                      <a:solidFill>
+                        <a:schemeClr val="tx1"/>
+                      </a:solidFill>
+                      <a:prstDash val="solid"/>
+                      <a:round/>
+                      <a:headEnd type="none" w="med" len="med"/>
+                      <a:tailEnd type="none" w="med" len="med"/>
                     </a:lnL>
-                    <a:lnR>
-                      <a:noFill/>
+                    <a:lnR w="12700" cap="flat" cmpd="sng" algn="ctr">
+                      <a:solidFill>
+                        <a:schemeClr val="tx1"/>
+                      </a:solidFill>
+                      <a:prstDash val="solid"/>
+                      <a:round/>
+                      <a:headEnd type="none" w="med" len="med"/>
+                      <a:tailEnd type="none" w="med" len="med"/>
                     </a:lnR>
-                    <a:lnT>
-                      <a:noFill/>
+                    <a:lnT w="12700" cap="flat" cmpd="sng" algn="ctr">
+                      <a:solidFill>
+                        <a:schemeClr val="tx1"/>
+                      </a:solidFill>
+                      <a:prstDash val="solid"/>
+                      <a:round/>
+                      <a:headEnd type="none" w="med" len="med"/>
+                      <a:tailEnd type="none" w="med" len="med"/>
                     </a:lnT>
-                    <a:lnB>
-                      <a:noFill/>
-                    </a:lnB>
-                    <a:solidFill>
-                      <a:srgbClr val="C6EFCE"/>
-                    </a:solidFill>
-                  </a:tcPr>
-                </a:tc>
-              </a:tr>
-              <a:tr h="121617">
-                <a:tc>
-                  <a:txBody>
-                    <a:bodyPr/>
-                    <a:lstStyle/>
-                    <a:p>
-                      <a:pPr algn="l" fontAlgn="b"/>
-                      <a:r>
-                        <a:rPr lang="en-CA" sz="900" b="0" i="0" u="none" strike="noStrike" dirty="0">
-                          <a:solidFill>
-                            <a:srgbClr val="000000"/>
-                          </a:solidFill>
-                          <a:latin typeface="Calibri"/>
-                        </a:rPr>
-                        <a:t>Dose-projection displays.</a:t>
-                      </a:r>
-                    </a:p>
-                  </a:txBody>
-                  <a:tcPr marL="5153" marR="5153" marT="5153" marB="0" anchor="b">
-                    <a:lnL>
-                      <a:noFill/>
-                    </a:lnL>
-                    <a:lnR>
-                      <a:noFill/>
-                    </a:lnR>
-                    <a:lnT>
-                      <a:noFill/>
-                    </a:lnT>
-                    <a:lnB>
-                      <a:noFill/>
-                    </a:lnB>
-                  </a:tcPr>
-                </a:tc>
-                <a:tc>
-                  <a:txBody>
-                    <a:bodyPr/>
-                    <a:lstStyle/>
-                    <a:p>
-                      <a:pPr algn="l" fontAlgn="b"/>
-                      <a:r>
-                        <a:rPr lang="en-CA" sz="900" b="0" i="0" u="none" strike="noStrike" dirty="0" smtClean="0">
-                          <a:solidFill>
-                            <a:srgbClr val="006100"/>
-                          </a:solidFill>
-                          <a:latin typeface="Calibri"/>
-                        </a:rPr>
-                        <a:t>Yes</a:t>
-                      </a:r>
-                      <a:endParaRPr lang="en-CA" sz="900" b="0" i="0" u="none" strike="noStrike" dirty="0">
-                        <a:solidFill>
-                          <a:srgbClr val="006100"/>
-                        </a:solidFill>
-                        <a:latin typeface="Calibri"/>
-                      </a:endParaRPr>
-                    </a:p>
-                  </a:txBody>
-                  <a:tcPr marL="5153" marR="5153" marT="5153" marB="0" anchor="b">
-                    <a:lnL>
-                      <a:noFill/>
-                    </a:lnL>
-                    <a:lnR>
-                      <a:noFill/>
-                    </a:lnR>
-                    <a:lnT>
-                      <a:noFill/>
-                    </a:lnT>
-                    <a:lnB>
-                      <a:noFill/>
-                    </a:lnB>
-                    <a:solidFill>
-                      <a:srgbClr val="C6EFCE"/>
-                    </a:solidFill>
-                  </a:tcPr>
-                </a:tc>
-                <a:tc>
-                  <a:txBody>
-                    <a:bodyPr/>
-                    <a:lstStyle/>
-                    <a:p>
-                      <a:pPr algn="l" fontAlgn="b"/>
-                      <a:r>
-                        <a:rPr lang="en-CA" sz="900" b="0" i="0" u="none" strike="noStrike" dirty="0" smtClean="0">
-                          <a:solidFill>
-                            <a:srgbClr val="000000"/>
-                          </a:solidFill>
-                          <a:latin typeface="+mn-lt"/>
-                        </a:rPr>
-                        <a:t>Not available yet</a:t>
-                      </a:r>
-                      <a:endParaRPr lang="en-CA" sz="900" b="0" i="0" u="none" strike="noStrike" dirty="0">
-                        <a:solidFill>
-                          <a:srgbClr val="000000"/>
-                        </a:solidFill>
-                        <a:latin typeface="Calibri"/>
-                      </a:endParaRPr>
-                    </a:p>
-                  </a:txBody>
-                  <a:tcPr marL="5153" marR="5153" marT="5153" marB="0" anchor="b">
-                    <a:lnL>
-                      <a:noFill/>
-                    </a:lnL>
-                    <a:lnR>
-                      <a:noFill/>
-                    </a:lnR>
-                    <a:lnT>
-                      <a:noFill/>
-                    </a:lnT>
-                    <a:lnB>
-                      <a:noFill/>
-                    </a:lnB>
-                  </a:tcPr>
-                </a:tc>
-              </a:tr>
-              <a:tr h="121617">
-                <a:tc>
-                  <a:txBody>
-                    <a:bodyPr/>
-                    <a:lstStyle/>
-                    <a:p>
-                      <a:pPr algn="l" fontAlgn="b"/>
-                      <a:r>
-                        <a:rPr lang="en-CA" sz="900" b="0" i="0" u="none" strike="noStrike" dirty="0">
-                          <a:solidFill>
-                            <a:srgbClr val="000000"/>
-                          </a:solidFill>
-                          <a:latin typeface="Calibri"/>
-                        </a:rPr>
-                        <a:t>Dose-distance plots.</a:t>
-                      </a:r>
-                    </a:p>
-                  </a:txBody>
-                  <a:tcPr marL="5153" marR="5153" marT="5153" marB="0" anchor="b">
-                    <a:lnL>
-                      <a:noFill/>
-                    </a:lnL>
-                    <a:lnR>
-                      <a:noFill/>
-                    </a:lnR>
-                    <a:lnT>
-                      <a:noFill/>
-                    </a:lnT>
-                    <a:lnB>
-                      <a:noFill/>
-                    </a:lnB>
-                  </a:tcPr>
-                </a:tc>
-                <a:tc>
-                  <a:txBody>
-                    <a:bodyPr/>
-                    <a:lstStyle/>
-                    <a:p>
-                      <a:pPr algn="l" fontAlgn="b"/>
-                      <a:r>
-                        <a:rPr lang="en-CA" sz="900" b="0" i="0" u="none" strike="noStrike" dirty="0" smtClean="0">
-                          <a:solidFill>
-                            <a:srgbClr val="006100"/>
-                          </a:solidFill>
-                          <a:latin typeface="Calibri"/>
-                        </a:rPr>
-                        <a:t>Yes</a:t>
-                      </a:r>
-                      <a:endParaRPr lang="en-CA" sz="900" b="0" i="0" u="none" strike="noStrike" dirty="0">
-                        <a:solidFill>
-                          <a:srgbClr val="006100"/>
-                        </a:solidFill>
-                        <a:latin typeface="Calibri"/>
-                      </a:endParaRPr>
-                    </a:p>
-                  </a:txBody>
-                  <a:tcPr marL="5153" marR="5153" marT="5153" marB="0" anchor="b">
-                    <a:lnL>
-                      <a:noFill/>
-                    </a:lnL>
-                    <a:lnR>
-                      <a:noFill/>
-                    </a:lnR>
-                    <a:lnT>
-                      <a:noFill/>
-                    </a:lnT>
-                    <a:lnB>
-                      <a:noFill/>
-                    </a:lnB>
-                    <a:solidFill>
-                      <a:srgbClr val="C6EFCE"/>
-                    </a:solidFill>
-                  </a:tcPr>
-                </a:tc>
-                <a:tc>
-                  <a:txBody>
-                    <a:bodyPr/>
-                    <a:lstStyle/>
-                    <a:p>
-                      <a:pPr algn="l" fontAlgn="b"/>
-                      <a:r>
-                        <a:rPr lang="en-CA" sz="900" b="0" i="0" u="none" strike="noStrike" dirty="0" smtClean="0">
-                          <a:solidFill>
-                            <a:srgbClr val="000000"/>
-                          </a:solidFill>
-                          <a:latin typeface="+mn-lt"/>
-                        </a:rPr>
-                        <a:t>Not available yet</a:t>
-                      </a:r>
-                      <a:endParaRPr lang="en-CA" sz="900" b="0" i="0" u="none" strike="noStrike" dirty="0">
-                        <a:solidFill>
-                          <a:srgbClr val="000000"/>
-                        </a:solidFill>
-                        <a:latin typeface="Calibri"/>
-                      </a:endParaRPr>
-                    </a:p>
-                  </a:txBody>
-                  <a:tcPr marL="5153" marR="5153" marT="5153" marB="0" anchor="b">
-                    <a:lnL>
-                      <a:noFill/>
-                    </a:lnL>
-                    <a:lnR>
-                      <a:noFill/>
-                    </a:lnR>
-                    <a:lnT>
-                      <a:noFill/>
-                    </a:lnT>
-                    <a:lnB>
-                      <a:noFill/>
-                    </a:lnB>
-                  </a:tcPr>
-                </a:tc>
-              </a:tr>
-              <a:tr h="121617">
-                <a:tc>
-                  <a:txBody>
-                    <a:bodyPr/>
-                    <a:lstStyle/>
-                    <a:p>
-                      <a:pPr algn="l" fontAlgn="b"/>
-                      <a:r>
-                        <a:rPr lang="en-CA" sz="900" b="0" i="0" u="none" strike="noStrike" dirty="0">
-                          <a:solidFill>
-                            <a:srgbClr val="000000"/>
-                          </a:solidFill>
-                          <a:latin typeface="Calibri"/>
-                        </a:rPr>
-                        <a:t>Dose metric comparison and subtraction tools. </a:t>
-                      </a:r>
-                    </a:p>
-                  </a:txBody>
-                  <a:tcPr marL="5153" marR="5153" marT="5153" marB="0" anchor="b">
-                    <a:lnL>
-                      <a:noFill/>
-                    </a:lnL>
-                    <a:lnR>
-                      <a:noFill/>
-                    </a:lnR>
-                    <a:lnT>
-                      <a:noFill/>
-                    </a:lnT>
-                    <a:lnB>
-                      <a:noFill/>
-                    </a:lnB>
-                  </a:tcPr>
-                </a:tc>
-                <a:tc>
-                  <a:txBody>
-                    <a:bodyPr/>
-                    <a:lstStyle/>
-                    <a:p>
-                      <a:pPr algn="l" fontAlgn="b"/>
-                      <a:r>
-                        <a:rPr lang="en-CA" sz="900" b="0" i="0" u="none" strike="noStrike" dirty="0" smtClean="0">
-                          <a:solidFill>
-                            <a:srgbClr val="006100"/>
-                          </a:solidFill>
-                          <a:latin typeface="Calibri"/>
-                        </a:rPr>
-                        <a:t>Yes</a:t>
-                      </a:r>
-                      <a:endParaRPr lang="en-CA" sz="900" b="0" i="0" u="none" strike="noStrike" dirty="0">
-                        <a:solidFill>
-                          <a:srgbClr val="006100"/>
-                        </a:solidFill>
-                        <a:latin typeface="Calibri"/>
-                      </a:endParaRPr>
-                    </a:p>
-                  </a:txBody>
-                  <a:tcPr marL="5153" marR="5153" marT="5153" marB="0" anchor="b">
-                    <a:lnL>
-                      <a:noFill/>
-                    </a:lnL>
-                    <a:lnR>
-                      <a:noFill/>
-                    </a:lnR>
-                    <a:lnT>
-                      <a:noFill/>
-                    </a:lnT>
-                    <a:lnB>
-                      <a:noFill/>
-                    </a:lnB>
-                    <a:solidFill>
-                      <a:srgbClr val="C6EFCE"/>
-                    </a:solidFill>
-                  </a:tcPr>
-                </a:tc>
-                <a:tc>
-                  <a:txBody>
-                    <a:bodyPr/>
-                    <a:lstStyle/>
-                    <a:p>
-                      <a:pPr algn="l" fontAlgn="b"/>
-                      <a:r>
-                        <a:rPr lang="en-CA" sz="900" b="0" i="0" u="none" strike="noStrike" dirty="0" smtClean="0">
-                          <a:solidFill>
-                            <a:srgbClr val="000000"/>
-                          </a:solidFill>
-                          <a:latin typeface="+mn-lt"/>
-                        </a:rPr>
-                        <a:t>WIP</a:t>
-                      </a:r>
-                      <a:endParaRPr lang="en-CA" sz="900" b="0" i="0" u="none" strike="noStrike" dirty="0">
-                        <a:solidFill>
-                          <a:srgbClr val="000000"/>
-                        </a:solidFill>
-                        <a:latin typeface="Calibri"/>
-                      </a:endParaRPr>
-                    </a:p>
-                  </a:txBody>
-                  <a:tcPr marL="5153" marR="5153" marT="5153" marB="0" anchor="b">
-                    <a:lnL>
-                      <a:noFill/>
-                    </a:lnL>
-                    <a:lnR>
-                      <a:noFill/>
-                    </a:lnR>
-                    <a:lnT>
-                      <a:noFill/>
-                    </a:lnT>
-                    <a:lnB>
-                      <a:noFill/>
-                    </a:lnB>
-                  </a:tcPr>
-                </a:tc>
-              </a:tr>
-              <a:tr h="121617">
-                <a:tc>
-                  <a:txBody>
-                    <a:bodyPr/>
-                    <a:lstStyle/>
-                    <a:p>
-                      <a:pPr algn="l" fontAlgn="b"/>
-                      <a:r>
-                        <a:rPr lang="en-CA" sz="900" b="0" i="0" u="none" strike="noStrike" dirty="0">
-                          <a:solidFill>
-                            <a:srgbClr val="000000"/>
-                          </a:solidFill>
-                          <a:latin typeface="Calibri"/>
-                        </a:rPr>
-                        <a:t>Easy programmable access to all data.</a:t>
-                      </a:r>
-                    </a:p>
-                  </a:txBody>
-                  <a:tcPr marL="5153" marR="5153" marT="5153" marB="0" anchor="b">
-                    <a:lnL>
-                      <a:noFill/>
-                    </a:lnL>
-                    <a:lnR>
-                      <a:noFill/>
-                    </a:lnR>
-                    <a:lnT>
-                      <a:noFill/>
-                    </a:lnT>
-                    <a:lnB>
-                      <a:noFill/>
-                    </a:lnB>
-                  </a:tcPr>
-                </a:tc>
-                <a:tc>
-                  <a:txBody>
-                    <a:bodyPr/>
-                    <a:lstStyle/>
-                    <a:p>
-                      <a:pPr algn="l" fontAlgn="b"/>
-                      <a:r>
-                        <a:rPr lang="en-CA" sz="900" b="0" i="0" u="none" strike="noStrike" dirty="0" smtClean="0">
-                          <a:solidFill>
-                            <a:srgbClr val="006100"/>
-                          </a:solidFill>
-                          <a:latin typeface="Calibri"/>
-                        </a:rPr>
-                        <a:t>Yes</a:t>
-                      </a:r>
-                      <a:endParaRPr lang="en-CA" sz="900" b="0" i="0" u="none" strike="noStrike" dirty="0">
-                        <a:solidFill>
-                          <a:srgbClr val="006100"/>
-                        </a:solidFill>
-                        <a:latin typeface="Calibri"/>
-                      </a:endParaRPr>
-                    </a:p>
-                  </a:txBody>
-                  <a:tcPr marL="5153" marR="5153" marT="5153" marB="0" anchor="b">
-                    <a:lnL>
-                      <a:noFill/>
-                    </a:lnL>
-                    <a:lnR>
-                      <a:noFill/>
-                    </a:lnR>
-                    <a:lnT>
-                      <a:noFill/>
-                    </a:lnT>
-                    <a:lnB>
-                      <a:noFill/>
-                    </a:lnB>
-                    <a:solidFill>
-                      <a:srgbClr val="C6EFCE"/>
-                    </a:solidFill>
-                  </a:tcPr>
-                </a:tc>
-                <a:tc>
-                  <a:txBody>
-                    <a:bodyPr/>
-                    <a:lstStyle/>
-                    <a:p>
-                      <a:pPr algn="l" fontAlgn="b"/>
-                      <a:r>
-                        <a:rPr lang="en-CA" sz="900" b="0" i="0" u="none" strike="noStrike" dirty="0" smtClean="0">
-                          <a:solidFill>
-                            <a:srgbClr val="9C6500"/>
-                          </a:solidFill>
-                          <a:latin typeface="Calibri"/>
-                        </a:rPr>
-                        <a:t>Yes (Python, VTK, </a:t>
-                      </a:r>
-                      <a:r>
-                        <a:rPr lang="en-CA" sz="900" b="0" i="0" u="none" strike="noStrike" dirty="0" err="1" smtClean="0">
-                          <a:solidFill>
-                            <a:srgbClr val="9C6500"/>
-                          </a:solidFill>
-                          <a:latin typeface="Calibri"/>
-                        </a:rPr>
-                        <a:t>SimpleITK</a:t>
-                      </a:r>
-                      <a:r>
-                        <a:rPr lang="en-CA" sz="900" b="0" i="0" u="none" strike="noStrike" dirty="0" smtClean="0">
-                          <a:solidFill>
-                            <a:srgbClr val="9C6500"/>
-                          </a:solidFill>
-                          <a:latin typeface="Calibri"/>
-                        </a:rPr>
-                        <a:t>)</a:t>
-                      </a:r>
-                      <a:endParaRPr lang="en-CA" sz="900" b="0" i="0" u="none" strike="noStrike" dirty="0">
-                        <a:solidFill>
-                          <a:srgbClr val="9C6500"/>
-                        </a:solidFill>
-                        <a:latin typeface="Calibri"/>
-                      </a:endParaRPr>
-                    </a:p>
-                  </a:txBody>
-                  <a:tcPr marL="5153" marR="5153" marT="5153" marB="0" anchor="b">
-                    <a:lnL>
-                      <a:noFill/>
-                    </a:lnL>
-                    <a:lnR>
-                      <a:noFill/>
-                    </a:lnR>
-                    <a:lnT>
-                      <a:noFill/>
-                    </a:lnT>
-                    <a:lnB>
-                      <a:noFill/>
-                    </a:lnB>
-                    <a:solidFill>
-                      <a:srgbClr val="FFEB9C"/>
-                    </a:solidFill>
-                  </a:tcPr>
-                </a:tc>
-              </a:tr>
-              <a:tr h="121617">
-                <a:tc>
-                  <a:txBody>
-                    <a:bodyPr/>
-                    <a:lstStyle/>
-                    <a:p>
-                      <a:pPr algn="l" fontAlgn="b"/>
-                      <a:endParaRPr lang="en-CA" sz="900" b="0" i="0" u="none" strike="noStrike" dirty="0">
-                        <a:solidFill>
-                          <a:srgbClr val="000000"/>
-                        </a:solidFill>
-                        <a:latin typeface="Calibri"/>
-                      </a:endParaRPr>
-                    </a:p>
-                  </a:txBody>
-                  <a:tcPr marL="5153" marR="5153" marT="5153" marB="0" anchor="b">
-                    <a:lnL>
-                      <a:noFill/>
-                    </a:lnL>
-                    <a:lnR>
-                      <a:noFill/>
-                    </a:lnR>
-                    <a:lnT>
-                      <a:noFill/>
-                    </a:lnT>
-                    <a:lnB>
-                      <a:noFill/>
-                    </a:lnB>
-                  </a:tcPr>
-                </a:tc>
-                <a:tc>
-                  <a:txBody>
-                    <a:bodyPr/>
-                    <a:lstStyle/>
-                    <a:p>
-                      <a:pPr algn="l" fontAlgn="b"/>
-                      <a:endParaRPr lang="en-CA" sz="900" b="0" i="0" u="none" strike="noStrike" dirty="0">
-                        <a:solidFill>
-                          <a:srgbClr val="000000"/>
-                        </a:solidFill>
-                        <a:latin typeface="Calibri"/>
-                      </a:endParaRPr>
-                    </a:p>
-                  </a:txBody>
-                  <a:tcPr marL="5153" marR="5153" marT="5153" marB="0" anchor="b">
-                    <a:lnL>
-                      <a:noFill/>
-                    </a:lnL>
-                    <a:lnR>
-                      <a:noFill/>
-                    </a:lnR>
-                    <a:lnT>
-                      <a:noFill/>
-                    </a:lnT>
-                    <a:lnB>
-                      <a:noFill/>
-                    </a:lnB>
-                  </a:tcPr>
-                </a:tc>
-                <a:tc>
-                  <a:txBody>
-                    <a:bodyPr/>
-                    <a:lstStyle/>
-                    <a:p>
-                      <a:pPr algn="l" fontAlgn="b"/>
-                      <a:endParaRPr lang="en-CA" sz="900" b="0" i="0" u="none" strike="noStrike" dirty="0">
-                        <a:solidFill>
-                          <a:srgbClr val="000000"/>
-                        </a:solidFill>
-                        <a:latin typeface="Calibri"/>
-                      </a:endParaRPr>
-                    </a:p>
-                  </a:txBody>
-                  <a:tcPr marL="5153" marR="5153" marT="5153" marB="0" anchor="b">
-                    <a:lnL>
-                      <a:noFill/>
-                    </a:lnL>
-                    <a:lnR>
-                      <a:noFill/>
-                    </a:lnR>
-                    <a:lnT>
-                      <a:noFill/>
-                    </a:lnT>
-                    <a:lnB>
-                      <a:noFill/>
-                    </a:lnB>
-                  </a:tcPr>
-                </a:tc>
-              </a:tr>
-              <a:tr h="121617">
-                <a:tc>
-                  <a:txBody>
-                    <a:bodyPr/>
-                    <a:lstStyle/>
-                    <a:p>
-                      <a:pPr algn="l" fontAlgn="b"/>
-                      <a:r>
-                        <a:rPr lang="en-CA" sz="900" b="0" i="0" u="none" strike="noStrike" dirty="0">
-                          <a:solidFill>
-                            <a:srgbClr val="000000"/>
-                          </a:solidFill>
-                          <a:latin typeface="Calibri"/>
-                        </a:rPr>
-                        <a:t>Registration (deformable, non-deformable)</a:t>
-                      </a:r>
-                    </a:p>
-                  </a:txBody>
-                  <a:tcPr marL="5153" marR="5153" marT="5153" marB="0" anchor="b">
-                    <a:lnL>
-                      <a:noFill/>
-                    </a:lnL>
-                    <a:lnR>
-                      <a:noFill/>
-                    </a:lnR>
-                    <a:lnT>
-                      <a:noFill/>
-                    </a:lnT>
-                    <a:lnB>
-                      <a:noFill/>
-                    </a:lnB>
-                  </a:tcPr>
-                </a:tc>
-                <a:tc>
-                  <a:txBody>
-                    <a:bodyPr/>
-                    <a:lstStyle/>
-                    <a:p>
-                      <a:pPr algn="l" fontAlgn="b"/>
-                      <a:r>
-                        <a:rPr lang="en-CA" sz="900" b="0" i="0" u="none" strike="noStrike" dirty="0" smtClean="0">
-                          <a:solidFill>
-                            <a:srgbClr val="9C0006"/>
-                          </a:solidFill>
-                          <a:latin typeface="Calibri"/>
-                        </a:rPr>
-                        <a:t>No</a:t>
-                      </a:r>
-                      <a:endParaRPr lang="en-CA" sz="900" b="0" i="0" u="none" strike="noStrike" dirty="0">
-                        <a:solidFill>
-                          <a:srgbClr val="9C0006"/>
-                        </a:solidFill>
-                        <a:latin typeface="Calibri"/>
-                      </a:endParaRPr>
-                    </a:p>
-                  </a:txBody>
-                  <a:tcPr marL="5153" marR="5153" marT="5153" marB="0" anchor="b">
-                    <a:lnL>
-                      <a:noFill/>
-                    </a:lnL>
-                    <a:lnR>
-                      <a:noFill/>
-                    </a:lnR>
-                    <a:lnT>
-                      <a:noFill/>
-                    </a:lnT>
-                    <a:lnB>
-                      <a:noFill/>
-                    </a:lnB>
-                    <a:solidFill>
-                      <a:srgbClr val="FFC7CE"/>
-                    </a:solidFill>
-                  </a:tcPr>
-                </a:tc>
-                <a:tc>
-                  <a:txBody>
-                    <a:bodyPr/>
-                    <a:lstStyle/>
-                    <a:p>
-                      <a:pPr algn="l" fontAlgn="b"/>
-                      <a:r>
-                        <a:rPr lang="en-CA" sz="900" b="0" i="0" u="none" strike="noStrike" dirty="0" smtClean="0">
-                          <a:solidFill>
-                            <a:srgbClr val="006100"/>
-                          </a:solidFill>
-                          <a:latin typeface="Calibri"/>
-                        </a:rPr>
-                        <a:t>Yes</a:t>
-                      </a:r>
-                      <a:endParaRPr lang="en-CA" sz="900" b="0" i="0" u="none" strike="noStrike" dirty="0">
-                        <a:solidFill>
-                          <a:srgbClr val="006100"/>
-                        </a:solidFill>
-                        <a:latin typeface="Calibri"/>
-                      </a:endParaRPr>
-                    </a:p>
-                  </a:txBody>
-                  <a:tcPr marL="5153" marR="5153" marT="5153" marB="0" anchor="b">
-                    <a:lnL>
-                      <a:noFill/>
-                    </a:lnL>
-                    <a:lnR>
-                      <a:noFill/>
-                    </a:lnR>
-                    <a:lnT>
-                      <a:noFill/>
-                    </a:lnT>
-                    <a:lnB>
-                      <a:noFill/>
-                    </a:lnB>
-                    <a:solidFill>
-                      <a:srgbClr val="C6EFCE"/>
-                    </a:solidFill>
-                  </a:tcPr>
-                </a:tc>
-              </a:tr>
-              <a:tr h="121617">
-                <a:tc>
-                  <a:txBody>
-                    <a:bodyPr/>
-                    <a:lstStyle/>
-                    <a:p>
-                      <a:pPr algn="l" fontAlgn="b"/>
-                      <a:r>
-                        <a:rPr lang="en-CA" sz="900" b="0" i="0" u="none" strike="noStrike" dirty="0">
-                          <a:solidFill>
-                            <a:srgbClr val="000000"/>
-                          </a:solidFill>
-                          <a:latin typeface="Calibri"/>
-                        </a:rPr>
-                        <a:t>Efficient memory management</a:t>
-                      </a:r>
-                    </a:p>
-                  </a:txBody>
-                  <a:tcPr marL="5153" marR="5153" marT="5153" marB="0" anchor="b">
-                    <a:lnL>
-                      <a:noFill/>
-                    </a:lnL>
-                    <a:lnR>
-                      <a:noFill/>
-                    </a:lnR>
-                    <a:lnT>
-                      <a:noFill/>
-                    </a:lnT>
-                    <a:lnB>
-                      <a:noFill/>
-                    </a:lnB>
-                  </a:tcPr>
-                </a:tc>
-                <a:tc>
-                  <a:txBody>
-                    <a:bodyPr/>
-                    <a:lstStyle/>
-                    <a:p>
-                      <a:pPr algn="l" fontAlgn="b"/>
-                      <a:r>
-                        <a:rPr lang="en-CA" sz="900" b="0" i="0" u="none" strike="noStrike" dirty="0" smtClean="0">
-                          <a:solidFill>
-                            <a:srgbClr val="9C0006"/>
-                          </a:solidFill>
-                          <a:latin typeface="Calibri"/>
-                        </a:rPr>
-                        <a:t>No</a:t>
-                      </a:r>
-                      <a:endParaRPr lang="en-CA" sz="900" b="0" i="0" u="none" strike="noStrike" dirty="0">
-                        <a:solidFill>
-                          <a:srgbClr val="9C0006"/>
-                        </a:solidFill>
-                        <a:latin typeface="Calibri"/>
-                      </a:endParaRPr>
-                    </a:p>
-                  </a:txBody>
-                  <a:tcPr marL="5153" marR="5153" marT="5153" marB="0" anchor="b">
-                    <a:lnL>
-                      <a:noFill/>
-                    </a:lnL>
-                    <a:lnR>
-                      <a:noFill/>
-                    </a:lnR>
-                    <a:lnT>
-                      <a:noFill/>
-                    </a:lnT>
-                    <a:lnB>
-                      <a:noFill/>
-                    </a:lnB>
-                    <a:solidFill>
-                      <a:srgbClr val="FFC7CE"/>
-                    </a:solidFill>
-                  </a:tcPr>
-                </a:tc>
-                <a:tc>
-                  <a:txBody>
-                    <a:bodyPr/>
-                    <a:lstStyle/>
-                    <a:p>
-                      <a:pPr algn="l" fontAlgn="b"/>
-                      <a:r>
-                        <a:rPr lang="en-CA" sz="900" b="0" i="0" u="none" strike="noStrike" dirty="0" smtClean="0">
-                          <a:solidFill>
-                            <a:srgbClr val="006100"/>
-                          </a:solidFill>
-                          <a:latin typeface="Calibri"/>
-                        </a:rPr>
-                        <a:t>Yes</a:t>
-                      </a:r>
-                      <a:endParaRPr lang="en-CA" sz="900" b="0" i="0" u="none" strike="noStrike" dirty="0">
-                        <a:solidFill>
-                          <a:srgbClr val="006100"/>
-                        </a:solidFill>
-                        <a:latin typeface="Calibri"/>
-                      </a:endParaRPr>
-                    </a:p>
-                  </a:txBody>
-                  <a:tcPr marL="5153" marR="5153" marT="5153" marB="0" anchor="b">
-                    <a:lnL>
-                      <a:noFill/>
-                    </a:lnL>
-                    <a:lnR>
-                      <a:noFill/>
-                    </a:lnR>
-                    <a:lnT>
-                      <a:noFill/>
-                    </a:lnT>
-                    <a:lnB>
-                      <a:noFill/>
-                    </a:lnB>
-                    <a:solidFill>
-                      <a:srgbClr val="C6EFCE"/>
-                    </a:solidFill>
-                  </a:tcPr>
-                </a:tc>
-              </a:tr>
-              <a:tr h="121617">
-                <a:tc>
-                  <a:txBody>
-                    <a:bodyPr/>
-                    <a:lstStyle/>
-                    <a:p>
-                      <a:pPr algn="l" fontAlgn="b"/>
-                      <a:r>
-                        <a:rPr lang="en-CA" sz="900" b="0" i="0" u="none" strike="noStrike" dirty="0">
-                          <a:solidFill>
-                            <a:srgbClr val="000000"/>
-                          </a:solidFill>
-                          <a:latin typeface="Calibri"/>
-                        </a:rPr>
-                        <a:t>Optimized computation &amp; visualization performance</a:t>
-                      </a:r>
-                    </a:p>
-                  </a:txBody>
-                  <a:tcPr marL="5153" marR="5153" marT="5153" marB="0" anchor="b">
-                    <a:lnL>
-                      <a:noFill/>
-                    </a:lnL>
-                    <a:lnR>
-                      <a:noFill/>
-                    </a:lnR>
-                    <a:lnT>
-                      <a:noFill/>
-                    </a:lnT>
-                    <a:lnB>
-                      <a:noFill/>
-                    </a:lnB>
-                  </a:tcPr>
-                </a:tc>
-                <a:tc>
-                  <a:txBody>
-                    <a:bodyPr/>
-                    <a:lstStyle/>
-                    <a:p>
-                      <a:pPr algn="l" fontAlgn="b"/>
-                      <a:r>
-                        <a:rPr lang="en-CA" sz="900" b="0" i="0" u="none" strike="noStrike" dirty="0" smtClean="0">
-                          <a:solidFill>
-                            <a:srgbClr val="9C0006"/>
-                          </a:solidFill>
-                          <a:latin typeface="Calibri"/>
-                        </a:rPr>
-                        <a:t>No</a:t>
-                      </a:r>
-                      <a:endParaRPr lang="en-CA" sz="900" b="0" i="0" u="none" strike="noStrike" dirty="0">
-                        <a:solidFill>
-                          <a:srgbClr val="9C0006"/>
-                        </a:solidFill>
-                        <a:latin typeface="Calibri"/>
-                      </a:endParaRPr>
-                    </a:p>
-                  </a:txBody>
-                  <a:tcPr marL="5153" marR="5153" marT="5153" marB="0" anchor="b">
-                    <a:lnL>
-                      <a:noFill/>
-                    </a:lnL>
-                    <a:lnR>
-                      <a:noFill/>
-                    </a:lnR>
-                    <a:lnT>
-                      <a:noFill/>
-                    </a:lnT>
-                    <a:lnB>
-                      <a:noFill/>
-                    </a:lnB>
-                    <a:solidFill>
-                      <a:srgbClr val="FFC7CE"/>
-                    </a:solidFill>
-                  </a:tcPr>
-                </a:tc>
-                <a:tc>
-                  <a:txBody>
-                    <a:bodyPr/>
-                    <a:lstStyle/>
-                    <a:p>
-                      <a:pPr algn="l" fontAlgn="b"/>
-                      <a:r>
-                        <a:rPr lang="en-CA" sz="900" b="0" i="0" u="none" strike="noStrike" dirty="0" smtClean="0">
-                          <a:solidFill>
-                            <a:srgbClr val="006100"/>
-                          </a:solidFill>
-                          <a:latin typeface="Calibri"/>
-                        </a:rPr>
-                        <a:t>Yes</a:t>
-                      </a:r>
-                      <a:endParaRPr lang="en-CA" sz="900" b="0" i="0" u="none" strike="noStrike" dirty="0">
-                        <a:solidFill>
-                          <a:srgbClr val="006100"/>
-                        </a:solidFill>
-                        <a:latin typeface="Calibri"/>
-                      </a:endParaRPr>
-                    </a:p>
-                  </a:txBody>
-                  <a:tcPr marL="5153" marR="5153" marT="5153" marB="0" anchor="b">
-                    <a:lnL>
-                      <a:noFill/>
-                    </a:lnL>
-                    <a:lnR>
-                      <a:noFill/>
-                    </a:lnR>
-                    <a:lnT>
-                      <a:noFill/>
-                    </a:lnT>
-                    <a:lnB>
-                      <a:noFill/>
-                    </a:lnB>
-                    <a:solidFill>
-                      <a:srgbClr val="C6EFCE"/>
-                    </a:solidFill>
-                  </a:tcPr>
-                </a:tc>
-              </a:tr>
-              <a:tr h="121617">
-                <a:tc>
-                  <a:txBody>
-                    <a:bodyPr/>
-                    <a:lstStyle/>
-                    <a:p>
-                      <a:pPr algn="l" fontAlgn="b"/>
-                      <a:r>
-                        <a:rPr lang="en-CA" sz="900" b="0" i="0" u="none" strike="noStrike" dirty="0">
-                          <a:solidFill>
-                            <a:srgbClr val="000000"/>
-                          </a:solidFill>
-                          <a:latin typeface="Calibri"/>
-                        </a:rPr>
-                        <a:t>Free, open-source</a:t>
-                      </a:r>
-                    </a:p>
-                  </a:txBody>
-                  <a:tcPr marL="5153" marR="5153" marT="5153" marB="0" anchor="b">
-                    <a:lnL>
-                      <a:noFill/>
-                    </a:lnL>
-                    <a:lnR>
-                      <a:noFill/>
-                    </a:lnR>
-                    <a:lnT>
-                      <a:noFill/>
-                    </a:lnT>
-                    <a:lnB>
-                      <a:noFill/>
-                    </a:lnB>
-                  </a:tcPr>
-                </a:tc>
-                <a:tc>
-                  <a:txBody>
-                    <a:bodyPr/>
-                    <a:lstStyle/>
-                    <a:p>
-                      <a:pPr algn="l" fontAlgn="b"/>
-                      <a:r>
-                        <a:rPr lang="en-CA" sz="900" b="0" i="0" u="none" strike="noStrike" dirty="0">
-                          <a:solidFill>
-                            <a:srgbClr val="9C6500"/>
-                          </a:solidFill>
-                          <a:latin typeface="Calibri"/>
-                        </a:rPr>
-                        <a:t>yes (except Matlab)</a:t>
-                      </a:r>
-                    </a:p>
-                  </a:txBody>
-                  <a:tcPr marL="5153" marR="5153" marT="5153" marB="0" anchor="b">
-                    <a:lnL>
-                      <a:noFill/>
-                    </a:lnL>
-                    <a:lnR>
-                      <a:noFill/>
-                    </a:lnR>
-                    <a:lnT>
-                      <a:noFill/>
-                    </a:lnT>
-                    <a:lnB>
-                      <a:noFill/>
-                    </a:lnB>
-                    <a:solidFill>
-                      <a:srgbClr val="FFEB9C"/>
-                    </a:solidFill>
-                  </a:tcPr>
-                </a:tc>
-                <a:tc>
-                  <a:txBody>
-                    <a:bodyPr/>
-                    <a:lstStyle/>
-                    <a:p>
-                      <a:pPr algn="l" fontAlgn="b"/>
-                      <a:r>
-                        <a:rPr lang="en-CA" sz="900" b="0" i="0" u="none" strike="noStrike" dirty="0" smtClean="0">
-                          <a:solidFill>
-                            <a:srgbClr val="006100"/>
-                          </a:solidFill>
-                          <a:latin typeface="Calibri"/>
-                        </a:rPr>
-                        <a:t>Yes</a:t>
-                      </a:r>
-                      <a:endParaRPr lang="en-CA" sz="900" b="0" i="0" u="none" strike="noStrike" dirty="0">
-                        <a:solidFill>
-                          <a:srgbClr val="006100"/>
-                        </a:solidFill>
-                        <a:latin typeface="Calibri"/>
-                      </a:endParaRPr>
-                    </a:p>
-                  </a:txBody>
-                  <a:tcPr marL="5153" marR="5153" marT="5153" marB="0" anchor="b">
-                    <a:lnL>
-                      <a:noFill/>
-                    </a:lnL>
-                    <a:lnR>
-                      <a:noFill/>
-                    </a:lnR>
-                    <a:lnT>
-                      <a:noFill/>
-                    </a:lnT>
-                    <a:lnB>
-                      <a:noFill/>
-                    </a:lnB>
-                    <a:solidFill>
-                      <a:srgbClr val="C6EFCE"/>
-                    </a:solidFill>
-                  </a:tcPr>
-                </a:tc>
-              </a:tr>
-              <a:tr h="121617">
-                <a:tc>
-                  <a:txBody>
-                    <a:bodyPr/>
-                    <a:lstStyle/>
-                    <a:p>
-                      <a:pPr algn="l" fontAlgn="b"/>
-                      <a:r>
-                        <a:rPr lang="en-CA" sz="900" b="0" i="0" u="none" strike="noStrike" dirty="0">
-                          <a:solidFill>
-                            <a:srgbClr val="000000"/>
-                          </a:solidFill>
-                          <a:latin typeface="Calibri"/>
-                        </a:rPr>
-                        <a:t>DICOM listener</a:t>
-                      </a:r>
-                    </a:p>
-                  </a:txBody>
-                  <a:tcPr marL="5153" marR="5153" marT="5153" marB="0" anchor="b">
-                    <a:lnL>
-                      <a:noFill/>
-                    </a:lnL>
-                    <a:lnR>
-                      <a:noFill/>
-                    </a:lnR>
-                    <a:lnT>
-                      <a:noFill/>
-                    </a:lnT>
-                    <a:lnB>
-                      <a:noFill/>
-                    </a:lnB>
-                  </a:tcPr>
-                </a:tc>
-                <a:tc>
-                  <a:txBody>
-                    <a:bodyPr/>
-                    <a:lstStyle/>
-                    <a:p>
-                      <a:pPr algn="l" fontAlgn="b"/>
-                      <a:r>
-                        <a:rPr lang="en-CA" sz="900" b="0" i="0" u="none" strike="noStrike" dirty="0" smtClean="0">
-                          <a:solidFill>
-                            <a:srgbClr val="9C0006"/>
-                          </a:solidFill>
-                          <a:latin typeface="Calibri"/>
-                        </a:rPr>
-                        <a:t>No</a:t>
-                      </a:r>
-                      <a:endParaRPr lang="en-CA" sz="900" b="0" i="0" u="none" strike="noStrike" dirty="0">
-                        <a:solidFill>
-                          <a:srgbClr val="9C0006"/>
-                        </a:solidFill>
-                        <a:latin typeface="Calibri"/>
-                      </a:endParaRPr>
-                    </a:p>
-                  </a:txBody>
-                  <a:tcPr marL="5153" marR="5153" marT="5153" marB="0" anchor="b">
-                    <a:lnL>
-                      <a:noFill/>
-                    </a:lnL>
-                    <a:lnR>
-                      <a:noFill/>
-                    </a:lnR>
-                    <a:lnT>
-                      <a:noFill/>
-                    </a:lnT>
-                    <a:lnB>
-                      <a:noFill/>
-                    </a:lnB>
-                    <a:solidFill>
-                      <a:srgbClr val="FFC7CE"/>
-                    </a:solidFill>
-                  </a:tcPr>
-                </a:tc>
-                <a:tc>
-                  <a:txBody>
-                    <a:bodyPr/>
-                    <a:lstStyle/>
-                    <a:p>
-                      <a:pPr algn="l" fontAlgn="b"/>
-                      <a:r>
-                        <a:rPr lang="en-CA" sz="900" b="0" i="0" u="none" strike="noStrike" dirty="0" smtClean="0">
-                          <a:solidFill>
-                            <a:srgbClr val="006100"/>
-                          </a:solidFill>
-                          <a:latin typeface="Calibri"/>
-                        </a:rPr>
-                        <a:t>Yes</a:t>
-                      </a:r>
-                      <a:endParaRPr lang="en-CA" sz="900" b="0" i="0" u="none" strike="noStrike" dirty="0">
-                        <a:solidFill>
-                          <a:srgbClr val="006100"/>
-                        </a:solidFill>
-                        <a:latin typeface="Calibri"/>
-                      </a:endParaRPr>
-                    </a:p>
-                  </a:txBody>
-                  <a:tcPr marL="5153" marR="5153" marT="5153" marB="0" anchor="b">
-                    <a:lnL>
-                      <a:noFill/>
-                    </a:lnL>
-                    <a:lnR>
-                      <a:noFill/>
-                    </a:lnR>
-                    <a:lnT>
-                      <a:noFill/>
-                    </a:lnT>
-                    <a:lnB>
-                      <a:noFill/>
-                    </a:lnB>
-                    <a:solidFill>
-                      <a:srgbClr val="C6EFCE"/>
-                    </a:solidFill>
-                  </a:tcPr>
-                </a:tc>
-              </a:tr>
-              <a:tr h="121617">
-                <a:tc>
-                  <a:txBody>
-                    <a:bodyPr/>
-                    <a:lstStyle/>
-                    <a:p>
-                      <a:pPr algn="l" fontAlgn="b"/>
-                      <a:r>
-                        <a:rPr lang="en-CA" sz="900" b="0" i="0" u="none" strike="noStrike" dirty="0">
-                          <a:solidFill>
-                            <a:srgbClr val="000000"/>
-                          </a:solidFill>
-                          <a:latin typeface="Calibri"/>
-                        </a:rPr>
-                        <a:t>Large user and developer community</a:t>
-                      </a:r>
-                    </a:p>
-                  </a:txBody>
-                  <a:tcPr marL="5153" marR="5153" marT="5153" marB="0" anchor="b">
-                    <a:lnL>
-                      <a:noFill/>
-                    </a:lnL>
-                    <a:lnR>
-                      <a:noFill/>
-                    </a:lnR>
-                    <a:lnT>
-                      <a:noFill/>
-                    </a:lnT>
-                    <a:lnB>
-                      <a:noFill/>
-                    </a:lnB>
-                  </a:tcPr>
-                </a:tc>
-                <a:tc>
-                  <a:txBody>
-                    <a:bodyPr/>
-                    <a:lstStyle/>
-                    <a:p>
-                      <a:pPr algn="l" fontAlgn="b"/>
-                      <a:r>
-                        <a:rPr lang="en-CA" sz="900" b="0" i="0" u="none" strike="noStrike" dirty="0" smtClean="0">
-                          <a:solidFill>
-                            <a:srgbClr val="9C0006"/>
-                          </a:solidFill>
-                          <a:latin typeface="Calibri"/>
-                        </a:rPr>
-                        <a:t>No</a:t>
-                      </a:r>
-                      <a:endParaRPr lang="en-CA" sz="900" b="0" i="0" u="none" strike="noStrike" dirty="0">
-                        <a:solidFill>
-                          <a:srgbClr val="9C0006"/>
-                        </a:solidFill>
-                        <a:latin typeface="Calibri"/>
-                      </a:endParaRPr>
-                    </a:p>
-                  </a:txBody>
-                  <a:tcPr marL="5153" marR="5153" marT="5153" marB="0" anchor="b">
-                    <a:lnL>
-                      <a:noFill/>
-                    </a:lnL>
-                    <a:lnR>
-                      <a:noFill/>
-                    </a:lnR>
-                    <a:lnT>
-                      <a:noFill/>
-                    </a:lnT>
-                    <a:lnB>
-                      <a:noFill/>
-                    </a:lnB>
-                    <a:solidFill>
-                      <a:srgbClr val="FFC7CE"/>
-                    </a:solidFill>
-                  </a:tcPr>
-                </a:tc>
-                <a:tc>
-                  <a:txBody>
-                    <a:bodyPr/>
-                    <a:lstStyle/>
-                    <a:p>
-                      <a:pPr algn="l" fontAlgn="b"/>
-                      <a:r>
-                        <a:rPr lang="en-CA" sz="900" b="0" i="0" u="none" strike="noStrike" dirty="0" smtClean="0">
-                          <a:solidFill>
-                            <a:srgbClr val="006100"/>
-                          </a:solidFill>
-                          <a:latin typeface="Calibri"/>
-                        </a:rPr>
-                        <a:t>Yes</a:t>
-                      </a:r>
-                      <a:endParaRPr lang="en-CA" sz="900" b="0" i="0" u="none" strike="noStrike" dirty="0">
-                        <a:solidFill>
-                          <a:srgbClr val="006100"/>
-                        </a:solidFill>
-                        <a:latin typeface="Calibri"/>
-                      </a:endParaRPr>
-                    </a:p>
-                  </a:txBody>
-                  <a:tcPr marL="5153" marR="5153" marT="5153" marB="0" anchor="b">
-                    <a:lnL>
-                      <a:noFill/>
-                    </a:lnL>
-                    <a:lnR>
-                      <a:noFill/>
-                    </a:lnR>
-                    <a:lnT>
-                      <a:noFill/>
-                    </a:lnT>
-                    <a:lnB>
-                      <a:noFill/>
-                    </a:lnB>
-                    <a:solidFill>
-                      <a:srgbClr val="C6EFCE"/>
-                    </a:solidFill>
-                  </a:tcPr>
-                </a:tc>
-              </a:tr>
-              <a:tr h="121617">
-                <a:tc>
-                  <a:txBody>
-                    <a:bodyPr/>
-                    <a:lstStyle/>
-                    <a:p>
-                      <a:pPr algn="l" fontAlgn="b"/>
-                      <a:r>
-                        <a:rPr lang="en-CA" sz="900" b="0" i="0" u="none" strike="noStrike" dirty="0">
-                          <a:solidFill>
-                            <a:srgbClr val="000000"/>
-                          </a:solidFill>
-                          <a:latin typeface="Calibri"/>
-                        </a:rPr>
-                        <a:t>Annotations (points, ruler, ROI)</a:t>
-                      </a:r>
-                    </a:p>
-                  </a:txBody>
-                  <a:tcPr marL="5153" marR="5153" marT="5153" marB="0" anchor="b">
-                    <a:lnL>
-                      <a:noFill/>
-                    </a:lnL>
-                    <a:lnR>
-                      <a:noFill/>
-                    </a:lnR>
-                    <a:lnT>
-                      <a:noFill/>
-                    </a:lnT>
-                    <a:lnB>
-                      <a:noFill/>
-                    </a:lnB>
-                  </a:tcPr>
-                </a:tc>
-                <a:tc>
-                  <a:txBody>
-                    <a:bodyPr/>
-                    <a:lstStyle/>
-                    <a:p>
-                      <a:pPr algn="l" fontAlgn="b"/>
-                      <a:r>
-                        <a:rPr lang="en-CA" sz="900" b="0" i="0" u="none" strike="noStrike" dirty="0" smtClean="0">
-                          <a:solidFill>
-                            <a:srgbClr val="9C0006"/>
-                          </a:solidFill>
-                          <a:latin typeface="Calibri"/>
-                        </a:rPr>
-                        <a:t>No</a:t>
-                      </a:r>
-                      <a:endParaRPr lang="en-CA" sz="900" b="0" i="0" u="none" strike="noStrike" dirty="0">
-                        <a:solidFill>
-                          <a:srgbClr val="9C0006"/>
-                        </a:solidFill>
-                        <a:latin typeface="Calibri"/>
-                      </a:endParaRPr>
-                    </a:p>
-                  </a:txBody>
-                  <a:tcPr marL="5153" marR="5153" marT="5153" marB="0" anchor="b">
-                    <a:lnL>
-                      <a:noFill/>
-                    </a:lnL>
-                    <a:lnR>
-                      <a:noFill/>
-                    </a:lnR>
-                    <a:lnT>
-                      <a:noFill/>
-                    </a:lnT>
-                    <a:lnB>
-                      <a:noFill/>
-                    </a:lnB>
-                    <a:solidFill>
-                      <a:srgbClr val="FFC7CE"/>
-                    </a:solidFill>
-                  </a:tcPr>
-                </a:tc>
-                <a:tc>
-                  <a:txBody>
-                    <a:bodyPr/>
-                    <a:lstStyle/>
-                    <a:p>
-                      <a:pPr algn="l" fontAlgn="b"/>
-                      <a:r>
-                        <a:rPr lang="en-CA" sz="900" b="0" i="0" u="none" strike="noStrike" dirty="0" smtClean="0">
-                          <a:solidFill>
-                            <a:srgbClr val="006100"/>
-                          </a:solidFill>
-                          <a:latin typeface="Calibri"/>
-                        </a:rPr>
-                        <a:t>Yes</a:t>
-                      </a:r>
-                      <a:endParaRPr lang="en-CA" sz="900" b="0" i="0" u="none" strike="noStrike" dirty="0">
-                        <a:solidFill>
-                          <a:srgbClr val="006100"/>
-                        </a:solidFill>
-                        <a:latin typeface="Calibri"/>
-                      </a:endParaRPr>
-                    </a:p>
-                  </a:txBody>
-                  <a:tcPr marL="5153" marR="5153" marT="5153" marB="0" anchor="b">
-                    <a:lnL>
-                      <a:noFill/>
-                    </a:lnL>
-                    <a:lnR>
-                      <a:noFill/>
-                    </a:lnR>
-                    <a:lnT>
-                      <a:noFill/>
-                    </a:lnT>
-                    <a:lnB>
-                      <a:noFill/>
-                    </a:lnB>
-                    <a:solidFill>
-                      <a:srgbClr val="C6EFCE"/>
-                    </a:solidFill>
-                  </a:tcPr>
-                </a:tc>
-              </a:tr>
-              <a:tr h="121617">
-                <a:tc>
-                  <a:txBody>
-                    <a:bodyPr/>
-                    <a:lstStyle/>
-                    <a:p>
-                      <a:pPr algn="l" fontAlgn="b"/>
-                      <a:r>
-                        <a:rPr lang="en-CA" sz="900" b="0" i="0" u="none" strike="noStrike" dirty="0">
-                          <a:solidFill>
-                            <a:srgbClr val="000000"/>
-                          </a:solidFill>
-                          <a:latin typeface="Calibri"/>
-                        </a:rPr>
-                        <a:t>Multiple OS support (Windows, Linux, Mac)</a:t>
-                      </a:r>
-                    </a:p>
-                  </a:txBody>
-                  <a:tcPr marL="5153" marR="5153" marT="5153" marB="0" anchor="b">
-                    <a:lnL>
-                      <a:noFill/>
-                    </a:lnL>
-                    <a:lnR>
-                      <a:noFill/>
-                    </a:lnR>
-                    <a:lnT>
-                      <a:noFill/>
-                    </a:lnT>
-                    <a:lnB>
-                      <a:noFill/>
-                    </a:lnB>
-                  </a:tcPr>
-                </a:tc>
-                <a:tc>
-                  <a:txBody>
-                    <a:bodyPr/>
-                    <a:lstStyle/>
-                    <a:p>
-                      <a:pPr algn="l" fontAlgn="b"/>
-                      <a:r>
-                        <a:rPr lang="en-CA" sz="900" b="0" i="0" u="none" strike="noStrike" dirty="0" smtClean="0">
-                          <a:solidFill>
-                            <a:srgbClr val="006100"/>
-                          </a:solidFill>
-                          <a:latin typeface="Calibri"/>
-                        </a:rPr>
-                        <a:t>Yes</a:t>
-                      </a:r>
-                      <a:endParaRPr lang="en-CA" sz="900" b="0" i="0" u="none" strike="noStrike" dirty="0">
-                        <a:solidFill>
-                          <a:srgbClr val="006100"/>
-                        </a:solidFill>
-                        <a:latin typeface="Calibri"/>
-                      </a:endParaRPr>
-                    </a:p>
-                  </a:txBody>
-                  <a:tcPr marL="5153" marR="5153" marT="5153" marB="0" anchor="b">
-                    <a:lnL>
-                      <a:noFill/>
-                    </a:lnL>
-                    <a:lnR>
-                      <a:noFill/>
-                    </a:lnR>
-                    <a:lnT>
-                      <a:noFill/>
-                    </a:lnT>
-                    <a:lnB>
-                      <a:noFill/>
-                    </a:lnB>
-                    <a:solidFill>
-                      <a:srgbClr val="C6EFCE"/>
-                    </a:solidFill>
-                  </a:tcPr>
-                </a:tc>
-                <a:tc>
-                  <a:txBody>
-                    <a:bodyPr/>
-                    <a:lstStyle/>
-                    <a:p>
-                      <a:pPr algn="l" fontAlgn="b"/>
-                      <a:r>
-                        <a:rPr lang="en-CA" sz="900" b="0" i="0" u="none" strike="noStrike" dirty="0" smtClean="0">
-                          <a:solidFill>
-                            <a:srgbClr val="006100"/>
-                          </a:solidFill>
-                          <a:latin typeface="Calibri"/>
-                        </a:rPr>
-                        <a:t>Yes</a:t>
-                      </a:r>
-                      <a:endParaRPr lang="en-CA" sz="900" b="0" i="0" u="none" strike="noStrike" dirty="0">
-                        <a:solidFill>
-                          <a:srgbClr val="006100"/>
-                        </a:solidFill>
-                        <a:latin typeface="Calibri"/>
-                      </a:endParaRPr>
-                    </a:p>
-                  </a:txBody>
-                  <a:tcPr marL="5153" marR="5153" marT="5153" marB="0" anchor="b">
-                    <a:lnL>
-                      <a:noFill/>
-                    </a:lnL>
-                    <a:lnR>
-                      <a:noFill/>
-                    </a:lnR>
-                    <a:lnT>
-                      <a:noFill/>
-                    </a:lnT>
-                    <a:lnB>
-                      <a:noFill/>
+                    <a:lnB w="12700" cap="flat" cmpd="sng" algn="ctr">
+                      <a:solidFill>
+                        <a:schemeClr val="tx1"/>
+                      </a:solidFill>
+                      <a:prstDash val="solid"/>
+                      <a:round/>
+                      <a:headEnd type="none" w="med" len="med"/>
+                      <a:tailEnd type="none" w="med" len="med"/>
                     </a:lnB>
                     <a:solidFill>
                       <a:srgbClr val="C6EFCE"/>
@@ -12409,15 +14856,7 @@
                   <a:schemeClr val="tx2"/>
                 </a:solidFill>
               </a:rPr>
-              <a:t> </a:t>
-            </a:r>
-            <a:r>
-              <a:rPr lang="en-CA" b="1" dirty="0" smtClean="0">
-                <a:solidFill>
-                  <a:schemeClr val="tx2"/>
-                </a:solidFill>
-              </a:rPr>
-              <a:t>theme overview</a:t>
+              <a:t> theme overview</a:t>
             </a:r>
             <a:endParaRPr lang="en-CA" b="1" dirty="0">
               <a:solidFill>
@@ -12613,15 +15052,7 @@
                   <a:schemeClr val="tx2"/>
                 </a:solidFill>
               </a:rPr>
-              <a:t> </a:t>
-            </a:r>
-            <a:r>
-              <a:rPr lang="en-CA" b="1" dirty="0" smtClean="0">
-                <a:solidFill>
-                  <a:schemeClr val="tx2"/>
-                </a:solidFill>
-              </a:rPr>
-              <a:t>extension for 3D Slicer</a:t>
+              <a:t> extension for 3D Slicer</a:t>
             </a:r>
             <a:endParaRPr lang="en-CA" b="1" dirty="0">
               <a:solidFill>
@@ -12659,7 +15090,17 @@
           <a:p>
             <a:r>
               <a:rPr lang="en-CA" sz="2200" dirty="0" smtClean="0"/>
-              <a:t>Distributed as a 3D Slicer extension: can be downloaded, installed, upgraded using the extension manager in Slicer</a:t>
+              <a:t>Distributed as a 3D Slicer extension: can be downloaded, installed, upgraded using the extension manager in </a:t>
+            </a:r>
+            <a:r>
+              <a:rPr lang="en-CA" sz="2200" dirty="0" smtClean="0"/>
+              <a:t>Slicer</a:t>
+            </a:r>
+          </a:p>
+          <a:p>
+            <a:r>
+              <a:rPr lang="en-CA" sz="2200" dirty="0" smtClean="0"/>
+              <a:t>Extensive automatic testing done on multiple platforms</a:t>
             </a:r>
             <a:endParaRPr lang="en-CA" sz="2200" dirty="0" smtClean="0"/>
           </a:p>
@@ -12709,7 +15150,7 @@
           <p:nvPr/>
         </p:nvPicPr>
         <p:blipFill>
-          <a:blip r:embed="rId3">
+          <a:blip r:embed="rId3" cstate="print">
             <a:extLst>
               <a:ext uri="{28A0092B-C50C-407E-A947-70E740481C1C}">
                 <a14:useLocalDpi xmlns:a14="http://schemas.microsoft.com/office/drawing/2010/main" val="0"/>
@@ -12723,8 +15164,8 @@
         </p:blipFill>
         <p:spPr bwMode="auto">
           <a:xfrm>
-            <a:off x="1828800" y="2438400"/>
-            <a:ext cx="5502018" cy="3505200"/>
+            <a:off x="4098580" y="2667000"/>
+            <a:ext cx="4903972" cy="3124200"/>
           </a:xfrm>
           <a:prstGeom prst="rect">
             <a:avLst/>
@@ -12741,6 +15182,441 @@
           </a:extLst>
         </p:spPr>
       </p:pic>
+      <p:pic>
+        <p:nvPicPr>
+          <p:cNvPr id="1026" name="Picture 2" descr="C:\Users\lasso\Desktop\AutoTesting.png"/>
+          <p:cNvPicPr>
+            <a:picLocks noChangeAspect="1" noChangeArrowheads="1"/>
+          </p:cNvPicPr>
+          <p:nvPr/>
+        </p:nvPicPr>
+        <p:blipFill>
+          <a:blip r:embed="rId4" cstate="print">
+            <a:extLst>
+              <a:ext uri="{28A0092B-C50C-407E-A947-70E740481C1C}">
+                <a14:useLocalDpi xmlns:a14="http://schemas.microsoft.com/office/drawing/2010/main" val="0"/>
+              </a:ext>
+            </a:extLst>
+          </a:blip>
+          <a:srcRect/>
+          <a:stretch>
+            <a:fillRect/>
+          </a:stretch>
+        </p:blipFill>
+        <p:spPr bwMode="auto">
+          <a:xfrm>
+            <a:off x="533400" y="3352800"/>
+            <a:ext cx="4623780" cy="2752980"/>
+          </a:xfrm>
+          <a:prstGeom prst="rect">
+            <a:avLst/>
+          </a:prstGeom>
+          <a:noFill/>
+          <a:extLst>
+            <a:ext uri="{909E8E84-426E-40DD-AFC4-6F175D3DCCD1}">
+              <a14:hiddenFill xmlns:a14="http://schemas.microsoft.com/office/drawing/2010/main">
+                <a:solidFill>
+                  <a:srgbClr val="FFFFFF"/>
+                </a:solidFill>
+              </a14:hiddenFill>
+            </a:ext>
+          </a:extLst>
+        </p:spPr>
+      </p:pic>
+      <p:sp>
+        <p:nvSpPr>
+          <p:cNvPr id="8" name="Content Placeholder 2"/>
+          <p:cNvSpPr txBox="1">
+            <a:spLocks/>
+          </p:cNvSpPr>
+          <p:nvPr/>
+        </p:nvSpPr>
+        <p:spPr bwMode="auto">
+          <a:xfrm>
+            <a:off x="457200" y="3048000"/>
+            <a:ext cx="3461657" cy="381000"/>
+          </a:xfrm>
+          <a:prstGeom prst="rect">
+            <a:avLst/>
+          </a:prstGeom>
+          <a:noFill/>
+          <a:ln w="9525">
+            <a:noFill/>
+            <a:miter lim="800000"/>
+            <a:headEnd/>
+            <a:tailEnd/>
+          </a:ln>
+        </p:spPr>
+        <p:txBody>
+          <a:bodyPr vert="horz" wrap="square" lIns="91440" tIns="45720" rIns="91440" bIns="45720" numCol="1" anchor="t" anchorCtr="0" compatLnSpc="1">
+            <a:prstTxWarp prst="textNoShape">
+              <a:avLst/>
+            </a:prstTxWarp>
+          </a:bodyPr>
+          <a:lstStyle>
+            <a:lvl1pPr marL="342900" indent="-342900" algn="l" rtl="0" eaLnBrk="0" fontAlgn="base" hangingPunct="0">
+              <a:spcBef>
+                <a:spcPct val="20000"/>
+              </a:spcBef>
+              <a:spcAft>
+                <a:spcPct val="0"/>
+              </a:spcAft>
+              <a:buFont typeface="Arial" charset="0"/>
+              <a:buChar char="•"/>
+              <a:defRPr sz="3200" kern="1200">
+                <a:solidFill>
+                  <a:schemeClr val="tx1"/>
+                </a:solidFill>
+                <a:latin typeface="+mn-lt"/>
+                <a:ea typeface="+mn-ea"/>
+                <a:cs typeface="+mn-cs"/>
+              </a:defRPr>
+            </a:lvl1pPr>
+            <a:lvl2pPr marL="742950" indent="-285750" algn="l" rtl="0" eaLnBrk="0" fontAlgn="base" hangingPunct="0">
+              <a:spcBef>
+                <a:spcPct val="20000"/>
+              </a:spcBef>
+              <a:spcAft>
+                <a:spcPct val="0"/>
+              </a:spcAft>
+              <a:buFont typeface="Arial" charset="0"/>
+              <a:buChar char="–"/>
+              <a:defRPr sz="2800" kern="1200">
+                <a:solidFill>
+                  <a:schemeClr val="tx1"/>
+                </a:solidFill>
+                <a:latin typeface="+mn-lt"/>
+                <a:ea typeface="+mn-ea"/>
+                <a:cs typeface="+mn-cs"/>
+              </a:defRPr>
+            </a:lvl2pPr>
+            <a:lvl3pPr marL="1143000" indent="-228600" algn="l" rtl="0" eaLnBrk="0" fontAlgn="base" hangingPunct="0">
+              <a:spcBef>
+                <a:spcPct val="20000"/>
+              </a:spcBef>
+              <a:spcAft>
+                <a:spcPct val="0"/>
+              </a:spcAft>
+              <a:buFont typeface="Arial" charset="0"/>
+              <a:buChar char="•"/>
+              <a:defRPr sz="2400" kern="1200">
+                <a:solidFill>
+                  <a:schemeClr val="tx1"/>
+                </a:solidFill>
+                <a:latin typeface="+mn-lt"/>
+                <a:ea typeface="+mn-ea"/>
+                <a:cs typeface="+mn-cs"/>
+              </a:defRPr>
+            </a:lvl3pPr>
+            <a:lvl4pPr marL="1600200" indent="-228600" algn="l" rtl="0" eaLnBrk="0" fontAlgn="base" hangingPunct="0">
+              <a:spcBef>
+                <a:spcPct val="20000"/>
+              </a:spcBef>
+              <a:spcAft>
+                <a:spcPct val="0"/>
+              </a:spcAft>
+              <a:buFont typeface="Arial" charset="0"/>
+              <a:buChar char="–"/>
+              <a:defRPr sz="2000" kern="1200">
+                <a:solidFill>
+                  <a:schemeClr val="tx1"/>
+                </a:solidFill>
+                <a:latin typeface="+mn-lt"/>
+                <a:ea typeface="+mn-ea"/>
+                <a:cs typeface="+mn-cs"/>
+              </a:defRPr>
+            </a:lvl4pPr>
+            <a:lvl5pPr marL="2057400" indent="-228600" algn="l" rtl="0" eaLnBrk="0" fontAlgn="base" hangingPunct="0">
+              <a:spcBef>
+                <a:spcPct val="20000"/>
+              </a:spcBef>
+              <a:spcAft>
+                <a:spcPct val="0"/>
+              </a:spcAft>
+              <a:buFont typeface="Arial" charset="0"/>
+              <a:buChar char="»"/>
+              <a:defRPr sz="2000" kern="1200">
+                <a:solidFill>
+                  <a:schemeClr val="tx1"/>
+                </a:solidFill>
+                <a:latin typeface="+mn-lt"/>
+                <a:ea typeface="+mn-ea"/>
+                <a:cs typeface="+mn-cs"/>
+              </a:defRPr>
+            </a:lvl5pPr>
+            <a:lvl6pPr marL="2514600" indent="-228600" algn="l" defTabSz="914400" rtl="0" eaLnBrk="1" latinLnBrk="0" hangingPunct="1">
+              <a:spcBef>
+                <a:spcPct val="20000"/>
+              </a:spcBef>
+              <a:buFont typeface="Arial" pitchFamily="34" charset="0"/>
+              <a:buChar char="•"/>
+              <a:defRPr sz="2000" kern="1200">
+                <a:solidFill>
+                  <a:schemeClr val="tx1"/>
+                </a:solidFill>
+                <a:latin typeface="+mn-lt"/>
+                <a:ea typeface="+mn-ea"/>
+                <a:cs typeface="+mn-cs"/>
+              </a:defRPr>
+            </a:lvl6pPr>
+            <a:lvl7pPr marL="2971800" indent="-228600" algn="l" defTabSz="914400" rtl="0" eaLnBrk="1" latinLnBrk="0" hangingPunct="1">
+              <a:spcBef>
+                <a:spcPct val="20000"/>
+              </a:spcBef>
+              <a:buFont typeface="Arial" pitchFamily="34" charset="0"/>
+              <a:buChar char="•"/>
+              <a:defRPr sz="2000" kern="1200">
+                <a:solidFill>
+                  <a:schemeClr val="tx1"/>
+                </a:solidFill>
+                <a:latin typeface="+mn-lt"/>
+                <a:ea typeface="+mn-ea"/>
+                <a:cs typeface="+mn-cs"/>
+              </a:defRPr>
+            </a:lvl7pPr>
+            <a:lvl8pPr marL="3429000" indent="-228600" algn="l" defTabSz="914400" rtl="0" eaLnBrk="1" latinLnBrk="0" hangingPunct="1">
+              <a:spcBef>
+                <a:spcPct val="20000"/>
+              </a:spcBef>
+              <a:buFont typeface="Arial" pitchFamily="34" charset="0"/>
+              <a:buChar char="•"/>
+              <a:defRPr sz="2000" kern="1200">
+                <a:solidFill>
+                  <a:schemeClr val="tx1"/>
+                </a:solidFill>
+                <a:latin typeface="+mn-lt"/>
+                <a:ea typeface="+mn-ea"/>
+                <a:cs typeface="+mn-cs"/>
+              </a:defRPr>
+            </a:lvl8pPr>
+            <a:lvl9pPr marL="3886200" indent="-228600" algn="l" defTabSz="914400" rtl="0" eaLnBrk="1" latinLnBrk="0" hangingPunct="1">
+              <a:spcBef>
+                <a:spcPct val="20000"/>
+              </a:spcBef>
+              <a:buFont typeface="Arial" pitchFamily="34" charset="0"/>
+              <a:buChar char="•"/>
+              <a:defRPr sz="2000" kern="1200">
+                <a:solidFill>
+                  <a:schemeClr val="tx1"/>
+                </a:solidFill>
+                <a:latin typeface="+mn-lt"/>
+                <a:ea typeface="+mn-ea"/>
+                <a:cs typeface="+mn-cs"/>
+              </a:defRPr>
+            </a:lvl9pPr>
+          </a:lstStyle>
+          <a:p>
+            <a:pPr marL="0" indent="0">
+              <a:buFont typeface="Arial" charset="0"/>
+              <a:buNone/>
+            </a:pPr>
+            <a:r>
+              <a:rPr lang="en-CA" sz="1400" dirty="0" smtClean="0"/>
+              <a:t>Dashboard showing automatic test results</a:t>
+            </a:r>
+            <a:endParaRPr lang="en-CA" sz="1400" dirty="0" smtClean="0"/>
+          </a:p>
+        </p:txBody>
+      </p:sp>
+      <p:sp>
+        <p:nvSpPr>
+          <p:cNvPr id="9" name="Content Placeholder 2"/>
+          <p:cNvSpPr txBox="1">
+            <a:spLocks/>
+          </p:cNvSpPr>
+          <p:nvPr/>
+        </p:nvSpPr>
+        <p:spPr bwMode="auto">
+          <a:xfrm>
+            <a:off x="5606143" y="5791200"/>
+            <a:ext cx="3461657" cy="381000"/>
+          </a:xfrm>
+          <a:prstGeom prst="rect">
+            <a:avLst/>
+          </a:prstGeom>
+          <a:noFill/>
+          <a:ln w="9525">
+            <a:noFill/>
+            <a:miter lim="800000"/>
+            <a:headEnd/>
+            <a:tailEnd/>
+          </a:ln>
+        </p:spPr>
+        <p:txBody>
+          <a:bodyPr vert="horz" wrap="square" lIns="91440" tIns="45720" rIns="91440" bIns="45720" numCol="1" anchor="t" anchorCtr="0" compatLnSpc="1">
+            <a:prstTxWarp prst="textNoShape">
+              <a:avLst/>
+            </a:prstTxWarp>
+          </a:bodyPr>
+          <a:lstStyle>
+            <a:lvl1pPr marL="342900" indent="-342900" algn="l" rtl="0" eaLnBrk="0" fontAlgn="base" hangingPunct="0">
+              <a:spcBef>
+                <a:spcPct val="20000"/>
+              </a:spcBef>
+              <a:spcAft>
+                <a:spcPct val="0"/>
+              </a:spcAft>
+              <a:buFont typeface="Arial" charset="0"/>
+              <a:buChar char="•"/>
+              <a:defRPr sz="3200" kern="1200">
+                <a:solidFill>
+                  <a:schemeClr val="tx1"/>
+                </a:solidFill>
+                <a:latin typeface="+mn-lt"/>
+                <a:ea typeface="+mn-ea"/>
+                <a:cs typeface="+mn-cs"/>
+              </a:defRPr>
+            </a:lvl1pPr>
+            <a:lvl2pPr marL="742950" indent="-285750" algn="l" rtl="0" eaLnBrk="0" fontAlgn="base" hangingPunct="0">
+              <a:spcBef>
+                <a:spcPct val="20000"/>
+              </a:spcBef>
+              <a:spcAft>
+                <a:spcPct val="0"/>
+              </a:spcAft>
+              <a:buFont typeface="Arial" charset="0"/>
+              <a:buChar char="–"/>
+              <a:defRPr sz="2800" kern="1200">
+                <a:solidFill>
+                  <a:schemeClr val="tx1"/>
+                </a:solidFill>
+                <a:latin typeface="+mn-lt"/>
+                <a:ea typeface="+mn-ea"/>
+                <a:cs typeface="+mn-cs"/>
+              </a:defRPr>
+            </a:lvl2pPr>
+            <a:lvl3pPr marL="1143000" indent="-228600" algn="l" rtl="0" eaLnBrk="0" fontAlgn="base" hangingPunct="0">
+              <a:spcBef>
+                <a:spcPct val="20000"/>
+              </a:spcBef>
+              <a:spcAft>
+                <a:spcPct val="0"/>
+              </a:spcAft>
+              <a:buFont typeface="Arial" charset="0"/>
+              <a:buChar char="•"/>
+              <a:defRPr sz="2400" kern="1200">
+                <a:solidFill>
+                  <a:schemeClr val="tx1"/>
+                </a:solidFill>
+                <a:latin typeface="+mn-lt"/>
+                <a:ea typeface="+mn-ea"/>
+                <a:cs typeface="+mn-cs"/>
+              </a:defRPr>
+            </a:lvl3pPr>
+            <a:lvl4pPr marL="1600200" indent="-228600" algn="l" rtl="0" eaLnBrk="0" fontAlgn="base" hangingPunct="0">
+              <a:spcBef>
+                <a:spcPct val="20000"/>
+              </a:spcBef>
+              <a:spcAft>
+                <a:spcPct val="0"/>
+              </a:spcAft>
+              <a:buFont typeface="Arial" charset="0"/>
+              <a:buChar char="–"/>
+              <a:defRPr sz="2000" kern="1200">
+                <a:solidFill>
+                  <a:schemeClr val="tx1"/>
+                </a:solidFill>
+                <a:latin typeface="+mn-lt"/>
+                <a:ea typeface="+mn-ea"/>
+                <a:cs typeface="+mn-cs"/>
+              </a:defRPr>
+            </a:lvl4pPr>
+            <a:lvl5pPr marL="2057400" indent="-228600" algn="l" rtl="0" eaLnBrk="0" fontAlgn="base" hangingPunct="0">
+              <a:spcBef>
+                <a:spcPct val="20000"/>
+              </a:spcBef>
+              <a:spcAft>
+                <a:spcPct val="0"/>
+              </a:spcAft>
+              <a:buFont typeface="Arial" charset="0"/>
+              <a:buChar char="»"/>
+              <a:defRPr sz="2000" kern="1200">
+                <a:solidFill>
+                  <a:schemeClr val="tx1"/>
+                </a:solidFill>
+                <a:latin typeface="+mn-lt"/>
+                <a:ea typeface="+mn-ea"/>
+                <a:cs typeface="+mn-cs"/>
+              </a:defRPr>
+            </a:lvl5pPr>
+            <a:lvl6pPr marL="2514600" indent="-228600" algn="l" defTabSz="914400" rtl="0" eaLnBrk="1" latinLnBrk="0" hangingPunct="1">
+              <a:spcBef>
+                <a:spcPct val="20000"/>
+              </a:spcBef>
+              <a:buFont typeface="Arial" pitchFamily="34" charset="0"/>
+              <a:buChar char="•"/>
+              <a:defRPr sz="2000" kern="1200">
+                <a:solidFill>
+                  <a:schemeClr val="tx1"/>
+                </a:solidFill>
+                <a:latin typeface="+mn-lt"/>
+                <a:ea typeface="+mn-ea"/>
+                <a:cs typeface="+mn-cs"/>
+              </a:defRPr>
+            </a:lvl6pPr>
+            <a:lvl7pPr marL="2971800" indent="-228600" algn="l" defTabSz="914400" rtl="0" eaLnBrk="1" latinLnBrk="0" hangingPunct="1">
+              <a:spcBef>
+                <a:spcPct val="20000"/>
+              </a:spcBef>
+              <a:buFont typeface="Arial" pitchFamily="34" charset="0"/>
+              <a:buChar char="•"/>
+              <a:defRPr sz="2000" kern="1200">
+                <a:solidFill>
+                  <a:schemeClr val="tx1"/>
+                </a:solidFill>
+                <a:latin typeface="+mn-lt"/>
+                <a:ea typeface="+mn-ea"/>
+                <a:cs typeface="+mn-cs"/>
+              </a:defRPr>
+            </a:lvl7pPr>
+            <a:lvl8pPr marL="3429000" indent="-228600" algn="l" defTabSz="914400" rtl="0" eaLnBrk="1" latinLnBrk="0" hangingPunct="1">
+              <a:spcBef>
+                <a:spcPct val="20000"/>
+              </a:spcBef>
+              <a:buFont typeface="Arial" pitchFamily="34" charset="0"/>
+              <a:buChar char="•"/>
+              <a:defRPr sz="2000" kern="1200">
+                <a:solidFill>
+                  <a:schemeClr val="tx1"/>
+                </a:solidFill>
+                <a:latin typeface="+mn-lt"/>
+                <a:ea typeface="+mn-ea"/>
+                <a:cs typeface="+mn-cs"/>
+              </a:defRPr>
+            </a:lvl8pPr>
+            <a:lvl9pPr marL="3886200" indent="-228600" algn="l" defTabSz="914400" rtl="0" eaLnBrk="1" latinLnBrk="0" hangingPunct="1">
+              <a:spcBef>
+                <a:spcPct val="20000"/>
+              </a:spcBef>
+              <a:buFont typeface="Arial" pitchFamily="34" charset="0"/>
+              <a:buChar char="•"/>
+              <a:defRPr sz="2000" kern="1200">
+                <a:solidFill>
+                  <a:schemeClr val="tx1"/>
+                </a:solidFill>
+                <a:latin typeface="+mn-lt"/>
+                <a:ea typeface="+mn-ea"/>
+                <a:cs typeface="+mn-cs"/>
+              </a:defRPr>
+            </a:lvl9pPr>
+          </a:lstStyle>
+          <a:p>
+            <a:pPr marL="0" indent="0" algn="r">
+              <a:buFont typeface="Arial" charset="0"/>
+              <a:buNone/>
+            </a:pPr>
+            <a:r>
+              <a:rPr lang="en-CA" sz="1400" dirty="0" err="1" smtClean="0"/>
+              <a:t>SlicerRT</a:t>
+            </a:r>
+            <a:r>
+              <a:rPr lang="en-CA" sz="1400" dirty="0" smtClean="0"/>
+              <a:t> in the 3D Slicer app store (free)</a:t>
+            </a:r>
+            <a:endParaRPr lang="en-CA" sz="1400" dirty="0" smtClean="0"/>
+          </a:p>
+        </p:txBody>
+      </p:sp>
     </p:spTree>
   </p:cSld>
   <p:clrMapOvr>
@@ -13810,7 +16686,6 @@
               <a:rPr lang="en-CA" sz="2200" dirty="0" smtClean="0"/>
               <a:t>Available metrics:</a:t>
             </a:r>
-            <a:endParaRPr lang="en-CA" sz="2200" dirty="0" smtClean="0"/>
           </a:p>
           <a:p>
             <a:r>
@@ -13857,13 +16732,8 @@
             </a:pPr>
             <a:r>
               <a:rPr lang="en-CA" sz="2200" dirty="0" smtClean="0"/>
-              <a:t>Values can be exported to CSV </a:t>
-            </a:r>
-            <a:r>
-              <a:rPr lang="en-CA" sz="2200" dirty="0" smtClean="0"/>
-              <a:t>file for further analysis.</a:t>
-            </a:r>
-            <a:endParaRPr lang="en-CA" sz="2200" dirty="0" smtClean="0"/>
+              <a:t>Values can be exported to CSV file for further analysis.</a:t>
+            </a:r>
           </a:p>
         </p:txBody>
       </p:sp>

--- a/overview/SlicerRtOverview.pptx
+++ b/overview/SlicerRtOverview.pptx
@@ -5,7 +5,7 @@
     <p:sldMasterId id="2147483648" r:id="rId1"/>
   </p:sldMasterIdLst>
   <p:notesMasterIdLst>
-    <p:notesMasterId r:id="rId18"/>
+    <p:notesMasterId r:id="rId20"/>
   </p:notesMasterIdLst>
   <p:sldIdLst>
     <p:sldId id="256" r:id="rId2"/>
@@ -19,11 +19,13 @@
     <p:sldId id="397" r:id="rId10"/>
     <p:sldId id="398" r:id="rId11"/>
     <p:sldId id="392" r:id="rId12"/>
-    <p:sldId id="401" r:id="rId13"/>
-    <p:sldId id="390" r:id="rId14"/>
-    <p:sldId id="399" r:id="rId15"/>
-    <p:sldId id="379" r:id="rId16"/>
-    <p:sldId id="381" r:id="rId17"/>
+    <p:sldId id="402" r:id="rId13"/>
+    <p:sldId id="403" r:id="rId14"/>
+    <p:sldId id="401" r:id="rId15"/>
+    <p:sldId id="390" r:id="rId16"/>
+    <p:sldId id="399" r:id="rId17"/>
+    <p:sldId id="379" r:id="rId18"/>
+    <p:sldId id="381" r:id="rId19"/>
   </p:sldIdLst>
   <p:sldSz cx="9144000" cy="6858000" type="screen4x3"/>
   <p:notesSz cx="6858000" cy="9144000"/>
@@ -262,7 +264,7 @@
               <a:pPr>
                 <a:defRPr/>
               </a:pPr>
-              <a:t>7/24/2012</a:t>
+              <a:t>8/20/2012</a:t>
             </a:fld>
             <a:endParaRPr lang="en-US"/>
           </a:p>
@@ -901,7 +903,7 @@
             <a:fld id="{1F1EA7EA-3873-4A18-AC34-55CD348F4F74}" type="slidenum">
               <a:rPr lang="en-US" smtClean="0"/>
               <a:pPr/>
-              <a:t>14</a:t>
+              <a:t>13</a:t>
             </a:fld>
             <a:endParaRPr lang="en-US"/>
           </a:p>
@@ -961,7 +963,7 @@
           </a:bodyPr>
           <a:lstStyle/>
           <a:p>
-            <a:endParaRPr lang="en-US" dirty="0" smtClean="0"/>
+            <a:endParaRPr lang="en-CA" dirty="0"/>
           </a:p>
         </p:txBody>
       </p:sp>
@@ -983,7 +985,7 @@
             <a:fld id="{1F1EA7EA-3873-4A18-AC34-55CD348F4F74}" type="slidenum">
               <a:rPr lang="en-US" smtClean="0"/>
               <a:pPr/>
-              <a:t>15</a:t>
+              <a:t>14</a:t>
             </a:fld>
             <a:endParaRPr lang="en-US"/>
           </a:p>
@@ -1066,6 +1068,170 @@
               <a:rPr lang="en-US" smtClean="0"/>
               <a:pPr/>
               <a:t>16</a:t>
+            </a:fld>
+            <a:endParaRPr lang="en-US"/>
+          </a:p>
+        </p:txBody>
+      </p:sp>
+    </p:spTree>
+  </p:cSld>
+  <p:clrMapOvr>
+    <a:masterClrMapping/>
+  </p:clrMapOvr>
+</p:notes>
+</file>
+
+<file path=ppt/notesSlides/notesSlide15.xml><?xml version="1.0" encoding="utf-8"?>
+<p:notes xmlns:a="http://schemas.openxmlformats.org/drawingml/2006/main" xmlns:r="http://schemas.openxmlformats.org/officeDocument/2006/relationships" xmlns:p="http://schemas.openxmlformats.org/presentationml/2006/main">
+  <p:cSld>
+    <p:spTree>
+      <p:nvGrpSpPr>
+        <p:cNvPr id="1" name=""/>
+        <p:cNvGrpSpPr/>
+        <p:nvPr/>
+      </p:nvGrpSpPr>
+      <p:grpSpPr>
+        <a:xfrm>
+          <a:off x="0" y="0"/>
+          <a:ext cx="0" cy="0"/>
+          <a:chOff x="0" y="0"/>
+          <a:chExt cx="0" cy="0"/>
+        </a:xfrm>
+      </p:grpSpPr>
+      <p:sp>
+        <p:nvSpPr>
+          <p:cNvPr id="2" name="Slide Image Placeholder 1"/>
+          <p:cNvSpPr>
+            <a:spLocks noGrp="1" noRot="1" noChangeAspect="1"/>
+          </p:cNvSpPr>
+          <p:nvPr>
+            <p:ph type="sldImg"/>
+          </p:nvPr>
+        </p:nvSpPr>
+        <p:spPr/>
+      </p:sp>
+      <p:sp>
+        <p:nvSpPr>
+          <p:cNvPr id="3" name="Notes Placeholder 2"/>
+          <p:cNvSpPr>
+            <a:spLocks noGrp="1"/>
+          </p:cNvSpPr>
+          <p:nvPr>
+            <p:ph type="body" idx="1"/>
+          </p:nvPr>
+        </p:nvSpPr>
+        <p:spPr/>
+        <p:txBody>
+          <a:bodyPr>
+            <a:normAutofit/>
+          </a:bodyPr>
+          <a:lstStyle/>
+          <a:p>
+            <a:endParaRPr lang="en-US" dirty="0" smtClean="0"/>
+          </a:p>
+        </p:txBody>
+      </p:sp>
+      <p:sp>
+        <p:nvSpPr>
+          <p:cNvPr id="4" name="Slide Number Placeholder 3"/>
+          <p:cNvSpPr>
+            <a:spLocks noGrp="1"/>
+          </p:cNvSpPr>
+          <p:nvPr>
+            <p:ph type="sldNum" sz="quarter" idx="10"/>
+          </p:nvPr>
+        </p:nvSpPr>
+        <p:spPr/>
+        <p:txBody>
+          <a:bodyPr/>
+          <a:lstStyle/>
+          <a:p>
+            <a:fld id="{1F1EA7EA-3873-4A18-AC34-55CD348F4F74}" type="slidenum">
+              <a:rPr lang="en-US" smtClean="0"/>
+              <a:pPr/>
+              <a:t>17</a:t>
+            </a:fld>
+            <a:endParaRPr lang="en-US"/>
+          </a:p>
+        </p:txBody>
+      </p:sp>
+    </p:spTree>
+  </p:cSld>
+  <p:clrMapOvr>
+    <a:masterClrMapping/>
+  </p:clrMapOvr>
+</p:notes>
+</file>
+
+<file path=ppt/notesSlides/notesSlide16.xml><?xml version="1.0" encoding="utf-8"?>
+<p:notes xmlns:a="http://schemas.openxmlformats.org/drawingml/2006/main" xmlns:r="http://schemas.openxmlformats.org/officeDocument/2006/relationships" xmlns:p="http://schemas.openxmlformats.org/presentationml/2006/main">
+  <p:cSld>
+    <p:spTree>
+      <p:nvGrpSpPr>
+        <p:cNvPr id="1" name=""/>
+        <p:cNvGrpSpPr/>
+        <p:nvPr/>
+      </p:nvGrpSpPr>
+      <p:grpSpPr>
+        <a:xfrm>
+          <a:off x="0" y="0"/>
+          <a:ext cx="0" cy="0"/>
+          <a:chOff x="0" y="0"/>
+          <a:chExt cx="0" cy="0"/>
+        </a:xfrm>
+      </p:grpSpPr>
+      <p:sp>
+        <p:nvSpPr>
+          <p:cNvPr id="2" name="Slide Image Placeholder 1"/>
+          <p:cNvSpPr>
+            <a:spLocks noGrp="1" noRot="1" noChangeAspect="1"/>
+          </p:cNvSpPr>
+          <p:nvPr>
+            <p:ph type="sldImg"/>
+          </p:nvPr>
+        </p:nvSpPr>
+        <p:spPr/>
+      </p:sp>
+      <p:sp>
+        <p:nvSpPr>
+          <p:cNvPr id="3" name="Notes Placeholder 2"/>
+          <p:cNvSpPr>
+            <a:spLocks noGrp="1"/>
+          </p:cNvSpPr>
+          <p:nvPr>
+            <p:ph type="body" idx="1"/>
+          </p:nvPr>
+        </p:nvSpPr>
+        <p:spPr/>
+        <p:txBody>
+          <a:bodyPr>
+            <a:normAutofit/>
+          </a:bodyPr>
+          <a:lstStyle/>
+          <a:p>
+            <a:endParaRPr lang="en-CA" dirty="0"/>
+          </a:p>
+        </p:txBody>
+      </p:sp>
+      <p:sp>
+        <p:nvSpPr>
+          <p:cNvPr id="4" name="Slide Number Placeholder 3"/>
+          <p:cNvSpPr>
+            <a:spLocks noGrp="1"/>
+          </p:cNvSpPr>
+          <p:nvPr>
+            <p:ph type="sldNum" sz="quarter" idx="10"/>
+          </p:nvPr>
+        </p:nvSpPr>
+        <p:spPr/>
+        <p:txBody>
+          <a:bodyPr/>
+          <a:lstStyle/>
+          <a:p>
+            <a:fld id="{1F1EA7EA-3873-4A18-AC34-55CD348F4F74}" type="slidenum">
+              <a:rPr lang="en-US" smtClean="0"/>
+              <a:pPr/>
+              <a:t>18</a:t>
             </a:fld>
             <a:endParaRPr lang="en-US"/>
           </a:p>
@@ -6489,9 +6655,46 @@
           </a:p>
         </p:txBody>
       </p:sp>
+      <p:sp>
+        <p:nvSpPr>
+          <p:cNvPr id="5" name="Title 1"/>
+          <p:cNvSpPr>
+            <a:spLocks noGrp="1"/>
+          </p:cNvSpPr>
+          <p:nvPr>
+            <p:ph type="title"/>
+          </p:nvPr>
+        </p:nvSpPr>
+        <p:spPr>
+          <a:xfrm>
+            <a:off x="228600" y="0"/>
+            <a:ext cx="8686800" cy="1143000"/>
+          </a:xfrm>
+        </p:spPr>
+        <p:txBody>
+          <a:bodyPr/>
+          <a:lstStyle/>
+          <a:p>
+            <a:pPr algn="l"/>
+            <a:r>
+              <a:rPr lang="en-CA" sz="3600" b="1" dirty="0" smtClean="0">
+                <a:solidFill>
+                  <a:schemeClr val="tx2"/>
+                </a:solidFill>
+              </a:rPr>
+              <a:t>DVH plot</a:t>
+            </a:r>
+            <a:endParaRPr lang="en-CA" sz="3600" b="1" dirty="0">
+              <a:solidFill>
+                <a:schemeClr val="tx2"/>
+              </a:solidFill>
+            </a:endParaRPr>
+          </a:p>
+        </p:txBody>
+      </p:sp>
       <p:pic>
         <p:nvPicPr>
-          <p:cNvPr id="1028" name="Picture 4" descr="C:\Users\lasso\Desktop\DvhPlot.png"/>
+          <p:cNvPr id="5122" name="Picture 2"/>
           <p:cNvPicPr>
             <a:picLocks noChangeAspect="1" noChangeArrowheads="1"/>
           </p:cNvPicPr>
@@ -6512,61 +6715,47 @@
         </p:blipFill>
         <p:spPr bwMode="auto">
           <a:xfrm>
-            <a:off x="3614057" y="1938347"/>
-            <a:ext cx="5227765" cy="4006808"/>
+            <a:off x="3048000" y="1852627"/>
+            <a:ext cx="5848350" cy="4167173"/>
           </a:xfrm>
           <a:prstGeom prst="rect">
             <a:avLst/>
           </a:prstGeom>
           <a:noFill/>
+          <a:ln>
+            <a:noFill/>
+          </a:ln>
+          <a:effectLst/>
           <a:extLst>
             <a:ext uri="{909E8E84-426E-40DD-AFC4-6F175D3DCCD1}">
               <a14:hiddenFill xmlns:a14="http://schemas.microsoft.com/office/drawing/2010/main">
                 <a:solidFill>
-                  <a:srgbClr val="FFFFFF"/>
+                  <a:schemeClr val="accent1"/>
                 </a:solidFill>
               </a14:hiddenFill>
+            </a:ext>
+            <a:ext uri="{91240B29-F687-4F45-9708-019B960494DF}">
+              <a14:hiddenLine xmlns:a14="http://schemas.microsoft.com/office/drawing/2010/main" w="9525">
+                <a:solidFill>
+                  <a:schemeClr val="tx1"/>
+                </a:solidFill>
+                <a:miter lim="800000"/>
+                <a:headEnd/>
+                <a:tailEnd/>
+              </a14:hiddenLine>
+            </a:ext>
+            <a:ext uri="{AF507438-7753-43E0-B8FC-AC1667EBCBE1}">
+              <a14:hiddenEffects xmlns:a14="http://schemas.microsoft.com/office/drawing/2010/main">
+                <a:effectLst>
+                  <a:outerShdw dist="35921" dir="2700000" algn="ctr" rotWithShape="0">
+                    <a:schemeClr val="bg2"/>
+                  </a:outerShdw>
+                </a:effectLst>
+              </a14:hiddenEffects>
             </a:ext>
           </a:extLst>
         </p:spPr>
       </p:pic>
-      <p:sp>
-        <p:nvSpPr>
-          <p:cNvPr id="5" name="Title 1"/>
-          <p:cNvSpPr>
-            <a:spLocks noGrp="1"/>
-          </p:cNvSpPr>
-          <p:nvPr>
-            <p:ph type="title"/>
-          </p:nvPr>
-        </p:nvSpPr>
-        <p:spPr>
-          <a:xfrm>
-            <a:off x="228600" y="0"/>
-            <a:ext cx="8686800" cy="1143000"/>
-          </a:xfrm>
-        </p:spPr>
-        <p:txBody>
-          <a:bodyPr/>
-          <a:lstStyle/>
-          <a:p>
-            <a:pPr algn="l"/>
-            <a:r>
-              <a:rPr lang="en-CA" sz="3600" b="1" dirty="0" smtClean="0">
-                <a:solidFill>
-                  <a:schemeClr val="tx2"/>
-                </a:solidFill>
-              </a:rPr>
-              <a:t>DVH plot</a:t>
-            </a:r>
-            <a:endParaRPr lang="en-CA" sz="3600" b="1" dirty="0">
-              <a:solidFill>
-                <a:schemeClr val="tx2"/>
-              </a:solidFill>
-            </a:endParaRPr>
-          </a:p>
-        </p:txBody>
-      </p:sp>
     </p:spTree>
     <p:extLst>
       <p:ext uri="{BB962C8B-B14F-4D97-AF65-F5344CB8AC3E}">
@@ -6604,6 +6793,70 @@
           <a:chExt cx="0" cy="0"/>
         </a:xfrm>
       </p:grpSpPr>
+      <p:pic>
+        <p:nvPicPr>
+          <p:cNvPr id="6147" name="Picture 3"/>
+          <p:cNvPicPr>
+            <a:picLocks noChangeAspect="1" noChangeArrowheads="1"/>
+          </p:cNvPicPr>
+          <p:nvPr/>
+        </p:nvPicPr>
+        <p:blipFill>
+          <a:blip r:embed="rId3">
+            <a:extLst>
+              <a:ext uri="{28A0092B-C50C-407E-A947-70E740481C1C}">
+                <a14:useLocalDpi xmlns:a14="http://schemas.microsoft.com/office/drawing/2010/main" val="0"/>
+              </a:ext>
+            </a:extLst>
+          </a:blip>
+          <a:srcRect/>
+          <a:stretch>
+            <a:fillRect/>
+          </a:stretch>
+        </p:blipFill>
+        <p:spPr bwMode="auto">
+          <a:xfrm>
+            <a:off x="2362200" y="914400"/>
+            <a:ext cx="5949010" cy="5360065"/>
+          </a:xfrm>
+          <a:prstGeom prst="rect">
+            <a:avLst/>
+          </a:prstGeom>
+          <a:noFill/>
+          <a:ln>
+            <a:noFill/>
+          </a:ln>
+          <a:effectLst/>
+          <a:extLst>
+            <a:ext uri="{909E8E84-426E-40DD-AFC4-6F175D3DCCD1}">
+              <a14:hiddenFill xmlns:a14="http://schemas.microsoft.com/office/drawing/2010/main">
+                <a:solidFill>
+                  <a:schemeClr val="accent1"/>
+                </a:solidFill>
+              </a14:hiddenFill>
+            </a:ext>
+            <a:ext uri="{91240B29-F687-4F45-9708-019B960494DF}">
+              <a14:hiddenLine xmlns:a14="http://schemas.microsoft.com/office/drawing/2010/main" w="9525">
+                <a:solidFill>
+                  <a:schemeClr val="tx1"/>
+                </a:solidFill>
+                <a:miter lim="800000"/>
+                <a:headEnd/>
+                <a:tailEnd/>
+              </a14:hiddenLine>
+            </a:ext>
+            <a:ext uri="{AF507438-7753-43E0-B8FC-AC1667EBCBE1}">
+              <a14:hiddenEffects xmlns:a14="http://schemas.microsoft.com/office/drawing/2010/main">
+                <a:effectLst>
+                  <a:outerShdw dist="35921" dir="2700000" algn="ctr" rotWithShape="0">
+                    <a:schemeClr val="bg2"/>
+                  </a:outerShdw>
+                </a:effectLst>
+              </a14:hiddenEffects>
+            </a:ext>
+          </a:extLst>
+        </p:spPr>
+      </p:pic>
       <p:sp>
         <p:nvSpPr>
           <p:cNvPr id="2" name="Title 1"/>
@@ -6652,8 +6905,8 @@
         </p:nvSpPr>
         <p:spPr>
           <a:xfrm>
-            <a:off x="685800" y="1219200"/>
-            <a:ext cx="3886200" cy="4800600"/>
+            <a:off x="228600" y="914400"/>
+            <a:ext cx="1905000" cy="4800600"/>
           </a:xfrm>
         </p:spPr>
         <p:txBody>
@@ -6665,7 +6918,15 @@
             </a:pPr>
             <a:r>
               <a:rPr lang="en-CA" sz="2200" dirty="0" smtClean="0"/>
-              <a:t>Computes a weighted sum of selected dose volumes.</a:t>
+              <a:t>Computes </a:t>
+            </a:r>
+            <a:r>
+              <a:rPr lang="en-CA" sz="2200" dirty="0" smtClean="0"/>
+              <a:t>a weighted sum of selected dose </a:t>
+            </a:r>
+            <a:r>
+              <a:rPr lang="en-CA" sz="2200" dirty="0" smtClean="0"/>
+              <a:t>volumes.</a:t>
             </a:r>
           </a:p>
         </p:txBody>
@@ -6705,45 +6966,6 @@
           </a:p>
         </p:txBody>
       </p:sp>
-      <p:pic>
-        <p:nvPicPr>
-          <p:cNvPr id="3074" name="Picture 2" descr="C:\Users\lasso\Desktop\DoseAccumulation.png"/>
-          <p:cNvPicPr>
-            <a:picLocks noChangeAspect="1" noChangeArrowheads="1"/>
-          </p:cNvPicPr>
-          <p:nvPr/>
-        </p:nvPicPr>
-        <p:blipFill rotWithShape="1">
-          <a:blip r:embed="rId3">
-            <a:extLst>
-              <a:ext uri="{28A0092B-C50C-407E-A947-70E740481C1C}">
-                <a14:useLocalDpi xmlns:a14="http://schemas.microsoft.com/office/drawing/2010/main" val="0"/>
-              </a:ext>
-            </a:extLst>
-          </a:blip>
-          <a:srcRect r="57370"/>
-          <a:stretch/>
-        </p:blipFill>
-        <p:spPr bwMode="auto">
-          <a:xfrm>
-            <a:off x="5105400" y="1219199"/>
-            <a:ext cx="3134706" cy="4774893"/>
-          </a:xfrm>
-          <a:prstGeom prst="rect">
-            <a:avLst/>
-          </a:prstGeom>
-          <a:noFill/>
-          <a:extLst>
-            <a:ext uri="{909E8E84-426E-40DD-AFC4-6F175D3DCCD1}">
-              <a14:hiddenFill xmlns:a14="http://schemas.microsoft.com/office/drawing/2010/main">
-                <a:solidFill>
-                  <a:srgbClr val="FFFFFF"/>
-                </a:solidFill>
-              </a14:hiddenFill>
-            </a:ext>
-          </a:extLst>
-        </p:spPr>
-      </p:pic>
     </p:spTree>
   </p:cSld>
   <p:clrMapOvr>
@@ -6797,20 +7019,28 @@
           <a:lstStyle/>
           <a:p>
             <a:r>
-              <a:rPr lang="en-CA" b="1" dirty="0" err="1" smtClean="0">
-                <a:solidFill>
-                  <a:schemeClr val="tx2"/>
-                </a:solidFill>
-              </a:rPr>
-              <a:t>SlicerRT</a:t>
-            </a:r>
-            <a:r>
               <a:rPr lang="en-CA" b="1" dirty="0" smtClean="0">
                 <a:solidFill>
                   <a:schemeClr val="tx2"/>
                 </a:solidFill>
               </a:rPr>
-              <a:t> development plan</a:t>
+              <a:t>Dose </a:t>
+            </a:r>
+            <a:r>
+              <a:rPr lang="en-CA" b="1" dirty="0" smtClean="0">
+                <a:solidFill>
+                  <a:schemeClr val="tx2"/>
+                </a:solidFill>
+              </a:rPr>
+              <a:t>comparison </a:t>
+            </a:r>
+            <a:r>
+              <a:rPr lang="en-CA" b="1" dirty="0" smtClean="0">
+                <a:solidFill>
+                  <a:schemeClr val="tx2"/>
+                </a:solidFill>
+              </a:rPr>
+              <a:t>module</a:t>
             </a:r>
             <a:endParaRPr lang="en-CA" b="1" dirty="0">
               <a:solidFill>
@@ -6832,8 +7062,8 @@
         </p:nvSpPr>
         <p:spPr>
           <a:xfrm>
-            <a:off x="228600" y="1219200"/>
-            <a:ext cx="8686800" cy="4800600"/>
+            <a:off x="304800" y="1143000"/>
+            <a:ext cx="2133600" cy="4800600"/>
           </a:xfrm>
         </p:spPr>
         <p:txBody>
@@ -6845,92 +7075,11 @@
             </a:pPr>
             <a:r>
               <a:rPr lang="en-CA" sz="2200" dirty="0" smtClean="0"/>
-              <a:t>Planned high-level features:</a:t>
-            </a:r>
-          </a:p>
-          <a:p>
+              <a:t>Computes </a:t>
+            </a:r>
             <a:r>
               <a:rPr lang="en-CA" sz="2200" dirty="0" smtClean="0"/>
-              <a:t>Extensive validation, comparison of computation results to commercial TPS software</a:t>
-            </a:r>
-          </a:p>
-          <a:p>
-            <a:r>
-              <a:rPr lang="en-CA" sz="2200" dirty="0" smtClean="0"/>
-              <a:t>Dose volume comparison (gamma, etc.)</a:t>
-            </a:r>
-          </a:p>
-          <a:p>
-            <a:r>
-              <a:rPr lang="en-CA" sz="2200" dirty="0" smtClean="0"/>
-              <a:t>Dose volume histogram comparison</a:t>
-            </a:r>
-          </a:p>
-          <a:p>
-            <a:r>
-              <a:rPr lang="en-CA" sz="2200" dirty="0" smtClean="0"/>
-              <a:t>Structure set comparison</a:t>
-            </a:r>
-          </a:p>
-          <a:p>
-            <a:r>
-              <a:rPr lang="en-CA" sz="2200" dirty="0" err="1" smtClean="0"/>
-              <a:t>Isodose</a:t>
-            </a:r>
-            <a:r>
-              <a:rPr lang="en-CA" sz="2200" dirty="0" smtClean="0"/>
-              <a:t> curve and surface display</a:t>
-            </a:r>
-          </a:p>
-          <a:p>
-            <a:r>
-              <a:rPr lang="en-CA" sz="2200" dirty="0" smtClean="0"/>
-              <a:t>DICOM-RT export</a:t>
-            </a:r>
-            <a:endParaRPr lang="en-CA" sz="2200" dirty="0"/>
-          </a:p>
-          <a:p>
-            <a:r>
-              <a:rPr lang="en-CA" sz="2200" dirty="0" err="1" smtClean="0"/>
-              <a:t>Matlab</a:t>
-            </a:r>
-            <a:r>
-              <a:rPr lang="en-CA" sz="2200" dirty="0" smtClean="0"/>
-              <a:t> bridge: data exchange with </a:t>
-            </a:r>
-            <a:r>
-              <a:rPr lang="en-CA" sz="2200" dirty="0" err="1" smtClean="0"/>
-              <a:t>Matlab</a:t>
-            </a:r>
-            <a:r>
-              <a:rPr lang="en-CA" sz="2200" dirty="0" smtClean="0"/>
-              <a:t>, running </a:t>
-            </a:r>
-            <a:r>
-              <a:rPr lang="en-CA" sz="2200" dirty="0" err="1" smtClean="0"/>
-              <a:t>Matlab</a:t>
-            </a:r>
-            <a:r>
-              <a:rPr lang="en-CA" sz="2200" dirty="0" smtClean="0"/>
-              <a:t> scripts</a:t>
-            </a:r>
-          </a:p>
-          <a:p>
-            <a:endParaRPr lang="en-CA" sz="2200" dirty="0" smtClean="0"/>
-          </a:p>
-          <a:p>
-            <a:pPr marL="0" indent="0">
-              <a:buNone/>
-            </a:pPr>
-            <a:r>
-              <a:rPr lang="en-CA" sz="2200" dirty="0" smtClean="0"/>
-              <a:t>Detailed plan: </a:t>
-            </a:r>
-            <a:r>
-              <a:rPr lang="en-CA" sz="2200" dirty="0" smtClean="0">
-                <a:hlinkClick r:id="rId3"/>
-              </a:rPr>
-              <a:t>https://www.assembla.com/spaces/sparkit/tickets</a:t>
+              <a:t>dose difference using the gamma function</a:t>
             </a:r>
             <a:endParaRPr lang="en-CA" sz="2200" dirty="0" smtClean="0"/>
           </a:p>
@@ -6971,10 +7120,74 @@
           </a:p>
         </p:txBody>
       </p:sp>
+      <p:pic>
+        <p:nvPicPr>
+          <p:cNvPr id="7170" name="Picture 2"/>
+          <p:cNvPicPr>
+            <a:picLocks noChangeAspect="1" noChangeArrowheads="1"/>
+          </p:cNvPicPr>
+          <p:nvPr/>
+        </p:nvPicPr>
+        <p:blipFill>
+          <a:blip r:embed="rId3">
+            <a:extLst>
+              <a:ext uri="{28A0092B-C50C-407E-A947-70E740481C1C}">
+                <a14:useLocalDpi xmlns:a14="http://schemas.microsoft.com/office/drawing/2010/main" val="0"/>
+              </a:ext>
+            </a:extLst>
+          </a:blip>
+          <a:srcRect/>
+          <a:stretch>
+            <a:fillRect/>
+          </a:stretch>
+        </p:blipFill>
+        <p:spPr bwMode="auto">
+          <a:xfrm>
+            <a:off x="2438400" y="1143000"/>
+            <a:ext cx="6353175" cy="5104469"/>
+          </a:xfrm>
+          <a:prstGeom prst="rect">
+            <a:avLst/>
+          </a:prstGeom>
+          <a:noFill/>
+          <a:ln>
+            <a:noFill/>
+          </a:ln>
+          <a:effectLst/>
+          <a:extLst>
+            <a:ext uri="{909E8E84-426E-40DD-AFC4-6F175D3DCCD1}">
+              <a14:hiddenFill xmlns:a14="http://schemas.microsoft.com/office/drawing/2010/main">
+                <a:solidFill>
+                  <a:schemeClr val="accent1"/>
+                </a:solidFill>
+              </a14:hiddenFill>
+            </a:ext>
+            <a:ext uri="{91240B29-F687-4F45-9708-019B960494DF}">
+              <a14:hiddenLine xmlns:a14="http://schemas.microsoft.com/office/drawing/2010/main" w="9525">
+                <a:solidFill>
+                  <a:schemeClr val="tx1"/>
+                </a:solidFill>
+                <a:miter lim="800000"/>
+                <a:headEnd/>
+                <a:tailEnd/>
+              </a14:hiddenLine>
+            </a:ext>
+            <a:ext uri="{AF507438-7753-43E0-B8FC-AC1667EBCBE1}">
+              <a14:hiddenEffects xmlns:a14="http://schemas.microsoft.com/office/drawing/2010/main">
+                <a:effectLst>
+                  <a:outerShdw dist="35921" dir="2700000" algn="ctr" rotWithShape="0">
+                    <a:schemeClr val="bg2"/>
+                  </a:outerShdw>
+                </a:effectLst>
+              </a14:hiddenEffects>
+            </a:ext>
+          </a:extLst>
+        </p:spPr>
+      </p:pic>
     </p:spTree>
     <p:extLst>
       <p:ext uri="{BB962C8B-B14F-4D97-AF65-F5344CB8AC3E}">
-        <p14:creationId xmlns:p14="http://schemas.microsoft.com/office/powerpoint/2010/main" val="3973560920"/>
+        <p14:creationId xmlns:p14="http://schemas.microsoft.com/office/powerpoint/2010/main" val="1045967126"/>
       </p:ext>
     </p:extLst>
   </p:cSld>
@@ -7018,16 +7231,29 @@
             <p:ph type="title"/>
           </p:nvPr>
         </p:nvSpPr>
-        <p:spPr/>
+        <p:spPr>
+          <a:xfrm>
+            <a:off x="457200" y="0"/>
+            <a:ext cx="8229600" cy="1143000"/>
+          </a:xfrm>
+        </p:spPr>
         <p:txBody>
           <a:bodyPr/>
           <a:lstStyle/>
           <a:p>
             <a:r>
-              <a:rPr lang="en-CA" dirty="0" smtClean="0"/>
-              <a:t>More details</a:t>
-            </a:r>
-            <a:endParaRPr lang="en-CA" dirty="0"/>
+              <a:rPr lang="en-CA" b="1" dirty="0" smtClean="0">
+                <a:solidFill>
+                  <a:schemeClr val="tx2"/>
+                </a:solidFill>
+              </a:rPr>
+              <a:t>Isodose module</a:t>
+            </a:r>
+            <a:endParaRPr lang="en-CA" b="1" dirty="0">
+              <a:solidFill>
+                <a:schemeClr val="tx2"/>
+              </a:solidFill>
+            </a:endParaRPr>
           </a:p>
         </p:txBody>
       </p:sp>
@@ -7043,73 +7269,30 @@
         </p:nvSpPr>
         <p:spPr>
           <a:xfrm>
-            <a:off x="228600" y="1828800"/>
-            <a:ext cx="8686800" cy="4068763"/>
+            <a:off x="304800" y="1143000"/>
+            <a:ext cx="2057400" cy="4800600"/>
           </a:xfrm>
         </p:spPr>
         <p:txBody>
           <a:bodyPr/>
           <a:lstStyle/>
           <a:p>
-            <a:r>
-              <a:rPr lang="en-CA" dirty="0" err="1" smtClean="0"/>
-              <a:t>SparKit</a:t>
-            </a:r>
-            <a:r>
-              <a:rPr lang="en-CA" dirty="0" smtClean="0"/>
-              <a:t>: </a:t>
-            </a:r>
-            <a:r>
-              <a:rPr lang="en-CA" dirty="0" smtClean="0">
-                <a:hlinkClick r:id="rId2"/>
-              </a:rPr>
-              <a:t>https://www.assembla.com/spaces/sparkit/</a:t>
-            </a:r>
-            <a:endParaRPr lang="en-CA" dirty="0" smtClean="0"/>
-          </a:p>
-          <a:p>
-            <a:r>
-              <a:rPr lang="en-CA" dirty="0" err="1" smtClean="0"/>
-              <a:t>SlicerRT</a:t>
-            </a:r>
-            <a:r>
-              <a:rPr lang="en-CA" dirty="0" smtClean="0"/>
-              <a:t>:</a:t>
-            </a:r>
-            <a:br>
-              <a:rPr lang="en-CA" dirty="0" smtClean="0"/>
-            </a:br>
-            <a:r>
-              <a:rPr lang="en-CA" sz="2800" dirty="0" smtClean="0">
-                <a:hlinkClick r:id="rId3"/>
-              </a:rPr>
-              <a:t>https://www.assembla.com/spaces/sparkit/wiki/SlicerRt</a:t>
-            </a:r>
-            <a:endParaRPr lang="en-CA" dirty="0" smtClean="0"/>
-          </a:p>
-          <a:p>
-            <a:r>
-              <a:rPr lang="en-CA" dirty="0" smtClean="0"/>
-              <a:t>Questions, feature requests contact:</a:t>
-            </a:r>
-            <a:br>
-              <a:rPr lang="en-CA" dirty="0" smtClean="0"/>
-            </a:br>
-            <a:r>
-              <a:rPr lang="en-CA" dirty="0" smtClean="0"/>
-              <a:t>Andras Lasso (</a:t>
-            </a:r>
-            <a:r>
-              <a:rPr lang="en-CA" dirty="0" smtClean="0">
-                <a:hlinkClick r:id="rId4"/>
-              </a:rPr>
-              <a:t>lasso@cs.queensu.ca</a:t>
-            </a:r>
-            <a:r>
-              <a:rPr lang="en-CA" dirty="0" smtClean="0"/>
-              <a:t>)</a:t>
-            </a:r>
-            <a:endParaRPr lang="en-CA" dirty="0"/>
+            <a:pPr marL="0" indent="0">
+              <a:buNone/>
+            </a:pPr>
+            <a:r>
+              <a:rPr lang="en-US" sz="2200" dirty="0" smtClean="0"/>
+              <a:t>Creates </a:t>
+            </a:r>
+            <a:r>
+              <a:rPr lang="en-US" sz="2200" dirty="0" err="1"/>
+              <a:t>isosurfaces</a:t>
+            </a:r>
+            <a:r>
+              <a:rPr lang="en-US" sz="2200" dirty="0"/>
+              <a:t> from an input dose volume and a series of defined isodose levels</a:t>
+            </a:r>
+            <a:endParaRPr lang="en-CA" sz="2200" dirty="0" smtClean="0"/>
           </a:p>
         </p:txBody>
       </p:sp>
@@ -7148,7 +7331,76 @@
           </a:p>
         </p:txBody>
       </p:sp>
+      <p:pic>
+        <p:nvPicPr>
+          <p:cNvPr id="8194" name="Picture 2"/>
+          <p:cNvPicPr>
+            <a:picLocks noChangeAspect="1" noChangeArrowheads="1"/>
+          </p:cNvPicPr>
+          <p:nvPr/>
+        </p:nvPicPr>
+        <p:blipFill>
+          <a:blip r:embed="rId3">
+            <a:extLst>
+              <a:ext uri="{28A0092B-C50C-407E-A947-70E740481C1C}">
+                <a14:useLocalDpi xmlns:a14="http://schemas.microsoft.com/office/drawing/2010/main" val="0"/>
+              </a:ext>
+            </a:extLst>
+          </a:blip>
+          <a:srcRect/>
+          <a:stretch>
+            <a:fillRect/>
+          </a:stretch>
+        </p:blipFill>
+        <p:spPr bwMode="auto">
+          <a:xfrm>
+            <a:off x="2438400" y="1371600"/>
+            <a:ext cx="6542689" cy="4572000"/>
+          </a:xfrm>
+          <a:prstGeom prst="rect">
+            <a:avLst/>
+          </a:prstGeom>
+          <a:noFill/>
+          <a:ln>
+            <a:noFill/>
+          </a:ln>
+          <a:effectLst/>
+          <a:extLst>
+            <a:ext uri="{909E8E84-426E-40DD-AFC4-6F175D3DCCD1}">
+              <a14:hiddenFill xmlns:a14="http://schemas.microsoft.com/office/drawing/2010/main">
+                <a:solidFill>
+                  <a:schemeClr val="accent1"/>
+                </a:solidFill>
+              </a14:hiddenFill>
+            </a:ext>
+            <a:ext uri="{91240B29-F687-4F45-9708-019B960494DF}">
+              <a14:hiddenLine xmlns:a14="http://schemas.microsoft.com/office/drawing/2010/main" w="9525">
+                <a:solidFill>
+                  <a:schemeClr val="tx1"/>
+                </a:solidFill>
+                <a:miter lim="800000"/>
+                <a:headEnd/>
+                <a:tailEnd/>
+              </a14:hiddenLine>
+            </a:ext>
+            <a:ext uri="{AF507438-7753-43E0-B8FC-AC1667EBCBE1}">
+              <a14:hiddenEffects xmlns:a14="http://schemas.microsoft.com/office/drawing/2010/main">
+                <a:effectLst>
+                  <a:outerShdw dist="35921" dir="2700000" algn="ctr" rotWithShape="0">
+                    <a:schemeClr val="bg2"/>
+                  </a:outerShdw>
+                </a:effectLst>
+              </a14:hiddenEffects>
+            </a:ext>
+          </a:extLst>
+        </p:spPr>
+      </p:pic>
     </p:spTree>
+    <p:extLst>
+      <p:ext uri="{BB962C8B-B14F-4D97-AF65-F5344CB8AC3E}">
+        <p14:creationId xmlns:p14="http://schemas.microsoft.com/office/powerpoint/2010/main" val="3269186069"/>
+      </p:ext>
+    </p:extLst>
   </p:cSld>
   <p:clrMapOvr>
     <a:masterClrMapping/>
@@ -7201,18 +7453,134 @@
           <a:lstStyle/>
           <a:p>
             <a:r>
+              <a:rPr lang="en-CA" b="1" dirty="0" err="1" smtClean="0">
+                <a:solidFill>
+                  <a:schemeClr val="tx2"/>
+                </a:solidFill>
+              </a:rPr>
+              <a:t>SlicerRT</a:t>
+            </a:r>
+            <a:r>
               <a:rPr lang="en-CA" b="1" dirty="0" smtClean="0">
                 <a:solidFill>
                   <a:schemeClr val="tx2"/>
                 </a:solidFill>
               </a:rPr>
-              <a:t>Appendix</a:t>
+              <a:t> development plan</a:t>
             </a:r>
             <a:endParaRPr lang="en-CA" b="1" dirty="0">
               <a:solidFill>
                 <a:schemeClr val="tx2"/>
               </a:solidFill>
             </a:endParaRPr>
+          </a:p>
+        </p:txBody>
+      </p:sp>
+      <p:sp>
+        <p:nvSpPr>
+          <p:cNvPr id="3" name="Content Placeholder 2"/>
+          <p:cNvSpPr>
+            <a:spLocks noGrp="1"/>
+          </p:cNvSpPr>
+          <p:nvPr>
+            <p:ph idx="1"/>
+          </p:nvPr>
+        </p:nvSpPr>
+        <p:spPr>
+          <a:xfrm>
+            <a:off x="228600" y="1219200"/>
+            <a:ext cx="8686800" cy="4800600"/>
+          </a:xfrm>
+        </p:spPr>
+        <p:txBody>
+          <a:bodyPr/>
+          <a:lstStyle/>
+          <a:p>
+            <a:pPr marL="0" indent="0">
+              <a:buNone/>
+            </a:pPr>
+            <a:r>
+              <a:rPr lang="en-CA" sz="2200" dirty="0" smtClean="0"/>
+              <a:t>Planned high-level features:</a:t>
+            </a:r>
+          </a:p>
+          <a:p>
+            <a:r>
+              <a:rPr lang="en-CA" sz="2200" dirty="0" smtClean="0"/>
+              <a:t>Extensive validation, comparison of computation results to commercial TPS software</a:t>
+            </a:r>
+          </a:p>
+          <a:p>
+            <a:r>
+              <a:rPr lang="en-CA" sz="2200" dirty="0" smtClean="0"/>
+              <a:t>Dose </a:t>
+            </a:r>
+            <a:r>
+              <a:rPr lang="en-CA" sz="2200" dirty="0" smtClean="0"/>
+              <a:t>volume histogram comparison</a:t>
+            </a:r>
+          </a:p>
+          <a:p>
+            <a:r>
+              <a:rPr lang="en-CA" sz="2200" dirty="0" smtClean="0"/>
+              <a:t>Structure set comparison</a:t>
+            </a:r>
+          </a:p>
+          <a:p>
+            <a:r>
+              <a:rPr lang="en-CA" sz="2200" dirty="0" smtClean="0"/>
+              <a:t>DICOM-RT </a:t>
+            </a:r>
+            <a:r>
+              <a:rPr lang="en-CA" sz="2200" dirty="0" smtClean="0"/>
+              <a:t>export</a:t>
+            </a:r>
+            <a:endParaRPr lang="en-CA" sz="2200" dirty="0"/>
+          </a:p>
+          <a:p>
+            <a:r>
+              <a:rPr lang="en-CA" sz="2200" dirty="0" err="1" smtClean="0"/>
+              <a:t>Matlab</a:t>
+            </a:r>
+            <a:r>
+              <a:rPr lang="en-CA" sz="2200" dirty="0" smtClean="0"/>
+              <a:t> bridge: data exchange with </a:t>
+            </a:r>
+            <a:r>
+              <a:rPr lang="en-CA" sz="2200" dirty="0" err="1" smtClean="0"/>
+              <a:t>Matlab</a:t>
+            </a:r>
+            <a:r>
+              <a:rPr lang="en-CA" sz="2200" dirty="0" smtClean="0"/>
+              <a:t>, running </a:t>
+            </a:r>
+            <a:r>
+              <a:rPr lang="en-CA" sz="2200" dirty="0" err="1" smtClean="0"/>
+              <a:t>Matlab</a:t>
+            </a:r>
+            <a:r>
+              <a:rPr lang="en-CA" sz="2200" dirty="0" smtClean="0"/>
+              <a:t> scripts</a:t>
+            </a:r>
+          </a:p>
+          <a:p>
+            <a:endParaRPr lang="en-CA" sz="2200" dirty="0" smtClean="0"/>
+          </a:p>
+          <a:p>
+            <a:pPr marL="0" indent="0">
+              <a:buNone/>
+            </a:pPr>
+            <a:r>
+              <a:rPr lang="en-CA" sz="2200" dirty="0" smtClean="0"/>
+              <a:t>Detailed plan: </a:t>
+            </a:r>
+            <a:r>
+              <a:rPr lang="en-CA" sz="2200" dirty="0" smtClean="0">
+                <a:hlinkClick r:id="rId3"/>
+              </a:rPr>
+              <a:t>https://www.assembla.com/spaces/sparkit/tickets</a:t>
+            </a:r>
+            <a:endParaRPr lang="en-CA" sz="2200" dirty="0" smtClean="0"/>
           </a:p>
         </p:txBody>
       </p:sp>
@@ -7254,7 +7622,7 @@
     </p:spTree>
     <p:extLst>
       <p:ext uri="{BB962C8B-B14F-4D97-AF65-F5344CB8AC3E}">
-        <p14:creationId xmlns:p14="http://schemas.microsoft.com/office/powerpoint/2010/main" val="2016591617"/>
+        <p14:creationId xmlns:p14="http://schemas.microsoft.com/office/powerpoint/2010/main" val="3973560920"/>
       </p:ext>
     </p:extLst>
   </p:cSld>
@@ -7290,6 +7658,286 @@
       </p:grpSpPr>
       <p:sp>
         <p:nvSpPr>
+          <p:cNvPr id="2" name="Title 1"/>
+          <p:cNvSpPr>
+            <a:spLocks noGrp="1"/>
+          </p:cNvSpPr>
+          <p:nvPr>
+            <p:ph type="title"/>
+          </p:nvPr>
+        </p:nvSpPr>
+        <p:spPr/>
+        <p:txBody>
+          <a:bodyPr/>
+          <a:lstStyle/>
+          <a:p>
+            <a:r>
+              <a:rPr lang="en-CA" dirty="0" smtClean="0"/>
+              <a:t>More details</a:t>
+            </a:r>
+            <a:endParaRPr lang="en-CA" dirty="0"/>
+          </a:p>
+        </p:txBody>
+      </p:sp>
+      <p:sp>
+        <p:nvSpPr>
+          <p:cNvPr id="3" name="Content Placeholder 2"/>
+          <p:cNvSpPr>
+            <a:spLocks noGrp="1"/>
+          </p:cNvSpPr>
+          <p:nvPr>
+            <p:ph idx="1"/>
+          </p:nvPr>
+        </p:nvSpPr>
+        <p:spPr>
+          <a:xfrm>
+            <a:off x="228600" y="1828800"/>
+            <a:ext cx="8686800" cy="4068763"/>
+          </a:xfrm>
+        </p:spPr>
+        <p:txBody>
+          <a:bodyPr/>
+          <a:lstStyle/>
+          <a:p>
+            <a:r>
+              <a:rPr lang="en-CA" dirty="0" err="1" smtClean="0"/>
+              <a:t>SparKit</a:t>
+            </a:r>
+            <a:r>
+              <a:rPr lang="en-CA" dirty="0" smtClean="0"/>
+              <a:t>: </a:t>
+            </a:r>
+            <a:r>
+              <a:rPr lang="en-CA" dirty="0" smtClean="0">
+                <a:hlinkClick r:id="rId2"/>
+              </a:rPr>
+              <a:t>https://www.assembla.com/spaces/sparkit/</a:t>
+            </a:r>
+            <a:endParaRPr lang="en-CA" dirty="0" smtClean="0"/>
+          </a:p>
+          <a:p>
+            <a:r>
+              <a:rPr lang="en-CA" dirty="0" err="1" smtClean="0"/>
+              <a:t>SlicerRT</a:t>
+            </a:r>
+            <a:r>
+              <a:rPr lang="en-CA" dirty="0" smtClean="0"/>
+              <a:t>:</a:t>
+            </a:r>
+            <a:br>
+              <a:rPr lang="en-CA" dirty="0" smtClean="0"/>
+            </a:br>
+            <a:r>
+              <a:rPr lang="en-CA" sz="2800" dirty="0" smtClean="0">
+                <a:hlinkClick r:id="rId3"/>
+              </a:rPr>
+              <a:t>https://www.assembla.com/spaces/sparkit/wiki/SlicerRt</a:t>
+            </a:r>
+            <a:endParaRPr lang="en-CA" dirty="0" smtClean="0"/>
+          </a:p>
+          <a:p>
+            <a:r>
+              <a:rPr lang="en-CA" dirty="0" smtClean="0"/>
+              <a:t>Questions, feature requests contact:</a:t>
+            </a:r>
+            <a:br>
+              <a:rPr lang="en-CA" dirty="0" smtClean="0"/>
+            </a:br>
+            <a:r>
+              <a:rPr lang="en-CA" dirty="0" smtClean="0"/>
+              <a:t>Andras Lasso (</a:t>
+            </a:r>
+            <a:r>
+              <a:rPr lang="en-CA" dirty="0" smtClean="0">
+                <a:hlinkClick r:id="rId4"/>
+              </a:rPr>
+              <a:t>lasso@cs.queensu.ca</a:t>
+            </a:r>
+            <a:r>
+              <a:rPr lang="en-CA" dirty="0" smtClean="0"/>
+              <a:t>)</a:t>
+            </a:r>
+            <a:endParaRPr lang="en-CA" dirty="0"/>
+          </a:p>
+        </p:txBody>
+      </p:sp>
+      <p:sp>
+        <p:nvSpPr>
+          <p:cNvPr id="5" name="Footer Placeholder 10"/>
+          <p:cNvSpPr>
+            <a:spLocks noGrp="1"/>
+          </p:cNvSpPr>
+          <p:nvPr>
+            <p:ph type="ftr" sz="quarter" idx="11"/>
+          </p:nvPr>
+        </p:nvSpPr>
+        <p:spPr>
+          <a:xfrm>
+            <a:off x="1905000" y="6356350"/>
+            <a:ext cx="5257800" cy="365125"/>
+          </a:xfrm>
+        </p:spPr>
+        <p:txBody>
+          <a:bodyPr/>
+          <a:lstStyle>
+            <a:lvl1pPr>
+              <a:defRPr/>
+            </a:lvl1pPr>
+          </a:lstStyle>
+          <a:p>
+            <a:pPr>
+              <a:defRPr/>
+            </a:pPr>
+            <a:r>
+              <a:rPr lang="en-US" dirty="0" smtClean="0"/>
+              <a:t>Laboratory for Percutaneous Surgery – Copyright © Queen’s University, 2012</a:t>
+            </a:r>
+            <a:endParaRPr lang="en-US" dirty="0"/>
+          </a:p>
+        </p:txBody>
+      </p:sp>
+    </p:spTree>
+  </p:cSld>
+  <p:clrMapOvr>
+    <a:masterClrMapping/>
+  </p:clrMapOvr>
+  <p:timing>
+    <p:tnLst>
+      <p:par>
+        <p:cTn id="1" dur="indefinite" restart="never" nodeType="tmRoot"/>
+      </p:par>
+    </p:tnLst>
+  </p:timing>
+</p:sld>
+</file>
+
+<file path=ppt/slides/slide16.xml><?xml version="1.0" encoding="utf-8"?>
+<p:sld xmlns:a="http://schemas.openxmlformats.org/drawingml/2006/main" xmlns:r="http://schemas.openxmlformats.org/officeDocument/2006/relationships" xmlns:p="http://schemas.openxmlformats.org/presentationml/2006/main">
+  <p:cSld>
+    <p:spTree>
+      <p:nvGrpSpPr>
+        <p:cNvPr id="1" name=""/>
+        <p:cNvGrpSpPr/>
+        <p:nvPr/>
+      </p:nvGrpSpPr>
+      <p:grpSpPr>
+        <a:xfrm>
+          <a:off x="0" y="0"/>
+          <a:ext cx="0" cy="0"/>
+          <a:chOff x="0" y="0"/>
+          <a:chExt cx="0" cy="0"/>
+        </a:xfrm>
+      </p:grpSpPr>
+      <p:sp>
+        <p:nvSpPr>
+          <p:cNvPr id="2" name="Title 1"/>
+          <p:cNvSpPr>
+            <a:spLocks noGrp="1"/>
+          </p:cNvSpPr>
+          <p:nvPr>
+            <p:ph type="title"/>
+          </p:nvPr>
+        </p:nvSpPr>
+        <p:spPr>
+          <a:xfrm>
+            <a:off x="457200" y="0"/>
+            <a:ext cx="8229600" cy="1143000"/>
+          </a:xfrm>
+        </p:spPr>
+        <p:txBody>
+          <a:bodyPr/>
+          <a:lstStyle/>
+          <a:p>
+            <a:r>
+              <a:rPr lang="en-CA" b="1" dirty="0" smtClean="0">
+                <a:solidFill>
+                  <a:schemeClr val="tx2"/>
+                </a:solidFill>
+              </a:rPr>
+              <a:t>Appendix</a:t>
+            </a:r>
+            <a:endParaRPr lang="en-CA" b="1" dirty="0">
+              <a:solidFill>
+                <a:schemeClr val="tx2"/>
+              </a:solidFill>
+            </a:endParaRPr>
+          </a:p>
+        </p:txBody>
+      </p:sp>
+      <p:sp>
+        <p:nvSpPr>
+          <p:cNvPr id="5" name="Footer Placeholder 10"/>
+          <p:cNvSpPr>
+            <a:spLocks noGrp="1"/>
+          </p:cNvSpPr>
+          <p:nvPr>
+            <p:ph type="ftr" sz="quarter" idx="11"/>
+          </p:nvPr>
+        </p:nvSpPr>
+        <p:spPr>
+          <a:xfrm>
+            <a:off x="1905000" y="6356350"/>
+            <a:ext cx="5257800" cy="365125"/>
+          </a:xfrm>
+        </p:spPr>
+        <p:txBody>
+          <a:bodyPr/>
+          <a:lstStyle>
+            <a:lvl1pPr>
+              <a:defRPr/>
+            </a:lvl1pPr>
+          </a:lstStyle>
+          <a:p>
+            <a:pPr>
+              <a:defRPr/>
+            </a:pPr>
+            <a:r>
+              <a:rPr lang="en-US" dirty="0" smtClean="0"/>
+              <a:t>Laboratory for Percutaneous Surgery – Copyright © Queen’s University, 2012</a:t>
+            </a:r>
+            <a:endParaRPr lang="en-US" dirty="0"/>
+          </a:p>
+        </p:txBody>
+      </p:sp>
+    </p:spTree>
+    <p:extLst>
+      <p:ext uri="{BB962C8B-B14F-4D97-AF65-F5344CB8AC3E}">
+        <p14:creationId xmlns:p14="http://schemas.microsoft.com/office/powerpoint/2010/main" val="2016591617"/>
+      </p:ext>
+    </p:extLst>
+  </p:cSld>
+  <p:clrMapOvr>
+    <a:masterClrMapping/>
+  </p:clrMapOvr>
+  <p:timing>
+    <p:tnLst>
+      <p:par>
+        <p:cTn id="1" dur="indefinite" restart="never" nodeType="tmRoot"/>
+      </p:par>
+    </p:tnLst>
+  </p:timing>
+</p:sld>
+</file>
+
+<file path=ppt/slides/slide17.xml><?xml version="1.0" encoding="utf-8"?>
+<p:sld xmlns:a="http://schemas.openxmlformats.org/drawingml/2006/main" xmlns:r="http://schemas.openxmlformats.org/officeDocument/2006/relationships" xmlns:p="http://schemas.openxmlformats.org/presentationml/2006/main">
+  <p:cSld>
+    <p:spTree>
+      <p:nvGrpSpPr>
+        <p:cNvPr id="1" name=""/>
+        <p:cNvGrpSpPr/>
+        <p:nvPr/>
+      </p:nvGrpSpPr>
+      <p:grpSpPr>
+        <a:xfrm>
+          <a:off x="0" y="0"/>
+          <a:ext cx="0" cy="0"/>
+          <a:chOff x="0" y="0"/>
+          <a:chExt cx="0" cy="0"/>
+        </a:xfrm>
+      </p:grpSpPr>
+      <p:sp>
+        <p:nvSpPr>
           <p:cNvPr id="3" name="Content Placeholder 2"/>
           <p:cNvSpPr>
             <a:spLocks noGrp="1"/>
@@ -7472,7 +8120,7 @@
               <a:pPr>
                 <a:defRPr/>
               </a:pPr>
-              <a:t>15</a:t>
+              <a:t>17</a:t>
             </a:fld>
             <a:r>
               <a:rPr lang="en-US" dirty="0"/>
@@ -7597,7 +8245,7 @@
 </p:sld>
 </file>
 
-<file path=ppt/slides/slide16.xml><?xml version="1.0" encoding="utf-8"?>
+<file path=ppt/slides/slide18.xml><?xml version="1.0" encoding="utf-8"?>
 <p:sld xmlns:a="http://schemas.openxmlformats.org/drawingml/2006/main" xmlns:r="http://schemas.openxmlformats.org/officeDocument/2006/relationships" xmlns:p="http://schemas.openxmlformats.org/presentationml/2006/main">
   <p:cSld>
     <p:spTree>
@@ -7650,7 +8298,7 @@
               <a:pPr>
                 <a:defRPr/>
               </a:pPr>
-              <a:t>16</a:t>
+              <a:t>18</a:t>
             </a:fld>
             <a:r>
               <a:rPr lang="en-US" dirty="0"/>
@@ -10228,16 +10876,7 @@
                           </a:solidFill>
                           <a:latin typeface="+mn-lt"/>
                         </a:rPr>
-                        <a:t>Not available </a:t>
-                      </a:r>
-                      <a:r>
-                        <a:rPr lang="en-CA" sz="900" b="0" i="0" u="none" strike="noStrike" dirty="0" smtClean="0">
-                          <a:solidFill>
-                            <a:srgbClr val="000000"/>
-                          </a:solidFill>
-                          <a:latin typeface="+mn-lt"/>
-                        </a:rPr>
-                        <a:t>yet</a:t>
+                        <a:t>Not available yet</a:t>
                       </a:r>
                       <a:endParaRPr lang="en-CA" sz="900" b="0" i="0" u="none" strike="noStrike" dirty="0">
                         <a:solidFill>
@@ -10422,16 +11061,7 @@
                           </a:solidFill>
                           <a:latin typeface="+mn-lt"/>
                         </a:rPr>
-                        <a:t>Not available </a:t>
-                      </a:r>
-                      <a:r>
-                        <a:rPr lang="en-CA" sz="900" b="0" i="0" u="none" strike="noStrike" dirty="0" smtClean="0">
-                          <a:solidFill>
-                            <a:srgbClr val="000000"/>
-                          </a:solidFill>
-                          <a:latin typeface="+mn-lt"/>
-                        </a:rPr>
-                        <a:t>yet</a:t>
+                        <a:t>Not available yet</a:t>
                       </a:r>
                       <a:endParaRPr lang="en-CA" sz="900" b="0" i="0" u="none" strike="noStrike" dirty="0">
                         <a:solidFill>
@@ -11252,25 +11882,7 @@
                           </a:solidFill>
                           <a:latin typeface="Calibri"/>
                         </a:rPr>
-                        <a:t>Yes, DSH </a:t>
-                      </a:r>
-                      <a:r>
-                        <a:rPr lang="en-CA" sz="900" b="0" i="0" u="none" strike="noStrike" dirty="0" smtClean="0">
-                          <a:solidFill>
-                            <a:srgbClr val="000000"/>
-                          </a:solidFill>
-                          <a:latin typeface="Calibri"/>
-                        </a:rPr>
-                        <a:t>not </a:t>
-                      </a:r>
-                      <a:r>
-                        <a:rPr lang="en-CA" sz="900" b="0" i="0" u="none" strike="noStrike" dirty="0" smtClean="0">
-                          <a:solidFill>
-                            <a:srgbClr val="000000"/>
-                          </a:solidFill>
-                          <a:latin typeface="Calibri"/>
-                        </a:rPr>
-                        <a:t>yet  available</a:t>
+                        <a:t>Yes, DSH not yet  available</a:t>
                       </a:r>
                       <a:br>
                         <a:rPr lang="en-CA" sz="900" b="0" i="0" u="none" strike="noStrike" dirty="0" smtClean="0">
@@ -14936,8 +15548,13 @@
             <a:pPr lvl="1"/>
             <a:r>
               <a:rPr lang="en-CA" sz="2200" dirty="0" smtClean="0"/>
-              <a:t>Develop missing RT-specific functionalities: DVH analysis, ...</a:t>
-            </a:r>
+              <a:t>Develop missing RT-specific functionalities: DVH analysis, </a:t>
+            </a:r>
+            <a:r>
+              <a:rPr lang="en-CA" sz="2200" dirty="0" smtClean="0"/>
+              <a:t>...</a:t>
+            </a:r>
+            <a:endParaRPr lang="en-CA" sz="2200" dirty="0" smtClean="0"/>
           </a:p>
           <a:p>
             <a:pPr lvl="1"/>
@@ -15090,11 +15707,7 @@
           <a:p>
             <a:r>
               <a:rPr lang="en-CA" sz="2200" dirty="0" smtClean="0"/>
-              <a:t>Distributed as a 3D Slicer extension: can be downloaded, installed, upgraded using the extension manager in </a:t>
-            </a:r>
-            <a:r>
-              <a:rPr lang="en-CA" sz="2200" dirty="0" smtClean="0"/>
-              <a:t>Slicer</a:t>
+              <a:t>Distributed as a 3D Slicer extension: can be downloaded, installed, upgraded using the extension manager in Slicer</a:t>
             </a:r>
           </a:p>
           <a:p>
@@ -15102,7 +15715,6 @@
               <a:rPr lang="en-CA" sz="2200" dirty="0" smtClean="0"/>
               <a:t>Extensive automatic testing done on multiple platforms</a:t>
             </a:r>
-            <a:endParaRPr lang="en-CA" sz="2200" dirty="0" smtClean="0"/>
           </a:p>
         </p:txBody>
       </p:sp>
@@ -15414,7 +16026,6 @@
               <a:rPr lang="en-CA" sz="1400" dirty="0" smtClean="0"/>
               <a:t>Dashboard showing automatic test results</a:t>
             </a:r>
-            <a:endParaRPr lang="en-CA" sz="1400" dirty="0" smtClean="0"/>
           </a:p>
         </p:txBody>
       </p:sp>
@@ -15613,7 +16224,6 @@
               <a:rPr lang="en-CA" sz="1400" dirty="0" smtClean="0"/>
               <a:t> in the 3D Slicer app store (free)</a:t>
             </a:r>
-            <a:endParaRPr lang="en-CA" sz="1400" dirty="0" smtClean="0"/>
           </a:p>
         </p:txBody>
       </p:sp>
@@ -15946,38 +16556,6 @@
           <a:chExt cx="0" cy="0"/>
         </a:xfrm>
       </p:grpSpPr>
-      <p:pic>
-        <p:nvPicPr>
-          <p:cNvPr id="2050" name="Picture 2"/>
-          <p:cNvPicPr>
-            <a:picLocks noChangeAspect="1" noChangeArrowheads="1"/>
-          </p:cNvPicPr>
-          <p:nvPr/>
-        </p:nvPicPr>
-        <p:blipFill>
-          <a:blip r:embed="rId3" cstate="print"/>
-          <a:srcRect r="5745" b="7353"/>
-          <a:stretch>
-            <a:fillRect/>
-          </a:stretch>
-        </p:blipFill>
-        <p:spPr bwMode="auto">
-          <a:xfrm>
-            <a:off x="228600" y="1066800"/>
-            <a:ext cx="8686800" cy="4800600"/>
-          </a:xfrm>
-          <a:prstGeom prst="rect">
-            <a:avLst/>
-          </a:prstGeom>
-          <a:noFill/>
-          <a:ln w="9525">
-            <a:noFill/>
-            <a:miter lim="800000"/>
-            <a:headEnd/>
-            <a:tailEnd/>
-          </a:ln>
-        </p:spPr>
-      </p:pic>
       <p:sp>
         <p:nvSpPr>
           <p:cNvPr id="10" name="Title 1"/>
@@ -16049,6 +16627,70 @@
           </a:p>
         </p:txBody>
       </p:sp>
+      <p:pic>
+        <p:nvPicPr>
+          <p:cNvPr id="1026" name="Picture 2"/>
+          <p:cNvPicPr>
+            <a:picLocks noChangeAspect="1" noChangeArrowheads="1"/>
+          </p:cNvPicPr>
+          <p:nvPr/>
+        </p:nvPicPr>
+        <p:blipFill>
+          <a:blip r:embed="rId3">
+            <a:extLst>
+              <a:ext uri="{28A0092B-C50C-407E-A947-70E740481C1C}">
+                <a14:useLocalDpi xmlns:a14="http://schemas.microsoft.com/office/drawing/2010/main" val="0"/>
+              </a:ext>
+            </a:extLst>
+          </a:blip>
+          <a:srcRect/>
+          <a:stretch>
+            <a:fillRect/>
+          </a:stretch>
+        </p:blipFill>
+        <p:spPr bwMode="auto">
+          <a:xfrm>
+            <a:off x="228600" y="990600"/>
+            <a:ext cx="8581302" cy="4648200"/>
+          </a:xfrm>
+          <a:prstGeom prst="rect">
+            <a:avLst/>
+          </a:prstGeom>
+          <a:noFill/>
+          <a:ln>
+            <a:noFill/>
+          </a:ln>
+          <a:effectLst/>
+          <a:extLst>
+            <a:ext uri="{909E8E84-426E-40DD-AFC4-6F175D3DCCD1}">
+              <a14:hiddenFill xmlns:a14="http://schemas.microsoft.com/office/drawing/2010/main">
+                <a:solidFill>
+                  <a:schemeClr val="accent1"/>
+                </a:solidFill>
+              </a14:hiddenFill>
+            </a:ext>
+            <a:ext uri="{91240B29-F687-4F45-9708-019B960494DF}">
+              <a14:hiddenLine xmlns:a14="http://schemas.microsoft.com/office/drawing/2010/main" w="9525">
+                <a:solidFill>
+                  <a:schemeClr val="tx1"/>
+                </a:solidFill>
+                <a:miter lim="800000"/>
+                <a:headEnd/>
+                <a:tailEnd/>
+              </a14:hiddenLine>
+            </a:ext>
+            <a:ext uri="{AF507438-7753-43E0-B8FC-AC1667EBCBE1}">
+              <a14:hiddenEffects xmlns:a14="http://schemas.microsoft.com/office/drawing/2010/main">
+                <a:effectLst>
+                  <a:outerShdw dist="35921" dir="2700000" algn="ctr" rotWithShape="0">
+                    <a:schemeClr val="bg2"/>
+                  </a:outerShdw>
+                </a:effectLst>
+              </a14:hiddenEffects>
+            </a:ext>
+          </a:extLst>
+        </p:spPr>
+      </p:pic>
     </p:spTree>
   </p:cSld>
   <p:clrMapOvr>
@@ -16118,70 +16760,6 @@
           </a:p>
         </p:txBody>
       </p:sp>
-      <p:pic>
-        <p:nvPicPr>
-          <p:cNvPr id="3074" name="Picture 2"/>
-          <p:cNvPicPr>
-            <a:picLocks noChangeAspect="1" noChangeArrowheads="1"/>
-          </p:cNvPicPr>
-          <p:nvPr/>
-        </p:nvPicPr>
-        <p:blipFill>
-          <a:blip r:embed="rId3" cstate="print"/>
-          <a:srcRect l="43614" t="10417" b="8333"/>
-          <a:stretch>
-            <a:fillRect/>
-          </a:stretch>
-        </p:blipFill>
-        <p:spPr bwMode="auto">
-          <a:xfrm>
-            <a:off x="457200" y="3124200"/>
-            <a:ext cx="3276600" cy="2824031"/>
-          </a:xfrm>
-          <a:prstGeom prst="rect">
-            <a:avLst/>
-          </a:prstGeom>
-          <a:noFill/>
-          <a:ln w="9525">
-            <a:noFill/>
-            <a:miter lim="800000"/>
-            <a:headEnd/>
-            <a:tailEnd/>
-          </a:ln>
-        </p:spPr>
-      </p:pic>
-      <p:pic>
-        <p:nvPicPr>
-          <p:cNvPr id="3075" name="Picture 3"/>
-          <p:cNvPicPr>
-            <a:picLocks noChangeAspect="1" noChangeArrowheads="1"/>
-          </p:cNvPicPr>
-          <p:nvPr/>
-        </p:nvPicPr>
-        <p:blipFill>
-          <a:blip r:embed="rId4" cstate="print"/>
-          <a:srcRect l="43614" t="10417" b="8333"/>
-          <a:stretch>
-            <a:fillRect/>
-          </a:stretch>
-        </p:blipFill>
-        <p:spPr bwMode="auto">
-          <a:xfrm>
-            <a:off x="2819400" y="1219200"/>
-            <a:ext cx="3276600" cy="2824031"/>
-          </a:xfrm>
-          <a:prstGeom prst="rect">
-            <a:avLst/>
-          </a:prstGeom>
-          <a:noFill/>
-          <a:ln w="9525">
-            <a:noFill/>
-            <a:miter lim="800000"/>
-            <a:headEnd/>
-            <a:tailEnd/>
-          </a:ln>
-        </p:spPr>
-      </p:pic>
       <p:sp>
         <p:nvSpPr>
           <p:cNvPr id="8" name="Content Placeholder 2"/>
@@ -16194,7 +16772,7 @@
         </p:nvSpPr>
         <p:spPr>
           <a:xfrm>
-            <a:off x="381000" y="2057400"/>
+            <a:off x="287044" y="2514600"/>
             <a:ext cx="2209800" cy="1219200"/>
           </a:xfrm>
         </p:spPr>
@@ -16222,7 +16800,7 @@
         </p:nvSpPr>
         <p:spPr bwMode="auto">
           <a:xfrm>
-            <a:off x="3810000" y="5181600"/>
+            <a:off x="4038600" y="5181600"/>
             <a:ext cx="1676400" cy="1219200"/>
           </a:xfrm>
           <a:prstGeom prst="rect">
@@ -16312,38 +16890,6 @@
           </a:p>
         </p:txBody>
       </p:sp>
-      <p:pic>
-        <p:nvPicPr>
-          <p:cNvPr id="3077" name="Picture 5"/>
-          <p:cNvPicPr>
-            <a:picLocks noChangeAspect="1" noChangeArrowheads="1"/>
-          </p:cNvPicPr>
-          <p:nvPr/>
-        </p:nvPicPr>
-        <p:blipFill>
-          <a:blip r:embed="rId5" cstate="print"/>
-          <a:srcRect l="43614" t="10417" b="9375"/>
-          <a:stretch>
-            <a:fillRect/>
-          </a:stretch>
-        </p:blipFill>
-        <p:spPr bwMode="auto">
-          <a:xfrm>
-            <a:off x="5498770" y="3200400"/>
-            <a:ext cx="3492830" cy="2971800"/>
-          </a:xfrm>
-          <a:prstGeom prst="rect">
-            <a:avLst/>
-          </a:prstGeom>
-          <a:noFill/>
-          <a:ln w="9525">
-            <a:noFill/>
-            <a:miter lim="800000"/>
-            <a:headEnd/>
-            <a:tailEnd/>
-          </a:ln>
-        </p:spPr>
-      </p:pic>
       <p:sp>
         <p:nvSpPr>
           <p:cNvPr id="11" name="Content Placeholder 2"/>
@@ -16354,7 +16900,7 @@
         </p:nvSpPr>
         <p:spPr bwMode="auto">
           <a:xfrm>
-            <a:off x="6096000" y="1143000"/>
+            <a:off x="6122634" y="1143000"/>
             <a:ext cx="2209800" cy="1219200"/>
           </a:xfrm>
           <a:prstGeom prst="rect">
@@ -16448,6 +16994,198 @@
           </a:p>
         </p:txBody>
       </p:sp>
+      <p:pic>
+        <p:nvPicPr>
+          <p:cNvPr id="2050" name="Picture 2"/>
+          <p:cNvPicPr>
+            <a:picLocks noChangeAspect="1" noChangeArrowheads="1"/>
+          </p:cNvPicPr>
+          <p:nvPr/>
+        </p:nvPicPr>
+        <p:blipFill>
+          <a:blip r:embed="rId3">
+            <a:extLst>
+              <a:ext uri="{28A0092B-C50C-407E-A947-70E740481C1C}">
+                <a14:useLocalDpi xmlns:a14="http://schemas.microsoft.com/office/drawing/2010/main" val="0"/>
+              </a:ext>
+            </a:extLst>
+          </a:blip>
+          <a:srcRect/>
+          <a:stretch>
+            <a:fillRect/>
+          </a:stretch>
+        </p:blipFill>
+        <p:spPr bwMode="auto">
+          <a:xfrm>
+            <a:off x="377452" y="3581400"/>
+            <a:ext cx="3661148" cy="2479246"/>
+          </a:xfrm>
+          <a:prstGeom prst="rect">
+            <a:avLst/>
+          </a:prstGeom>
+          <a:noFill/>
+          <a:ln>
+            <a:noFill/>
+          </a:ln>
+          <a:effectLst/>
+          <a:extLst>
+            <a:ext uri="{909E8E84-426E-40DD-AFC4-6F175D3DCCD1}">
+              <a14:hiddenFill xmlns:a14="http://schemas.microsoft.com/office/drawing/2010/main">
+                <a:solidFill>
+                  <a:schemeClr val="accent1"/>
+                </a:solidFill>
+              </a14:hiddenFill>
+            </a:ext>
+            <a:ext uri="{91240B29-F687-4F45-9708-019B960494DF}">
+              <a14:hiddenLine xmlns:a14="http://schemas.microsoft.com/office/drawing/2010/main" w="9525">
+                <a:solidFill>
+                  <a:schemeClr val="tx1"/>
+                </a:solidFill>
+                <a:miter lim="800000"/>
+                <a:headEnd/>
+                <a:tailEnd/>
+              </a14:hiddenLine>
+            </a:ext>
+            <a:ext uri="{AF507438-7753-43E0-B8FC-AC1667EBCBE1}">
+              <a14:hiddenEffects xmlns:a14="http://schemas.microsoft.com/office/drawing/2010/main">
+                <a:effectLst>
+                  <a:outerShdw dist="35921" dir="2700000" algn="ctr" rotWithShape="0">
+                    <a:schemeClr val="bg2"/>
+                  </a:outerShdw>
+                </a:effectLst>
+              </a14:hiddenEffects>
+            </a:ext>
+          </a:extLst>
+        </p:spPr>
+      </p:pic>
+      <p:pic>
+        <p:nvPicPr>
+          <p:cNvPr id="2052" name="Picture 4"/>
+          <p:cNvPicPr>
+            <a:picLocks noChangeAspect="1" noChangeArrowheads="1"/>
+          </p:cNvPicPr>
+          <p:nvPr/>
+        </p:nvPicPr>
+        <p:blipFill>
+          <a:blip r:embed="rId4">
+            <a:extLst>
+              <a:ext uri="{28A0092B-C50C-407E-A947-70E740481C1C}">
+                <a14:useLocalDpi xmlns:a14="http://schemas.microsoft.com/office/drawing/2010/main" val="0"/>
+              </a:ext>
+            </a:extLst>
+          </a:blip>
+          <a:srcRect/>
+          <a:stretch>
+            <a:fillRect/>
+          </a:stretch>
+        </p:blipFill>
+        <p:spPr bwMode="auto">
+          <a:xfrm>
+            <a:off x="2511053" y="1219200"/>
+            <a:ext cx="3661147" cy="2460860"/>
+          </a:xfrm>
+          <a:prstGeom prst="rect">
+            <a:avLst/>
+          </a:prstGeom>
+          <a:noFill/>
+          <a:ln>
+            <a:noFill/>
+          </a:ln>
+          <a:effectLst/>
+          <a:extLst>
+            <a:ext uri="{909E8E84-426E-40DD-AFC4-6F175D3DCCD1}">
+              <a14:hiddenFill xmlns:a14="http://schemas.microsoft.com/office/drawing/2010/main">
+                <a:solidFill>
+                  <a:schemeClr val="accent1"/>
+                </a:solidFill>
+              </a14:hiddenFill>
+            </a:ext>
+            <a:ext uri="{91240B29-F687-4F45-9708-019B960494DF}">
+              <a14:hiddenLine xmlns:a14="http://schemas.microsoft.com/office/drawing/2010/main" w="9525">
+                <a:solidFill>
+                  <a:schemeClr val="tx1"/>
+                </a:solidFill>
+                <a:miter lim="800000"/>
+                <a:headEnd/>
+                <a:tailEnd/>
+              </a14:hiddenLine>
+            </a:ext>
+            <a:ext uri="{AF507438-7753-43E0-B8FC-AC1667EBCBE1}">
+              <a14:hiddenEffects xmlns:a14="http://schemas.microsoft.com/office/drawing/2010/main">
+                <a:effectLst>
+                  <a:outerShdw dist="35921" dir="2700000" algn="ctr" rotWithShape="0">
+                    <a:schemeClr val="bg2"/>
+                  </a:outerShdw>
+                </a:effectLst>
+              </a14:hiddenEffects>
+            </a:ext>
+          </a:extLst>
+        </p:spPr>
+      </p:pic>
+      <p:pic>
+        <p:nvPicPr>
+          <p:cNvPr id="2053" name="Picture 5"/>
+          <p:cNvPicPr>
+            <a:picLocks noChangeAspect="1" noChangeArrowheads="1"/>
+          </p:cNvPicPr>
+          <p:nvPr/>
+        </p:nvPicPr>
+        <p:blipFill>
+          <a:blip r:embed="rId5">
+            <a:extLst>
+              <a:ext uri="{28A0092B-C50C-407E-A947-70E740481C1C}">
+                <a14:useLocalDpi xmlns:a14="http://schemas.microsoft.com/office/drawing/2010/main" val="0"/>
+              </a:ext>
+            </a:extLst>
+          </a:blip>
+          <a:srcRect/>
+          <a:stretch>
+            <a:fillRect/>
+          </a:stretch>
+        </p:blipFill>
+        <p:spPr bwMode="auto">
+          <a:xfrm>
+            <a:off x="5691187" y="3071208"/>
+            <a:ext cx="2995613" cy="3123515"/>
+          </a:xfrm>
+          <a:prstGeom prst="rect">
+            <a:avLst/>
+          </a:prstGeom>
+          <a:noFill/>
+          <a:ln>
+            <a:noFill/>
+          </a:ln>
+          <a:effectLst/>
+          <a:extLst>
+            <a:ext uri="{909E8E84-426E-40DD-AFC4-6F175D3DCCD1}">
+              <a14:hiddenFill xmlns:a14="http://schemas.microsoft.com/office/drawing/2010/main">
+                <a:solidFill>
+                  <a:schemeClr val="accent1"/>
+                </a:solidFill>
+              </a14:hiddenFill>
+            </a:ext>
+            <a:ext uri="{91240B29-F687-4F45-9708-019B960494DF}">
+              <a14:hiddenLine xmlns:a14="http://schemas.microsoft.com/office/drawing/2010/main" w="9525">
+                <a:solidFill>
+                  <a:schemeClr val="tx1"/>
+                </a:solidFill>
+                <a:miter lim="800000"/>
+                <a:headEnd/>
+                <a:tailEnd/>
+              </a14:hiddenLine>
+            </a:ext>
+            <a:ext uri="{AF507438-7753-43E0-B8FC-AC1667EBCBE1}">
+              <a14:hiddenEffects xmlns:a14="http://schemas.microsoft.com/office/drawing/2010/main">
+                <a:effectLst>
+                  <a:outerShdw dist="35921" dir="2700000" algn="ctr" rotWithShape="0">
+                    <a:schemeClr val="bg2"/>
+                  </a:outerShdw>
+                </a:effectLst>
+              </a14:hiddenEffects>
+            </a:ext>
+          </a:extLst>
+        </p:spPr>
+      </p:pic>
     </p:spTree>
   </p:cSld>
   <p:clrMapOvr>
@@ -16553,7 +17291,7 @@
       </p:sp>
       <p:pic>
         <p:nvPicPr>
-          <p:cNvPr id="5" name="Picture 2" descr="C:\Users\lasso\Desktop\DvhOverview.png"/>
+          <p:cNvPr id="3074" name="Picture 2"/>
           <p:cNvPicPr>
             <a:picLocks noChangeAspect="1" noChangeArrowheads="1"/>
           </p:cNvPicPr>
@@ -16574,20 +17312,43 @@
         </p:blipFill>
         <p:spPr bwMode="auto">
           <a:xfrm>
-            <a:off x="192793" y="1143000"/>
-            <a:ext cx="8722607" cy="4724400"/>
+            <a:off x="193088" y="898525"/>
+            <a:ext cx="8763000" cy="4746625"/>
           </a:xfrm>
           <a:prstGeom prst="rect">
             <a:avLst/>
           </a:prstGeom>
           <a:noFill/>
+          <a:ln>
+            <a:noFill/>
+          </a:ln>
+          <a:effectLst/>
           <a:extLst>
             <a:ext uri="{909E8E84-426E-40DD-AFC4-6F175D3DCCD1}">
               <a14:hiddenFill xmlns:a14="http://schemas.microsoft.com/office/drawing/2010/main">
                 <a:solidFill>
-                  <a:srgbClr val="FFFFFF"/>
+                  <a:schemeClr val="accent1"/>
                 </a:solidFill>
               </a14:hiddenFill>
+            </a:ext>
+            <a:ext uri="{91240B29-F687-4F45-9708-019B960494DF}">
+              <a14:hiddenLine xmlns:a14="http://schemas.microsoft.com/office/drawing/2010/main" w="9525">
+                <a:solidFill>
+                  <a:schemeClr val="tx1"/>
+                </a:solidFill>
+                <a:miter lim="800000"/>
+                <a:headEnd/>
+                <a:tailEnd/>
+              </a14:hiddenLine>
+            </a:ext>
+            <a:ext uri="{AF507438-7753-43E0-B8FC-AC1667EBCBE1}">
+              <a14:hiddenEffects xmlns:a14="http://schemas.microsoft.com/office/drawing/2010/main">
+                <a:effectLst>
+                  <a:outerShdw dist="35921" dir="2700000" algn="ctr" rotWithShape="0">
+                    <a:schemeClr val="bg2"/>
+                  </a:outerShdw>
+                </a:effectLst>
+              </a14:hiddenEffects>
             </a:ext>
           </a:extLst>
         </p:spPr>
@@ -16624,6 +17385,70 @@
           <a:chExt cx="0" cy="0"/>
         </a:xfrm>
       </p:grpSpPr>
+      <p:pic>
+        <p:nvPicPr>
+          <p:cNvPr id="4098" name="Picture 2"/>
+          <p:cNvPicPr>
+            <a:picLocks noChangeAspect="1" noChangeArrowheads="1"/>
+          </p:cNvPicPr>
+          <p:nvPr/>
+        </p:nvPicPr>
+        <p:blipFill>
+          <a:blip r:embed="rId3">
+            <a:extLst>
+              <a:ext uri="{28A0092B-C50C-407E-A947-70E740481C1C}">
+                <a14:useLocalDpi xmlns:a14="http://schemas.microsoft.com/office/drawing/2010/main" val="0"/>
+              </a:ext>
+            </a:extLst>
+          </a:blip>
+          <a:srcRect/>
+          <a:stretch>
+            <a:fillRect/>
+          </a:stretch>
+        </p:blipFill>
+        <p:spPr bwMode="auto">
+          <a:xfrm>
+            <a:off x="4488396" y="152400"/>
+            <a:ext cx="4046004" cy="6086475"/>
+          </a:xfrm>
+          <a:prstGeom prst="rect">
+            <a:avLst/>
+          </a:prstGeom>
+          <a:noFill/>
+          <a:ln>
+            <a:noFill/>
+          </a:ln>
+          <a:effectLst/>
+          <a:extLst>
+            <a:ext uri="{909E8E84-426E-40DD-AFC4-6F175D3DCCD1}">
+              <a14:hiddenFill xmlns:a14="http://schemas.microsoft.com/office/drawing/2010/main">
+                <a:solidFill>
+                  <a:schemeClr val="accent1"/>
+                </a:solidFill>
+              </a14:hiddenFill>
+            </a:ext>
+            <a:ext uri="{91240B29-F687-4F45-9708-019B960494DF}">
+              <a14:hiddenLine xmlns:a14="http://schemas.microsoft.com/office/drawing/2010/main" w="9525">
+                <a:solidFill>
+                  <a:schemeClr val="tx1"/>
+                </a:solidFill>
+                <a:miter lim="800000"/>
+                <a:headEnd/>
+                <a:tailEnd/>
+              </a14:hiddenLine>
+            </a:ext>
+            <a:ext uri="{AF507438-7753-43E0-B8FC-AC1667EBCBE1}">
+              <a14:hiddenEffects xmlns:a14="http://schemas.microsoft.com/office/drawing/2010/main">
+                <a:effectLst>
+                  <a:outerShdw dist="35921" dir="2700000" algn="ctr" rotWithShape="0">
+                    <a:schemeClr val="bg2"/>
+                  </a:outerShdw>
+                </a:effectLst>
+              </a14:hiddenEffects>
+            </a:ext>
+          </a:extLst>
+        </p:spPr>
+      </p:pic>
       <p:sp>
         <p:nvSpPr>
           <p:cNvPr id="11" name="Footer Placeholder 10"/>
@@ -16737,47 +17562,6 @@
           </a:p>
         </p:txBody>
       </p:sp>
-      <p:pic>
-        <p:nvPicPr>
-          <p:cNvPr id="1027" name="Picture 3" descr="C:\Users\lasso\Desktop\DoseMetrics.png"/>
-          <p:cNvPicPr>
-            <a:picLocks noChangeAspect="1" noChangeArrowheads="1"/>
-          </p:cNvPicPr>
-          <p:nvPr/>
-        </p:nvPicPr>
-        <p:blipFill>
-          <a:blip r:embed="rId3">
-            <a:extLst>
-              <a:ext uri="{28A0092B-C50C-407E-A947-70E740481C1C}">
-                <a14:useLocalDpi xmlns:a14="http://schemas.microsoft.com/office/drawing/2010/main" val="0"/>
-              </a:ext>
-            </a:extLst>
-          </a:blip>
-          <a:srcRect/>
-          <a:stretch>
-            <a:fillRect/>
-          </a:stretch>
-        </p:blipFill>
-        <p:spPr bwMode="auto">
-          <a:xfrm>
-            <a:off x="4548810" y="228600"/>
-            <a:ext cx="4366590" cy="5870510"/>
-          </a:xfrm>
-          <a:prstGeom prst="rect">
-            <a:avLst/>
-          </a:prstGeom>
-          <a:noFill/>
-          <a:extLst>
-            <a:ext uri="{909E8E84-426E-40DD-AFC4-6F175D3DCCD1}">
-              <a14:hiddenFill xmlns:a14="http://schemas.microsoft.com/office/drawing/2010/main">
-                <a:solidFill>
-                  <a:srgbClr val="FFFFFF"/>
-                </a:solidFill>
-              </a14:hiddenFill>
-            </a:ext>
-          </a:extLst>
-        </p:spPr>
-      </p:pic>
       <p:sp>
         <p:nvSpPr>
           <p:cNvPr id="5" name="Title 1"/>
